--- a/tests/docs/sample.pptx
+++ b/tests/docs/sample.pptx
@@ -2,7 +2,7 @@
 <file path=ppt/presentation.xml><?xml version="1.0" encoding="utf-8"?>
 <p:presentation xmlns:a="http://schemas.openxmlformats.org/drawingml/2006/main" xmlns:r="http://schemas.openxmlformats.org/officeDocument/2006/relationships" xmlns:mc="http://schemas.openxmlformats.org/markup-compatibility/2006" xmlns:mv="urn:schemas-microsoft-com:mac:vml" xmlns:p="http://schemas.openxmlformats.org/presentationml/2006/main" xmlns:c="http://schemas.openxmlformats.org/drawingml/2006/chart" xmlns:dgm="http://schemas.openxmlformats.org/drawingml/2006/diagram" xmlns:o="urn:schemas-microsoft-com:office:office" xmlns:v="urn:schemas-microsoft-com:vml" xmlns:pvml="urn:schemas-microsoft-com:office:powerpoint" xmlns:com="http://schemas.openxmlformats.org/drawingml/2006/compatibility" xmlns:p14="http://schemas.microsoft.com/office/powerpoint/2010/main" xmlns:p15="http://schemas.microsoft.com/office/powerpoint/2012/main" xmlns:ahyp="http://schemas.microsoft.com/office/drawing/2018/hyperlinkcolor" autoCompressPictures="0" strictFirstAndLastChars="0" saveSubsetFonts="1">
   <p:sldMasterIdLst>
-    <p:sldMasterId id="2147483659" r:id="rId4"/>
+    <p:sldMasterId id="2147483648" r:id="rId4"/>
   </p:sldMasterIdLst>
   <p:notesMasterIdLst>
     <p:notesMasterId r:id="rId5"/>
@@ -256,6 +256,9 @@
         </p15:guide>
       </p15:sldGuideLst>
     </p:ext>
+    <p:ext uri="GoogleSlidesCustomDataVersion2">
+      <go:slidesCustomData xmlns:go="http://customooxmlschemas.google.com/" r:id="rId7" roundtripDataSignature="AMtx7mgAtXFM9VxZpldAfkhVmlfCo+dFZw=="/>
+    </p:ext>
   </p:extLst>
 </p:presentation>
 </file>
@@ -348,104 +351,239 @@
             <a:noAutofit/>
           </a:bodyPr>
           <a:lstStyle>
-            <a:lvl1pPr indent="-298450" lvl="0" marL="457200">
-              <a:spcBef>
-                <a:spcPts val="0"/>
-              </a:spcBef>
-              <a:spcAft>
-                <a:spcPts val="0"/>
-              </a:spcAft>
+            <a:lvl1pPr indent="-298450" lvl="0" marL="457200" marR="0" rtl="0" algn="l">
+              <a:lnSpc>
+                <a:spcPct val="100000"/>
+              </a:lnSpc>
+              <a:spcBef>
+                <a:spcPts val="0"/>
+              </a:spcBef>
+              <a:spcAft>
+                <a:spcPts val="0"/>
+              </a:spcAft>
+              <a:buClr>
+                <a:srgbClr val="000000"/>
+              </a:buClr>
               <a:buSzPts val="1100"/>
+              <a:buFont typeface="Arial"/>
               <a:buChar char="●"/>
-              <a:defRPr sz="1100"/>
+              <a:defRPr b="0" i="0" sz="1100" u="none" cap="none" strike="noStrike">
+                <a:solidFill>
+                  <a:srgbClr val="000000"/>
+                </a:solidFill>
+                <a:latin typeface="Arial"/>
+                <a:ea typeface="Arial"/>
+                <a:cs typeface="Arial"/>
+                <a:sym typeface="Arial"/>
+              </a:defRPr>
             </a:lvl1pPr>
-            <a:lvl2pPr indent="-298450" lvl="1" marL="914400">
-              <a:spcBef>
-                <a:spcPts val="0"/>
-              </a:spcBef>
-              <a:spcAft>
-                <a:spcPts val="0"/>
-              </a:spcAft>
+            <a:lvl2pPr indent="-298450" lvl="1" marL="914400" marR="0" rtl="0" algn="l">
+              <a:lnSpc>
+                <a:spcPct val="100000"/>
+              </a:lnSpc>
+              <a:spcBef>
+                <a:spcPts val="0"/>
+              </a:spcBef>
+              <a:spcAft>
+                <a:spcPts val="0"/>
+              </a:spcAft>
+              <a:buClr>
+                <a:srgbClr val="000000"/>
+              </a:buClr>
               <a:buSzPts val="1100"/>
+              <a:buFont typeface="Arial"/>
               <a:buChar char="○"/>
-              <a:defRPr sz="1100"/>
+              <a:defRPr b="0" i="0" sz="1100" u="none" cap="none" strike="noStrike">
+                <a:solidFill>
+                  <a:srgbClr val="000000"/>
+                </a:solidFill>
+                <a:latin typeface="Arial"/>
+                <a:ea typeface="Arial"/>
+                <a:cs typeface="Arial"/>
+                <a:sym typeface="Arial"/>
+              </a:defRPr>
             </a:lvl2pPr>
-            <a:lvl3pPr indent="-298450" lvl="2" marL="1371600">
-              <a:spcBef>
-                <a:spcPts val="0"/>
-              </a:spcBef>
-              <a:spcAft>
-                <a:spcPts val="0"/>
-              </a:spcAft>
+            <a:lvl3pPr indent="-298450" lvl="2" marL="1371600" marR="0" rtl="0" algn="l">
+              <a:lnSpc>
+                <a:spcPct val="100000"/>
+              </a:lnSpc>
+              <a:spcBef>
+                <a:spcPts val="0"/>
+              </a:spcBef>
+              <a:spcAft>
+                <a:spcPts val="0"/>
+              </a:spcAft>
+              <a:buClr>
+                <a:srgbClr val="000000"/>
+              </a:buClr>
               <a:buSzPts val="1100"/>
+              <a:buFont typeface="Arial"/>
               <a:buChar char="■"/>
-              <a:defRPr sz="1100"/>
+              <a:defRPr b="0" i="0" sz="1100" u="none" cap="none" strike="noStrike">
+                <a:solidFill>
+                  <a:srgbClr val="000000"/>
+                </a:solidFill>
+                <a:latin typeface="Arial"/>
+                <a:ea typeface="Arial"/>
+                <a:cs typeface="Arial"/>
+                <a:sym typeface="Arial"/>
+              </a:defRPr>
             </a:lvl3pPr>
-            <a:lvl4pPr indent="-298450" lvl="3" marL="1828800">
-              <a:spcBef>
-                <a:spcPts val="0"/>
-              </a:spcBef>
-              <a:spcAft>
-                <a:spcPts val="0"/>
-              </a:spcAft>
+            <a:lvl4pPr indent="-298450" lvl="3" marL="1828800" marR="0" rtl="0" algn="l">
+              <a:lnSpc>
+                <a:spcPct val="100000"/>
+              </a:lnSpc>
+              <a:spcBef>
+                <a:spcPts val="0"/>
+              </a:spcBef>
+              <a:spcAft>
+                <a:spcPts val="0"/>
+              </a:spcAft>
+              <a:buClr>
+                <a:srgbClr val="000000"/>
+              </a:buClr>
               <a:buSzPts val="1100"/>
+              <a:buFont typeface="Arial"/>
               <a:buChar char="●"/>
-              <a:defRPr sz="1100"/>
+              <a:defRPr b="0" i="0" sz="1100" u="none" cap="none" strike="noStrike">
+                <a:solidFill>
+                  <a:srgbClr val="000000"/>
+                </a:solidFill>
+                <a:latin typeface="Arial"/>
+                <a:ea typeface="Arial"/>
+                <a:cs typeface="Arial"/>
+                <a:sym typeface="Arial"/>
+              </a:defRPr>
             </a:lvl4pPr>
-            <a:lvl5pPr indent="-298450" lvl="4" marL="2286000">
-              <a:spcBef>
-                <a:spcPts val="0"/>
-              </a:spcBef>
-              <a:spcAft>
-                <a:spcPts val="0"/>
-              </a:spcAft>
+            <a:lvl5pPr indent="-298450" lvl="4" marL="2286000" marR="0" rtl="0" algn="l">
+              <a:lnSpc>
+                <a:spcPct val="100000"/>
+              </a:lnSpc>
+              <a:spcBef>
+                <a:spcPts val="0"/>
+              </a:spcBef>
+              <a:spcAft>
+                <a:spcPts val="0"/>
+              </a:spcAft>
+              <a:buClr>
+                <a:srgbClr val="000000"/>
+              </a:buClr>
               <a:buSzPts val="1100"/>
+              <a:buFont typeface="Arial"/>
               <a:buChar char="○"/>
-              <a:defRPr sz="1100"/>
+              <a:defRPr b="0" i="0" sz="1100" u="none" cap="none" strike="noStrike">
+                <a:solidFill>
+                  <a:srgbClr val="000000"/>
+                </a:solidFill>
+                <a:latin typeface="Arial"/>
+                <a:ea typeface="Arial"/>
+                <a:cs typeface="Arial"/>
+                <a:sym typeface="Arial"/>
+              </a:defRPr>
             </a:lvl5pPr>
-            <a:lvl6pPr indent="-298450" lvl="5" marL="2743200">
-              <a:spcBef>
-                <a:spcPts val="0"/>
-              </a:spcBef>
-              <a:spcAft>
-                <a:spcPts val="0"/>
-              </a:spcAft>
+            <a:lvl6pPr indent="-298450" lvl="5" marL="2743200" marR="0" rtl="0" algn="l">
+              <a:lnSpc>
+                <a:spcPct val="100000"/>
+              </a:lnSpc>
+              <a:spcBef>
+                <a:spcPts val="0"/>
+              </a:spcBef>
+              <a:spcAft>
+                <a:spcPts val="0"/>
+              </a:spcAft>
+              <a:buClr>
+                <a:srgbClr val="000000"/>
+              </a:buClr>
               <a:buSzPts val="1100"/>
+              <a:buFont typeface="Arial"/>
               <a:buChar char="■"/>
-              <a:defRPr sz="1100"/>
+              <a:defRPr b="0" i="0" sz="1100" u="none" cap="none" strike="noStrike">
+                <a:solidFill>
+                  <a:srgbClr val="000000"/>
+                </a:solidFill>
+                <a:latin typeface="Arial"/>
+                <a:ea typeface="Arial"/>
+                <a:cs typeface="Arial"/>
+                <a:sym typeface="Arial"/>
+              </a:defRPr>
             </a:lvl6pPr>
-            <a:lvl7pPr indent="-298450" lvl="6" marL="3200400">
-              <a:spcBef>
-                <a:spcPts val="0"/>
-              </a:spcBef>
-              <a:spcAft>
-                <a:spcPts val="0"/>
-              </a:spcAft>
+            <a:lvl7pPr indent="-298450" lvl="6" marL="3200400" marR="0" rtl="0" algn="l">
+              <a:lnSpc>
+                <a:spcPct val="100000"/>
+              </a:lnSpc>
+              <a:spcBef>
+                <a:spcPts val="0"/>
+              </a:spcBef>
+              <a:spcAft>
+                <a:spcPts val="0"/>
+              </a:spcAft>
+              <a:buClr>
+                <a:srgbClr val="000000"/>
+              </a:buClr>
               <a:buSzPts val="1100"/>
+              <a:buFont typeface="Arial"/>
               <a:buChar char="●"/>
-              <a:defRPr sz="1100"/>
+              <a:defRPr b="0" i="0" sz="1100" u="none" cap="none" strike="noStrike">
+                <a:solidFill>
+                  <a:srgbClr val="000000"/>
+                </a:solidFill>
+                <a:latin typeface="Arial"/>
+                <a:ea typeface="Arial"/>
+                <a:cs typeface="Arial"/>
+                <a:sym typeface="Arial"/>
+              </a:defRPr>
             </a:lvl7pPr>
-            <a:lvl8pPr indent="-298450" lvl="7" marL="3657600">
-              <a:spcBef>
-                <a:spcPts val="0"/>
-              </a:spcBef>
-              <a:spcAft>
-                <a:spcPts val="0"/>
-              </a:spcAft>
+            <a:lvl8pPr indent="-298450" lvl="7" marL="3657600" marR="0" rtl="0" algn="l">
+              <a:lnSpc>
+                <a:spcPct val="100000"/>
+              </a:lnSpc>
+              <a:spcBef>
+                <a:spcPts val="0"/>
+              </a:spcBef>
+              <a:spcAft>
+                <a:spcPts val="0"/>
+              </a:spcAft>
+              <a:buClr>
+                <a:srgbClr val="000000"/>
+              </a:buClr>
               <a:buSzPts val="1100"/>
+              <a:buFont typeface="Arial"/>
               <a:buChar char="○"/>
-              <a:defRPr sz="1100"/>
+              <a:defRPr b="0" i="0" sz="1100" u="none" cap="none" strike="noStrike">
+                <a:solidFill>
+                  <a:srgbClr val="000000"/>
+                </a:solidFill>
+                <a:latin typeface="Arial"/>
+                <a:ea typeface="Arial"/>
+                <a:cs typeface="Arial"/>
+                <a:sym typeface="Arial"/>
+              </a:defRPr>
             </a:lvl8pPr>
-            <a:lvl9pPr indent="-298450" lvl="8" marL="4114800">
-              <a:spcBef>
-                <a:spcPts val="0"/>
-              </a:spcBef>
-              <a:spcAft>
-                <a:spcPts val="0"/>
-              </a:spcAft>
+            <a:lvl9pPr indent="-298450" lvl="8" marL="4114800" marR="0" rtl="0" algn="l">
+              <a:lnSpc>
+                <a:spcPct val="100000"/>
+              </a:lnSpc>
+              <a:spcBef>
+                <a:spcPts val="0"/>
+              </a:spcBef>
+              <a:spcAft>
+                <a:spcPts val="0"/>
+              </a:spcAft>
+              <a:buClr>
+                <a:srgbClr val="000000"/>
+              </a:buClr>
               <a:buSzPts val="1100"/>
+              <a:buFont typeface="Arial"/>
               <a:buChar char="■"/>
-              <a:defRPr sz="1100"/>
+              <a:defRPr b="0" i="0" sz="1100" u="none" cap="none" strike="noStrike">
+                <a:solidFill>
+                  <a:srgbClr val="000000"/>
+                </a:solidFill>
+                <a:latin typeface="Arial"/>
+                <a:ea typeface="Arial"/>
+                <a:cs typeface="Arial"/>
+                <a:sym typeface="Arial"/>
+              </a:defRPr>
             </a:lvl9pPr>
           </a:lstStyle>
           <a:p/>
@@ -705,7 +843,7 @@
       </p:grpSpPr>
       <p:sp>
         <p:nvSpPr>
-          <p:cNvPr id="51" name="Google Shape;51;p:notes"/>
+          <p:cNvPr id="51" name="Google Shape;51;p1:notes"/>
           <p:cNvSpPr/>
           <p:nvPr>
             <p:ph idx="2" type="sldImg"/>
@@ -736,11 +874,21 @@
               </a:path>
             </a:pathLst>
           </a:custGeom>
+          <a:noFill/>
+          <a:ln cap="flat" cmpd="sng" w="9525">
+            <a:solidFill>
+              <a:srgbClr val="000000"/>
+            </a:solidFill>
+            <a:prstDash val="solid"/>
+            <a:round/>
+            <a:headEnd len="sm" w="sm" type="none"/>
+            <a:tailEnd len="sm" w="sm" type="none"/>
+          </a:ln>
         </p:spPr>
       </p:sp>
       <p:sp>
         <p:nvSpPr>
-          <p:cNvPr id="52" name="Google Shape;52;p:notes"/>
+          <p:cNvPr id="52" name="Google Shape;52;p1:notes"/>
           <p:cNvSpPr txBox="1"/>
           <p:nvPr>
             <p:ph idx="1" type="body"/>
@@ -754,6 +902,10 @@
           <a:prstGeom prst="rect">
             <a:avLst/>
           </a:prstGeom>
+          <a:noFill/>
+          <a:ln>
+            <a:noFill/>
+          </a:ln>
         </p:spPr>
         <p:txBody>
           <a:bodyPr anchorCtr="0" anchor="t" bIns="91425" lIns="91425" spcFirstLastPara="1" rIns="91425" wrap="square" tIns="91425">
@@ -762,12 +914,16 @@
           <a:lstStyle/>
           <a:p>
             <a:pPr indent="0" lvl="0" marL="0" rtl="0" algn="l">
-              <a:spcBef>
-                <a:spcPts val="0"/>
-              </a:spcBef>
-              <a:spcAft>
-                <a:spcPts val="0"/>
-              </a:spcAft>
+              <a:lnSpc>
+                <a:spcPct val="100000"/>
+              </a:lnSpc>
+              <a:spcBef>
+                <a:spcPts val="0"/>
+              </a:spcBef>
+              <a:spcAft>
+                <a:spcPts val="0"/>
+              </a:spcAft>
+              <a:buSzPts val="1100"/>
               <a:buNone/>
             </a:pPr>
             <a:r>
@@ -804,7 +960,7 @@
       </p:grpSpPr>
       <p:sp>
         <p:nvSpPr>
-          <p:cNvPr id="10" name="Google Shape;10;p2"/>
+          <p:cNvPr id="10" name="Google Shape;10;p3"/>
           <p:cNvSpPr txBox="1"/>
           <p:nvPr>
             <p:ph type="ctrTitle"/>
@@ -818,6 +974,10 @@
           <a:prstGeom prst="rect">
             <a:avLst/>
           </a:prstGeom>
+          <a:noFill/>
+          <a:ln>
+            <a:noFill/>
+          </a:ln>
         </p:spPr>
         <p:txBody>
           <a:bodyPr anchorCtr="0" anchor="b" bIns="91425" lIns="91425" spcFirstLastPara="1" rIns="91425" wrap="square" tIns="91425">
@@ -825,6 +985,9 @@
           </a:bodyPr>
           <a:lstStyle>
             <a:lvl1pPr lvl="0" algn="ctr">
+              <a:lnSpc>
+                <a:spcPct val="100000"/>
+              </a:lnSpc>
               <a:spcBef>
                 <a:spcPts val="0"/>
               </a:spcBef>
@@ -836,6 +999,9 @@
               <a:defRPr sz="5200"/>
             </a:lvl1pPr>
             <a:lvl2pPr lvl="1" algn="ctr">
+              <a:lnSpc>
+                <a:spcPct val="100000"/>
+              </a:lnSpc>
               <a:spcBef>
                 <a:spcPts val="0"/>
               </a:spcBef>
@@ -847,6 +1013,9 @@
               <a:defRPr sz="5200"/>
             </a:lvl2pPr>
             <a:lvl3pPr lvl="2" algn="ctr">
+              <a:lnSpc>
+                <a:spcPct val="100000"/>
+              </a:lnSpc>
               <a:spcBef>
                 <a:spcPts val="0"/>
               </a:spcBef>
@@ -858,6 +1027,9 @@
               <a:defRPr sz="5200"/>
             </a:lvl3pPr>
             <a:lvl4pPr lvl="3" algn="ctr">
+              <a:lnSpc>
+                <a:spcPct val="100000"/>
+              </a:lnSpc>
               <a:spcBef>
                 <a:spcPts val="0"/>
               </a:spcBef>
@@ -869,6 +1041,9 @@
               <a:defRPr sz="5200"/>
             </a:lvl4pPr>
             <a:lvl5pPr lvl="4" algn="ctr">
+              <a:lnSpc>
+                <a:spcPct val="100000"/>
+              </a:lnSpc>
               <a:spcBef>
                 <a:spcPts val="0"/>
               </a:spcBef>
@@ -880,6 +1055,9 @@
               <a:defRPr sz="5200"/>
             </a:lvl5pPr>
             <a:lvl6pPr lvl="5" algn="ctr">
+              <a:lnSpc>
+                <a:spcPct val="100000"/>
+              </a:lnSpc>
               <a:spcBef>
                 <a:spcPts val="0"/>
               </a:spcBef>
@@ -891,6 +1069,9 @@
               <a:defRPr sz="5200"/>
             </a:lvl6pPr>
             <a:lvl7pPr lvl="6" algn="ctr">
+              <a:lnSpc>
+                <a:spcPct val="100000"/>
+              </a:lnSpc>
               <a:spcBef>
                 <a:spcPts val="0"/>
               </a:spcBef>
@@ -902,6 +1083,9 @@
               <a:defRPr sz="5200"/>
             </a:lvl7pPr>
             <a:lvl8pPr lvl="7" algn="ctr">
+              <a:lnSpc>
+                <a:spcPct val="100000"/>
+              </a:lnSpc>
               <a:spcBef>
                 <a:spcPts val="0"/>
               </a:spcBef>
@@ -913,6 +1097,9 @@
               <a:defRPr sz="5200"/>
             </a:lvl8pPr>
             <a:lvl9pPr lvl="8" algn="ctr">
+              <a:lnSpc>
+                <a:spcPct val="100000"/>
+              </a:lnSpc>
               <a:spcBef>
                 <a:spcPts val="0"/>
               </a:spcBef>
@@ -929,7 +1116,7 @@
       </p:sp>
       <p:sp>
         <p:nvSpPr>
-          <p:cNvPr id="11" name="Google Shape;11;p2"/>
+          <p:cNvPr id="11" name="Google Shape;11;p3"/>
           <p:cNvSpPr txBox="1"/>
           <p:nvPr>
             <p:ph idx="1" type="subTitle"/>
@@ -943,6 +1130,10 @@
           <a:prstGeom prst="rect">
             <a:avLst/>
           </a:prstGeom>
+          <a:noFill/>
+          <a:ln>
+            <a:noFill/>
+          </a:ln>
         </p:spPr>
         <p:txBody>
           <a:bodyPr anchorCtr="0" anchor="t" bIns="91425" lIns="91425" spcFirstLastPara="1" rIns="91425" wrap="square" tIns="91425">
@@ -1081,7 +1272,7 @@
       </p:sp>
       <p:sp>
         <p:nvSpPr>
-          <p:cNvPr id="12" name="Google Shape;12;p2"/>
+          <p:cNvPr id="12" name="Google Shape;12;p3"/>
           <p:cNvSpPr txBox="1"/>
           <p:nvPr>
             <p:ph idx="12" type="sldNum"/>
@@ -1095,47 +1286,249 @@
           <a:prstGeom prst="rect">
             <a:avLst/>
           </a:prstGeom>
+          <a:noFill/>
+          <a:ln>
+            <a:noFill/>
+          </a:ln>
         </p:spPr>
         <p:txBody>
           <a:bodyPr anchorCtr="0" anchor="ctr" bIns="91425" lIns="91425" spcFirstLastPara="1" rIns="91425" wrap="square" tIns="91425">
             <a:normAutofit/>
           </a:bodyPr>
           <a:lstStyle>
-            <a:lvl1pPr lvl="0">
-              <a:buNone/>
-              <a:defRPr/>
+            <a:lvl1pPr indent="0" lvl="0" marL="0" marR="0" algn="r">
+              <a:lnSpc>
+                <a:spcPct val="100000"/>
+              </a:lnSpc>
+              <a:spcBef>
+                <a:spcPts val="0"/>
+              </a:spcBef>
+              <a:spcAft>
+                <a:spcPts val="0"/>
+              </a:spcAft>
+              <a:buClr>
+                <a:srgbClr val="000000"/>
+              </a:buClr>
+              <a:buSzPts val="1000"/>
+              <a:buFont typeface="Arial"/>
+              <a:buNone/>
+              <a:defRPr b="0" i="0" sz="1000" u="none" cap="none" strike="noStrike">
+                <a:solidFill>
+                  <a:schemeClr val="dk2"/>
+                </a:solidFill>
+                <a:latin typeface="Arial"/>
+                <a:ea typeface="Arial"/>
+                <a:cs typeface="Arial"/>
+                <a:sym typeface="Arial"/>
+              </a:defRPr>
             </a:lvl1pPr>
-            <a:lvl2pPr lvl="1">
-              <a:buNone/>
-              <a:defRPr/>
+            <a:lvl2pPr indent="0" lvl="1" marL="0" marR="0" algn="r">
+              <a:lnSpc>
+                <a:spcPct val="100000"/>
+              </a:lnSpc>
+              <a:spcBef>
+                <a:spcPts val="0"/>
+              </a:spcBef>
+              <a:spcAft>
+                <a:spcPts val="0"/>
+              </a:spcAft>
+              <a:buClr>
+                <a:srgbClr val="000000"/>
+              </a:buClr>
+              <a:buSzPts val="1000"/>
+              <a:buFont typeface="Arial"/>
+              <a:buNone/>
+              <a:defRPr b="0" i="0" sz="1000" u="none" cap="none" strike="noStrike">
+                <a:solidFill>
+                  <a:schemeClr val="dk2"/>
+                </a:solidFill>
+                <a:latin typeface="Arial"/>
+                <a:ea typeface="Arial"/>
+                <a:cs typeface="Arial"/>
+                <a:sym typeface="Arial"/>
+              </a:defRPr>
             </a:lvl2pPr>
-            <a:lvl3pPr lvl="2">
-              <a:buNone/>
-              <a:defRPr/>
+            <a:lvl3pPr indent="0" lvl="2" marL="0" marR="0" algn="r">
+              <a:lnSpc>
+                <a:spcPct val="100000"/>
+              </a:lnSpc>
+              <a:spcBef>
+                <a:spcPts val="0"/>
+              </a:spcBef>
+              <a:spcAft>
+                <a:spcPts val="0"/>
+              </a:spcAft>
+              <a:buClr>
+                <a:srgbClr val="000000"/>
+              </a:buClr>
+              <a:buSzPts val="1000"/>
+              <a:buFont typeface="Arial"/>
+              <a:buNone/>
+              <a:defRPr b="0" i="0" sz="1000" u="none" cap="none" strike="noStrike">
+                <a:solidFill>
+                  <a:schemeClr val="dk2"/>
+                </a:solidFill>
+                <a:latin typeface="Arial"/>
+                <a:ea typeface="Arial"/>
+                <a:cs typeface="Arial"/>
+                <a:sym typeface="Arial"/>
+              </a:defRPr>
             </a:lvl3pPr>
-            <a:lvl4pPr lvl="3">
-              <a:buNone/>
-              <a:defRPr/>
+            <a:lvl4pPr indent="0" lvl="3" marL="0" marR="0" algn="r">
+              <a:lnSpc>
+                <a:spcPct val="100000"/>
+              </a:lnSpc>
+              <a:spcBef>
+                <a:spcPts val="0"/>
+              </a:spcBef>
+              <a:spcAft>
+                <a:spcPts val="0"/>
+              </a:spcAft>
+              <a:buClr>
+                <a:srgbClr val="000000"/>
+              </a:buClr>
+              <a:buSzPts val="1000"/>
+              <a:buFont typeface="Arial"/>
+              <a:buNone/>
+              <a:defRPr b="0" i="0" sz="1000" u="none" cap="none" strike="noStrike">
+                <a:solidFill>
+                  <a:schemeClr val="dk2"/>
+                </a:solidFill>
+                <a:latin typeface="Arial"/>
+                <a:ea typeface="Arial"/>
+                <a:cs typeface="Arial"/>
+                <a:sym typeface="Arial"/>
+              </a:defRPr>
             </a:lvl4pPr>
-            <a:lvl5pPr lvl="4">
-              <a:buNone/>
-              <a:defRPr/>
+            <a:lvl5pPr indent="0" lvl="4" marL="0" marR="0" algn="r">
+              <a:lnSpc>
+                <a:spcPct val="100000"/>
+              </a:lnSpc>
+              <a:spcBef>
+                <a:spcPts val="0"/>
+              </a:spcBef>
+              <a:spcAft>
+                <a:spcPts val="0"/>
+              </a:spcAft>
+              <a:buClr>
+                <a:srgbClr val="000000"/>
+              </a:buClr>
+              <a:buSzPts val="1000"/>
+              <a:buFont typeface="Arial"/>
+              <a:buNone/>
+              <a:defRPr b="0" i="0" sz="1000" u="none" cap="none" strike="noStrike">
+                <a:solidFill>
+                  <a:schemeClr val="dk2"/>
+                </a:solidFill>
+                <a:latin typeface="Arial"/>
+                <a:ea typeface="Arial"/>
+                <a:cs typeface="Arial"/>
+                <a:sym typeface="Arial"/>
+              </a:defRPr>
             </a:lvl5pPr>
-            <a:lvl6pPr lvl="5">
-              <a:buNone/>
-              <a:defRPr/>
+            <a:lvl6pPr indent="0" lvl="5" marL="0" marR="0" algn="r">
+              <a:lnSpc>
+                <a:spcPct val="100000"/>
+              </a:lnSpc>
+              <a:spcBef>
+                <a:spcPts val="0"/>
+              </a:spcBef>
+              <a:spcAft>
+                <a:spcPts val="0"/>
+              </a:spcAft>
+              <a:buClr>
+                <a:srgbClr val="000000"/>
+              </a:buClr>
+              <a:buSzPts val="1000"/>
+              <a:buFont typeface="Arial"/>
+              <a:buNone/>
+              <a:defRPr b="0" i="0" sz="1000" u="none" cap="none" strike="noStrike">
+                <a:solidFill>
+                  <a:schemeClr val="dk2"/>
+                </a:solidFill>
+                <a:latin typeface="Arial"/>
+                <a:ea typeface="Arial"/>
+                <a:cs typeface="Arial"/>
+                <a:sym typeface="Arial"/>
+              </a:defRPr>
             </a:lvl6pPr>
-            <a:lvl7pPr lvl="6">
-              <a:buNone/>
-              <a:defRPr/>
+            <a:lvl7pPr indent="0" lvl="6" marL="0" marR="0" algn="r">
+              <a:lnSpc>
+                <a:spcPct val="100000"/>
+              </a:lnSpc>
+              <a:spcBef>
+                <a:spcPts val="0"/>
+              </a:spcBef>
+              <a:spcAft>
+                <a:spcPts val="0"/>
+              </a:spcAft>
+              <a:buClr>
+                <a:srgbClr val="000000"/>
+              </a:buClr>
+              <a:buSzPts val="1000"/>
+              <a:buFont typeface="Arial"/>
+              <a:buNone/>
+              <a:defRPr b="0" i="0" sz="1000" u="none" cap="none" strike="noStrike">
+                <a:solidFill>
+                  <a:schemeClr val="dk2"/>
+                </a:solidFill>
+                <a:latin typeface="Arial"/>
+                <a:ea typeface="Arial"/>
+                <a:cs typeface="Arial"/>
+                <a:sym typeface="Arial"/>
+              </a:defRPr>
             </a:lvl7pPr>
-            <a:lvl8pPr lvl="7">
-              <a:buNone/>
-              <a:defRPr/>
+            <a:lvl8pPr indent="0" lvl="7" marL="0" marR="0" algn="r">
+              <a:lnSpc>
+                <a:spcPct val="100000"/>
+              </a:lnSpc>
+              <a:spcBef>
+                <a:spcPts val="0"/>
+              </a:spcBef>
+              <a:spcAft>
+                <a:spcPts val="0"/>
+              </a:spcAft>
+              <a:buClr>
+                <a:srgbClr val="000000"/>
+              </a:buClr>
+              <a:buSzPts val="1000"/>
+              <a:buFont typeface="Arial"/>
+              <a:buNone/>
+              <a:defRPr b="0" i="0" sz="1000" u="none" cap="none" strike="noStrike">
+                <a:solidFill>
+                  <a:schemeClr val="dk2"/>
+                </a:solidFill>
+                <a:latin typeface="Arial"/>
+                <a:ea typeface="Arial"/>
+                <a:cs typeface="Arial"/>
+                <a:sym typeface="Arial"/>
+              </a:defRPr>
             </a:lvl8pPr>
-            <a:lvl9pPr lvl="8">
-              <a:buNone/>
-              <a:defRPr/>
+            <a:lvl9pPr indent="0" lvl="8" marL="0" marR="0" algn="r">
+              <a:lnSpc>
+                <a:spcPct val="100000"/>
+              </a:lnSpc>
+              <a:spcBef>
+                <a:spcPts val="0"/>
+              </a:spcBef>
+              <a:spcAft>
+                <a:spcPts val="0"/>
+              </a:spcAft>
+              <a:buClr>
+                <a:srgbClr val="000000"/>
+              </a:buClr>
+              <a:buSzPts val="1000"/>
+              <a:buFont typeface="Arial"/>
+              <a:buNone/>
+              <a:defRPr b="0" i="0" sz="1000" u="none" cap="none" strike="noStrike">
+                <a:solidFill>
+                  <a:schemeClr val="dk2"/>
+                </a:solidFill>
+                <a:latin typeface="Arial"/>
+                <a:ea typeface="Arial"/>
+                <a:cs typeface="Arial"/>
+                <a:sym typeface="Arial"/>
+              </a:defRPr>
             </a:lvl9pPr>
           </a:lstStyle>
           <a:p>
@@ -1183,7 +1576,7 @@
       </p:grpSpPr>
       <p:sp>
         <p:nvSpPr>
-          <p:cNvPr id="45" name="Google Shape;45;p11"/>
+          <p:cNvPr id="45" name="Google Shape;45;p12"/>
           <p:cNvSpPr txBox="1"/>
           <p:nvPr>
             <p:ph hasCustomPrompt="1" type="title"/>
@@ -1197,6 +1590,10 @@
           <a:prstGeom prst="rect">
             <a:avLst/>
           </a:prstGeom>
+          <a:noFill/>
+          <a:ln>
+            <a:noFill/>
+          </a:ln>
         </p:spPr>
         <p:txBody>
           <a:bodyPr anchorCtr="0" anchor="b" bIns="91425" lIns="91425" spcFirstLastPara="1" rIns="91425" wrap="square" tIns="91425">
@@ -1204,6 +1601,9 @@
           </a:bodyPr>
           <a:lstStyle>
             <a:lvl1pPr lvl="0" algn="ctr">
+              <a:lnSpc>
+                <a:spcPct val="100000"/>
+              </a:lnSpc>
               <a:spcBef>
                 <a:spcPts val="0"/>
               </a:spcBef>
@@ -1215,6 +1615,9 @@
               <a:defRPr sz="12000"/>
             </a:lvl1pPr>
             <a:lvl2pPr lvl="1" algn="ctr">
+              <a:lnSpc>
+                <a:spcPct val="100000"/>
+              </a:lnSpc>
               <a:spcBef>
                 <a:spcPts val="0"/>
               </a:spcBef>
@@ -1226,6 +1629,9 @@
               <a:defRPr sz="12000"/>
             </a:lvl2pPr>
             <a:lvl3pPr lvl="2" algn="ctr">
+              <a:lnSpc>
+                <a:spcPct val="100000"/>
+              </a:lnSpc>
               <a:spcBef>
                 <a:spcPts val="0"/>
               </a:spcBef>
@@ -1237,6 +1643,9 @@
               <a:defRPr sz="12000"/>
             </a:lvl3pPr>
             <a:lvl4pPr lvl="3" algn="ctr">
+              <a:lnSpc>
+                <a:spcPct val="100000"/>
+              </a:lnSpc>
               <a:spcBef>
                 <a:spcPts val="0"/>
               </a:spcBef>
@@ -1248,6 +1657,9 @@
               <a:defRPr sz="12000"/>
             </a:lvl4pPr>
             <a:lvl5pPr lvl="4" algn="ctr">
+              <a:lnSpc>
+                <a:spcPct val="100000"/>
+              </a:lnSpc>
               <a:spcBef>
                 <a:spcPts val="0"/>
               </a:spcBef>
@@ -1259,6 +1671,9 @@
               <a:defRPr sz="12000"/>
             </a:lvl5pPr>
             <a:lvl6pPr lvl="5" algn="ctr">
+              <a:lnSpc>
+                <a:spcPct val="100000"/>
+              </a:lnSpc>
               <a:spcBef>
                 <a:spcPts val="0"/>
               </a:spcBef>
@@ -1270,6 +1685,9 @@
               <a:defRPr sz="12000"/>
             </a:lvl6pPr>
             <a:lvl7pPr lvl="6" algn="ctr">
+              <a:lnSpc>
+                <a:spcPct val="100000"/>
+              </a:lnSpc>
               <a:spcBef>
                 <a:spcPts val="0"/>
               </a:spcBef>
@@ -1281,6 +1699,9 @@
               <a:defRPr sz="12000"/>
             </a:lvl7pPr>
             <a:lvl8pPr lvl="7" algn="ctr">
+              <a:lnSpc>
+                <a:spcPct val="100000"/>
+              </a:lnSpc>
               <a:spcBef>
                 <a:spcPts val="0"/>
               </a:spcBef>
@@ -1292,6 +1713,9 @@
               <a:defRPr sz="12000"/>
             </a:lvl8pPr>
             <a:lvl9pPr lvl="8" algn="ctr">
+              <a:lnSpc>
+                <a:spcPct val="100000"/>
+              </a:lnSpc>
               <a:spcBef>
                 <a:spcPts val="0"/>
               </a:spcBef>
@@ -1312,7 +1736,7 @@
       </p:sp>
       <p:sp>
         <p:nvSpPr>
-          <p:cNvPr id="46" name="Google Shape;46;p11"/>
+          <p:cNvPr id="46" name="Google Shape;46;p12"/>
           <p:cNvSpPr txBox="1"/>
           <p:nvPr>
             <p:ph idx="1" type="body"/>
@@ -1326,6 +1750,10 @@
           <a:prstGeom prst="rect">
             <a:avLst/>
           </a:prstGeom>
+          <a:noFill/>
+          <a:ln>
+            <a:noFill/>
+          </a:ln>
         </p:spPr>
         <p:txBody>
           <a:bodyPr anchorCtr="0" anchor="t" bIns="91425" lIns="91425" spcFirstLastPara="1" rIns="91425" wrap="square" tIns="91425">
@@ -1333,6 +1761,9 @@
           </a:bodyPr>
           <a:lstStyle>
             <a:lvl1pPr indent="-342900" lvl="0" marL="457200" algn="ctr">
+              <a:lnSpc>
+                <a:spcPct val="115000"/>
+              </a:lnSpc>
               <a:spcBef>
                 <a:spcPts val="0"/>
               </a:spcBef>
@@ -1344,6 +1775,9 @@
               <a:defRPr/>
             </a:lvl1pPr>
             <a:lvl2pPr indent="-317500" lvl="1" marL="914400" algn="ctr">
+              <a:lnSpc>
+                <a:spcPct val="115000"/>
+              </a:lnSpc>
               <a:spcBef>
                 <a:spcPts val="0"/>
               </a:spcBef>
@@ -1355,6 +1789,9 @@
               <a:defRPr/>
             </a:lvl2pPr>
             <a:lvl3pPr indent="-317500" lvl="2" marL="1371600" algn="ctr">
+              <a:lnSpc>
+                <a:spcPct val="115000"/>
+              </a:lnSpc>
               <a:spcBef>
                 <a:spcPts val="0"/>
               </a:spcBef>
@@ -1366,6 +1803,9 @@
               <a:defRPr/>
             </a:lvl3pPr>
             <a:lvl4pPr indent="-317500" lvl="3" marL="1828800" algn="ctr">
+              <a:lnSpc>
+                <a:spcPct val="115000"/>
+              </a:lnSpc>
               <a:spcBef>
                 <a:spcPts val="0"/>
               </a:spcBef>
@@ -1377,6 +1817,9 @@
               <a:defRPr/>
             </a:lvl4pPr>
             <a:lvl5pPr indent="-317500" lvl="4" marL="2286000" algn="ctr">
+              <a:lnSpc>
+                <a:spcPct val="115000"/>
+              </a:lnSpc>
               <a:spcBef>
                 <a:spcPts val="0"/>
               </a:spcBef>
@@ -1388,6 +1831,9 @@
               <a:defRPr/>
             </a:lvl5pPr>
             <a:lvl6pPr indent="-317500" lvl="5" marL="2743200" algn="ctr">
+              <a:lnSpc>
+                <a:spcPct val="115000"/>
+              </a:lnSpc>
               <a:spcBef>
                 <a:spcPts val="0"/>
               </a:spcBef>
@@ -1399,6 +1845,9 @@
               <a:defRPr/>
             </a:lvl6pPr>
             <a:lvl7pPr indent="-317500" lvl="6" marL="3200400" algn="ctr">
+              <a:lnSpc>
+                <a:spcPct val="115000"/>
+              </a:lnSpc>
               <a:spcBef>
                 <a:spcPts val="0"/>
               </a:spcBef>
@@ -1410,6 +1859,9 @@
               <a:defRPr/>
             </a:lvl7pPr>
             <a:lvl8pPr indent="-317500" lvl="7" marL="3657600" algn="ctr">
+              <a:lnSpc>
+                <a:spcPct val="115000"/>
+              </a:lnSpc>
               <a:spcBef>
                 <a:spcPts val="0"/>
               </a:spcBef>
@@ -1421,6 +1873,9 @@
               <a:defRPr/>
             </a:lvl8pPr>
             <a:lvl9pPr indent="-317500" lvl="8" marL="4114800" algn="ctr">
+              <a:lnSpc>
+                <a:spcPct val="115000"/>
+              </a:lnSpc>
               <a:spcBef>
                 <a:spcPts val="0"/>
               </a:spcBef>
@@ -1437,7 +1892,7 @@
       </p:sp>
       <p:sp>
         <p:nvSpPr>
-          <p:cNvPr id="47" name="Google Shape;47;p11"/>
+          <p:cNvPr id="47" name="Google Shape;47;p12"/>
           <p:cNvSpPr txBox="1"/>
           <p:nvPr>
             <p:ph idx="12" type="sldNum"/>
@@ -1451,47 +1906,249 @@
           <a:prstGeom prst="rect">
             <a:avLst/>
           </a:prstGeom>
+          <a:noFill/>
+          <a:ln>
+            <a:noFill/>
+          </a:ln>
         </p:spPr>
         <p:txBody>
           <a:bodyPr anchorCtr="0" anchor="ctr" bIns="91425" lIns="91425" spcFirstLastPara="1" rIns="91425" wrap="square" tIns="91425">
             <a:normAutofit/>
           </a:bodyPr>
           <a:lstStyle>
-            <a:lvl1pPr lvl="0">
-              <a:buNone/>
-              <a:defRPr/>
+            <a:lvl1pPr indent="0" lvl="0" marL="0" marR="0" algn="r">
+              <a:lnSpc>
+                <a:spcPct val="100000"/>
+              </a:lnSpc>
+              <a:spcBef>
+                <a:spcPts val="0"/>
+              </a:spcBef>
+              <a:spcAft>
+                <a:spcPts val="0"/>
+              </a:spcAft>
+              <a:buClr>
+                <a:srgbClr val="000000"/>
+              </a:buClr>
+              <a:buSzPts val="1000"/>
+              <a:buFont typeface="Arial"/>
+              <a:buNone/>
+              <a:defRPr b="0" i="0" sz="1000" u="none" cap="none" strike="noStrike">
+                <a:solidFill>
+                  <a:schemeClr val="dk2"/>
+                </a:solidFill>
+                <a:latin typeface="Arial"/>
+                <a:ea typeface="Arial"/>
+                <a:cs typeface="Arial"/>
+                <a:sym typeface="Arial"/>
+              </a:defRPr>
             </a:lvl1pPr>
-            <a:lvl2pPr lvl="1">
-              <a:buNone/>
-              <a:defRPr/>
+            <a:lvl2pPr indent="0" lvl="1" marL="0" marR="0" algn="r">
+              <a:lnSpc>
+                <a:spcPct val="100000"/>
+              </a:lnSpc>
+              <a:spcBef>
+                <a:spcPts val="0"/>
+              </a:spcBef>
+              <a:spcAft>
+                <a:spcPts val="0"/>
+              </a:spcAft>
+              <a:buClr>
+                <a:srgbClr val="000000"/>
+              </a:buClr>
+              <a:buSzPts val="1000"/>
+              <a:buFont typeface="Arial"/>
+              <a:buNone/>
+              <a:defRPr b="0" i="0" sz="1000" u="none" cap="none" strike="noStrike">
+                <a:solidFill>
+                  <a:schemeClr val="dk2"/>
+                </a:solidFill>
+                <a:latin typeface="Arial"/>
+                <a:ea typeface="Arial"/>
+                <a:cs typeface="Arial"/>
+                <a:sym typeface="Arial"/>
+              </a:defRPr>
             </a:lvl2pPr>
-            <a:lvl3pPr lvl="2">
-              <a:buNone/>
-              <a:defRPr/>
+            <a:lvl3pPr indent="0" lvl="2" marL="0" marR="0" algn="r">
+              <a:lnSpc>
+                <a:spcPct val="100000"/>
+              </a:lnSpc>
+              <a:spcBef>
+                <a:spcPts val="0"/>
+              </a:spcBef>
+              <a:spcAft>
+                <a:spcPts val="0"/>
+              </a:spcAft>
+              <a:buClr>
+                <a:srgbClr val="000000"/>
+              </a:buClr>
+              <a:buSzPts val="1000"/>
+              <a:buFont typeface="Arial"/>
+              <a:buNone/>
+              <a:defRPr b="0" i="0" sz="1000" u="none" cap="none" strike="noStrike">
+                <a:solidFill>
+                  <a:schemeClr val="dk2"/>
+                </a:solidFill>
+                <a:latin typeface="Arial"/>
+                <a:ea typeface="Arial"/>
+                <a:cs typeface="Arial"/>
+                <a:sym typeface="Arial"/>
+              </a:defRPr>
             </a:lvl3pPr>
-            <a:lvl4pPr lvl="3">
-              <a:buNone/>
-              <a:defRPr/>
+            <a:lvl4pPr indent="0" lvl="3" marL="0" marR="0" algn="r">
+              <a:lnSpc>
+                <a:spcPct val="100000"/>
+              </a:lnSpc>
+              <a:spcBef>
+                <a:spcPts val="0"/>
+              </a:spcBef>
+              <a:spcAft>
+                <a:spcPts val="0"/>
+              </a:spcAft>
+              <a:buClr>
+                <a:srgbClr val="000000"/>
+              </a:buClr>
+              <a:buSzPts val="1000"/>
+              <a:buFont typeface="Arial"/>
+              <a:buNone/>
+              <a:defRPr b="0" i="0" sz="1000" u="none" cap="none" strike="noStrike">
+                <a:solidFill>
+                  <a:schemeClr val="dk2"/>
+                </a:solidFill>
+                <a:latin typeface="Arial"/>
+                <a:ea typeface="Arial"/>
+                <a:cs typeface="Arial"/>
+                <a:sym typeface="Arial"/>
+              </a:defRPr>
             </a:lvl4pPr>
-            <a:lvl5pPr lvl="4">
-              <a:buNone/>
-              <a:defRPr/>
+            <a:lvl5pPr indent="0" lvl="4" marL="0" marR="0" algn="r">
+              <a:lnSpc>
+                <a:spcPct val="100000"/>
+              </a:lnSpc>
+              <a:spcBef>
+                <a:spcPts val="0"/>
+              </a:spcBef>
+              <a:spcAft>
+                <a:spcPts val="0"/>
+              </a:spcAft>
+              <a:buClr>
+                <a:srgbClr val="000000"/>
+              </a:buClr>
+              <a:buSzPts val="1000"/>
+              <a:buFont typeface="Arial"/>
+              <a:buNone/>
+              <a:defRPr b="0" i="0" sz="1000" u="none" cap="none" strike="noStrike">
+                <a:solidFill>
+                  <a:schemeClr val="dk2"/>
+                </a:solidFill>
+                <a:latin typeface="Arial"/>
+                <a:ea typeface="Arial"/>
+                <a:cs typeface="Arial"/>
+                <a:sym typeface="Arial"/>
+              </a:defRPr>
             </a:lvl5pPr>
-            <a:lvl6pPr lvl="5">
-              <a:buNone/>
-              <a:defRPr/>
+            <a:lvl6pPr indent="0" lvl="5" marL="0" marR="0" algn="r">
+              <a:lnSpc>
+                <a:spcPct val="100000"/>
+              </a:lnSpc>
+              <a:spcBef>
+                <a:spcPts val="0"/>
+              </a:spcBef>
+              <a:spcAft>
+                <a:spcPts val="0"/>
+              </a:spcAft>
+              <a:buClr>
+                <a:srgbClr val="000000"/>
+              </a:buClr>
+              <a:buSzPts val="1000"/>
+              <a:buFont typeface="Arial"/>
+              <a:buNone/>
+              <a:defRPr b="0" i="0" sz="1000" u="none" cap="none" strike="noStrike">
+                <a:solidFill>
+                  <a:schemeClr val="dk2"/>
+                </a:solidFill>
+                <a:latin typeface="Arial"/>
+                <a:ea typeface="Arial"/>
+                <a:cs typeface="Arial"/>
+                <a:sym typeface="Arial"/>
+              </a:defRPr>
             </a:lvl6pPr>
-            <a:lvl7pPr lvl="6">
-              <a:buNone/>
-              <a:defRPr/>
+            <a:lvl7pPr indent="0" lvl="6" marL="0" marR="0" algn="r">
+              <a:lnSpc>
+                <a:spcPct val="100000"/>
+              </a:lnSpc>
+              <a:spcBef>
+                <a:spcPts val="0"/>
+              </a:spcBef>
+              <a:spcAft>
+                <a:spcPts val="0"/>
+              </a:spcAft>
+              <a:buClr>
+                <a:srgbClr val="000000"/>
+              </a:buClr>
+              <a:buSzPts val="1000"/>
+              <a:buFont typeface="Arial"/>
+              <a:buNone/>
+              <a:defRPr b="0" i="0" sz="1000" u="none" cap="none" strike="noStrike">
+                <a:solidFill>
+                  <a:schemeClr val="dk2"/>
+                </a:solidFill>
+                <a:latin typeface="Arial"/>
+                <a:ea typeface="Arial"/>
+                <a:cs typeface="Arial"/>
+                <a:sym typeface="Arial"/>
+              </a:defRPr>
             </a:lvl7pPr>
-            <a:lvl8pPr lvl="7">
-              <a:buNone/>
-              <a:defRPr/>
+            <a:lvl8pPr indent="0" lvl="7" marL="0" marR="0" algn="r">
+              <a:lnSpc>
+                <a:spcPct val="100000"/>
+              </a:lnSpc>
+              <a:spcBef>
+                <a:spcPts val="0"/>
+              </a:spcBef>
+              <a:spcAft>
+                <a:spcPts val="0"/>
+              </a:spcAft>
+              <a:buClr>
+                <a:srgbClr val="000000"/>
+              </a:buClr>
+              <a:buSzPts val="1000"/>
+              <a:buFont typeface="Arial"/>
+              <a:buNone/>
+              <a:defRPr b="0" i="0" sz="1000" u="none" cap="none" strike="noStrike">
+                <a:solidFill>
+                  <a:schemeClr val="dk2"/>
+                </a:solidFill>
+                <a:latin typeface="Arial"/>
+                <a:ea typeface="Arial"/>
+                <a:cs typeface="Arial"/>
+                <a:sym typeface="Arial"/>
+              </a:defRPr>
             </a:lvl8pPr>
-            <a:lvl9pPr lvl="8">
-              <a:buNone/>
-              <a:defRPr/>
+            <a:lvl9pPr indent="0" lvl="8" marL="0" marR="0" algn="r">
+              <a:lnSpc>
+                <a:spcPct val="100000"/>
+              </a:lnSpc>
+              <a:spcBef>
+                <a:spcPts val="0"/>
+              </a:spcBef>
+              <a:spcAft>
+                <a:spcPts val="0"/>
+              </a:spcAft>
+              <a:buClr>
+                <a:srgbClr val="000000"/>
+              </a:buClr>
+              <a:buSzPts val="1000"/>
+              <a:buFont typeface="Arial"/>
+              <a:buNone/>
+              <a:defRPr b="0" i="0" sz="1000" u="none" cap="none" strike="noStrike">
+                <a:solidFill>
+                  <a:schemeClr val="dk2"/>
+                </a:solidFill>
+                <a:latin typeface="Arial"/>
+                <a:ea typeface="Arial"/>
+                <a:cs typeface="Arial"/>
+                <a:sym typeface="Arial"/>
+              </a:defRPr>
             </a:lvl9pPr>
           </a:lstStyle>
           <a:p>
@@ -1539,7 +2196,7 @@
       </p:grpSpPr>
       <p:sp>
         <p:nvSpPr>
-          <p:cNvPr id="49" name="Google Shape;49;p12"/>
+          <p:cNvPr id="49" name="Google Shape;49;p13"/>
           <p:cNvSpPr txBox="1"/>
           <p:nvPr>
             <p:ph idx="12" type="sldNum"/>
@@ -1553,47 +2210,249 @@
           <a:prstGeom prst="rect">
             <a:avLst/>
           </a:prstGeom>
+          <a:noFill/>
+          <a:ln>
+            <a:noFill/>
+          </a:ln>
         </p:spPr>
         <p:txBody>
           <a:bodyPr anchorCtr="0" anchor="ctr" bIns="91425" lIns="91425" spcFirstLastPara="1" rIns="91425" wrap="square" tIns="91425">
             <a:normAutofit/>
           </a:bodyPr>
           <a:lstStyle>
-            <a:lvl1pPr lvl="0">
-              <a:buNone/>
-              <a:defRPr/>
+            <a:lvl1pPr indent="0" lvl="0" marL="0" marR="0" algn="r">
+              <a:lnSpc>
+                <a:spcPct val="100000"/>
+              </a:lnSpc>
+              <a:spcBef>
+                <a:spcPts val="0"/>
+              </a:spcBef>
+              <a:spcAft>
+                <a:spcPts val="0"/>
+              </a:spcAft>
+              <a:buClr>
+                <a:srgbClr val="000000"/>
+              </a:buClr>
+              <a:buSzPts val="1000"/>
+              <a:buFont typeface="Arial"/>
+              <a:buNone/>
+              <a:defRPr b="0" i="0" sz="1000" u="none" cap="none" strike="noStrike">
+                <a:solidFill>
+                  <a:schemeClr val="dk2"/>
+                </a:solidFill>
+                <a:latin typeface="Arial"/>
+                <a:ea typeface="Arial"/>
+                <a:cs typeface="Arial"/>
+                <a:sym typeface="Arial"/>
+              </a:defRPr>
             </a:lvl1pPr>
-            <a:lvl2pPr lvl="1">
-              <a:buNone/>
-              <a:defRPr/>
+            <a:lvl2pPr indent="0" lvl="1" marL="0" marR="0" algn="r">
+              <a:lnSpc>
+                <a:spcPct val="100000"/>
+              </a:lnSpc>
+              <a:spcBef>
+                <a:spcPts val="0"/>
+              </a:spcBef>
+              <a:spcAft>
+                <a:spcPts val="0"/>
+              </a:spcAft>
+              <a:buClr>
+                <a:srgbClr val="000000"/>
+              </a:buClr>
+              <a:buSzPts val="1000"/>
+              <a:buFont typeface="Arial"/>
+              <a:buNone/>
+              <a:defRPr b="0" i="0" sz="1000" u="none" cap="none" strike="noStrike">
+                <a:solidFill>
+                  <a:schemeClr val="dk2"/>
+                </a:solidFill>
+                <a:latin typeface="Arial"/>
+                <a:ea typeface="Arial"/>
+                <a:cs typeface="Arial"/>
+                <a:sym typeface="Arial"/>
+              </a:defRPr>
             </a:lvl2pPr>
-            <a:lvl3pPr lvl="2">
-              <a:buNone/>
-              <a:defRPr/>
+            <a:lvl3pPr indent="0" lvl="2" marL="0" marR="0" algn="r">
+              <a:lnSpc>
+                <a:spcPct val="100000"/>
+              </a:lnSpc>
+              <a:spcBef>
+                <a:spcPts val="0"/>
+              </a:spcBef>
+              <a:spcAft>
+                <a:spcPts val="0"/>
+              </a:spcAft>
+              <a:buClr>
+                <a:srgbClr val="000000"/>
+              </a:buClr>
+              <a:buSzPts val="1000"/>
+              <a:buFont typeface="Arial"/>
+              <a:buNone/>
+              <a:defRPr b="0" i="0" sz="1000" u="none" cap="none" strike="noStrike">
+                <a:solidFill>
+                  <a:schemeClr val="dk2"/>
+                </a:solidFill>
+                <a:latin typeface="Arial"/>
+                <a:ea typeface="Arial"/>
+                <a:cs typeface="Arial"/>
+                <a:sym typeface="Arial"/>
+              </a:defRPr>
             </a:lvl3pPr>
-            <a:lvl4pPr lvl="3">
-              <a:buNone/>
-              <a:defRPr/>
+            <a:lvl4pPr indent="0" lvl="3" marL="0" marR="0" algn="r">
+              <a:lnSpc>
+                <a:spcPct val="100000"/>
+              </a:lnSpc>
+              <a:spcBef>
+                <a:spcPts val="0"/>
+              </a:spcBef>
+              <a:spcAft>
+                <a:spcPts val="0"/>
+              </a:spcAft>
+              <a:buClr>
+                <a:srgbClr val="000000"/>
+              </a:buClr>
+              <a:buSzPts val="1000"/>
+              <a:buFont typeface="Arial"/>
+              <a:buNone/>
+              <a:defRPr b="0" i="0" sz="1000" u="none" cap="none" strike="noStrike">
+                <a:solidFill>
+                  <a:schemeClr val="dk2"/>
+                </a:solidFill>
+                <a:latin typeface="Arial"/>
+                <a:ea typeface="Arial"/>
+                <a:cs typeface="Arial"/>
+                <a:sym typeface="Arial"/>
+              </a:defRPr>
             </a:lvl4pPr>
-            <a:lvl5pPr lvl="4">
-              <a:buNone/>
-              <a:defRPr/>
+            <a:lvl5pPr indent="0" lvl="4" marL="0" marR="0" algn="r">
+              <a:lnSpc>
+                <a:spcPct val="100000"/>
+              </a:lnSpc>
+              <a:spcBef>
+                <a:spcPts val="0"/>
+              </a:spcBef>
+              <a:spcAft>
+                <a:spcPts val="0"/>
+              </a:spcAft>
+              <a:buClr>
+                <a:srgbClr val="000000"/>
+              </a:buClr>
+              <a:buSzPts val="1000"/>
+              <a:buFont typeface="Arial"/>
+              <a:buNone/>
+              <a:defRPr b="0" i="0" sz="1000" u="none" cap="none" strike="noStrike">
+                <a:solidFill>
+                  <a:schemeClr val="dk2"/>
+                </a:solidFill>
+                <a:latin typeface="Arial"/>
+                <a:ea typeface="Arial"/>
+                <a:cs typeface="Arial"/>
+                <a:sym typeface="Arial"/>
+              </a:defRPr>
             </a:lvl5pPr>
-            <a:lvl6pPr lvl="5">
-              <a:buNone/>
-              <a:defRPr/>
+            <a:lvl6pPr indent="0" lvl="5" marL="0" marR="0" algn="r">
+              <a:lnSpc>
+                <a:spcPct val="100000"/>
+              </a:lnSpc>
+              <a:spcBef>
+                <a:spcPts val="0"/>
+              </a:spcBef>
+              <a:spcAft>
+                <a:spcPts val="0"/>
+              </a:spcAft>
+              <a:buClr>
+                <a:srgbClr val="000000"/>
+              </a:buClr>
+              <a:buSzPts val="1000"/>
+              <a:buFont typeface="Arial"/>
+              <a:buNone/>
+              <a:defRPr b="0" i="0" sz="1000" u="none" cap="none" strike="noStrike">
+                <a:solidFill>
+                  <a:schemeClr val="dk2"/>
+                </a:solidFill>
+                <a:latin typeface="Arial"/>
+                <a:ea typeface="Arial"/>
+                <a:cs typeface="Arial"/>
+                <a:sym typeface="Arial"/>
+              </a:defRPr>
             </a:lvl6pPr>
-            <a:lvl7pPr lvl="6">
-              <a:buNone/>
-              <a:defRPr/>
+            <a:lvl7pPr indent="0" lvl="6" marL="0" marR="0" algn="r">
+              <a:lnSpc>
+                <a:spcPct val="100000"/>
+              </a:lnSpc>
+              <a:spcBef>
+                <a:spcPts val="0"/>
+              </a:spcBef>
+              <a:spcAft>
+                <a:spcPts val="0"/>
+              </a:spcAft>
+              <a:buClr>
+                <a:srgbClr val="000000"/>
+              </a:buClr>
+              <a:buSzPts val="1000"/>
+              <a:buFont typeface="Arial"/>
+              <a:buNone/>
+              <a:defRPr b="0" i="0" sz="1000" u="none" cap="none" strike="noStrike">
+                <a:solidFill>
+                  <a:schemeClr val="dk2"/>
+                </a:solidFill>
+                <a:latin typeface="Arial"/>
+                <a:ea typeface="Arial"/>
+                <a:cs typeface="Arial"/>
+                <a:sym typeface="Arial"/>
+              </a:defRPr>
             </a:lvl7pPr>
-            <a:lvl8pPr lvl="7">
-              <a:buNone/>
-              <a:defRPr/>
+            <a:lvl8pPr indent="0" lvl="7" marL="0" marR="0" algn="r">
+              <a:lnSpc>
+                <a:spcPct val="100000"/>
+              </a:lnSpc>
+              <a:spcBef>
+                <a:spcPts val="0"/>
+              </a:spcBef>
+              <a:spcAft>
+                <a:spcPts val="0"/>
+              </a:spcAft>
+              <a:buClr>
+                <a:srgbClr val="000000"/>
+              </a:buClr>
+              <a:buSzPts val="1000"/>
+              <a:buFont typeface="Arial"/>
+              <a:buNone/>
+              <a:defRPr b="0" i="0" sz="1000" u="none" cap="none" strike="noStrike">
+                <a:solidFill>
+                  <a:schemeClr val="dk2"/>
+                </a:solidFill>
+                <a:latin typeface="Arial"/>
+                <a:ea typeface="Arial"/>
+                <a:cs typeface="Arial"/>
+                <a:sym typeface="Arial"/>
+              </a:defRPr>
             </a:lvl8pPr>
-            <a:lvl9pPr lvl="8">
-              <a:buNone/>
-              <a:defRPr/>
+            <a:lvl9pPr indent="0" lvl="8" marL="0" marR="0" algn="r">
+              <a:lnSpc>
+                <a:spcPct val="100000"/>
+              </a:lnSpc>
+              <a:spcBef>
+                <a:spcPts val="0"/>
+              </a:spcBef>
+              <a:spcAft>
+                <a:spcPts val="0"/>
+              </a:spcAft>
+              <a:buClr>
+                <a:srgbClr val="000000"/>
+              </a:buClr>
+              <a:buSzPts val="1000"/>
+              <a:buFont typeface="Arial"/>
+              <a:buNone/>
+              <a:defRPr b="0" i="0" sz="1000" u="none" cap="none" strike="noStrike">
+                <a:solidFill>
+                  <a:schemeClr val="dk2"/>
+                </a:solidFill>
+                <a:latin typeface="Arial"/>
+                <a:ea typeface="Arial"/>
+                <a:cs typeface="Arial"/>
+                <a:sym typeface="Arial"/>
+              </a:defRPr>
             </a:lvl9pPr>
           </a:lstStyle>
           <a:p>
@@ -1641,7 +2500,7 @@
       </p:grpSpPr>
       <p:sp>
         <p:nvSpPr>
-          <p:cNvPr id="14" name="Google Shape;14;p3"/>
+          <p:cNvPr id="14" name="Google Shape;14;p4"/>
           <p:cNvSpPr txBox="1"/>
           <p:nvPr>
             <p:ph type="title"/>
@@ -1655,6 +2514,10 @@
           <a:prstGeom prst="rect">
             <a:avLst/>
           </a:prstGeom>
+          <a:noFill/>
+          <a:ln>
+            <a:noFill/>
+          </a:ln>
         </p:spPr>
         <p:txBody>
           <a:bodyPr anchorCtr="0" anchor="ctr" bIns="91425" lIns="91425" spcFirstLastPara="1" rIns="91425" wrap="square" tIns="91425">
@@ -1662,6 +2525,9 @@
           </a:bodyPr>
           <a:lstStyle>
             <a:lvl1pPr lvl="0" algn="ctr">
+              <a:lnSpc>
+                <a:spcPct val="100000"/>
+              </a:lnSpc>
               <a:spcBef>
                 <a:spcPts val="0"/>
               </a:spcBef>
@@ -1673,6 +2539,9 @@
               <a:defRPr sz="3600"/>
             </a:lvl1pPr>
             <a:lvl2pPr lvl="1" algn="ctr">
+              <a:lnSpc>
+                <a:spcPct val="100000"/>
+              </a:lnSpc>
               <a:spcBef>
                 <a:spcPts val="0"/>
               </a:spcBef>
@@ -1684,6 +2553,9 @@
               <a:defRPr sz="3600"/>
             </a:lvl2pPr>
             <a:lvl3pPr lvl="2" algn="ctr">
+              <a:lnSpc>
+                <a:spcPct val="100000"/>
+              </a:lnSpc>
               <a:spcBef>
                 <a:spcPts val="0"/>
               </a:spcBef>
@@ -1695,6 +2567,9 @@
               <a:defRPr sz="3600"/>
             </a:lvl3pPr>
             <a:lvl4pPr lvl="3" algn="ctr">
+              <a:lnSpc>
+                <a:spcPct val="100000"/>
+              </a:lnSpc>
               <a:spcBef>
                 <a:spcPts val="0"/>
               </a:spcBef>
@@ -1706,6 +2581,9 @@
               <a:defRPr sz="3600"/>
             </a:lvl4pPr>
             <a:lvl5pPr lvl="4" algn="ctr">
+              <a:lnSpc>
+                <a:spcPct val="100000"/>
+              </a:lnSpc>
               <a:spcBef>
                 <a:spcPts val="0"/>
               </a:spcBef>
@@ -1717,6 +2595,9 @@
               <a:defRPr sz="3600"/>
             </a:lvl5pPr>
             <a:lvl6pPr lvl="5" algn="ctr">
+              <a:lnSpc>
+                <a:spcPct val="100000"/>
+              </a:lnSpc>
               <a:spcBef>
                 <a:spcPts val="0"/>
               </a:spcBef>
@@ -1728,6 +2609,9 @@
               <a:defRPr sz="3600"/>
             </a:lvl6pPr>
             <a:lvl7pPr lvl="6" algn="ctr">
+              <a:lnSpc>
+                <a:spcPct val="100000"/>
+              </a:lnSpc>
               <a:spcBef>
                 <a:spcPts val="0"/>
               </a:spcBef>
@@ -1739,6 +2623,9 @@
               <a:defRPr sz="3600"/>
             </a:lvl7pPr>
             <a:lvl8pPr lvl="7" algn="ctr">
+              <a:lnSpc>
+                <a:spcPct val="100000"/>
+              </a:lnSpc>
               <a:spcBef>
                 <a:spcPts val="0"/>
               </a:spcBef>
@@ -1750,6 +2637,9 @@
               <a:defRPr sz="3600"/>
             </a:lvl8pPr>
             <a:lvl9pPr lvl="8" algn="ctr">
+              <a:lnSpc>
+                <a:spcPct val="100000"/>
+              </a:lnSpc>
               <a:spcBef>
                 <a:spcPts val="0"/>
               </a:spcBef>
@@ -1766,7 +2656,7 @@
       </p:sp>
       <p:sp>
         <p:nvSpPr>
-          <p:cNvPr id="15" name="Google Shape;15;p3"/>
+          <p:cNvPr id="15" name="Google Shape;15;p4"/>
           <p:cNvSpPr txBox="1"/>
           <p:nvPr>
             <p:ph idx="12" type="sldNum"/>
@@ -1780,47 +2670,249 @@
           <a:prstGeom prst="rect">
             <a:avLst/>
           </a:prstGeom>
+          <a:noFill/>
+          <a:ln>
+            <a:noFill/>
+          </a:ln>
         </p:spPr>
         <p:txBody>
           <a:bodyPr anchorCtr="0" anchor="ctr" bIns="91425" lIns="91425" spcFirstLastPara="1" rIns="91425" wrap="square" tIns="91425">
             <a:normAutofit/>
           </a:bodyPr>
           <a:lstStyle>
-            <a:lvl1pPr lvl="0">
-              <a:buNone/>
-              <a:defRPr/>
+            <a:lvl1pPr indent="0" lvl="0" marL="0" marR="0" algn="r">
+              <a:lnSpc>
+                <a:spcPct val="100000"/>
+              </a:lnSpc>
+              <a:spcBef>
+                <a:spcPts val="0"/>
+              </a:spcBef>
+              <a:spcAft>
+                <a:spcPts val="0"/>
+              </a:spcAft>
+              <a:buClr>
+                <a:srgbClr val="000000"/>
+              </a:buClr>
+              <a:buSzPts val="1000"/>
+              <a:buFont typeface="Arial"/>
+              <a:buNone/>
+              <a:defRPr b="0" i="0" sz="1000" u="none" cap="none" strike="noStrike">
+                <a:solidFill>
+                  <a:schemeClr val="dk2"/>
+                </a:solidFill>
+                <a:latin typeface="Arial"/>
+                <a:ea typeface="Arial"/>
+                <a:cs typeface="Arial"/>
+                <a:sym typeface="Arial"/>
+              </a:defRPr>
             </a:lvl1pPr>
-            <a:lvl2pPr lvl="1">
-              <a:buNone/>
-              <a:defRPr/>
+            <a:lvl2pPr indent="0" lvl="1" marL="0" marR="0" algn="r">
+              <a:lnSpc>
+                <a:spcPct val="100000"/>
+              </a:lnSpc>
+              <a:spcBef>
+                <a:spcPts val="0"/>
+              </a:spcBef>
+              <a:spcAft>
+                <a:spcPts val="0"/>
+              </a:spcAft>
+              <a:buClr>
+                <a:srgbClr val="000000"/>
+              </a:buClr>
+              <a:buSzPts val="1000"/>
+              <a:buFont typeface="Arial"/>
+              <a:buNone/>
+              <a:defRPr b="0" i="0" sz="1000" u="none" cap="none" strike="noStrike">
+                <a:solidFill>
+                  <a:schemeClr val="dk2"/>
+                </a:solidFill>
+                <a:latin typeface="Arial"/>
+                <a:ea typeface="Arial"/>
+                <a:cs typeface="Arial"/>
+                <a:sym typeface="Arial"/>
+              </a:defRPr>
             </a:lvl2pPr>
-            <a:lvl3pPr lvl="2">
-              <a:buNone/>
-              <a:defRPr/>
+            <a:lvl3pPr indent="0" lvl="2" marL="0" marR="0" algn="r">
+              <a:lnSpc>
+                <a:spcPct val="100000"/>
+              </a:lnSpc>
+              <a:spcBef>
+                <a:spcPts val="0"/>
+              </a:spcBef>
+              <a:spcAft>
+                <a:spcPts val="0"/>
+              </a:spcAft>
+              <a:buClr>
+                <a:srgbClr val="000000"/>
+              </a:buClr>
+              <a:buSzPts val="1000"/>
+              <a:buFont typeface="Arial"/>
+              <a:buNone/>
+              <a:defRPr b="0" i="0" sz="1000" u="none" cap="none" strike="noStrike">
+                <a:solidFill>
+                  <a:schemeClr val="dk2"/>
+                </a:solidFill>
+                <a:latin typeface="Arial"/>
+                <a:ea typeface="Arial"/>
+                <a:cs typeface="Arial"/>
+                <a:sym typeface="Arial"/>
+              </a:defRPr>
             </a:lvl3pPr>
-            <a:lvl4pPr lvl="3">
-              <a:buNone/>
-              <a:defRPr/>
+            <a:lvl4pPr indent="0" lvl="3" marL="0" marR="0" algn="r">
+              <a:lnSpc>
+                <a:spcPct val="100000"/>
+              </a:lnSpc>
+              <a:spcBef>
+                <a:spcPts val="0"/>
+              </a:spcBef>
+              <a:spcAft>
+                <a:spcPts val="0"/>
+              </a:spcAft>
+              <a:buClr>
+                <a:srgbClr val="000000"/>
+              </a:buClr>
+              <a:buSzPts val="1000"/>
+              <a:buFont typeface="Arial"/>
+              <a:buNone/>
+              <a:defRPr b="0" i="0" sz="1000" u="none" cap="none" strike="noStrike">
+                <a:solidFill>
+                  <a:schemeClr val="dk2"/>
+                </a:solidFill>
+                <a:latin typeface="Arial"/>
+                <a:ea typeface="Arial"/>
+                <a:cs typeface="Arial"/>
+                <a:sym typeface="Arial"/>
+              </a:defRPr>
             </a:lvl4pPr>
-            <a:lvl5pPr lvl="4">
-              <a:buNone/>
-              <a:defRPr/>
+            <a:lvl5pPr indent="0" lvl="4" marL="0" marR="0" algn="r">
+              <a:lnSpc>
+                <a:spcPct val="100000"/>
+              </a:lnSpc>
+              <a:spcBef>
+                <a:spcPts val="0"/>
+              </a:spcBef>
+              <a:spcAft>
+                <a:spcPts val="0"/>
+              </a:spcAft>
+              <a:buClr>
+                <a:srgbClr val="000000"/>
+              </a:buClr>
+              <a:buSzPts val="1000"/>
+              <a:buFont typeface="Arial"/>
+              <a:buNone/>
+              <a:defRPr b="0" i="0" sz="1000" u="none" cap="none" strike="noStrike">
+                <a:solidFill>
+                  <a:schemeClr val="dk2"/>
+                </a:solidFill>
+                <a:latin typeface="Arial"/>
+                <a:ea typeface="Arial"/>
+                <a:cs typeface="Arial"/>
+                <a:sym typeface="Arial"/>
+              </a:defRPr>
             </a:lvl5pPr>
-            <a:lvl6pPr lvl="5">
-              <a:buNone/>
-              <a:defRPr/>
+            <a:lvl6pPr indent="0" lvl="5" marL="0" marR="0" algn="r">
+              <a:lnSpc>
+                <a:spcPct val="100000"/>
+              </a:lnSpc>
+              <a:spcBef>
+                <a:spcPts val="0"/>
+              </a:spcBef>
+              <a:spcAft>
+                <a:spcPts val="0"/>
+              </a:spcAft>
+              <a:buClr>
+                <a:srgbClr val="000000"/>
+              </a:buClr>
+              <a:buSzPts val="1000"/>
+              <a:buFont typeface="Arial"/>
+              <a:buNone/>
+              <a:defRPr b="0" i="0" sz="1000" u="none" cap="none" strike="noStrike">
+                <a:solidFill>
+                  <a:schemeClr val="dk2"/>
+                </a:solidFill>
+                <a:latin typeface="Arial"/>
+                <a:ea typeface="Arial"/>
+                <a:cs typeface="Arial"/>
+                <a:sym typeface="Arial"/>
+              </a:defRPr>
             </a:lvl6pPr>
-            <a:lvl7pPr lvl="6">
-              <a:buNone/>
-              <a:defRPr/>
+            <a:lvl7pPr indent="0" lvl="6" marL="0" marR="0" algn="r">
+              <a:lnSpc>
+                <a:spcPct val="100000"/>
+              </a:lnSpc>
+              <a:spcBef>
+                <a:spcPts val="0"/>
+              </a:spcBef>
+              <a:spcAft>
+                <a:spcPts val="0"/>
+              </a:spcAft>
+              <a:buClr>
+                <a:srgbClr val="000000"/>
+              </a:buClr>
+              <a:buSzPts val="1000"/>
+              <a:buFont typeface="Arial"/>
+              <a:buNone/>
+              <a:defRPr b="0" i="0" sz="1000" u="none" cap="none" strike="noStrike">
+                <a:solidFill>
+                  <a:schemeClr val="dk2"/>
+                </a:solidFill>
+                <a:latin typeface="Arial"/>
+                <a:ea typeface="Arial"/>
+                <a:cs typeface="Arial"/>
+                <a:sym typeface="Arial"/>
+              </a:defRPr>
             </a:lvl7pPr>
-            <a:lvl8pPr lvl="7">
-              <a:buNone/>
-              <a:defRPr/>
+            <a:lvl8pPr indent="0" lvl="7" marL="0" marR="0" algn="r">
+              <a:lnSpc>
+                <a:spcPct val="100000"/>
+              </a:lnSpc>
+              <a:spcBef>
+                <a:spcPts val="0"/>
+              </a:spcBef>
+              <a:spcAft>
+                <a:spcPts val="0"/>
+              </a:spcAft>
+              <a:buClr>
+                <a:srgbClr val="000000"/>
+              </a:buClr>
+              <a:buSzPts val="1000"/>
+              <a:buFont typeface="Arial"/>
+              <a:buNone/>
+              <a:defRPr b="0" i="0" sz="1000" u="none" cap="none" strike="noStrike">
+                <a:solidFill>
+                  <a:schemeClr val="dk2"/>
+                </a:solidFill>
+                <a:latin typeface="Arial"/>
+                <a:ea typeface="Arial"/>
+                <a:cs typeface="Arial"/>
+                <a:sym typeface="Arial"/>
+              </a:defRPr>
             </a:lvl8pPr>
-            <a:lvl9pPr lvl="8">
-              <a:buNone/>
-              <a:defRPr/>
+            <a:lvl9pPr indent="0" lvl="8" marL="0" marR="0" algn="r">
+              <a:lnSpc>
+                <a:spcPct val="100000"/>
+              </a:lnSpc>
+              <a:spcBef>
+                <a:spcPts val="0"/>
+              </a:spcBef>
+              <a:spcAft>
+                <a:spcPts val="0"/>
+              </a:spcAft>
+              <a:buClr>
+                <a:srgbClr val="000000"/>
+              </a:buClr>
+              <a:buSzPts val="1000"/>
+              <a:buFont typeface="Arial"/>
+              <a:buNone/>
+              <a:defRPr b="0" i="0" sz="1000" u="none" cap="none" strike="noStrike">
+                <a:solidFill>
+                  <a:schemeClr val="dk2"/>
+                </a:solidFill>
+                <a:latin typeface="Arial"/>
+                <a:ea typeface="Arial"/>
+                <a:cs typeface="Arial"/>
+                <a:sym typeface="Arial"/>
+              </a:defRPr>
             </a:lvl9pPr>
           </a:lstStyle>
           <a:p>
@@ -1868,7 +2960,7 @@
       </p:grpSpPr>
       <p:sp>
         <p:nvSpPr>
-          <p:cNvPr id="17" name="Google Shape;17;p4"/>
+          <p:cNvPr id="17" name="Google Shape;17;p5"/>
           <p:cNvSpPr txBox="1"/>
           <p:nvPr>
             <p:ph type="title"/>
@@ -1882,13 +2974,20 @@
           <a:prstGeom prst="rect">
             <a:avLst/>
           </a:prstGeom>
+          <a:noFill/>
+          <a:ln>
+            <a:noFill/>
+          </a:ln>
         </p:spPr>
         <p:txBody>
           <a:bodyPr anchorCtr="0" anchor="t" bIns="91425" lIns="91425" spcFirstLastPara="1" rIns="91425" wrap="square" tIns="91425">
             <a:normAutofit/>
           </a:bodyPr>
           <a:lstStyle>
-            <a:lvl1pPr lvl="0">
+            <a:lvl1pPr lvl="0" algn="l">
+              <a:lnSpc>
+                <a:spcPct val="100000"/>
+              </a:lnSpc>
               <a:spcBef>
                 <a:spcPts val="0"/>
               </a:spcBef>
@@ -1899,7 +2998,10 @@
               <a:buNone/>
               <a:defRPr/>
             </a:lvl1pPr>
-            <a:lvl2pPr lvl="1">
+            <a:lvl2pPr lvl="1" algn="l">
+              <a:lnSpc>
+                <a:spcPct val="100000"/>
+              </a:lnSpc>
               <a:spcBef>
                 <a:spcPts val="0"/>
               </a:spcBef>
@@ -1910,7 +3012,10 @@
               <a:buNone/>
               <a:defRPr/>
             </a:lvl2pPr>
-            <a:lvl3pPr lvl="2">
+            <a:lvl3pPr lvl="2" algn="l">
+              <a:lnSpc>
+                <a:spcPct val="100000"/>
+              </a:lnSpc>
               <a:spcBef>
                 <a:spcPts val="0"/>
               </a:spcBef>
@@ -1921,7 +3026,10 @@
               <a:buNone/>
               <a:defRPr/>
             </a:lvl3pPr>
-            <a:lvl4pPr lvl="3">
+            <a:lvl4pPr lvl="3" algn="l">
+              <a:lnSpc>
+                <a:spcPct val="100000"/>
+              </a:lnSpc>
               <a:spcBef>
                 <a:spcPts val="0"/>
               </a:spcBef>
@@ -1932,7 +3040,10 @@
               <a:buNone/>
               <a:defRPr/>
             </a:lvl4pPr>
-            <a:lvl5pPr lvl="4">
+            <a:lvl5pPr lvl="4" algn="l">
+              <a:lnSpc>
+                <a:spcPct val="100000"/>
+              </a:lnSpc>
               <a:spcBef>
                 <a:spcPts val="0"/>
               </a:spcBef>
@@ -1943,7 +3054,10 @@
               <a:buNone/>
               <a:defRPr/>
             </a:lvl5pPr>
-            <a:lvl6pPr lvl="5">
+            <a:lvl6pPr lvl="5" algn="l">
+              <a:lnSpc>
+                <a:spcPct val="100000"/>
+              </a:lnSpc>
               <a:spcBef>
                 <a:spcPts val="0"/>
               </a:spcBef>
@@ -1954,7 +3068,10 @@
               <a:buNone/>
               <a:defRPr/>
             </a:lvl6pPr>
-            <a:lvl7pPr lvl="6">
+            <a:lvl7pPr lvl="6" algn="l">
+              <a:lnSpc>
+                <a:spcPct val="100000"/>
+              </a:lnSpc>
               <a:spcBef>
                 <a:spcPts val="0"/>
               </a:spcBef>
@@ -1965,7 +3082,10 @@
               <a:buNone/>
               <a:defRPr/>
             </a:lvl7pPr>
-            <a:lvl8pPr lvl="7">
+            <a:lvl8pPr lvl="7" algn="l">
+              <a:lnSpc>
+                <a:spcPct val="100000"/>
+              </a:lnSpc>
               <a:spcBef>
                 <a:spcPts val="0"/>
               </a:spcBef>
@@ -1976,7 +3096,10 @@
               <a:buNone/>
               <a:defRPr/>
             </a:lvl8pPr>
-            <a:lvl9pPr lvl="8">
+            <a:lvl9pPr lvl="8" algn="l">
+              <a:lnSpc>
+                <a:spcPct val="100000"/>
+              </a:lnSpc>
               <a:spcBef>
                 <a:spcPts val="0"/>
               </a:spcBef>
@@ -1993,7 +3116,7 @@
       </p:sp>
       <p:sp>
         <p:nvSpPr>
-          <p:cNvPr id="18" name="Google Shape;18;p4"/>
+          <p:cNvPr id="18" name="Google Shape;18;p5"/>
           <p:cNvSpPr txBox="1"/>
           <p:nvPr>
             <p:ph idx="1" type="body"/>
@@ -2007,13 +3130,20 @@
           <a:prstGeom prst="rect">
             <a:avLst/>
           </a:prstGeom>
+          <a:noFill/>
+          <a:ln>
+            <a:noFill/>
+          </a:ln>
         </p:spPr>
         <p:txBody>
           <a:bodyPr anchorCtr="0" anchor="t" bIns="91425" lIns="91425" spcFirstLastPara="1" rIns="91425" wrap="square" tIns="91425">
             <a:normAutofit/>
           </a:bodyPr>
           <a:lstStyle>
-            <a:lvl1pPr indent="-342900" lvl="0" marL="457200">
+            <a:lvl1pPr indent="-342900" lvl="0" marL="457200" algn="l">
+              <a:lnSpc>
+                <a:spcPct val="115000"/>
+              </a:lnSpc>
               <a:spcBef>
                 <a:spcPts val="0"/>
               </a:spcBef>
@@ -2024,7 +3154,10 @@
               <a:buChar char="●"/>
               <a:defRPr/>
             </a:lvl1pPr>
-            <a:lvl2pPr indent="-317500" lvl="1" marL="914400">
+            <a:lvl2pPr indent="-317500" lvl="1" marL="914400" algn="l">
+              <a:lnSpc>
+                <a:spcPct val="115000"/>
+              </a:lnSpc>
               <a:spcBef>
                 <a:spcPts val="0"/>
               </a:spcBef>
@@ -2035,7 +3168,10 @@
               <a:buChar char="○"/>
               <a:defRPr/>
             </a:lvl2pPr>
-            <a:lvl3pPr indent="-317500" lvl="2" marL="1371600">
+            <a:lvl3pPr indent="-317500" lvl="2" marL="1371600" algn="l">
+              <a:lnSpc>
+                <a:spcPct val="115000"/>
+              </a:lnSpc>
               <a:spcBef>
                 <a:spcPts val="0"/>
               </a:spcBef>
@@ -2046,7 +3182,10 @@
               <a:buChar char="■"/>
               <a:defRPr/>
             </a:lvl3pPr>
-            <a:lvl4pPr indent="-317500" lvl="3" marL="1828800">
+            <a:lvl4pPr indent="-317500" lvl="3" marL="1828800" algn="l">
+              <a:lnSpc>
+                <a:spcPct val="115000"/>
+              </a:lnSpc>
               <a:spcBef>
                 <a:spcPts val="0"/>
               </a:spcBef>
@@ -2057,7 +3196,10 @@
               <a:buChar char="●"/>
               <a:defRPr/>
             </a:lvl4pPr>
-            <a:lvl5pPr indent="-317500" lvl="4" marL="2286000">
+            <a:lvl5pPr indent="-317500" lvl="4" marL="2286000" algn="l">
+              <a:lnSpc>
+                <a:spcPct val="115000"/>
+              </a:lnSpc>
               <a:spcBef>
                 <a:spcPts val="0"/>
               </a:spcBef>
@@ -2068,7 +3210,10 @@
               <a:buChar char="○"/>
               <a:defRPr/>
             </a:lvl5pPr>
-            <a:lvl6pPr indent="-317500" lvl="5" marL="2743200">
+            <a:lvl6pPr indent="-317500" lvl="5" marL="2743200" algn="l">
+              <a:lnSpc>
+                <a:spcPct val="115000"/>
+              </a:lnSpc>
               <a:spcBef>
                 <a:spcPts val="0"/>
               </a:spcBef>
@@ -2079,7 +3224,10 @@
               <a:buChar char="■"/>
               <a:defRPr/>
             </a:lvl6pPr>
-            <a:lvl7pPr indent="-317500" lvl="6" marL="3200400">
+            <a:lvl7pPr indent="-317500" lvl="6" marL="3200400" algn="l">
+              <a:lnSpc>
+                <a:spcPct val="115000"/>
+              </a:lnSpc>
               <a:spcBef>
                 <a:spcPts val="0"/>
               </a:spcBef>
@@ -2090,7 +3238,10 @@
               <a:buChar char="●"/>
               <a:defRPr/>
             </a:lvl7pPr>
-            <a:lvl8pPr indent="-317500" lvl="7" marL="3657600">
+            <a:lvl8pPr indent="-317500" lvl="7" marL="3657600" algn="l">
+              <a:lnSpc>
+                <a:spcPct val="115000"/>
+              </a:lnSpc>
               <a:spcBef>
                 <a:spcPts val="0"/>
               </a:spcBef>
@@ -2101,7 +3252,10 @@
               <a:buChar char="○"/>
               <a:defRPr/>
             </a:lvl8pPr>
-            <a:lvl9pPr indent="-317500" lvl="8" marL="4114800">
+            <a:lvl9pPr indent="-317500" lvl="8" marL="4114800" algn="l">
+              <a:lnSpc>
+                <a:spcPct val="115000"/>
+              </a:lnSpc>
               <a:spcBef>
                 <a:spcPts val="0"/>
               </a:spcBef>
@@ -2118,7 +3272,7 @@
       </p:sp>
       <p:sp>
         <p:nvSpPr>
-          <p:cNvPr id="19" name="Google Shape;19;p4"/>
+          <p:cNvPr id="19" name="Google Shape;19;p5"/>
           <p:cNvSpPr txBox="1"/>
           <p:nvPr>
             <p:ph idx="12" type="sldNum"/>
@@ -2132,47 +3286,249 @@
           <a:prstGeom prst="rect">
             <a:avLst/>
           </a:prstGeom>
+          <a:noFill/>
+          <a:ln>
+            <a:noFill/>
+          </a:ln>
         </p:spPr>
         <p:txBody>
           <a:bodyPr anchorCtr="0" anchor="ctr" bIns="91425" lIns="91425" spcFirstLastPara="1" rIns="91425" wrap="square" tIns="91425">
             <a:normAutofit/>
           </a:bodyPr>
           <a:lstStyle>
-            <a:lvl1pPr lvl="0">
-              <a:buNone/>
-              <a:defRPr/>
+            <a:lvl1pPr indent="0" lvl="0" marL="0" marR="0" algn="r">
+              <a:lnSpc>
+                <a:spcPct val="100000"/>
+              </a:lnSpc>
+              <a:spcBef>
+                <a:spcPts val="0"/>
+              </a:spcBef>
+              <a:spcAft>
+                <a:spcPts val="0"/>
+              </a:spcAft>
+              <a:buClr>
+                <a:srgbClr val="000000"/>
+              </a:buClr>
+              <a:buSzPts val="1000"/>
+              <a:buFont typeface="Arial"/>
+              <a:buNone/>
+              <a:defRPr b="0" i="0" sz="1000" u="none" cap="none" strike="noStrike">
+                <a:solidFill>
+                  <a:schemeClr val="dk2"/>
+                </a:solidFill>
+                <a:latin typeface="Arial"/>
+                <a:ea typeface="Arial"/>
+                <a:cs typeface="Arial"/>
+                <a:sym typeface="Arial"/>
+              </a:defRPr>
             </a:lvl1pPr>
-            <a:lvl2pPr lvl="1">
-              <a:buNone/>
-              <a:defRPr/>
+            <a:lvl2pPr indent="0" lvl="1" marL="0" marR="0" algn="r">
+              <a:lnSpc>
+                <a:spcPct val="100000"/>
+              </a:lnSpc>
+              <a:spcBef>
+                <a:spcPts val="0"/>
+              </a:spcBef>
+              <a:spcAft>
+                <a:spcPts val="0"/>
+              </a:spcAft>
+              <a:buClr>
+                <a:srgbClr val="000000"/>
+              </a:buClr>
+              <a:buSzPts val="1000"/>
+              <a:buFont typeface="Arial"/>
+              <a:buNone/>
+              <a:defRPr b="0" i="0" sz="1000" u="none" cap="none" strike="noStrike">
+                <a:solidFill>
+                  <a:schemeClr val="dk2"/>
+                </a:solidFill>
+                <a:latin typeface="Arial"/>
+                <a:ea typeface="Arial"/>
+                <a:cs typeface="Arial"/>
+                <a:sym typeface="Arial"/>
+              </a:defRPr>
             </a:lvl2pPr>
-            <a:lvl3pPr lvl="2">
-              <a:buNone/>
-              <a:defRPr/>
+            <a:lvl3pPr indent="0" lvl="2" marL="0" marR="0" algn="r">
+              <a:lnSpc>
+                <a:spcPct val="100000"/>
+              </a:lnSpc>
+              <a:spcBef>
+                <a:spcPts val="0"/>
+              </a:spcBef>
+              <a:spcAft>
+                <a:spcPts val="0"/>
+              </a:spcAft>
+              <a:buClr>
+                <a:srgbClr val="000000"/>
+              </a:buClr>
+              <a:buSzPts val="1000"/>
+              <a:buFont typeface="Arial"/>
+              <a:buNone/>
+              <a:defRPr b="0" i="0" sz="1000" u="none" cap="none" strike="noStrike">
+                <a:solidFill>
+                  <a:schemeClr val="dk2"/>
+                </a:solidFill>
+                <a:latin typeface="Arial"/>
+                <a:ea typeface="Arial"/>
+                <a:cs typeface="Arial"/>
+                <a:sym typeface="Arial"/>
+              </a:defRPr>
             </a:lvl3pPr>
-            <a:lvl4pPr lvl="3">
-              <a:buNone/>
-              <a:defRPr/>
+            <a:lvl4pPr indent="0" lvl="3" marL="0" marR="0" algn="r">
+              <a:lnSpc>
+                <a:spcPct val="100000"/>
+              </a:lnSpc>
+              <a:spcBef>
+                <a:spcPts val="0"/>
+              </a:spcBef>
+              <a:spcAft>
+                <a:spcPts val="0"/>
+              </a:spcAft>
+              <a:buClr>
+                <a:srgbClr val="000000"/>
+              </a:buClr>
+              <a:buSzPts val="1000"/>
+              <a:buFont typeface="Arial"/>
+              <a:buNone/>
+              <a:defRPr b="0" i="0" sz="1000" u="none" cap="none" strike="noStrike">
+                <a:solidFill>
+                  <a:schemeClr val="dk2"/>
+                </a:solidFill>
+                <a:latin typeface="Arial"/>
+                <a:ea typeface="Arial"/>
+                <a:cs typeface="Arial"/>
+                <a:sym typeface="Arial"/>
+              </a:defRPr>
             </a:lvl4pPr>
-            <a:lvl5pPr lvl="4">
-              <a:buNone/>
-              <a:defRPr/>
+            <a:lvl5pPr indent="0" lvl="4" marL="0" marR="0" algn="r">
+              <a:lnSpc>
+                <a:spcPct val="100000"/>
+              </a:lnSpc>
+              <a:spcBef>
+                <a:spcPts val="0"/>
+              </a:spcBef>
+              <a:spcAft>
+                <a:spcPts val="0"/>
+              </a:spcAft>
+              <a:buClr>
+                <a:srgbClr val="000000"/>
+              </a:buClr>
+              <a:buSzPts val="1000"/>
+              <a:buFont typeface="Arial"/>
+              <a:buNone/>
+              <a:defRPr b="0" i="0" sz="1000" u="none" cap="none" strike="noStrike">
+                <a:solidFill>
+                  <a:schemeClr val="dk2"/>
+                </a:solidFill>
+                <a:latin typeface="Arial"/>
+                <a:ea typeface="Arial"/>
+                <a:cs typeface="Arial"/>
+                <a:sym typeface="Arial"/>
+              </a:defRPr>
             </a:lvl5pPr>
-            <a:lvl6pPr lvl="5">
-              <a:buNone/>
-              <a:defRPr/>
+            <a:lvl6pPr indent="0" lvl="5" marL="0" marR="0" algn="r">
+              <a:lnSpc>
+                <a:spcPct val="100000"/>
+              </a:lnSpc>
+              <a:spcBef>
+                <a:spcPts val="0"/>
+              </a:spcBef>
+              <a:spcAft>
+                <a:spcPts val="0"/>
+              </a:spcAft>
+              <a:buClr>
+                <a:srgbClr val="000000"/>
+              </a:buClr>
+              <a:buSzPts val="1000"/>
+              <a:buFont typeface="Arial"/>
+              <a:buNone/>
+              <a:defRPr b="0" i="0" sz="1000" u="none" cap="none" strike="noStrike">
+                <a:solidFill>
+                  <a:schemeClr val="dk2"/>
+                </a:solidFill>
+                <a:latin typeface="Arial"/>
+                <a:ea typeface="Arial"/>
+                <a:cs typeface="Arial"/>
+                <a:sym typeface="Arial"/>
+              </a:defRPr>
             </a:lvl6pPr>
-            <a:lvl7pPr lvl="6">
-              <a:buNone/>
-              <a:defRPr/>
+            <a:lvl7pPr indent="0" lvl="6" marL="0" marR="0" algn="r">
+              <a:lnSpc>
+                <a:spcPct val="100000"/>
+              </a:lnSpc>
+              <a:spcBef>
+                <a:spcPts val="0"/>
+              </a:spcBef>
+              <a:spcAft>
+                <a:spcPts val="0"/>
+              </a:spcAft>
+              <a:buClr>
+                <a:srgbClr val="000000"/>
+              </a:buClr>
+              <a:buSzPts val="1000"/>
+              <a:buFont typeface="Arial"/>
+              <a:buNone/>
+              <a:defRPr b="0" i="0" sz="1000" u="none" cap="none" strike="noStrike">
+                <a:solidFill>
+                  <a:schemeClr val="dk2"/>
+                </a:solidFill>
+                <a:latin typeface="Arial"/>
+                <a:ea typeface="Arial"/>
+                <a:cs typeface="Arial"/>
+                <a:sym typeface="Arial"/>
+              </a:defRPr>
             </a:lvl7pPr>
-            <a:lvl8pPr lvl="7">
-              <a:buNone/>
-              <a:defRPr/>
+            <a:lvl8pPr indent="0" lvl="7" marL="0" marR="0" algn="r">
+              <a:lnSpc>
+                <a:spcPct val="100000"/>
+              </a:lnSpc>
+              <a:spcBef>
+                <a:spcPts val="0"/>
+              </a:spcBef>
+              <a:spcAft>
+                <a:spcPts val="0"/>
+              </a:spcAft>
+              <a:buClr>
+                <a:srgbClr val="000000"/>
+              </a:buClr>
+              <a:buSzPts val="1000"/>
+              <a:buFont typeface="Arial"/>
+              <a:buNone/>
+              <a:defRPr b="0" i="0" sz="1000" u="none" cap="none" strike="noStrike">
+                <a:solidFill>
+                  <a:schemeClr val="dk2"/>
+                </a:solidFill>
+                <a:latin typeface="Arial"/>
+                <a:ea typeface="Arial"/>
+                <a:cs typeface="Arial"/>
+                <a:sym typeface="Arial"/>
+              </a:defRPr>
             </a:lvl8pPr>
-            <a:lvl9pPr lvl="8">
-              <a:buNone/>
-              <a:defRPr/>
+            <a:lvl9pPr indent="0" lvl="8" marL="0" marR="0" algn="r">
+              <a:lnSpc>
+                <a:spcPct val="100000"/>
+              </a:lnSpc>
+              <a:spcBef>
+                <a:spcPts val="0"/>
+              </a:spcBef>
+              <a:spcAft>
+                <a:spcPts val="0"/>
+              </a:spcAft>
+              <a:buClr>
+                <a:srgbClr val="000000"/>
+              </a:buClr>
+              <a:buSzPts val="1000"/>
+              <a:buFont typeface="Arial"/>
+              <a:buNone/>
+              <a:defRPr b="0" i="0" sz="1000" u="none" cap="none" strike="noStrike">
+                <a:solidFill>
+                  <a:schemeClr val="dk2"/>
+                </a:solidFill>
+                <a:latin typeface="Arial"/>
+                <a:ea typeface="Arial"/>
+                <a:cs typeface="Arial"/>
+                <a:sym typeface="Arial"/>
+              </a:defRPr>
             </a:lvl9pPr>
           </a:lstStyle>
           <a:p>
@@ -2220,7 +3576,7 @@
       </p:grpSpPr>
       <p:sp>
         <p:nvSpPr>
-          <p:cNvPr id="21" name="Google Shape;21;p5"/>
+          <p:cNvPr id="21" name="Google Shape;21;p6"/>
           <p:cNvSpPr txBox="1"/>
           <p:nvPr>
             <p:ph type="title"/>
@@ -2234,13 +3590,20 @@
           <a:prstGeom prst="rect">
             <a:avLst/>
           </a:prstGeom>
+          <a:noFill/>
+          <a:ln>
+            <a:noFill/>
+          </a:ln>
         </p:spPr>
         <p:txBody>
           <a:bodyPr anchorCtr="0" anchor="t" bIns="91425" lIns="91425" spcFirstLastPara="1" rIns="91425" wrap="square" tIns="91425">
             <a:normAutofit/>
           </a:bodyPr>
           <a:lstStyle>
-            <a:lvl1pPr lvl="0">
+            <a:lvl1pPr lvl="0" algn="l">
+              <a:lnSpc>
+                <a:spcPct val="100000"/>
+              </a:lnSpc>
               <a:spcBef>
                 <a:spcPts val="0"/>
               </a:spcBef>
@@ -2251,7 +3614,10 @@
               <a:buNone/>
               <a:defRPr/>
             </a:lvl1pPr>
-            <a:lvl2pPr lvl="1">
+            <a:lvl2pPr lvl="1" algn="l">
+              <a:lnSpc>
+                <a:spcPct val="100000"/>
+              </a:lnSpc>
               <a:spcBef>
                 <a:spcPts val="0"/>
               </a:spcBef>
@@ -2262,7 +3628,10 @@
               <a:buNone/>
               <a:defRPr/>
             </a:lvl2pPr>
-            <a:lvl3pPr lvl="2">
+            <a:lvl3pPr lvl="2" algn="l">
+              <a:lnSpc>
+                <a:spcPct val="100000"/>
+              </a:lnSpc>
               <a:spcBef>
                 <a:spcPts val="0"/>
               </a:spcBef>
@@ -2273,7 +3642,10 @@
               <a:buNone/>
               <a:defRPr/>
             </a:lvl3pPr>
-            <a:lvl4pPr lvl="3">
+            <a:lvl4pPr lvl="3" algn="l">
+              <a:lnSpc>
+                <a:spcPct val="100000"/>
+              </a:lnSpc>
               <a:spcBef>
                 <a:spcPts val="0"/>
               </a:spcBef>
@@ -2284,7 +3656,10 @@
               <a:buNone/>
               <a:defRPr/>
             </a:lvl4pPr>
-            <a:lvl5pPr lvl="4">
+            <a:lvl5pPr lvl="4" algn="l">
+              <a:lnSpc>
+                <a:spcPct val="100000"/>
+              </a:lnSpc>
               <a:spcBef>
                 <a:spcPts val="0"/>
               </a:spcBef>
@@ -2295,7 +3670,10 @@
               <a:buNone/>
               <a:defRPr/>
             </a:lvl5pPr>
-            <a:lvl6pPr lvl="5">
+            <a:lvl6pPr lvl="5" algn="l">
+              <a:lnSpc>
+                <a:spcPct val="100000"/>
+              </a:lnSpc>
               <a:spcBef>
                 <a:spcPts val="0"/>
               </a:spcBef>
@@ -2306,7 +3684,10 @@
               <a:buNone/>
               <a:defRPr/>
             </a:lvl6pPr>
-            <a:lvl7pPr lvl="6">
+            <a:lvl7pPr lvl="6" algn="l">
+              <a:lnSpc>
+                <a:spcPct val="100000"/>
+              </a:lnSpc>
               <a:spcBef>
                 <a:spcPts val="0"/>
               </a:spcBef>
@@ -2317,7 +3698,10 @@
               <a:buNone/>
               <a:defRPr/>
             </a:lvl7pPr>
-            <a:lvl8pPr lvl="7">
+            <a:lvl8pPr lvl="7" algn="l">
+              <a:lnSpc>
+                <a:spcPct val="100000"/>
+              </a:lnSpc>
               <a:spcBef>
                 <a:spcPts val="0"/>
               </a:spcBef>
@@ -2328,7 +3712,10 @@
               <a:buNone/>
               <a:defRPr/>
             </a:lvl8pPr>
-            <a:lvl9pPr lvl="8">
+            <a:lvl9pPr lvl="8" algn="l">
+              <a:lnSpc>
+                <a:spcPct val="100000"/>
+              </a:lnSpc>
               <a:spcBef>
                 <a:spcPts val="0"/>
               </a:spcBef>
@@ -2345,7 +3732,7 @@
       </p:sp>
       <p:sp>
         <p:nvSpPr>
-          <p:cNvPr id="22" name="Google Shape;22;p5"/>
+          <p:cNvPr id="22" name="Google Shape;22;p6"/>
           <p:cNvSpPr txBox="1"/>
           <p:nvPr>
             <p:ph idx="1" type="body"/>
@@ -2359,13 +3746,20 @@
           <a:prstGeom prst="rect">
             <a:avLst/>
           </a:prstGeom>
+          <a:noFill/>
+          <a:ln>
+            <a:noFill/>
+          </a:ln>
         </p:spPr>
         <p:txBody>
           <a:bodyPr anchorCtr="0" anchor="t" bIns="91425" lIns="91425" spcFirstLastPara="1" rIns="91425" wrap="square" tIns="91425">
             <a:normAutofit/>
           </a:bodyPr>
           <a:lstStyle>
-            <a:lvl1pPr indent="-317500" lvl="0" marL="457200">
+            <a:lvl1pPr indent="-317500" lvl="0" marL="457200" algn="l">
+              <a:lnSpc>
+                <a:spcPct val="115000"/>
+              </a:lnSpc>
               <a:spcBef>
                 <a:spcPts val="0"/>
               </a:spcBef>
@@ -2376,7 +3770,10 @@
               <a:buChar char="●"/>
               <a:defRPr sz="1400"/>
             </a:lvl1pPr>
-            <a:lvl2pPr indent="-304800" lvl="1" marL="914400">
+            <a:lvl2pPr indent="-304800" lvl="1" marL="914400" algn="l">
+              <a:lnSpc>
+                <a:spcPct val="115000"/>
+              </a:lnSpc>
               <a:spcBef>
                 <a:spcPts val="0"/>
               </a:spcBef>
@@ -2387,7 +3784,10 @@
               <a:buChar char="○"/>
               <a:defRPr sz="1200"/>
             </a:lvl2pPr>
-            <a:lvl3pPr indent="-304800" lvl="2" marL="1371600">
+            <a:lvl3pPr indent="-304800" lvl="2" marL="1371600" algn="l">
+              <a:lnSpc>
+                <a:spcPct val="115000"/>
+              </a:lnSpc>
               <a:spcBef>
                 <a:spcPts val="0"/>
               </a:spcBef>
@@ -2398,7 +3798,10 @@
               <a:buChar char="■"/>
               <a:defRPr sz="1200"/>
             </a:lvl3pPr>
-            <a:lvl4pPr indent="-304800" lvl="3" marL="1828800">
+            <a:lvl4pPr indent="-304800" lvl="3" marL="1828800" algn="l">
+              <a:lnSpc>
+                <a:spcPct val="115000"/>
+              </a:lnSpc>
               <a:spcBef>
                 <a:spcPts val="0"/>
               </a:spcBef>
@@ -2409,7 +3812,10 @@
               <a:buChar char="●"/>
               <a:defRPr sz="1200"/>
             </a:lvl4pPr>
-            <a:lvl5pPr indent="-304800" lvl="4" marL="2286000">
+            <a:lvl5pPr indent="-304800" lvl="4" marL="2286000" algn="l">
+              <a:lnSpc>
+                <a:spcPct val="115000"/>
+              </a:lnSpc>
               <a:spcBef>
                 <a:spcPts val="0"/>
               </a:spcBef>
@@ -2420,7 +3826,10 @@
               <a:buChar char="○"/>
               <a:defRPr sz="1200"/>
             </a:lvl5pPr>
-            <a:lvl6pPr indent="-304800" lvl="5" marL="2743200">
+            <a:lvl6pPr indent="-304800" lvl="5" marL="2743200" algn="l">
+              <a:lnSpc>
+                <a:spcPct val="115000"/>
+              </a:lnSpc>
               <a:spcBef>
                 <a:spcPts val="0"/>
               </a:spcBef>
@@ -2431,7 +3840,10 @@
               <a:buChar char="■"/>
               <a:defRPr sz="1200"/>
             </a:lvl6pPr>
-            <a:lvl7pPr indent="-304800" lvl="6" marL="3200400">
+            <a:lvl7pPr indent="-304800" lvl="6" marL="3200400" algn="l">
+              <a:lnSpc>
+                <a:spcPct val="115000"/>
+              </a:lnSpc>
               <a:spcBef>
                 <a:spcPts val="0"/>
               </a:spcBef>
@@ -2442,7 +3854,10 @@
               <a:buChar char="●"/>
               <a:defRPr sz="1200"/>
             </a:lvl7pPr>
-            <a:lvl8pPr indent="-304800" lvl="7" marL="3657600">
+            <a:lvl8pPr indent="-304800" lvl="7" marL="3657600" algn="l">
+              <a:lnSpc>
+                <a:spcPct val="115000"/>
+              </a:lnSpc>
               <a:spcBef>
                 <a:spcPts val="0"/>
               </a:spcBef>
@@ -2453,7 +3868,10 @@
               <a:buChar char="○"/>
               <a:defRPr sz="1200"/>
             </a:lvl8pPr>
-            <a:lvl9pPr indent="-304800" lvl="8" marL="4114800">
+            <a:lvl9pPr indent="-304800" lvl="8" marL="4114800" algn="l">
+              <a:lnSpc>
+                <a:spcPct val="115000"/>
+              </a:lnSpc>
               <a:spcBef>
                 <a:spcPts val="0"/>
               </a:spcBef>
@@ -2470,7 +3888,7 @@
       </p:sp>
       <p:sp>
         <p:nvSpPr>
-          <p:cNvPr id="23" name="Google Shape;23;p5"/>
+          <p:cNvPr id="23" name="Google Shape;23;p6"/>
           <p:cNvSpPr txBox="1"/>
           <p:nvPr>
             <p:ph idx="2" type="body"/>
@@ -2484,13 +3902,20 @@
           <a:prstGeom prst="rect">
             <a:avLst/>
           </a:prstGeom>
+          <a:noFill/>
+          <a:ln>
+            <a:noFill/>
+          </a:ln>
         </p:spPr>
         <p:txBody>
           <a:bodyPr anchorCtr="0" anchor="t" bIns="91425" lIns="91425" spcFirstLastPara="1" rIns="91425" wrap="square" tIns="91425">
             <a:normAutofit/>
           </a:bodyPr>
           <a:lstStyle>
-            <a:lvl1pPr indent="-317500" lvl="0" marL="457200">
+            <a:lvl1pPr indent="-317500" lvl="0" marL="457200" algn="l">
+              <a:lnSpc>
+                <a:spcPct val="115000"/>
+              </a:lnSpc>
               <a:spcBef>
                 <a:spcPts val="0"/>
               </a:spcBef>
@@ -2501,7 +3926,10 @@
               <a:buChar char="●"/>
               <a:defRPr sz="1400"/>
             </a:lvl1pPr>
-            <a:lvl2pPr indent="-304800" lvl="1" marL="914400">
+            <a:lvl2pPr indent="-304800" lvl="1" marL="914400" algn="l">
+              <a:lnSpc>
+                <a:spcPct val="115000"/>
+              </a:lnSpc>
               <a:spcBef>
                 <a:spcPts val="0"/>
               </a:spcBef>
@@ -2512,7 +3940,10 @@
               <a:buChar char="○"/>
               <a:defRPr sz="1200"/>
             </a:lvl2pPr>
-            <a:lvl3pPr indent="-304800" lvl="2" marL="1371600">
+            <a:lvl3pPr indent="-304800" lvl="2" marL="1371600" algn="l">
+              <a:lnSpc>
+                <a:spcPct val="115000"/>
+              </a:lnSpc>
               <a:spcBef>
                 <a:spcPts val="0"/>
               </a:spcBef>
@@ -2523,7 +3954,10 @@
               <a:buChar char="■"/>
               <a:defRPr sz="1200"/>
             </a:lvl3pPr>
-            <a:lvl4pPr indent="-304800" lvl="3" marL="1828800">
+            <a:lvl4pPr indent="-304800" lvl="3" marL="1828800" algn="l">
+              <a:lnSpc>
+                <a:spcPct val="115000"/>
+              </a:lnSpc>
               <a:spcBef>
                 <a:spcPts val="0"/>
               </a:spcBef>
@@ -2534,7 +3968,10 @@
               <a:buChar char="●"/>
               <a:defRPr sz="1200"/>
             </a:lvl4pPr>
-            <a:lvl5pPr indent="-304800" lvl="4" marL="2286000">
+            <a:lvl5pPr indent="-304800" lvl="4" marL="2286000" algn="l">
+              <a:lnSpc>
+                <a:spcPct val="115000"/>
+              </a:lnSpc>
               <a:spcBef>
                 <a:spcPts val="0"/>
               </a:spcBef>
@@ -2545,7 +3982,10 @@
               <a:buChar char="○"/>
               <a:defRPr sz="1200"/>
             </a:lvl5pPr>
-            <a:lvl6pPr indent="-304800" lvl="5" marL="2743200">
+            <a:lvl6pPr indent="-304800" lvl="5" marL="2743200" algn="l">
+              <a:lnSpc>
+                <a:spcPct val="115000"/>
+              </a:lnSpc>
               <a:spcBef>
                 <a:spcPts val="0"/>
               </a:spcBef>
@@ -2556,7 +3996,10 @@
               <a:buChar char="■"/>
               <a:defRPr sz="1200"/>
             </a:lvl6pPr>
-            <a:lvl7pPr indent="-304800" lvl="6" marL="3200400">
+            <a:lvl7pPr indent="-304800" lvl="6" marL="3200400" algn="l">
+              <a:lnSpc>
+                <a:spcPct val="115000"/>
+              </a:lnSpc>
               <a:spcBef>
                 <a:spcPts val="0"/>
               </a:spcBef>
@@ -2567,7 +4010,10 @@
               <a:buChar char="●"/>
               <a:defRPr sz="1200"/>
             </a:lvl7pPr>
-            <a:lvl8pPr indent="-304800" lvl="7" marL="3657600">
+            <a:lvl8pPr indent="-304800" lvl="7" marL="3657600" algn="l">
+              <a:lnSpc>
+                <a:spcPct val="115000"/>
+              </a:lnSpc>
               <a:spcBef>
                 <a:spcPts val="0"/>
               </a:spcBef>
@@ -2578,7 +4024,10 @@
               <a:buChar char="○"/>
               <a:defRPr sz="1200"/>
             </a:lvl8pPr>
-            <a:lvl9pPr indent="-304800" lvl="8" marL="4114800">
+            <a:lvl9pPr indent="-304800" lvl="8" marL="4114800" algn="l">
+              <a:lnSpc>
+                <a:spcPct val="115000"/>
+              </a:lnSpc>
               <a:spcBef>
                 <a:spcPts val="0"/>
               </a:spcBef>
@@ -2595,7 +4044,7 @@
       </p:sp>
       <p:sp>
         <p:nvSpPr>
-          <p:cNvPr id="24" name="Google Shape;24;p5"/>
+          <p:cNvPr id="24" name="Google Shape;24;p6"/>
           <p:cNvSpPr txBox="1"/>
           <p:nvPr>
             <p:ph idx="12" type="sldNum"/>
@@ -2609,47 +4058,249 @@
           <a:prstGeom prst="rect">
             <a:avLst/>
           </a:prstGeom>
+          <a:noFill/>
+          <a:ln>
+            <a:noFill/>
+          </a:ln>
         </p:spPr>
         <p:txBody>
           <a:bodyPr anchorCtr="0" anchor="ctr" bIns="91425" lIns="91425" spcFirstLastPara="1" rIns="91425" wrap="square" tIns="91425">
             <a:normAutofit/>
           </a:bodyPr>
           <a:lstStyle>
-            <a:lvl1pPr lvl="0">
-              <a:buNone/>
-              <a:defRPr/>
+            <a:lvl1pPr indent="0" lvl="0" marL="0" marR="0" algn="r">
+              <a:lnSpc>
+                <a:spcPct val="100000"/>
+              </a:lnSpc>
+              <a:spcBef>
+                <a:spcPts val="0"/>
+              </a:spcBef>
+              <a:spcAft>
+                <a:spcPts val="0"/>
+              </a:spcAft>
+              <a:buClr>
+                <a:srgbClr val="000000"/>
+              </a:buClr>
+              <a:buSzPts val="1000"/>
+              <a:buFont typeface="Arial"/>
+              <a:buNone/>
+              <a:defRPr b="0" i="0" sz="1000" u="none" cap="none" strike="noStrike">
+                <a:solidFill>
+                  <a:schemeClr val="dk2"/>
+                </a:solidFill>
+                <a:latin typeface="Arial"/>
+                <a:ea typeface="Arial"/>
+                <a:cs typeface="Arial"/>
+                <a:sym typeface="Arial"/>
+              </a:defRPr>
             </a:lvl1pPr>
-            <a:lvl2pPr lvl="1">
-              <a:buNone/>
-              <a:defRPr/>
+            <a:lvl2pPr indent="0" lvl="1" marL="0" marR="0" algn="r">
+              <a:lnSpc>
+                <a:spcPct val="100000"/>
+              </a:lnSpc>
+              <a:spcBef>
+                <a:spcPts val="0"/>
+              </a:spcBef>
+              <a:spcAft>
+                <a:spcPts val="0"/>
+              </a:spcAft>
+              <a:buClr>
+                <a:srgbClr val="000000"/>
+              </a:buClr>
+              <a:buSzPts val="1000"/>
+              <a:buFont typeface="Arial"/>
+              <a:buNone/>
+              <a:defRPr b="0" i="0" sz="1000" u="none" cap="none" strike="noStrike">
+                <a:solidFill>
+                  <a:schemeClr val="dk2"/>
+                </a:solidFill>
+                <a:latin typeface="Arial"/>
+                <a:ea typeface="Arial"/>
+                <a:cs typeface="Arial"/>
+                <a:sym typeface="Arial"/>
+              </a:defRPr>
             </a:lvl2pPr>
-            <a:lvl3pPr lvl="2">
-              <a:buNone/>
-              <a:defRPr/>
+            <a:lvl3pPr indent="0" lvl="2" marL="0" marR="0" algn="r">
+              <a:lnSpc>
+                <a:spcPct val="100000"/>
+              </a:lnSpc>
+              <a:spcBef>
+                <a:spcPts val="0"/>
+              </a:spcBef>
+              <a:spcAft>
+                <a:spcPts val="0"/>
+              </a:spcAft>
+              <a:buClr>
+                <a:srgbClr val="000000"/>
+              </a:buClr>
+              <a:buSzPts val="1000"/>
+              <a:buFont typeface="Arial"/>
+              <a:buNone/>
+              <a:defRPr b="0" i="0" sz="1000" u="none" cap="none" strike="noStrike">
+                <a:solidFill>
+                  <a:schemeClr val="dk2"/>
+                </a:solidFill>
+                <a:latin typeface="Arial"/>
+                <a:ea typeface="Arial"/>
+                <a:cs typeface="Arial"/>
+                <a:sym typeface="Arial"/>
+              </a:defRPr>
             </a:lvl3pPr>
-            <a:lvl4pPr lvl="3">
-              <a:buNone/>
-              <a:defRPr/>
+            <a:lvl4pPr indent="0" lvl="3" marL="0" marR="0" algn="r">
+              <a:lnSpc>
+                <a:spcPct val="100000"/>
+              </a:lnSpc>
+              <a:spcBef>
+                <a:spcPts val="0"/>
+              </a:spcBef>
+              <a:spcAft>
+                <a:spcPts val="0"/>
+              </a:spcAft>
+              <a:buClr>
+                <a:srgbClr val="000000"/>
+              </a:buClr>
+              <a:buSzPts val="1000"/>
+              <a:buFont typeface="Arial"/>
+              <a:buNone/>
+              <a:defRPr b="0" i="0" sz="1000" u="none" cap="none" strike="noStrike">
+                <a:solidFill>
+                  <a:schemeClr val="dk2"/>
+                </a:solidFill>
+                <a:latin typeface="Arial"/>
+                <a:ea typeface="Arial"/>
+                <a:cs typeface="Arial"/>
+                <a:sym typeface="Arial"/>
+              </a:defRPr>
             </a:lvl4pPr>
-            <a:lvl5pPr lvl="4">
-              <a:buNone/>
-              <a:defRPr/>
+            <a:lvl5pPr indent="0" lvl="4" marL="0" marR="0" algn="r">
+              <a:lnSpc>
+                <a:spcPct val="100000"/>
+              </a:lnSpc>
+              <a:spcBef>
+                <a:spcPts val="0"/>
+              </a:spcBef>
+              <a:spcAft>
+                <a:spcPts val="0"/>
+              </a:spcAft>
+              <a:buClr>
+                <a:srgbClr val="000000"/>
+              </a:buClr>
+              <a:buSzPts val="1000"/>
+              <a:buFont typeface="Arial"/>
+              <a:buNone/>
+              <a:defRPr b="0" i="0" sz="1000" u="none" cap="none" strike="noStrike">
+                <a:solidFill>
+                  <a:schemeClr val="dk2"/>
+                </a:solidFill>
+                <a:latin typeface="Arial"/>
+                <a:ea typeface="Arial"/>
+                <a:cs typeface="Arial"/>
+                <a:sym typeface="Arial"/>
+              </a:defRPr>
             </a:lvl5pPr>
-            <a:lvl6pPr lvl="5">
-              <a:buNone/>
-              <a:defRPr/>
+            <a:lvl6pPr indent="0" lvl="5" marL="0" marR="0" algn="r">
+              <a:lnSpc>
+                <a:spcPct val="100000"/>
+              </a:lnSpc>
+              <a:spcBef>
+                <a:spcPts val="0"/>
+              </a:spcBef>
+              <a:spcAft>
+                <a:spcPts val="0"/>
+              </a:spcAft>
+              <a:buClr>
+                <a:srgbClr val="000000"/>
+              </a:buClr>
+              <a:buSzPts val="1000"/>
+              <a:buFont typeface="Arial"/>
+              <a:buNone/>
+              <a:defRPr b="0" i="0" sz="1000" u="none" cap="none" strike="noStrike">
+                <a:solidFill>
+                  <a:schemeClr val="dk2"/>
+                </a:solidFill>
+                <a:latin typeface="Arial"/>
+                <a:ea typeface="Arial"/>
+                <a:cs typeface="Arial"/>
+                <a:sym typeface="Arial"/>
+              </a:defRPr>
             </a:lvl6pPr>
-            <a:lvl7pPr lvl="6">
-              <a:buNone/>
-              <a:defRPr/>
+            <a:lvl7pPr indent="0" lvl="6" marL="0" marR="0" algn="r">
+              <a:lnSpc>
+                <a:spcPct val="100000"/>
+              </a:lnSpc>
+              <a:spcBef>
+                <a:spcPts val="0"/>
+              </a:spcBef>
+              <a:spcAft>
+                <a:spcPts val="0"/>
+              </a:spcAft>
+              <a:buClr>
+                <a:srgbClr val="000000"/>
+              </a:buClr>
+              <a:buSzPts val="1000"/>
+              <a:buFont typeface="Arial"/>
+              <a:buNone/>
+              <a:defRPr b="0" i="0" sz="1000" u="none" cap="none" strike="noStrike">
+                <a:solidFill>
+                  <a:schemeClr val="dk2"/>
+                </a:solidFill>
+                <a:latin typeface="Arial"/>
+                <a:ea typeface="Arial"/>
+                <a:cs typeface="Arial"/>
+                <a:sym typeface="Arial"/>
+              </a:defRPr>
             </a:lvl7pPr>
-            <a:lvl8pPr lvl="7">
-              <a:buNone/>
-              <a:defRPr/>
+            <a:lvl8pPr indent="0" lvl="7" marL="0" marR="0" algn="r">
+              <a:lnSpc>
+                <a:spcPct val="100000"/>
+              </a:lnSpc>
+              <a:spcBef>
+                <a:spcPts val="0"/>
+              </a:spcBef>
+              <a:spcAft>
+                <a:spcPts val="0"/>
+              </a:spcAft>
+              <a:buClr>
+                <a:srgbClr val="000000"/>
+              </a:buClr>
+              <a:buSzPts val="1000"/>
+              <a:buFont typeface="Arial"/>
+              <a:buNone/>
+              <a:defRPr b="0" i="0" sz="1000" u="none" cap="none" strike="noStrike">
+                <a:solidFill>
+                  <a:schemeClr val="dk2"/>
+                </a:solidFill>
+                <a:latin typeface="Arial"/>
+                <a:ea typeface="Arial"/>
+                <a:cs typeface="Arial"/>
+                <a:sym typeface="Arial"/>
+              </a:defRPr>
             </a:lvl8pPr>
-            <a:lvl9pPr lvl="8">
-              <a:buNone/>
-              <a:defRPr/>
+            <a:lvl9pPr indent="0" lvl="8" marL="0" marR="0" algn="r">
+              <a:lnSpc>
+                <a:spcPct val="100000"/>
+              </a:lnSpc>
+              <a:spcBef>
+                <a:spcPts val="0"/>
+              </a:spcBef>
+              <a:spcAft>
+                <a:spcPts val="0"/>
+              </a:spcAft>
+              <a:buClr>
+                <a:srgbClr val="000000"/>
+              </a:buClr>
+              <a:buSzPts val="1000"/>
+              <a:buFont typeface="Arial"/>
+              <a:buNone/>
+              <a:defRPr b="0" i="0" sz="1000" u="none" cap="none" strike="noStrike">
+                <a:solidFill>
+                  <a:schemeClr val="dk2"/>
+                </a:solidFill>
+                <a:latin typeface="Arial"/>
+                <a:ea typeface="Arial"/>
+                <a:cs typeface="Arial"/>
+                <a:sym typeface="Arial"/>
+              </a:defRPr>
             </a:lvl9pPr>
           </a:lstStyle>
           <a:p>
@@ -2697,7 +4348,7 @@
       </p:grpSpPr>
       <p:sp>
         <p:nvSpPr>
-          <p:cNvPr id="26" name="Google Shape;26;p6"/>
+          <p:cNvPr id="26" name="Google Shape;26;p7"/>
           <p:cNvSpPr txBox="1"/>
           <p:nvPr>
             <p:ph type="title"/>
@@ -2711,13 +4362,20 @@
           <a:prstGeom prst="rect">
             <a:avLst/>
           </a:prstGeom>
+          <a:noFill/>
+          <a:ln>
+            <a:noFill/>
+          </a:ln>
         </p:spPr>
         <p:txBody>
           <a:bodyPr anchorCtr="0" anchor="t" bIns="91425" lIns="91425" spcFirstLastPara="1" rIns="91425" wrap="square" tIns="91425">
             <a:normAutofit/>
           </a:bodyPr>
           <a:lstStyle>
-            <a:lvl1pPr lvl="0">
+            <a:lvl1pPr lvl="0" algn="l">
+              <a:lnSpc>
+                <a:spcPct val="100000"/>
+              </a:lnSpc>
               <a:spcBef>
                 <a:spcPts val="0"/>
               </a:spcBef>
@@ -2728,7 +4386,10 @@
               <a:buNone/>
               <a:defRPr/>
             </a:lvl1pPr>
-            <a:lvl2pPr lvl="1">
+            <a:lvl2pPr lvl="1" algn="l">
+              <a:lnSpc>
+                <a:spcPct val="100000"/>
+              </a:lnSpc>
               <a:spcBef>
                 <a:spcPts val="0"/>
               </a:spcBef>
@@ -2739,7 +4400,10 @@
               <a:buNone/>
               <a:defRPr/>
             </a:lvl2pPr>
-            <a:lvl3pPr lvl="2">
+            <a:lvl3pPr lvl="2" algn="l">
+              <a:lnSpc>
+                <a:spcPct val="100000"/>
+              </a:lnSpc>
               <a:spcBef>
                 <a:spcPts val="0"/>
               </a:spcBef>
@@ -2750,7 +4414,10 @@
               <a:buNone/>
               <a:defRPr/>
             </a:lvl3pPr>
-            <a:lvl4pPr lvl="3">
+            <a:lvl4pPr lvl="3" algn="l">
+              <a:lnSpc>
+                <a:spcPct val="100000"/>
+              </a:lnSpc>
               <a:spcBef>
                 <a:spcPts val="0"/>
               </a:spcBef>
@@ -2761,7 +4428,10 @@
               <a:buNone/>
               <a:defRPr/>
             </a:lvl4pPr>
-            <a:lvl5pPr lvl="4">
+            <a:lvl5pPr lvl="4" algn="l">
+              <a:lnSpc>
+                <a:spcPct val="100000"/>
+              </a:lnSpc>
               <a:spcBef>
                 <a:spcPts val="0"/>
               </a:spcBef>
@@ -2772,7 +4442,10 @@
               <a:buNone/>
               <a:defRPr/>
             </a:lvl5pPr>
-            <a:lvl6pPr lvl="5">
+            <a:lvl6pPr lvl="5" algn="l">
+              <a:lnSpc>
+                <a:spcPct val="100000"/>
+              </a:lnSpc>
               <a:spcBef>
                 <a:spcPts val="0"/>
               </a:spcBef>
@@ -2783,7 +4456,10 @@
               <a:buNone/>
               <a:defRPr/>
             </a:lvl6pPr>
-            <a:lvl7pPr lvl="6">
+            <a:lvl7pPr lvl="6" algn="l">
+              <a:lnSpc>
+                <a:spcPct val="100000"/>
+              </a:lnSpc>
               <a:spcBef>
                 <a:spcPts val="0"/>
               </a:spcBef>
@@ -2794,7 +4470,10 @@
               <a:buNone/>
               <a:defRPr/>
             </a:lvl7pPr>
-            <a:lvl8pPr lvl="7">
+            <a:lvl8pPr lvl="7" algn="l">
+              <a:lnSpc>
+                <a:spcPct val="100000"/>
+              </a:lnSpc>
               <a:spcBef>
                 <a:spcPts val="0"/>
               </a:spcBef>
@@ -2805,7 +4484,10 @@
               <a:buNone/>
               <a:defRPr/>
             </a:lvl8pPr>
-            <a:lvl9pPr lvl="8">
+            <a:lvl9pPr lvl="8" algn="l">
+              <a:lnSpc>
+                <a:spcPct val="100000"/>
+              </a:lnSpc>
               <a:spcBef>
                 <a:spcPts val="0"/>
               </a:spcBef>
@@ -2822,7 +4504,7 @@
       </p:sp>
       <p:sp>
         <p:nvSpPr>
-          <p:cNvPr id="27" name="Google Shape;27;p6"/>
+          <p:cNvPr id="27" name="Google Shape;27;p7"/>
           <p:cNvSpPr txBox="1"/>
           <p:nvPr>
             <p:ph idx="12" type="sldNum"/>
@@ -2836,47 +4518,249 @@
           <a:prstGeom prst="rect">
             <a:avLst/>
           </a:prstGeom>
+          <a:noFill/>
+          <a:ln>
+            <a:noFill/>
+          </a:ln>
         </p:spPr>
         <p:txBody>
           <a:bodyPr anchorCtr="0" anchor="ctr" bIns="91425" lIns="91425" spcFirstLastPara="1" rIns="91425" wrap="square" tIns="91425">
             <a:normAutofit/>
           </a:bodyPr>
           <a:lstStyle>
-            <a:lvl1pPr lvl="0">
-              <a:buNone/>
-              <a:defRPr/>
+            <a:lvl1pPr indent="0" lvl="0" marL="0" marR="0" algn="r">
+              <a:lnSpc>
+                <a:spcPct val="100000"/>
+              </a:lnSpc>
+              <a:spcBef>
+                <a:spcPts val="0"/>
+              </a:spcBef>
+              <a:spcAft>
+                <a:spcPts val="0"/>
+              </a:spcAft>
+              <a:buClr>
+                <a:srgbClr val="000000"/>
+              </a:buClr>
+              <a:buSzPts val="1000"/>
+              <a:buFont typeface="Arial"/>
+              <a:buNone/>
+              <a:defRPr b="0" i="0" sz="1000" u="none" cap="none" strike="noStrike">
+                <a:solidFill>
+                  <a:schemeClr val="dk2"/>
+                </a:solidFill>
+                <a:latin typeface="Arial"/>
+                <a:ea typeface="Arial"/>
+                <a:cs typeface="Arial"/>
+                <a:sym typeface="Arial"/>
+              </a:defRPr>
             </a:lvl1pPr>
-            <a:lvl2pPr lvl="1">
-              <a:buNone/>
-              <a:defRPr/>
+            <a:lvl2pPr indent="0" lvl="1" marL="0" marR="0" algn="r">
+              <a:lnSpc>
+                <a:spcPct val="100000"/>
+              </a:lnSpc>
+              <a:spcBef>
+                <a:spcPts val="0"/>
+              </a:spcBef>
+              <a:spcAft>
+                <a:spcPts val="0"/>
+              </a:spcAft>
+              <a:buClr>
+                <a:srgbClr val="000000"/>
+              </a:buClr>
+              <a:buSzPts val="1000"/>
+              <a:buFont typeface="Arial"/>
+              <a:buNone/>
+              <a:defRPr b="0" i="0" sz="1000" u="none" cap="none" strike="noStrike">
+                <a:solidFill>
+                  <a:schemeClr val="dk2"/>
+                </a:solidFill>
+                <a:latin typeface="Arial"/>
+                <a:ea typeface="Arial"/>
+                <a:cs typeface="Arial"/>
+                <a:sym typeface="Arial"/>
+              </a:defRPr>
             </a:lvl2pPr>
-            <a:lvl3pPr lvl="2">
-              <a:buNone/>
-              <a:defRPr/>
+            <a:lvl3pPr indent="0" lvl="2" marL="0" marR="0" algn="r">
+              <a:lnSpc>
+                <a:spcPct val="100000"/>
+              </a:lnSpc>
+              <a:spcBef>
+                <a:spcPts val="0"/>
+              </a:spcBef>
+              <a:spcAft>
+                <a:spcPts val="0"/>
+              </a:spcAft>
+              <a:buClr>
+                <a:srgbClr val="000000"/>
+              </a:buClr>
+              <a:buSzPts val="1000"/>
+              <a:buFont typeface="Arial"/>
+              <a:buNone/>
+              <a:defRPr b="0" i="0" sz="1000" u="none" cap="none" strike="noStrike">
+                <a:solidFill>
+                  <a:schemeClr val="dk2"/>
+                </a:solidFill>
+                <a:latin typeface="Arial"/>
+                <a:ea typeface="Arial"/>
+                <a:cs typeface="Arial"/>
+                <a:sym typeface="Arial"/>
+              </a:defRPr>
             </a:lvl3pPr>
-            <a:lvl4pPr lvl="3">
-              <a:buNone/>
-              <a:defRPr/>
+            <a:lvl4pPr indent="0" lvl="3" marL="0" marR="0" algn="r">
+              <a:lnSpc>
+                <a:spcPct val="100000"/>
+              </a:lnSpc>
+              <a:spcBef>
+                <a:spcPts val="0"/>
+              </a:spcBef>
+              <a:spcAft>
+                <a:spcPts val="0"/>
+              </a:spcAft>
+              <a:buClr>
+                <a:srgbClr val="000000"/>
+              </a:buClr>
+              <a:buSzPts val="1000"/>
+              <a:buFont typeface="Arial"/>
+              <a:buNone/>
+              <a:defRPr b="0" i="0" sz="1000" u="none" cap="none" strike="noStrike">
+                <a:solidFill>
+                  <a:schemeClr val="dk2"/>
+                </a:solidFill>
+                <a:latin typeface="Arial"/>
+                <a:ea typeface="Arial"/>
+                <a:cs typeface="Arial"/>
+                <a:sym typeface="Arial"/>
+              </a:defRPr>
             </a:lvl4pPr>
-            <a:lvl5pPr lvl="4">
-              <a:buNone/>
-              <a:defRPr/>
+            <a:lvl5pPr indent="0" lvl="4" marL="0" marR="0" algn="r">
+              <a:lnSpc>
+                <a:spcPct val="100000"/>
+              </a:lnSpc>
+              <a:spcBef>
+                <a:spcPts val="0"/>
+              </a:spcBef>
+              <a:spcAft>
+                <a:spcPts val="0"/>
+              </a:spcAft>
+              <a:buClr>
+                <a:srgbClr val="000000"/>
+              </a:buClr>
+              <a:buSzPts val="1000"/>
+              <a:buFont typeface="Arial"/>
+              <a:buNone/>
+              <a:defRPr b="0" i="0" sz="1000" u="none" cap="none" strike="noStrike">
+                <a:solidFill>
+                  <a:schemeClr val="dk2"/>
+                </a:solidFill>
+                <a:latin typeface="Arial"/>
+                <a:ea typeface="Arial"/>
+                <a:cs typeface="Arial"/>
+                <a:sym typeface="Arial"/>
+              </a:defRPr>
             </a:lvl5pPr>
-            <a:lvl6pPr lvl="5">
-              <a:buNone/>
-              <a:defRPr/>
+            <a:lvl6pPr indent="0" lvl="5" marL="0" marR="0" algn="r">
+              <a:lnSpc>
+                <a:spcPct val="100000"/>
+              </a:lnSpc>
+              <a:spcBef>
+                <a:spcPts val="0"/>
+              </a:spcBef>
+              <a:spcAft>
+                <a:spcPts val="0"/>
+              </a:spcAft>
+              <a:buClr>
+                <a:srgbClr val="000000"/>
+              </a:buClr>
+              <a:buSzPts val="1000"/>
+              <a:buFont typeface="Arial"/>
+              <a:buNone/>
+              <a:defRPr b="0" i="0" sz="1000" u="none" cap="none" strike="noStrike">
+                <a:solidFill>
+                  <a:schemeClr val="dk2"/>
+                </a:solidFill>
+                <a:latin typeface="Arial"/>
+                <a:ea typeface="Arial"/>
+                <a:cs typeface="Arial"/>
+                <a:sym typeface="Arial"/>
+              </a:defRPr>
             </a:lvl6pPr>
-            <a:lvl7pPr lvl="6">
-              <a:buNone/>
-              <a:defRPr/>
+            <a:lvl7pPr indent="0" lvl="6" marL="0" marR="0" algn="r">
+              <a:lnSpc>
+                <a:spcPct val="100000"/>
+              </a:lnSpc>
+              <a:spcBef>
+                <a:spcPts val="0"/>
+              </a:spcBef>
+              <a:spcAft>
+                <a:spcPts val="0"/>
+              </a:spcAft>
+              <a:buClr>
+                <a:srgbClr val="000000"/>
+              </a:buClr>
+              <a:buSzPts val="1000"/>
+              <a:buFont typeface="Arial"/>
+              <a:buNone/>
+              <a:defRPr b="0" i="0" sz="1000" u="none" cap="none" strike="noStrike">
+                <a:solidFill>
+                  <a:schemeClr val="dk2"/>
+                </a:solidFill>
+                <a:latin typeface="Arial"/>
+                <a:ea typeface="Arial"/>
+                <a:cs typeface="Arial"/>
+                <a:sym typeface="Arial"/>
+              </a:defRPr>
             </a:lvl7pPr>
-            <a:lvl8pPr lvl="7">
-              <a:buNone/>
-              <a:defRPr/>
+            <a:lvl8pPr indent="0" lvl="7" marL="0" marR="0" algn="r">
+              <a:lnSpc>
+                <a:spcPct val="100000"/>
+              </a:lnSpc>
+              <a:spcBef>
+                <a:spcPts val="0"/>
+              </a:spcBef>
+              <a:spcAft>
+                <a:spcPts val="0"/>
+              </a:spcAft>
+              <a:buClr>
+                <a:srgbClr val="000000"/>
+              </a:buClr>
+              <a:buSzPts val="1000"/>
+              <a:buFont typeface="Arial"/>
+              <a:buNone/>
+              <a:defRPr b="0" i="0" sz="1000" u="none" cap="none" strike="noStrike">
+                <a:solidFill>
+                  <a:schemeClr val="dk2"/>
+                </a:solidFill>
+                <a:latin typeface="Arial"/>
+                <a:ea typeface="Arial"/>
+                <a:cs typeface="Arial"/>
+                <a:sym typeface="Arial"/>
+              </a:defRPr>
             </a:lvl8pPr>
-            <a:lvl9pPr lvl="8">
-              <a:buNone/>
-              <a:defRPr/>
+            <a:lvl9pPr indent="0" lvl="8" marL="0" marR="0" algn="r">
+              <a:lnSpc>
+                <a:spcPct val="100000"/>
+              </a:lnSpc>
+              <a:spcBef>
+                <a:spcPts val="0"/>
+              </a:spcBef>
+              <a:spcAft>
+                <a:spcPts val="0"/>
+              </a:spcAft>
+              <a:buClr>
+                <a:srgbClr val="000000"/>
+              </a:buClr>
+              <a:buSzPts val="1000"/>
+              <a:buFont typeface="Arial"/>
+              <a:buNone/>
+              <a:defRPr b="0" i="0" sz="1000" u="none" cap="none" strike="noStrike">
+                <a:solidFill>
+                  <a:schemeClr val="dk2"/>
+                </a:solidFill>
+                <a:latin typeface="Arial"/>
+                <a:ea typeface="Arial"/>
+                <a:cs typeface="Arial"/>
+                <a:sym typeface="Arial"/>
+              </a:defRPr>
             </a:lvl9pPr>
           </a:lstStyle>
           <a:p>
@@ -2924,7 +4808,7 @@
       </p:grpSpPr>
       <p:sp>
         <p:nvSpPr>
-          <p:cNvPr id="29" name="Google Shape;29;p7"/>
+          <p:cNvPr id="29" name="Google Shape;29;p8"/>
           <p:cNvSpPr txBox="1"/>
           <p:nvPr>
             <p:ph type="title"/>
@@ -2938,13 +4822,20 @@
           <a:prstGeom prst="rect">
             <a:avLst/>
           </a:prstGeom>
+          <a:noFill/>
+          <a:ln>
+            <a:noFill/>
+          </a:ln>
         </p:spPr>
         <p:txBody>
           <a:bodyPr anchorCtr="0" anchor="b" bIns="91425" lIns="91425" spcFirstLastPara="1" rIns="91425" wrap="square" tIns="91425">
             <a:normAutofit/>
           </a:bodyPr>
           <a:lstStyle>
-            <a:lvl1pPr lvl="0">
+            <a:lvl1pPr lvl="0" algn="l">
+              <a:lnSpc>
+                <a:spcPct val="100000"/>
+              </a:lnSpc>
               <a:spcBef>
                 <a:spcPts val="0"/>
               </a:spcBef>
@@ -2955,7 +4846,10 @@
               <a:buNone/>
               <a:defRPr sz="2400"/>
             </a:lvl1pPr>
-            <a:lvl2pPr lvl="1">
+            <a:lvl2pPr lvl="1" algn="l">
+              <a:lnSpc>
+                <a:spcPct val="100000"/>
+              </a:lnSpc>
               <a:spcBef>
                 <a:spcPts val="0"/>
               </a:spcBef>
@@ -2966,7 +4860,10 @@
               <a:buNone/>
               <a:defRPr sz="2400"/>
             </a:lvl2pPr>
-            <a:lvl3pPr lvl="2">
+            <a:lvl3pPr lvl="2" algn="l">
+              <a:lnSpc>
+                <a:spcPct val="100000"/>
+              </a:lnSpc>
               <a:spcBef>
                 <a:spcPts val="0"/>
               </a:spcBef>
@@ -2977,7 +4874,10 @@
               <a:buNone/>
               <a:defRPr sz="2400"/>
             </a:lvl3pPr>
-            <a:lvl4pPr lvl="3">
+            <a:lvl4pPr lvl="3" algn="l">
+              <a:lnSpc>
+                <a:spcPct val="100000"/>
+              </a:lnSpc>
               <a:spcBef>
                 <a:spcPts val="0"/>
               </a:spcBef>
@@ -2988,7 +4888,10 @@
               <a:buNone/>
               <a:defRPr sz="2400"/>
             </a:lvl4pPr>
-            <a:lvl5pPr lvl="4">
+            <a:lvl5pPr lvl="4" algn="l">
+              <a:lnSpc>
+                <a:spcPct val="100000"/>
+              </a:lnSpc>
               <a:spcBef>
                 <a:spcPts val="0"/>
               </a:spcBef>
@@ -2999,7 +4902,10 @@
               <a:buNone/>
               <a:defRPr sz="2400"/>
             </a:lvl5pPr>
-            <a:lvl6pPr lvl="5">
+            <a:lvl6pPr lvl="5" algn="l">
+              <a:lnSpc>
+                <a:spcPct val="100000"/>
+              </a:lnSpc>
               <a:spcBef>
                 <a:spcPts val="0"/>
               </a:spcBef>
@@ -3010,7 +4916,10 @@
               <a:buNone/>
               <a:defRPr sz="2400"/>
             </a:lvl6pPr>
-            <a:lvl7pPr lvl="6">
+            <a:lvl7pPr lvl="6" algn="l">
+              <a:lnSpc>
+                <a:spcPct val="100000"/>
+              </a:lnSpc>
               <a:spcBef>
                 <a:spcPts val="0"/>
               </a:spcBef>
@@ -3021,7 +4930,10 @@
               <a:buNone/>
               <a:defRPr sz="2400"/>
             </a:lvl7pPr>
-            <a:lvl8pPr lvl="7">
+            <a:lvl8pPr lvl="7" algn="l">
+              <a:lnSpc>
+                <a:spcPct val="100000"/>
+              </a:lnSpc>
               <a:spcBef>
                 <a:spcPts val="0"/>
               </a:spcBef>
@@ -3032,7 +4944,10 @@
               <a:buNone/>
               <a:defRPr sz="2400"/>
             </a:lvl8pPr>
-            <a:lvl9pPr lvl="8">
+            <a:lvl9pPr lvl="8" algn="l">
+              <a:lnSpc>
+                <a:spcPct val="100000"/>
+              </a:lnSpc>
               <a:spcBef>
                 <a:spcPts val="0"/>
               </a:spcBef>
@@ -3049,7 +4964,7 @@
       </p:sp>
       <p:sp>
         <p:nvSpPr>
-          <p:cNvPr id="30" name="Google Shape;30;p7"/>
+          <p:cNvPr id="30" name="Google Shape;30;p8"/>
           <p:cNvSpPr txBox="1"/>
           <p:nvPr>
             <p:ph idx="1" type="body"/>
@@ -3063,13 +4978,20 @@
           <a:prstGeom prst="rect">
             <a:avLst/>
           </a:prstGeom>
+          <a:noFill/>
+          <a:ln>
+            <a:noFill/>
+          </a:ln>
         </p:spPr>
         <p:txBody>
           <a:bodyPr anchorCtr="0" anchor="t" bIns="91425" lIns="91425" spcFirstLastPara="1" rIns="91425" wrap="square" tIns="91425">
             <a:normAutofit/>
           </a:bodyPr>
           <a:lstStyle>
-            <a:lvl1pPr indent="-304800" lvl="0" marL="457200">
+            <a:lvl1pPr indent="-304800" lvl="0" marL="457200" algn="l">
+              <a:lnSpc>
+                <a:spcPct val="115000"/>
+              </a:lnSpc>
               <a:spcBef>
                 <a:spcPts val="0"/>
               </a:spcBef>
@@ -3080,7 +5002,10 @@
               <a:buChar char="●"/>
               <a:defRPr sz="1200"/>
             </a:lvl1pPr>
-            <a:lvl2pPr indent="-304800" lvl="1" marL="914400">
+            <a:lvl2pPr indent="-304800" lvl="1" marL="914400" algn="l">
+              <a:lnSpc>
+                <a:spcPct val="115000"/>
+              </a:lnSpc>
               <a:spcBef>
                 <a:spcPts val="0"/>
               </a:spcBef>
@@ -3091,7 +5016,10 @@
               <a:buChar char="○"/>
               <a:defRPr sz="1200"/>
             </a:lvl2pPr>
-            <a:lvl3pPr indent="-304800" lvl="2" marL="1371600">
+            <a:lvl3pPr indent="-304800" lvl="2" marL="1371600" algn="l">
+              <a:lnSpc>
+                <a:spcPct val="115000"/>
+              </a:lnSpc>
               <a:spcBef>
                 <a:spcPts val="0"/>
               </a:spcBef>
@@ -3102,7 +5030,10 @@
               <a:buChar char="■"/>
               <a:defRPr sz="1200"/>
             </a:lvl3pPr>
-            <a:lvl4pPr indent="-304800" lvl="3" marL="1828800">
+            <a:lvl4pPr indent="-304800" lvl="3" marL="1828800" algn="l">
+              <a:lnSpc>
+                <a:spcPct val="115000"/>
+              </a:lnSpc>
               <a:spcBef>
                 <a:spcPts val="0"/>
               </a:spcBef>
@@ -3113,7 +5044,10 @@
               <a:buChar char="●"/>
               <a:defRPr sz="1200"/>
             </a:lvl4pPr>
-            <a:lvl5pPr indent="-304800" lvl="4" marL="2286000">
+            <a:lvl5pPr indent="-304800" lvl="4" marL="2286000" algn="l">
+              <a:lnSpc>
+                <a:spcPct val="115000"/>
+              </a:lnSpc>
               <a:spcBef>
                 <a:spcPts val="0"/>
               </a:spcBef>
@@ -3124,7 +5058,10 @@
               <a:buChar char="○"/>
               <a:defRPr sz="1200"/>
             </a:lvl5pPr>
-            <a:lvl6pPr indent="-304800" lvl="5" marL="2743200">
+            <a:lvl6pPr indent="-304800" lvl="5" marL="2743200" algn="l">
+              <a:lnSpc>
+                <a:spcPct val="115000"/>
+              </a:lnSpc>
               <a:spcBef>
                 <a:spcPts val="0"/>
               </a:spcBef>
@@ -3135,7 +5072,10 @@
               <a:buChar char="■"/>
               <a:defRPr sz="1200"/>
             </a:lvl6pPr>
-            <a:lvl7pPr indent="-304800" lvl="6" marL="3200400">
+            <a:lvl7pPr indent="-304800" lvl="6" marL="3200400" algn="l">
+              <a:lnSpc>
+                <a:spcPct val="115000"/>
+              </a:lnSpc>
               <a:spcBef>
                 <a:spcPts val="0"/>
               </a:spcBef>
@@ -3146,7 +5086,10 @@
               <a:buChar char="●"/>
               <a:defRPr sz="1200"/>
             </a:lvl7pPr>
-            <a:lvl8pPr indent="-304800" lvl="7" marL="3657600">
+            <a:lvl8pPr indent="-304800" lvl="7" marL="3657600" algn="l">
+              <a:lnSpc>
+                <a:spcPct val="115000"/>
+              </a:lnSpc>
               <a:spcBef>
                 <a:spcPts val="0"/>
               </a:spcBef>
@@ -3157,7 +5100,10 @@
               <a:buChar char="○"/>
               <a:defRPr sz="1200"/>
             </a:lvl8pPr>
-            <a:lvl9pPr indent="-304800" lvl="8" marL="4114800">
+            <a:lvl9pPr indent="-304800" lvl="8" marL="4114800" algn="l">
+              <a:lnSpc>
+                <a:spcPct val="115000"/>
+              </a:lnSpc>
               <a:spcBef>
                 <a:spcPts val="0"/>
               </a:spcBef>
@@ -3174,7 +5120,7 @@
       </p:sp>
       <p:sp>
         <p:nvSpPr>
-          <p:cNvPr id="31" name="Google Shape;31;p7"/>
+          <p:cNvPr id="31" name="Google Shape;31;p8"/>
           <p:cNvSpPr txBox="1"/>
           <p:nvPr>
             <p:ph idx="12" type="sldNum"/>
@@ -3188,47 +5134,249 @@
           <a:prstGeom prst="rect">
             <a:avLst/>
           </a:prstGeom>
+          <a:noFill/>
+          <a:ln>
+            <a:noFill/>
+          </a:ln>
         </p:spPr>
         <p:txBody>
           <a:bodyPr anchorCtr="0" anchor="ctr" bIns="91425" lIns="91425" spcFirstLastPara="1" rIns="91425" wrap="square" tIns="91425">
             <a:normAutofit/>
           </a:bodyPr>
           <a:lstStyle>
-            <a:lvl1pPr lvl="0">
-              <a:buNone/>
-              <a:defRPr/>
+            <a:lvl1pPr indent="0" lvl="0" marL="0" marR="0" algn="r">
+              <a:lnSpc>
+                <a:spcPct val="100000"/>
+              </a:lnSpc>
+              <a:spcBef>
+                <a:spcPts val="0"/>
+              </a:spcBef>
+              <a:spcAft>
+                <a:spcPts val="0"/>
+              </a:spcAft>
+              <a:buClr>
+                <a:srgbClr val="000000"/>
+              </a:buClr>
+              <a:buSzPts val="1000"/>
+              <a:buFont typeface="Arial"/>
+              <a:buNone/>
+              <a:defRPr b="0" i="0" sz="1000" u="none" cap="none" strike="noStrike">
+                <a:solidFill>
+                  <a:schemeClr val="dk2"/>
+                </a:solidFill>
+                <a:latin typeface="Arial"/>
+                <a:ea typeface="Arial"/>
+                <a:cs typeface="Arial"/>
+                <a:sym typeface="Arial"/>
+              </a:defRPr>
             </a:lvl1pPr>
-            <a:lvl2pPr lvl="1">
-              <a:buNone/>
-              <a:defRPr/>
+            <a:lvl2pPr indent="0" lvl="1" marL="0" marR="0" algn="r">
+              <a:lnSpc>
+                <a:spcPct val="100000"/>
+              </a:lnSpc>
+              <a:spcBef>
+                <a:spcPts val="0"/>
+              </a:spcBef>
+              <a:spcAft>
+                <a:spcPts val="0"/>
+              </a:spcAft>
+              <a:buClr>
+                <a:srgbClr val="000000"/>
+              </a:buClr>
+              <a:buSzPts val="1000"/>
+              <a:buFont typeface="Arial"/>
+              <a:buNone/>
+              <a:defRPr b="0" i="0" sz="1000" u="none" cap="none" strike="noStrike">
+                <a:solidFill>
+                  <a:schemeClr val="dk2"/>
+                </a:solidFill>
+                <a:latin typeface="Arial"/>
+                <a:ea typeface="Arial"/>
+                <a:cs typeface="Arial"/>
+                <a:sym typeface="Arial"/>
+              </a:defRPr>
             </a:lvl2pPr>
-            <a:lvl3pPr lvl="2">
-              <a:buNone/>
-              <a:defRPr/>
+            <a:lvl3pPr indent="0" lvl="2" marL="0" marR="0" algn="r">
+              <a:lnSpc>
+                <a:spcPct val="100000"/>
+              </a:lnSpc>
+              <a:spcBef>
+                <a:spcPts val="0"/>
+              </a:spcBef>
+              <a:spcAft>
+                <a:spcPts val="0"/>
+              </a:spcAft>
+              <a:buClr>
+                <a:srgbClr val="000000"/>
+              </a:buClr>
+              <a:buSzPts val="1000"/>
+              <a:buFont typeface="Arial"/>
+              <a:buNone/>
+              <a:defRPr b="0" i="0" sz="1000" u="none" cap="none" strike="noStrike">
+                <a:solidFill>
+                  <a:schemeClr val="dk2"/>
+                </a:solidFill>
+                <a:latin typeface="Arial"/>
+                <a:ea typeface="Arial"/>
+                <a:cs typeface="Arial"/>
+                <a:sym typeface="Arial"/>
+              </a:defRPr>
             </a:lvl3pPr>
-            <a:lvl4pPr lvl="3">
-              <a:buNone/>
-              <a:defRPr/>
+            <a:lvl4pPr indent="0" lvl="3" marL="0" marR="0" algn="r">
+              <a:lnSpc>
+                <a:spcPct val="100000"/>
+              </a:lnSpc>
+              <a:spcBef>
+                <a:spcPts val="0"/>
+              </a:spcBef>
+              <a:spcAft>
+                <a:spcPts val="0"/>
+              </a:spcAft>
+              <a:buClr>
+                <a:srgbClr val="000000"/>
+              </a:buClr>
+              <a:buSzPts val="1000"/>
+              <a:buFont typeface="Arial"/>
+              <a:buNone/>
+              <a:defRPr b="0" i="0" sz="1000" u="none" cap="none" strike="noStrike">
+                <a:solidFill>
+                  <a:schemeClr val="dk2"/>
+                </a:solidFill>
+                <a:latin typeface="Arial"/>
+                <a:ea typeface="Arial"/>
+                <a:cs typeface="Arial"/>
+                <a:sym typeface="Arial"/>
+              </a:defRPr>
             </a:lvl4pPr>
-            <a:lvl5pPr lvl="4">
-              <a:buNone/>
-              <a:defRPr/>
+            <a:lvl5pPr indent="0" lvl="4" marL="0" marR="0" algn="r">
+              <a:lnSpc>
+                <a:spcPct val="100000"/>
+              </a:lnSpc>
+              <a:spcBef>
+                <a:spcPts val="0"/>
+              </a:spcBef>
+              <a:spcAft>
+                <a:spcPts val="0"/>
+              </a:spcAft>
+              <a:buClr>
+                <a:srgbClr val="000000"/>
+              </a:buClr>
+              <a:buSzPts val="1000"/>
+              <a:buFont typeface="Arial"/>
+              <a:buNone/>
+              <a:defRPr b="0" i="0" sz="1000" u="none" cap="none" strike="noStrike">
+                <a:solidFill>
+                  <a:schemeClr val="dk2"/>
+                </a:solidFill>
+                <a:latin typeface="Arial"/>
+                <a:ea typeface="Arial"/>
+                <a:cs typeface="Arial"/>
+                <a:sym typeface="Arial"/>
+              </a:defRPr>
             </a:lvl5pPr>
-            <a:lvl6pPr lvl="5">
-              <a:buNone/>
-              <a:defRPr/>
+            <a:lvl6pPr indent="0" lvl="5" marL="0" marR="0" algn="r">
+              <a:lnSpc>
+                <a:spcPct val="100000"/>
+              </a:lnSpc>
+              <a:spcBef>
+                <a:spcPts val="0"/>
+              </a:spcBef>
+              <a:spcAft>
+                <a:spcPts val="0"/>
+              </a:spcAft>
+              <a:buClr>
+                <a:srgbClr val="000000"/>
+              </a:buClr>
+              <a:buSzPts val="1000"/>
+              <a:buFont typeface="Arial"/>
+              <a:buNone/>
+              <a:defRPr b="0" i="0" sz="1000" u="none" cap="none" strike="noStrike">
+                <a:solidFill>
+                  <a:schemeClr val="dk2"/>
+                </a:solidFill>
+                <a:latin typeface="Arial"/>
+                <a:ea typeface="Arial"/>
+                <a:cs typeface="Arial"/>
+                <a:sym typeface="Arial"/>
+              </a:defRPr>
             </a:lvl6pPr>
-            <a:lvl7pPr lvl="6">
-              <a:buNone/>
-              <a:defRPr/>
+            <a:lvl7pPr indent="0" lvl="6" marL="0" marR="0" algn="r">
+              <a:lnSpc>
+                <a:spcPct val="100000"/>
+              </a:lnSpc>
+              <a:spcBef>
+                <a:spcPts val="0"/>
+              </a:spcBef>
+              <a:spcAft>
+                <a:spcPts val="0"/>
+              </a:spcAft>
+              <a:buClr>
+                <a:srgbClr val="000000"/>
+              </a:buClr>
+              <a:buSzPts val="1000"/>
+              <a:buFont typeface="Arial"/>
+              <a:buNone/>
+              <a:defRPr b="0" i="0" sz="1000" u="none" cap="none" strike="noStrike">
+                <a:solidFill>
+                  <a:schemeClr val="dk2"/>
+                </a:solidFill>
+                <a:latin typeface="Arial"/>
+                <a:ea typeface="Arial"/>
+                <a:cs typeface="Arial"/>
+                <a:sym typeface="Arial"/>
+              </a:defRPr>
             </a:lvl7pPr>
-            <a:lvl8pPr lvl="7">
-              <a:buNone/>
-              <a:defRPr/>
+            <a:lvl8pPr indent="0" lvl="7" marL="0" marR="0" algn="r">
+              <a:lnSpc>
+                <a:spcPct val="100000"/>
+              </a:lnSpc>
+              <a:spcBef>
+                <a:spcPts val="0"/>
+              </a:spcBef>
+              <a:spcAft>
+                <a:spcPts val="0"/>
+              </a:spcAft>
+              <a:buClr>
+                <a:srgbClr val="000000"/>
+              </a:buClr>
+              <a:buSzPts val="1000"/>
+              <a:buFont typeface="Arial"/>
+              <a:buNone/>
+              <a:defRPr b="0" i="0" sz="1000" u="none" cap="none" strike="noStrike">
+                <a:solidFill>
+                  <a:schemeClr val="dk2"/>
+                </a:solidFill>
+                <a:latin typeface="Arial"/>
+                <a:ea typeface="Arial"/>
+                <a:cs typeface="Arial"/>
+                <a:sym typeface="Arial"/>
+              </a:defRPr>
             </a:lvl8pPr>
-            <a:lvl9pPr lvl="8">
-              <a:buNone/>
-              <a:defRPr/>
+            <a:lvl9pPr indent="0" lvl="8" marL="0" marR="0" algn="r">
+              <a:lnSpc>
+                <a:spcPct val="100000"/>
+              </a:lnSpc>
+              <a:spcBef>
+                <a:spcPts val="0"/>
+              </a:spcBef>
+              <a:spcAft>
+                <a:spcPts val="0"/>
+              </a:spcAft>
+              <a:buClr>
+                <a:srgbClr val="000000"/>
+              </a:buClr>
+              <a:buSzPts val="1000"/>
+              <a:buFont typeface="Arial"/>
+              <a:buNone/>
+              <a:defRPr b="0" i="0" sz="1000" u="none" cap="none" strike="noStrike">
+                <a:solidFill>
+                  <a:schemeClr val="dk2"/>
+                </a:solidFill>
+                <a:latin typeface="Arial"/>
+                <a:ea typeface="Arial"/>
+                <a:cs typeface="Arial"/>
+                <a:sym typeface="Arial"/>
+              </a:defRPr>
             </a:lvl9pPr>
           </a:lstStyle>
           <a:p>
@@ -3276,7 +5424,7 @@
       </p:grpSpPr>
       <p:sp>
         <p:nvSpPr>
-          <p:cNvPr id="33" name="Google Shape;33;p8"/>
+          <p:cNvPr id="33" name="Google Shape;33;p9"/>
           <p:cNvSpPr txBox="1"/>
           <p:nvPr>
             <p:ph type="title"/>
@@ -3290,13 +5438,20 @@
           <a:prstGeom prst="rect">
             <a:avLst/>
           </a:prstGeom>
+          <a:noFill/>
+          <a:ln>
+            <a:noFill/>
+          </a:ln>
         </p:spPr>
         <p:txBody>
           <a:bodyPr anchorCtr="0" anchor="ctr" bIns="91425" lIns="91425" spcFirstLastPara="1" rIns="91425" wrap="square" tIns="91425">
             <a:normAutofit/>
           </a:bodyPr>
           <a:lstStyle>
-            <a:lvl1pPr lvl="0">
+            <a:lvl1pPr lvl="0" algn="l">
+              <a:lnSpc>
+                <a:spcPct val="100000"/>
+              </a:lnSpc>
               <a:spcBef>
                 <a:spcPts val="0"/>
               </a:spcBef>
@@ -3307,7 +5462,10 @@
               <a:buNone/>
               <a:defRPr sz="4800"/>
             </a:lvl1pPr>
-            <a:lvl2pPr lvl="1">
+            <a:lvl2pPr lvl="1" algn="l">
+              <a:lnSpc>
+                <a:spcPct val="100000"/>
+              </a:lnSpc>
               <a:spcBef>
                 <a:spcPts val="0"/>
               </a:spcBef>
@@ -3318,7 +5476,10 @@
               <a:buNone/>
               <a:defRPr sz="4800"/>
             </a:lvl2pPr>
-            <a:lvl3pPr lvl="2">
+            <a:lvl3pPr lvl="2" algn="l">
+              <a:lnSpc>
+                <a:spcPct val="100000"/>
+              </a:lnSpc>
               <a:spcBef>
                 <a:spcPts val="0"/>
               </a:spcBef>
@@ -3329,7 +5490,10 @@
               <a:buNone/>
               <a:defRPr sz="4800"/>
             </a:lvl3pPr>
-            <a:lvl4pPr lvl="3">
+            <a:lvl4pPr lvl="3" algn="l">
+              <a:lnSpc>
+                <a:spcPct val="100000"/>
+              </a:lnSpc>
               <a:spcBef>
                 <a:spcPts val="0"/>
               </a:spcBef>
@@ -3340,7 +5504,10 @@
               <a:buNone/>
               <a:defRPr sz="4800"/>
             </a:lvl4pPr>
-            <a:lvl5pPr lvl="4">
+            <a:lvl5pPr lvl="4" algn="l">
+              <a:lnSpc>
+                <a:spcPct val="100000"/>
+              </a:lnSpc>
               <a:spcBef>
                 <a:spcPts val="0"/>
               </a:spcBef>
@@ -3351,7 +5518,10 @@
               <a:buNone/>
               <a:defRPr sz="4800"/>
             </a:lvl5pPr>
-            <a:lvl6pPr lvl="5">
+            <a:lvl6pPr lvl="5" algn="l">
+              <a:lnSpc>
+                <a:spcPct val="100000"/>
+              </a:lnSpc>
               <a:spcBef>
                 <a:spcPts val="0"/>
               </a:spcBef>
@@ -3362,7 +5532,10 @@
               <a:buNone/>
               <a:defRPr sz="4800"/>
             </a:lvl6pPr>
-            <a:lvl7pPr lvl="6">
+            <a:lvl7pPr lvl="6" algn="l">
+              <a:lnSpc>
+                <a:spcPct val="100000"/>
+              </a:lnSpc>
               <a:spcBef>
                 <a:spcPts val="0"/>
               </a:spcBef>
@@ -3373,7 +5546,10 @@
               <a:buNone/>
               <a:defRPr sz="4800"/>
             </a:lvl7pPr>
-            <a:lvl8pPr lvl="7">
+            <a:lvl8pPr lvl="7" algn="l">
+              <a:lnSpc>
+                <a:spcPct val="100000"/>
+              </a:lnSpc>
               <a:spcBef>
                 <a:spcPts val="0"/>
               </a:spcBef>
@@ -3384,7 +5560,10 @@
               <a:buNone/>
               <a:defRPr sz="4800"/>
             </a:lvl8pPr>
-            <a:lvl9pPr lvl="8">
+            <a:lvl9pPr lvl="8" algn="l">
+              <a:lnSpc>
+                <a:spcPct val="100000"/>
+              </a:lnSpc>
               <a:spcBef>
                 <a:spcPts val="0"/>
               </a:spcBef>
@@ -3401,7 +5580,7 @@
       </p:sp>
       <p:sp>
         <p:nvSpPr>
-          <p:cNvPr id="34" name="Google Shape;34;p8"/>
+          <p:cNvPr id="34" name="Google Shape;34;p9"/>
           <p:cNvSpPr txBox="1"/>
           <p:nvPr>
             <p:ph idx="12" type="sldNum"/>
@@ -3415,47 +5594,249 @@
           <a:prstGeom prst="rect">
             <a:avLst/>
           </a:prstGeom>
+          <a:noFill/>
+          <a:ln>
+            <a:noFill/>
+          </a:ln>
         </p:spPr>
         <p:txBody>
           <a:bodyPr anchorCtr="0" anchor="ctr" bIns="91425" lIns="91425" spcFirstLastPara="1" rIns="91425" wrap="square" tIns="91425">
             <a:normAutofit/>
           </a:bodyPr>
           <a:lstStyle>
-            <a:lvl1pPr lvl="0">
-              <a:buNone/>
-              <a:defRPr/>
+            <a:lvl1pPr indent="0" lvl="0" marL="0" marR="0" algn="r">
+              <a:lnSpc>
+                <a:spcPct val="100000"/>
+              </a:lnSpc>
+              <a:spcBef>
+                <a:spcPts val="0"/>
+              </a:spcBef>
+              <a:spcAft>
+                <a:spcPts val="0"/>
+              </a:spcAft>
+              <a:buClr>
+                <a:srgbClr val="000000"/>
+              </a:buClr>
+              <a:buSzPts val="1000"/>
+              <a:buFont typeface="Arial"/>
+              <a:buNone/>
+              <a:defRPr b="0" i="0" sz="1000" u="none" cap="none" strike="noStrike">
+                <a:solidFill>
+                  <a:schemeClr val="dk2"/>
+                </a:solidFill>
+                <a:latin typeface="Arial"/>
+                <a:ea typeface="Arial"/>
+                <a:cs typeface="Arial"/>
+                <a:sym typeface="Arial"/>
+              </a:defRPr>
             </a:lvl1pPr>
-            <a:lvl2pPr lvl="1">
-              <a:buNone/>
-              <a:defRPr/>
+            <a:lvl2pPr indent="0" lvl="1" marL="0" marR="0" algn="r">
+              <a:lnSpc>
+                <a:spcPct val="100000"/>
+              </a:lnSpc>
+              <a:spcBef>
+                <a:spcPts val="0"/>
+              </a:spcBef>
+              <a:spcAft>
+                <a:spcPts val="0"/>
+              </a:spcAft>
+              <a:buClr>
+                <a:srgbClr val="000000"/>
+              </a:buClr>
+              <a:buSzPts val="1000"/>
+              <a:buFont typeface="Arial"/>
+              <a:buNone/>
+              <a:defRPr b="0" i="0" sz="1000" u="none" cap="none" strike="noStrike">
+                <a:solidFill>
+                  <a:schemeClr val="dk2"/>
+                </a:solidFill>
+                <a:latin typeface="Arial"/>
+                <a:ea typeface="Arial"/>
+                <a:cs typeface="Arial"/>
+                <a:sym typeface="Arial"/>
+              </a:defRPr>
             </a:lvl2pPr>
-            <a:lvl3pPr lvl="2">
-              <a:buNone/>
-              <a:defRPr/>
+            <a:lvl3pPr indent="0" lvl="2" marL="0" marR="0" algn="r">
+              <a:lnSpc>
+                <a:spcPct val="100000"/>
+              </a:lnSpc>
+              <a:spcBef>
+                <a:spcPts val="0"/>
+              </a:spcBef>
+              <a:spcAft>
+                <a:spcPts val="0"/>
+              </a:spcAft>
+              <a:buClr>
+                <a:srgbClr val="000000"/>
+              </a:buClr>
+              <a:buSzPts val="1000"/>
+              <a:buFont typeface="Arial"/>
+              <a:buNone/>
+              <a:defRPr b="0" i="0" sz="1000" u="none" cap="none" strike="noStrike">
+                <a:solidFill>
+                  <a:schemeClr val="dk2"/>
+                </a:solidFill>
+                <a:latin typeface="Arial"/>
+                <a:ea typeface="Arial"/>
+                <a:cs typeface="Arial"/>
+                <a:sym typeface="Arial"/>
+              </a:defRPr>
             </a:lvl3pPr>
-            <a:lvl4pPr lvl="3">
-              <a:buNone/>
-              <a:defRPr/>
+            <a:lvl4pPr indent="0" lvl="3" marL="0" marR="0" algn="r">
+              <a:lnSpc>
+                <a:spcPct val="100000"/>
+              </a:lnSpc>
+              <a:spcBef>
+                <a:spcPts val="0"/>
+              </a:spcBef>
+              <a:spcAft>
+                <a:spcPts val="0"/>
+              </a:spcAft>
+              <a:buClr>
+                <a:srgbClr val="000000"/>
+              </a:buClr>
+              <a:buSzPts val="1000"/>
+              <a:buFont typeface="Arial"/>
+              <a:buNone/>
+              <a:defRPr b="0" i="0" sz="1000" u="none" cap="none" strike="noStrike">
+                <a:solidFill>
+                  <a:schemeClr val="dk2"/>
+                </a:solidFill>
+                <a:latin typeface="Arial"/>
+                <a:ea typeface="Arial"/>
+                <a:cs typeface="Arial"/>
+                <a:sym typeface="Arial"/>
+              </a:defRPr>
             </a:lvl4pPr>
-            <a:lvl5pPr lvl="4">
-              <a:buNone/>
-              <a:defRPr/>
+            <a:lvl5pPr indent="0" lvl="4" marL="0" marR="0" algn="r">
+              <a:lnSpc>
+                <a:spcPct val="100000"/>
+              </a:lnSpc>
+              <a:spcBef>
+                <a:spcPts val="0"/>
+              </a:spcBef>
+              <a:spcAft>
+                <a:spcPts val="0"/>
+              </a:spcAft>
+              <a:buClr>
+                <a:srgbClr val="000000"/>
+              </a:buClr>
+              <a:buSzPts val="1000"/>
+              <a:buFont typeface="Arial"/>
+              <a:buNone/>
+              <a:defRPr b="0" i="0" sz="1000" u="none" cap="none" strike="noStrike">
+                <a:solidFill>
+                  <a:schemeClr val="dk2"/>
+                </a:solidFill>
+                <a:latin typeface="Arial"/>
+                <a:ea typeface="Arial"/>
+                <a:cs typeface="Arial"/>
+                <a:sym typeface="Arial"/>
+              </a:defRPr>
             </a:lvl5pPr>
-            <a:lvl6pPr lvl="5">
-              <a:buNone/>
-              <a:defRPr/>
+            <a:lvl6pPr indent="0" lvl="5" marL="0" marR="0" algn="r">
+              <a:lnSpc>
+                <a:spcPct val="100000"/>
+              </a:lnSpc>
+              <a:spcBef>
+                <a:spcPts val="0"/>
+              </a:spcBef>
+              <a:spcAft>
+                <a:spcPts val="0"/>
+              </a:spcAft>
+              <a:buClr>
+                <a:srgbClr val="000000"/>
+              </a:buClr>
+              <a:buSzPts val="1000"/>
+              <a:buFont typeface="Arial"/>
+              <a:buNone/>
+              <a:defRPr b="0" i="0" sz="1000" u="none" cap="none" strike="noStrike">
+                <a:solidFill>
+                  <a:schemeClr val="dk2"/>
+                </a:solidFill>
+                <a:latin typeface="Arial"/>
+                <a:ea typeface="Arial"/>
+                <a:cs typeface="Arial"/>
+                <a:sym typeface="Arial"/>
+              </a:defRPr>
             </a:lvl6pPr>
-            <a:lvl7pPr lvl="6">
-              <a:buNone/>
-              <a:defRPr/>
+            <a:lvl7pPr indent="0" lvl="6" marL="0" marR="0" algn="r">
+              <a:lnSpc>
+                <a:spcPct val="100000"/>
+              </a:lnSpc>
+              <a:spcBef>
+                <a:spcPts val="0"/>
+              </a:spcBef>
+              <a:spcAft>
+                <a:spcPts val="0"/>
+              </a:spcAft>
+              <a:buClr>
+                <a:srgbClr val="000000"/>
+              </a:buClr>
+              <a:buSzPts val="1000"/>
+              <a:buFont typeface="Arial"/>
+              <a:buNone/>
+              <a:defRPr b="0" i="0" sz="1000" u="none" cap="none" strike="noStrike">
+                <a:solidFill>
+                  <a:schemeClr val="dk2"/>
+                </a:solidFill>
+                <a:latin typeface="Arial"/>
+                <a:ea typeface="Arial"/>
+                <a:cs typeface="Arial"/>
+                <a:sym typeface="Arial"/>
+              </a:defRPr>
             </a:lvl7pPr>
-            <a:lvl8pPr lvl="7">
-              <a:buNone/>
-              <a:defRPr/>
+            <a:lvl8pPr indent="0" lvl="7" marL="0" marR="0" algn="r">
+              <a:lnSpc>
+                <a:spcPct val="100000"/>
+              </a:lnSpc>
+              <a:spcBef>
+                <a:spcPts val="0"/>
+              </a:spcBef>
+              <a:spcAft>
+                <a:spcPts val="0"/>
+              </a:spcAft>
+              <a:buClr>
+                <a:srgbClr val="000000"/>
+              </a:buClr>
+              <a:buSzPts val="1000"/>
+              <a:buFont typeface="Arial"/>
+              <a:buNone/>
+              <a:defRPr b="0" i="0" sz="1000" u="none" cap="none" strike="noStrike">
+                <a:solidFill>
+                  <a:schemeClr val="dk2"/>
+                </a:solidFill>
+                <a:latin typeface="Arial"/>
+                <a:ea typeface="Arial"/>
+                <a:cs typeface="Arial"/>
+                <a:sym typeface="Arial"/>
+              </a:defRPr>
             </a:lvl8pPr>
-            <a:lvl9pPr lvl="8">
-              <a:buNone/>
-              <a:defRPr/>
+            <a:lvl9pPr indent="0" lvl="8" marL="0" marR="0" algn="r">
+              <a:lnSpc>
+                <a:spcPct val="100000"/>
+              </a:lnSpc>
+              <a:spcBef>
+                <a:spcPts val="0"/>
+              </a:spcBef>
+              <a:spcAft>
+                <a:spcPts val="0"/>
+              </a:spcAft>
+              <a:buClr>
+                <a:srgbClr val="000000"/>
+              </a:buClr>
+              <a:buSzPts val="1000"/>
+              <a:buFont typeface="Arial"/>
+              <a:buNone/>
+              <a:defRPr b="0" i="0" sz="1000" u="none" cap="none" strike="noStrike">
+                <a:solidFill>
+                  <a:schemeClr val="dk2"/>
+                </a:solidFill>
+                <a:latin typeface="Arial"/>
+                <a:ea typeface="Arial"/>
+                <a:cs typeface="Arial"/>
+                <a:sym typeface="Arial"/>
+              </a:defRPr>
             </a:lvl9pPr>
           </a:lstStyle>
           <a:p>
@@ -3503,7 +5884,7 @@
       </p:grpSpPr>
       <p:sp>
         <p:nvSpPr>
-          <p:cNvPr id="36" name="Google Shape;36;p9"/>
+          <p:cNvPr id="36" name="Google Shape;36;p10"/>
           <p:cNvSpPr/>
           <p:nvPr/>
         </p:nvSpPr>
@@ -3528,25 +5909,41 @@
           </a:bodyPr>
           <a:lstStyle/>
           <a:p>
-            <a:pPr indent="0" lvl="0" marL="0" rtl="0" algn="l">
-              <a:spcBef>
-                <a:spcPts val="0"/>
-              </a:spcBef>
-              <a:spcAft>
-                <a:spcPts val="0"/>
-              </a:spcAft>
+            <a:pPr indent="0" lvl="0" marL="0" marR="0" rtl="0" algn="l">
+              <a:lnSpc>
+                <a:spcPct val="100000"/>
+              </a:lnSpc>
+              <a:spcBef>
+                <a:spcPts val="0"/>
+              </a:spcBef>
+              <a:spcAft>
+                <a:spcPts val="0"/>
+              </a:spcAft>
+              <a:buClr>
+                <a:srgbClr val="000000"/>
+              </a:buClr>
+              <a:buSzPts val="1400"/>
+              <a:buFont typeface="Arial"/>
               <a:buNone/>
             </a:pPr>
             <a:r>
               <a:t/>
             </a:r>
-            <a:endParaRPr/>
+            <a:endParaRPr b="0" i="0" sz="1400" u="none" cap="none" strike="noStrike">
+              <a:solidFill>
+                <a:srgbClr val="000000"/>
+              </a:solidFill>
+              <a:latin typeface="Arial"/>
+              <a:ea typeface="Arial"/>
+              <a:cs typeface="Arial"/>
+              <a:sym typeface="Arial"/>
+            </a:endParaRPr>
           </a:p>
         </p:txBody>
       </p:sp>
       <p:sp>
         <p:nvSpPr>
-          <p:cNvPr id="37" name="Google Shape;37;p9"/>
+          <p:cNvPr id="37" name="Google Shape;37;p10"/>
           <p:cNvSpPr txBox="1"/>
           <p:nvPr>
             <p:ph type="title"/>
@@ -3560,6 +5957,10 @@
           <a:prstGeom prst="rect">
             <a:avLst/>
           </a:prstGeom>
+          <a:noFill/>
+          <a:ln>
+            <a:noFill/>
+          </a:ln>
         </p:spPr>
         <p:txBody>
           <a:bodyPr anchorCtr="0" anchor="b" bIns="91425" lIns="91425" spcFirstLastPara="1" rIns="91425" wrap="square" tIns="91425">
@@ -3567,6 +5968,9 @@
           </a:bodyPr>
           <a:lstStyle>
             <a:lvl1pPr lvl="0" algn="ctr">
+              <a:lnSpc>
+                <a:spcPct val="100000"/>
+              </a:lnSpc>
               <a:spcBef>
                 <a:spcPts val="0"/>
               </a:spcBef>
@@ -3578,6 +5982,9 @@
               <a:defRPr sz="4200"/>
             </a:lvl1pPr>
             <a:lvl2pPr lvl="1" algn="ctr">
+              <a:lnSpc>
+                <a:spcPct val="100000"/>
+              </a:lnSpc>
               <a:spcBef>
                 <a:spcPts val="0"/>
               </a:spcBef>
@@ -3589,6 +5996,9 @@
               <a:defRPr sz="4200"/>
             </a:lvl2pPr>
             <a:lvl3pPr lvl="2" algn="ctr">
+              <a:lnSpc>
+                <a:spcPct val="100000"/>
+              </a:lnSpc>
               <a:spcBef>
                 <a:spcPts val="0"/>
               </a:spcBef>
@@ -3600,6 +6010,9 @@
               <a:defRPr sz="4200"/>
             </a:lvl3pPr>
             <a:lvl4pPr lvl="3" algn="ctr">
+              <a:lnSpc>
+                <a:spcPct val="100000"/>
+              </a:lnSpc>
               <a:spcBef>
                 <a:spcPts val="0"/>
               </a:spcBef>
@@ -3611,6 +6024,9 @@
               <a:defRPr sz="4200"/>
             </a:lvl4pPr>
             <a:lvl5pPr lvl="4" algn="ctr">
+              <a:lnSpc>
+                <a:spcPct val="100000"/>
+              </a:lnSpc>
               <a:spcBef>
                 <a:spcPts val="0"/>
               </a:spcBef>
@@ -3622,6 +6038,9 @@
               <a:defRPr sz="4200"/>
             </a:lvl5pPr>
             <a:lvl6pPr lvl="5" algn="ctr">
+              <a:lnSpc>
+                <a:spcPct val="100000"/>
+              </a:lnSpc>
               <a:spcBef>
                 <a:spcPts val="0"/>
               </a:spcBef>
@@ -3633,6 +6052,9 @@
               <a:defRPr sz="4200"/>
             </a:lvl6pPr>
             <a:lvl7pPr lvl="6" algn="ctr">
+              <a:lnSpc>
+                <a:spcPct val="100000"/>
+              </a:lnSpc>
               <a:spcBef>
                 <a:spcPts val="0"/>
               </a:spcBef>
@@ -3644,6 +6066,9 @@
               <a:defRPr sz="4200"/>
             </a:lvl7pPr>
             <a:lvl8pPr lvl="7" algn="ctr">
+              <a:lnSpc>
+                <a:spcPct val="100000"/>
+              </a:lnSpc>
               <a:spcBef>
                 <a:spcPts val="0"/>
               </a:spcBef>
@@ -3655,6 +6080,9 @@
               <a:defRPr sz="4200"/>
             </a:lvl8pPr>
             <a:lvl9pPr lvl="8" algn="ctr">
+              <a:lnSpc>
+                <a:spcPct val="100000"/>
+              </a:lnSpc>
               <a:spcBef>
                 <a:spcPts val="0"/>
               </a:spcBef>
@@ -3671,7 +6099,7 @@
       </p:sp>
       <p:sp>
         <p:nvSpPr>
-          <p:cNvPr id="38" name="Google Shape;38;p9"/>
+          <p:cNvPr id="38" name="Google Shape;38;p10"/>
           <p:cNvSpPr txBox="1"/>
           <p:nvPr>
             <p:ph idx="1" type="subTitle"/>
@@ -3685,6 +6113,10 @@
           <a:prstGeom prst="rect">
             <a:avLst/>
           </a:prstGeom>
+          <a:noFill/>
+          <a:ln>
+            <a:noFill/>
+          </a:ln>
         </p:spPr>
         <p:txBody>
           <a:bodyPr anchorCtr="0" anchor="t" bIns="91425" lIns="91425" spcFirstLastPara="1" rIns="91425" wrap="square" tIns="91425">
@@ -3823,7 +6255,7 @@
       </p:sp>
       <p:sp>
         <p:nvSpPr>
-          <p:cNvPr id="39" name="Google Shape;39;p9"/>
+          <p:cNvPr id="39" name="Google Shape;39;p10"/>
           <p:cNvSpPr txBox="1"/>
           <p:nvPr>
             <p:ph idx="2" type="body"/>
@@ -3837,13 +6269,20 @@
           <a:prstGeom prst="rect">
             <a:avLst/>
           </a:prstGeom>
+          <a:noFill/>
+          <a:ln>
+            <a:noFill/>
+          </a:ln>
         </p:spPr>
         <p:txBody>
           <a:bodyPr anchorCtr="0" anchor="ctr" bIns="91425" lIns="91425" spcFirstLastPara="1" rIns="91425" wrap="square" tIns="91425">
             <a:normAutofit/>
           </a:bodyPr>
           <a:lstStyle>
-            <a:lvl1pPr indent="-342900" lvl="0" marL="457200">
+            <a:lvl1pPr indent="-342900" lvl="0" marL="457200" algn="l">
+              <a:lnSpc>
+                <a:spcPct val="115000"/>
+              </a:lnSpc>
               <a:spcBef>
                 <a:spcPts val="0"/>
               </a:spcBef>
@@ -3854,7 +6293,10 @@
               <a:buChar char="●"/>
               <a:defRPr/>
             </a:lvl1pPr>
-            <a:lvl2pPr indent="-317500" lvl="1" marL="914400">
+            <a:lvl2pPr indent="-317500" lvl="1" marL="914400" algn="l">
+              <a:lnSpc>
+                <a:spcPct val="115000"/>
+              </a:lnSpc>
               <a:spcBef>
                 <a:spcPts val="0"/>
               </a:spcBef>
@@ -3865,7 +6307,10 @@
               <a:buChar char="○"/>
               <a:defRPr/>
             </a:lvl2pPr>
-            <a:lvl3pPr indent="-317500" lvl="2" marL="1371600">
+            <a:lvl3pPr indent="-317500" lvl="2" marL="1371600" algn="l">
+              <a:lnSpc>
+                <a:spcPct val="115000"/>
+              </a:lnSpc>
               <a:spcBef>
                 <a:spcPts val="0"/>
               </a:spcBef>
@@ -3876,7 +6321,10 @@
               <a:buChar char="■"/>
               <a:defRPr/>
             </a:lvl3pPr>
-            <a:lvl4pPr indent="-317500" lvl="3" marL="1828800">
+            <a:lvl4pPr indent="-317500" lvl="3" marL="1828800" algn="l">
+              <a:lnSpc>
+                <a:spcPct val="115000"/>
+              </a:lnSpc>
               <a:spcBef>
                 <a:spcPts val="0"/>
               </a:spcBef>
@@ -3887,7 +6335,10 @@
               <a:buChar char="●"/>
               <a:defRPr/>
             </a:lvl4pPr>
-            <a:lvl5pPr indent="-317500" lvl="4" marL="2286000">
+            <a:lvl5pPr indent="-317500" lvl="4" marL="2286000" algn="l">
+              <a:lnSpc>
+                <a:spcPct val="115000"/>
+              </a:lnSpc>
               <a:spcBef>
                 <a:spcPts val="0"/>
               </a:spcBef>
@@ -3898,7 +6349,10 @@
               <a:buChar char="○"/>
               <a:defRPr/>
             </a:lvl5pPr>
-            <a:lvl6pPr indent="-317500" lvl="5" marL="2743200">
+            <a:lvl6pPr indent="-317500" lvl="5" marL="2743200" algn="l">
+              <a:lnSpc>
+                <a:spcPct val="115000"/>
+              </a:lnSpc>
               <a:spcBef>
                 <a:spcPts val="0"/>
               </a:spcBef>
@@ -3909,7 +6363,10 @@
               <a:buChar char="■"/>
               <a:defRPr/>
             </a:lvl6pPr>
-            <a:lvl7pPr indent="-317500" lvl="6" marL="3200400">
+            <a:lvl7pPr indent="-317500" lvl="6" marL="3200400" algn="l">
+              <a:lnSpc>
+                <a:spcPct val="115000"/>
+              </a:lnSpc>
               <a:spcBef>
                 <a:spcPts val="0"/>
               </a:spcBef>
@@ -3920,7 +6377,10 @@
               <a:buChar char="●"/>
               <a:defRPr/>
             </a:lvl7pPr>
-            <a:lvl8pPr indent="-317500" lvl="7" marL="3657600">
+            <a:lvl8pPr indent="-317500" lvl="7" marL="3657600" algn="l">
+              <a:lnSpc>
+                <a:spcPct val="115000"/>
+              </a:lnSpc>
               <a:spcBef>
                 <a:spcPts val="0"/>
               </a:spcBef>
@@ -3931,7 +6391,10 @@
               <a:buChar char="○"/>
               <a:defRPr/>
             </a:lvl8pPr>
-            <a:lvl9pPr indent="-317500" lvl="8" marL="4114800">
+            <a:lvl9pPr indent="-317500" lvl="8" marL="4114800" algn="l">
+              <a:lnSpc>
+                <a:spcPct val="115000"/>
+              </a:lnSpc>
               <a:spcBef>
                 <a:spcPts val="0"/>
               </a:spcBef>
@@ -3948,7 +6411,7 @@
       </p:sp>
       <p:sp>
         <p:nvSpPr>
-          <p:cNvPr id="40" name="Google Shape;40;p9"/>
+          <p:cNvPr id="40" name="Google Shape;40;p10"/>
           <p:cNvSpPr txBox="1"/>
           <p:nvPr>
             <p:ph idx="12" type="sldNum"/>
@@ -3962,47 +6425,249 @@
           <a:prstGeom prst="rect">
             <a:avLst/>
           </a:prstGeom>
+          <a:noFill/>
+          <a:ln>
+            <a:noFill/>
+          </a:ln>
         </p:spPr>
         <p:txBody>
           <a:bodyPr anchorCtr="0" anchor="ctr" bIns="91425" lIns="91425" spcFirstLastPara="1" rIns="91425" wrap="square" tIns="91425">
             <a:normAutofit/>
           </a:bodyPr>
           <a:lstStyle>
-            <a:lvl1pPr lvl="0">
-              <a:buNone/>
-              <a:defRPr/>
+            <a:lvl1pPr indent="0" lvl="0" marL="0" marR="0" algn="r">
+              <a:lnSpc>
+                <a:spcPct val="100000"/>
+              </a:lnSpc>
+              <a:spcBef>
+                <a:spcPts val="0"/>
+              </a:spcBef>
+              <a:spcAft>
+                <a:spcPts val="0"/>
+              </a:spcAft>
+              <a:buClr>
+                <a:srgbClr val="000000"/>
+              </a:buClr>
+              <a:buSzPts val="1000"/>
+              <a:buFont typeface="Arial"/>
+              <a:buNone/>
+              <a:defRPr b="0" i="0" sz="1000" u="none" cap="none" strike="noStrike">
+                <a:solidFill>
+                  <a:schemeClr val="dk2"/>
+                </a:solidFill>
+                <a:latin typeface="Arial"/>
+                <a:ea typeface="Arial"/>
+                <a:cs typeface="Arial"/>
+                <a:sym typeface="Arial"/>
+              </a:defRPr>
             </a:lvl1pPr>
-            <a:lvl2pPr lvl="1">
-              <a:buNone/>
-              <a:defRPr/>
+            <a:lvl2pPr indent="0" lvl="1" marL="0" marR="0" algn="r">
+              <a:lnSpc>
+                <a:spcPct val="100000"/>
+              </a:lnSpc>
+              <a:spcBef>
+                <a:spcPts val="0"/>
+              </a:spcBef>
+              <a:spcAft>
+                <a:spcPts val="0"/>
+              </a:spcAft>
+              <a:buClr>
+                <a:srgbClr val="000000"/>
+              </a:buClr>
+              <a:buSzPts val="1000"/>
+              <a:buFont typeface="Arial"/>
+              <a:buNone/>
+              <a:defRPr b="0" i="0" sz="1000" u="none" cap="none" strike="noStrike">
+                <a:solidFill>
+                  <a:schemeClr val="dk2"/>
+                </a:solidFill>
+                <a:latin typeface="Arial"/>
+                <a:ea typeface="Arial"/>
+                <a:cs typeface="Arial"/>
+                <a:sym typeface="Arial"/>
+              </a:defRPr>
             </a:lvl2pPr>
-            <a:lvl3pPr lvl="2">
-              <a:buNone/>
-              <a:defRPr/>
+            <a:lvl3pPr indent="0" lvl="2" marL="0" marR="0" algn="r">
+              <a:lnSpc>
+                <a:spcPct val="100000"/>
+              </a:lnSpc>
+              <a:spcBef>
+                <a:spcPts val="0"/>
+              </a:spcBef>
+              <a:spcAft>
+                <a:spcPts val="0"/>
+              </a:spcAft>
+              <a:buClr>
+                <a:srgbClr val="000000"/>
+              </a:buClr>
+              <a:buSzPts val="1000"/>
+              <a:buFont typeface="Arial"/>
+              <a:buNone/>
+              <a:defRPr b="0" i="0" sz="1000" u="none" cap="none" strike="noStrike">
+                <a:solidFill>
+                  <a:schemeClr val="dk2"/>
+                </a:solidFill>
+                <a:latin typeface="Arial"/>
+                <a:ea typeface="Arial"/>
+                <a:cs typeface="Arial"/>
+                <a:sym typeface="Arial"/>
+              </a:defRPr>
             </a:lvl3pPr>
-            <a:lvl4pPr lvl="3">
-              <a:buNone/>
-              <a:defRPr/>
+            <a:lvl4pPr indent="0" lvl="3" marL="0" marR="0" algn="r">
+              <a:lnSpc>
+                <a:spcPct val="100000"/>
+              </a:lnSpc>
+              <a:spcBef>
+                <a:spcPts val="0"/>
+              </a:spcBef>
+              <a:spcAft>
+                <a:spcPts val="0"/>
+              </a:spcAft>
+              <a:buClr>
+                <a:srgbClr val="000000"/>
+              </a:buClr>
+              <a:buSzPts val="1000"/>
+              <a:buFont typeface="Arial"/>
+              <a:buNone/>
+              <a:defRPr b="0" i="0" sz="1000" u="none" cap="none" strike="noStrike">
+                <a:solidFill>
+                  <a:schemeClr val="dk2"/>
+                </a:solidFill>
+                <a:latin typeface="Arial"/>
+                <a:ea typeface="Arial"/>
+                <a:cs typeface="Arial"/>
+                <a:sym typeface="Arial"/>
+              </a:defRPr>
             </a:lvl4pPr>
-            <a:lvl5pPr lvl="4">
-              <a:buNone/>
-              <a:defRPr/>
+            <a:lvl5pPr indent="0" lvl="4" marL="0" marR="0" algn="r">
+              <a:lnSpc>
+                <a:spcPct val="100000"/>
+              </a:lnSpc>
+              <a:spcBef>
+                <a:spcPts val="0"/>
+              </a:spcBef>
+              <a:spcAft>
+                <a:spcPts val="0"/>
+              </a:spcAft>
+              <a:buClr>
+                <a:srgbClr val="000000"/>
+              </a:buClr>
+              <a:buSzPts val="1000"/>
+              <a:buFont typeface="Arial"/>
+              <a:buNone/>
+              <a:defRPr b="0" i="0" sz="1000" u="none" cap="none" strike="noStrike">
+                <a:solidFill>
+                  <a:schemeClr val="dk2"/>
+                </a:solidFill>
+                <a:latin typeface="Arial"/>
+                <a:ea typeface="Arial"/>
+                <a:cs typeface="Arial"/>
+                <a:sym typeface="Arial"/>
+              </a:defRPr>
             </a:lvl5pPr>
-            <a:lvl6pPr lvl="5">
-              <a:buNone/>
-              <a:defRPr/>
+            <a:lvl6pPr indent="0" lvl="5" marL="0" marR="0" algn="r">
+              <a:lnSpc>
+                <a:spcPct val="100000"/>
+              </a:lnSpc>
+              <a:spcBef>
+                <a:spcPts val="0"/>
+              </a:spcBef>
+              <a:spcAft>
+                <a:spcPts val="0"/>
+              </a:spcAft>
+              <a:buClr>
+                <a:srgbClr val="000000"/>
+              </a:buClr>
+              <a:buSzPts val="1000"/>
+              <a:buFont typeface="Arial"/>
+              <a:buNone/>
+              <a:defRPr b="0" i="0" sz="1000" u="none" cap="none" strike="noStrike">
+                <a:solidFill>
+                  <a:schemeClr val="dk2"/>
+                </a:solidFill>
+                <a:latin typeface="Arial"/>
+                <a:ea typeface="Arial"/>
+                <a:cs typeface="Arial"/>
+                <a:sym typeface="Arial"/>
+              </a:defRPr>
             </a:lvl6pPr>
-            <a:lvl7pPr lvl="6">
-              <a:buNone/>
-              <a:defRPr/>
+            <a:lvl7pPr indent="0" lvl="6" marL="0" marR="0" algn="r">
+              <a:lnSpc>
+                <a:spcPct val="100000"/>
+              </a:lnSpc>
+              <a:spcBef>
+                <a:spcPts val="0"/>
+              </a:spcBef>
+              <a:spcAft>
+                <a:spcPts val="0"/>
+              </a:spcAft>
+              <a:buClr>
+                <a:srgbClr val="000000"/>
+              </a:buClr>
+              <a:buSzPts val="1000"/>
+              <a:buFont typeface="Arial"/>
+              <a:buNone/>
+              <a:defRPr b="0" i="0" sz="1000" u="none" cap="none" strike="noStrike">
+                <a:solidFill>
+                  <a:schemeClr val="dk2"/>
+                </a:solidFill>
+                <a:latin typeface="Arial"/>
+                <a:ea typeface="Arial"/>
+                <a:cs typeface="Arial"/>
+                <a:sym typeface="Arial"/>
+              </a:defRPr>
             </a:lvl7pPr>
-            <a:lvl8pPr lvl="7">
-              <a:buNone/>
-              <a:defRPr/>
+            <a:lvl8pPr indent="0" lvl="7" marL="0" marR="0" algn="r">
+              <a:lnSpc>
+                <a:spcPct val="100000"/>
+              </a:lnSpc>
+              <a:spcBef>
+                <a:spcPts val="0"/>
+              </a:spcBef>
+              <a:spcAft>
+                <a:spcPts val="0"/>
+              </a:spcAft>
+              <a:buClr>
+                <a:srgbClr val="000000"/>
+              </a:buClr>
+              <a:buSzPts val="1000"/>
+              <a:buFont typeface="Arial"/>
+              <a:buNone/>
+              <a:defRPr b="0" i="0" sz="1000" u="none" cap="none" strike="noStrike">
+                <a:solidFill>
+                  <a:schemeClr val="dk2"/>
+                </a:solidFill>
+                <a:latin typeface="Arial"/>
+                <a:ea typeface="Arial"/>
+                <a:cs typeface="Arial"/>
+                <a:sym typeface="Arial"/>
+              </a:defRPr>
             </a:lvl8pPr>
-            <a:lvl9pPr lvl="8">
-              <a:buNone/>
-              <a:defRPr/>
+            <a:lvl9pPr indent="0" lvl="8" marL="0" marR="0" algn="r">
+              <a:lnSpc>
+                <a:spcPct val="100000"/>
+              </a:lnSpc>
+              <a:spcBef>
+                <a:spcPts val="0"/>
+              </a:spcBef>
+              <a:spcAft>
+                <a:spcPts val="0"/>
+              </a:spcAft>
+              <a:buClr>
+                <a:srgbClr val="000000"/>
+              </a:buClr>
+              <a:buSzPts val="1000"/>
+              <a:buFont typeface="Arial"/>
+              <a:buNone/>
+              <a:defRPr b="0" i="0" sz="1000" u="none" cap="none" strike="noStrike">
+                <a:solidFill>
+                  <a:schemeClr val="dk2"/>
+                </a:solidFill>
+                <a:latin typeface="Arial"/>
+                <a:ea typeface="Arial"/>
+                <a:cs typeface="Arial"/>
+                <a:sym typeface="Arial"/>
+              </a:defRPr>
             </a:lvl9pPr>
           </a:lstStyle>
           <a:p>
@@ -4050,7 +6715,7 @@
       </p:grpSpPr>
       <p:sp>
         <p:nvSpPr>
-          <p:cNvPr id="42" name="Google Shape;42;p10"/>
+          <p:cNvPr id="42" name="Google Shape;42;p11"/>
           <p:cNvSpPr txBox="1"/>
           <p:nvPr>
             <p:ph idx="1" type="body"/>
@@ -4064,13 +6729,17 @@
           <a:prstGeom prst="rect">
             <a:avLst/>
           </a:prstGeom>
+          <a:noFill/>
+          <a:ln>
+            <a:noFill/>
+          </a:ln>
         </p:spPr>
         <p:txBody>
           <a:bodyPr anchorCtr="0" anchor="ctr" bIns="91425" lIns="91425" spcFirstLastPara="1" rIns="91425" wrap="square" tIns="91425">
             <a:normAutofit/>
           </a:bodyPr>
           <a:lstStyle>
-            <a:lvl1pPr indent="-228600" lvl="0" marL="457200">
+            <a:lvl1pPr indent="-228600" lvl="0" marL="457200" algn="l">
               <a:lnSpc>
                 <a:spcPct val="100000"/>
               </a:lnSpc>
@@ -4090,7 +6759,7 @@
       </p:sp>
       <p:sp>
         <p:nvSpPr>
-          <p:cNvPr id="43" name="Google Shape;43;p10"/>
+          <p:cNvPr id="43" name="Google Shape;43;p11"/>
           <p:cNvSpPr txBox="1"/>
           <p:nvPr>
             <p:ph idx="12" type="sldNum"/>
@@ -4104,47 +6773,249 @@
           <a:prstGeom prst="rect">
             <a:avLst/>
           </a:prstGeom>
+          <a:noFill/>
+          <a:ln>
+            <a:noFill/>
+          </a:ln>
         </p:spPr>
         <p:txBody>
           <a:bodyPr anchorCtr="0" anchor="ctr" bIns="91425" lIns="91425" spcFirstLastPara="1" rIns="91425" wrap="square" tIns="91425">
             <a:normAutofit/>
           </a:bodyPr>
           <a:lstStyle>
-            <a:lvl1pPr lvl="0">
-              <a:buNone/>
-              <a:defRPr/>
+            <a:lvl1pPr indent="0" lvl="0" marL="0" marR="0" algn="r">
+              <a:lnSpc>
+                <a:spcPct val="100000"/>
+              </a:lnSpc>
+              <a:spcBef>
+                <a:spcPts val="0"/>
+              </a:spcBef>
+              <a:spcAft>
+                <a:spcPts val="0"/>
+              </a:spcAft>
+              <a:buClr>
+                <a:srgbClr val="000000"/>
+              </a:buClr>
+              <a:buSzPts val="1000"/>
+              <a:buFont typeface="Arial"/>
+              <a:buNone/>
+              <a:defRPr b="0" i="0" sz="1000" u="none" cap="none" strike="noStrike">
+                <a:solidFill>
+                  <a:schemeClr val="dk2"/>
+                </a:solidFill>
+                <a:latin typeface="Arial"/>
+                <a:ea typeface="Arial"/>
+                <a:cs typeface="Arial"/>
+                <a:sym typeface="Arial"/>
+              </a:defRPr>
             </a:lvl1pPr>
-            <a:lvl2pPr lvl="1">
-              <a:buNone/>
-              <a:defRPr/>
+            <a:lvl2pPr indent="0" lvl="1" marL="0" marR="0" algn="r">
+              <a:lnSpc>
+                <a:spcPct val="100000"/>
+              </a:lnSpc>
+              <a:spcBef>
+                <a:spcPts val="0"/>
+              </a:spcBef>
+              <a:spcAft>
+                <a:spcPts val="0"/>
+              </a:spcAft>
+              <a:buClr>
+                <a:srgbClr val="000000"/>
+              </a:buClr>
+              <a:buSzPts val="1000"/>
+              <a:buFont typeface="Arial"/>
+              <a:buNone/>
+              <a:defRPr b="0" i="0" sz="1000" u="none" cap="none" strike="noStrike">
+                <a:solidFill>
+                  <a:schemeClr val="dk2"/>
+                </a:solidFill>
+                <a:latin typeface="Arial"/>
+                <a:ea typeface="Arial"/>
+                <a:cs typeface="Arial"/>
+                <a:sym typeface="Arial"/>
+              </a:defRPr>
             </a:lvl2pPr>
-            <a:lvl3pPr lvl="2">
-              <a:buNone/>
-              <a:defRPr/>
+            <a:lvl3pPr indent="0" lvl="2" marL="0" marR="0" algn="r">
+              <a:lnSpc>
+                <a:spcPct val="100000"/>
+              </a:lnSpc>
+              <a:spcBef>
+                <a:spcPts val="0"/>
+              </a:spcBef>
+              <a:spcAft>
+                <a:spcPts val="0"/>
+              </a:spcAft>
+              <a:buClr>
+                <a:srgbClr val="000000"/>
+              </a:buClr>
+              <a:buSzPts val="1000"/>
+              <a:buFont typeface="Arial"/>
+              <a:buNone/>
+              <a:defRPr b="0" i="0" sz="1000" u="none" cap="none" strike="noStrike">
+                <a:solidFill>
+                  <a:schemeClr val="dk2"/>
+                </a:solidFill>
+                <a:latin typeface="Arial"/>
+                <a:ea typeface="Arial"/>
+                <a:cs typeface="Arial"/>
+                <a:sym typeface="Arial"/>
+              </a:defRPr>
             </a:lvl3pPr>
-            <a:lvl4pPr lvl="3">
-              <a:buNone/>
-              <a:defRPr/>
+            <a:lvl4pPr indent="0" lvl="3" marL="0" marR="0" algn="r">
+              <a:lnSpc>
+                <a:spcPct val="100000"/>
+              </a:lnSpc>
+              <a:spcBef>
+                <a:spcPts val="0"/>
+              </a:spcBef>
+              <a:spcAft>
+                <a:spcPts val="0"/>
+              </a:spcAft>
+              <a:buClr>
+                <a:srgbClr val="000000"/>
+              </a:buClr>
+              <a:buSzPts val="1000"/>
+              <a:buFont typeface="Arial"/>
+              <a:buNone/>
+              <a:defRPr b="0" i="0" sz="1000" u="none" cap="none" strike="noStrike">
+                <a:solidFill>
+                  <a:schemeClr val="dk2"/>
+                </a:solidFill>
+                <a:latin typeface="Arial"/>
+                <a:ea typeface="Arial"/>
+                <a:cs typeface="Arial"/>
+                <a:sym typeface="Arial"/>
+              </a:defRPr>
             </a:lvl4pPr>
-            <a:lvl5pPr lvl="4">
-              <a:buNone/>
-              <a:defRPr/>
+            <a:lvl5pPr indent="0" lvl="4" marL="0" marR="0" algn="r">
+              <a:lnSpc>
+                <a:spcPct val="100000"/>
+              </a:lnSpc>
+              <a:spcBef>
+                <a:spcPts val="0"/>
+              </a:spcBef>
+              <a:spcAft>
+                <a:spcPts val="0"/>
+              </a:spcAft>
+              <a:buClr>
+                <a:srgbClr val="000000"/>
+              </a:buClr>
+              <a:buSzPts val="1000"/>
+              <a:buFont typeface="Arial"/>
+              <a:buNone/>
+              <a:defRPr b="0" i="0" sz="1000" u="none" cap="none" strike="noStrike">
+                <a:solidFill>
+                  <a:schemeClr val="dk2"/>
+                </a:solidFill>
+                <a:latin typeface="Arial"/>
+                <a:ea typeface="Arial"/>
+                <a:cs typeface="Arial"/>
+                <a:sym typeface="Arial"/>
+              </a:defRPr>
             </a:lvl5pPr>
-            <a:lvl6pPr lvl="5">
-              <a:buNone/>
-              <a:defRPr/>
+            <a:lvl6pPr indent="0" lvl="5" marL="0" marR="0" algn="r">
+              <a:lnSpc>
+                <a:spcPct val="100000"/>
+              </a:lnSpc>
+              <a:spcBef>
+                <a:spcPts val="0"/>
+              </a:spcBef>
+              <a:spcAft>
+                <a:spcPts val="0"/>
+              </a:spcAft>
+              <a:buClr>
+                <a:srgbClr val="000000"/>
+              </a:buClr>
+              <a:buSzPts val="1000"/>
+              <a:buFont typeface="Arial"/>
+              <a:buNone/>
+              <a:defRPr b="0" i="0" sz="1000" u="none" cap="none" strike="noStrike">
+                <a:solidFill>
+                  <a:schemeClr val="dk2"/>
+                </a:solidFill>
+                <a:latin typeface="Arial"/>
+                <a:ea typeface="Arial"/>
+                <a:cs typeface="Arial"/>
+                <a:sym typeface="Arial"/>
+              </a:defRPr>
             </a:lvl6pPr>
-            <a:lvl7pPr lvl="6">
-              <a:buNone/>
-              <a:defRPr/>
+            <a:lvl7pPr indent="0" lvl="6" marL="0" marR="0" algn="r">
+              <a:lnSpc>
+                <a:spcPct val="100000"/>
+              </a:lnSpc>
+              <a:spcBef>
+                <a:spcPts val="0"/>
+              </a:spcBef>
+              <a:spcAft>
+                <a:spcPts val="0"/>
+              </a:spcAft>
+              <a:buClr>
+                <a:srgbClr val="000000"/>
+              </a:buClr>
+              <a:buSzPts val="1000"/>
+              <a:buFont typeface="Arial"/>
+              <a:buNone/>
+              <a:defRPr b="0" i="0" sz="1000" u="none" cap="none" strike="noStrike">
+                <a:solidFill>
+                  <a:schemeClr val="dk2"/>
+                </a:solidFill>
+                <a:latin typeface="Arial"/>
+                <a:ea typeface="Arial"/>
+                <a:cs typeface="Arial"/>
+                <a:sym typeface="Arial"/>
+              </a:defRPr>
             </a:lvl7pPr>
-            <a:lvl8pPr lvl="7">
-              <a:buNone/>
-              <a:defRPr/>
+            <a:lvl8pPr indent="0" lvl="7" marL="0" marR="0" algn="r">
+              <a:lnSpc>
+                <a:spcPct val="100000"/>
+              </a:lnSpc>
+              <a:spcBef>
+                <a:spcPts val="0"/>
+              </a:spcBef>
+              <a:spcAft>
+                <a:spcPts val="0"/>
+              </a:spcAft>
+              <a:buClr>
+                <a:srgbClr val="000000"/>
+              </a:buClr>
+              <a:buSzPts val="1000"/>
+              <a:buFont typeface="Arial"/>
+              <a:buNone/>
+              <a:defRPr b="0" i="0" sz="1000" u="none" cap="none" strike="noStrike">
+                <a:solidFill>
+                  <a:schemeClr val="dk2"/>
+                </a:solidFill>
+                <a:latin typeface="Arial"/>
+                <a:ea typeface="Arial"/>
+                <a:cs typeface="Arial"/>
+                <a:sym typeface="Arial"/>
+              </a:defRPr>
             </a:lvl8pPr>
-            <a:lvl9pPr lvl="8">
-              <a:buNone/>
-              <a:defRPr/>
+            <a:lvl9pPr indent="0" lvl="8" marL="0" marR="0" algn="r">
+              <a:lnSpc>
+                <a:spcPct val="100000"/>
+              </a:lnSpc>
+              <a:spcBef>
+                <a:spcPts val="0"/>
+              </a:spcBef>
+              <a:spcAft>
+                <a:spcPts val="0"/>
+              </a:spcAft>
+              <a:buClr>
+                <a:srgbClr val="000000"/>
+              </a:buClr>
+              <a:buSzPts val="1000"/>
+              <a:buFont typeface="Arial"/>
+              <a:buNone/>
+              <a:defRPr b="0" i="0" sz="1000" u="none" cap="none" strike="noStrike">
+                <a:solidFill>
+                  <a:schemeClr val="dk2"/>
+                </a:solidFill>
+                <a:latin typeface="Arial"/>
+                <a:ea typeface="Arial"/>
+                <a:cs typeface="Arial"/>
+                <a:sym typeface="Arial"/>
+              </a:defRPr>
             </a:lvl9pPr>
           </a:lstStyle>
           <a:p>
@@ -4199,7 +7070,7 @@
       </p:grpSpPr>
       <p:sp>
         <p:nvSpPr>
-          <p:cNvPr id="6" name="Google Shape;6;p1"/>
+          <p:cNvPr id="6" name="Google Shape;6;p2"/>
           <p:cNvSpPr txBox="1"/>
           <p:nvPr>
             <p:ph type="title"/>
@@ -4223,7 +7094,10 @@
             <a:normAutofit/>
           </a:bodyPr>
           <a:lstStyle>
-            <a:lvl1pPr lvl="0">
+            <a:lvl1pPr lvl="0" marR="0" rtl="0" algn="l">
+              <a:lnSpc>
+                <a:spcPct val="100000"/>
+              </a:lnSpc>
               <a:spcBef>
                 <a:spcPts val="0"/>
               </a:spcBef>
@@ -4234,14 +7108,22 @@
                 <a:schemeClr val="dk1"/>
               </a:buClr>
               <a:buSzPts val="2800"/>
-              <a:buNone/>
-              <a:defRPr sz="2800">
+              <a:buFont typeface="Arial"/>
+              <a:buNone/>
+              <a:defRPr b="0" i="0" sz="2800" u="none" cap="none" strike="noStrike">
                 <a:solidFill>
                   <a:schemeClr val="dk1"/>
                 </a:solidFill>
+                <a:latin typeface="Arial"/>
+                <a:ea typeface="Arial"/>
+                <a:cs typeface="Arial"/>
+                <a:sym typeface="Arial"/>
               </a:defRPr>
             </a:lvl1pPr>
-            <a:lvl2pPr lvl="1">
+            <a:lvl2pPr lvl="1" marR="0" rtl="0" algn="l">
+              <a:lnSpc>
+                <a:spcPct val="100000"/>
+              </a:lnSpc>
               <a:spcBef>
                 <a:spcPts val="0"/>
               </a:spcBef>
@@ -4252,14 +7134,22 @@
                 <a:schemeClr val="dk1"/>
               </a:buClr>
               <a:buSzPts val="2800"/>
-              <a:buNone/>
-              <a:defRPr sz="2800">
+              <a:buFont typeface="Arial"/>
+              <a:buNone/>
+              <a:defRPr b="0" i="0" sz="2800" u="none" cap="none" strike="noStrike">
                 <a:solidFill>
                   <a:schemeClr val="dk1"/>
                 </a:solidFill>
+                <a:latin typeface="Arial"/>
+                <a:ea typeface="Arial"/>
+                <a:cs typeface="Arial"/>
+                <a:sym typeface="Arial"/>
               </a:defRPr>
             </a:lvl2pPr>
-            <a:lvl3pPr lvl="2">
+            <a:lvl3pPr lvl="2" marR="0" rtl="0" algn="l">
+              <a:lnSpc>
+                <a:spcPct val="100000"/>
+              </a:lnSpc>
               <a:spcBef>
                 <a:spcPts val="0"/>
               </a:spcBef>
@@ -4270,14 +7160,22 @@
                 <a:schemeClr val="dk1"/>
               </a:buClr>
               <a:buSzPts val="2800"/>
-              <a:buNone/>
-              <a:defRPr sz="2800">
+              <a:buFont typeface="Arial"/>
+              <a:buNone/>
+              <a:defRPr b="0" i="0" sz="2800" u="none" cap="none" strike="noStrike">
                 <a:solidFill>
                   <a:schemeClr val="dk1"/>
                 </a:solidFill>
+                <a:latin typeface="Arial"/>
+                <a:ea typeface="Arial"/>
+                <a:cs typeface="Arial"/>
+                <a:sym typeface="Arial"/>
               </a:defRPr>
             </a:lvl3pPr>
-            <a:lvl4pPr lvl="3">
+            <a:lvl4pPr lvl="3" marR="0" rtl="0" algn="l">
+              <a:lnSpc>
+                <a:spcPct val="100000"/>
+              </a:lnSpc>
               <a:spcBef>
                 <a:spcPts val="0"/>
               </a:spcBef>
@@ -4288,14 +7186,22 @@
                 <a:schemeClr val="dk1"/>
               </a:buClr>
               <a:buSzPts val="2800"/>
-              <a:buNone/>
-              <a:defRPr sz="2800">
+              <a:buFont typeface="Arial"/>
+              <a:buNone/>
+              <a:defRPr b="0" i="0" sz="2800" u="none" cap="none" strike="noStrike">
                 <a:solidFill>
                   <a:schemeClr val="dk1"/>
                 </a:solidFill>
+                <a:latin typeface="Arial"/>
+                <a:ea typeface="Arial"/>
+                <a:cs typeface="Arial"/>
+                <a:sym typeface="Arial"/>
               </a:defRPr>
             </a:lvl4pPr>
-            <a:lvl5pPr lvl="4">
+            <a:lvl5pPr lvl="4" marR="0" rtl="0" algn="l">
+              <a:lnSpc>
+                <a:spcPct val="100000"/>
+              </a:lnSpc>
               <a:spcBef>
                 <a:spcPts val="0"/>
               </a:spcBef>
@@ -4306,14 +7212,22 @@
                 <a:schemeClr val="dk1"/>
               </a:buClr>
               <a:buSzPts val="2800"/>
-              <a:buNone/>
-              <a:defRPr sz="2800">
+              <a:buFont typeface="Arial"/>
+              <a:buNone/>
+              <a:defRPr b="0" i="0" sz="2800" u="none" cap="none" strike="noStrike">
                 <a:solidFill>
                   <a:schemeClr val="dk1"/>
                 </a:solidFill>
+                <a:latin typeface="Arial"/>
+                <a:ea typeface="Arial"/>
+                <a:cs typeface="Arial"/>
+                <a:sym typeface="Arial"/>
               </a:defRPr>
             </a:lvl5pPr>
-            <a:lvl6pPr lvl="5">
+            <a:lvl6pPr lvl="5" marR="0" rtl="0" algn="l">
+              <a:lnSpc>
+                <a:spcPct val="100000"/>
+              </a:lnSpc>
               <a:spcBef>
                 <a:spcPts val="0"/>
               </a:spcBef>
@@ -4324,14 +7238,22 @@
                 <a:schemeClr val="dk1"/>
               </a:buClr>
               <a:buSzPts val="2800"/>
-              <a:buNone/>
-              <a:defRPr sz="2800">
+              <a:buFont typeface="Arial"/>
+              <a:buNone/>
+              <a:defRPr b="0" i="0" sz="2800" u="none" cap="none" strike="noStrike">
                 <a:solidFill>
                   <a:schemeClr val="dk1"/>
                 </a:solidFill>
+                <a:latin typeface="Arial"/>
+                <a:ea typeface="Arial"/>
+                <a:cs typeface="Arial"/>
+                <a:sym typeface="Arial"/>
               </a:defRPr>
             </a:lvl6pPr>
-            <a:lvl7pPr lvl="6">
+            <a:lvl7pPr lvl="6" marR="0" rtl="0" algn="l">
+              <a:lnSpc>
+                <a:spcPct val="100000"/>
+              </a:lnSpc>
               <a:spcBef>
                 <a:spcPts val="0"/>
               </a:spcBef>
@@ -4342,14 +7264,22 @@
                 <a:schemeClr val="dk1"/>
               </a:buClr>
               <a:buSzPts val="2800"/>
-              <a:buNone/>
-              <a:defRPr sz="2800">
+              <a:buFont typeface="Arial"/>
+              <a:buNone/>
+              <a:defRPr b="0" i="0" sz="2800" u="none" cap="none" strike="noStrike">
                 <a:solidFill>
                   <a:schemeClr val="dk1"/>
                 </a:solidFill>
+                <a:latin typeface="Arial"/>
+                <a:ea typeface="Arial"/>
+                <a:cs typeface="Arial"/>
+                <a:sym typeface="Arial"/>
               </a:defRPr>
             </a:lvl7pPr>
-            <a:lvl8pPr lvl="7">
+            <a:lvl8pPr lvl="7" marR="0" rtl="0" algn="l">
+              <a:lnSpc>
+                <a:spcPct val="100000"/>
+              </a:lnSpc>
               <a:spcBef>
                 <a:spcPts val="0"/>
               </a:spcBef>
@@ -4360,14 +7290,22 @@
                 <a:schemeClr val="dk1"/>
               </a:buClr>
               <a:buSzPts val="2800"/>
-              <a:buNone/>
-              <a:defRPr sz="2800">
+              <a:buFont typeface="Arial"/>
+              <a:buNone/>
+              <a:defRPr b="0" i="0" sz="2800" u="none" cap="none" strike="noStrike">
                 <a:solidFill>
                   <a:schemeClr val="dk1"/>
                 </a:solidFill>
+                <a:latin typeface="Arial"/>
+                <a:ea typeface="Arial"/>
+                <a:cs typeface="Arial"/>
+                <a:sym typeface="Arial"/>
               </a:defRPr>
             </a:lvl8pPr>
-            <a:lvl9pPr lvl="8">
+            <a:lvl9pPr lvl="8" marR="0" rtl="0" algn="l">
+              <a:lnSpc>
+                <a:spcPct val="100000"/>
+              </a:lnSpc>
               <a:spcBef>
                 <a:spcPts val="0"/>
               </a:spcBef>
@@ -4378,11 +7316,16 @@
                 <a:schemeClr val="dk1"/>
               </a:buClr>
               <a:buSzPts val="2800"/>
-              <a:buNone/>
-              <a:defRPr sz="2800">
+              <a:buFont typeface="Arial"/>
+              <a:buNone/>
+              <a:defRPr b="0" i="0" sz="2800" u="none" cap="none" strike="noStrike">
                 <a:solidFill>
                   <a:schemeClr val="dk1"/>
                 </a:solidFill>
+                <a:latin typeface="Arial"/>
+                <a:ea typeface="Arial"/>
+                <a:cs typeface="Arial"/>
+                <a:sym typeface="Arial"/>
               </a:defRPr>
             </a:lvl9pPr>
           </a:lstStyle>
@@ -4391,7 +7334,7 @@
       </p:sp>
       <p:sp>
         <p:nvSpPr>
-          <p:cNvPr id="7" name="Google Shape;7;p1"/>
+          <p:cNvPr id="7" name="Google Shape;7;p2"/>
           <p:cNvSpPr txBox="1"/>
           <p:nvPr>
             <p:ph idx="1" type="body"/>
@@ -4415,7 +7358,7 @@
             <a:normAutofit/>
           </a:bodyPr>
           <a:lstStyle>
-            <a:lvl1pPr indent="-342900" lvl="0" marL="457200">
+            <a:lvl1pPr indent="-342900" lvl="0" marL="457200" marR="0" rtl="0" algn="l">
               <a:lnSpc>
                 <a:spcPct val="115000"/>
               </a:lnSpc>
@@ -4429,14 +7372,19 @@
                 <a:schemeClr val="dk2"/>
               </a:buClr>
               <a:buSzPts val="1800"/>
+              <a:buFont typeface="Arial"/>
               <a:buChar char="●"/>
-              <a:defRPr sz="1800">
-                <a:solidFill>
-                  <a:schemeClr val="dk2"/>
-                </a:solidFill>
+              <a:defRPr b="0" i="0" sz="1800" u="none" cap="none" strike="noStrike">
+                <a:solidFill>
+                  <a:schemeClr val="dk2"/>
+                </a:solidFill>
+                <a:latin typeface="Arial"/>
+                <a:ea typeface="Arial"/>
+                <a:cs typeface="Arial"/>
+                <a:sym typeface="Arial"/>
               </a:defRPr>
             </a:lvl1pPr>
-            <a:lvl2pPr indent="-317500" lvl="1" marL="914400">
+            <a:lvl2pPr indent="-317500" lvl="1" marL="914400" marR="0" rtl="0" algn="l">
               <a:lnSpc>
                 <a:spcPct val="115000"/>
               </a:lnSpc>
@@ -4450,14 +7398,19 @@
                 <a:schemeClr val="dk2"/>
               </a:buClr>
               <a:buSzPts val="1400"/>
+              <a:buFont typeface="Arial"/>
               <a:buChar char="○"/>
-              <a:defRPr>
-                <a:solidFill>
-                  <a:schemeClr val="dk2"/>
-                </a:solidFill>
+              <a:defRPr b="0" i="0" sz="1400" u="none" cap="none" strike="noStrike">
+                <a:solidFill>
+                  <a:schemeClr val="dk2"/>
+                </a:solidFill>
+                <a:latin typeface="Arial"/>
+                <a:ea typeface="Arial"/>
+                <a:cs typeface="Arial"/>
+                <a:sym typeface="Arial"/>
               </a:defRPr>
             </a:lvl2pPr>
-            <a:lvl3pPr indent="-317500" lvl="2" marL="1371600">
+            <a:lvl3pPr indent="-317500" lvl="2" marL="1371600" marR="0" rtl="0" algn="l">
               <a:lnSpc>
                 <a:spcPct val="115000"/>
               </a:lnSpc>
@@ -4471,14 +7424,19 @@
                 <a:schemeClr val="dk2"/>
               </a:buClr>
               <a:buSzPts val="1400"/>
+              <a:buFont typeface="Arial"/>
               <a:buChar char="■"/>
-              <a:defRPr>
-                <a:solidFill>
-                  <a:schemeClr val="dk2"/>
-                </a:solidFill>
+              <a:defRPr b="0" i="0" sz="1400" u="none" cap="none" strike="noStrike">
+                <a:solidFill>
+                  <a:schemeClr val="dk2"/>
+                </a:solidFill>
+                <a:latin typeface="Arial"/>
+                <a:ea typeface="Arial"/>
+                <a:cs typeface="Arial"/>
+                <a:sym typeface="Arial"/>
               </a:defRPr>
             </a:lvl3pPr>
-            <a:lvl4pPr indent="-317500" lvl="3" marL="1828800">
+            <a:lvl4pPr indent="-317500" lvl="3" marL="1828800" marR="0" rtl="0" algn="l">
               <a:lnSpc>
                 <a:spcPct val="115000"/>
               </a:lnSpc>
@@ -4492,14 +7450,19 @@
                 <a:schemeClr val="dk2"/>
               </a:buClr>
               <a:buSzPts val="1400"/>
+              <a:buFont typeface="Arial"/>
               <a:buChar char="●"/>
-              <a:defRPr>
-                <a:solidFill>
-                  <a:schemeClr val="dk2"/>
-                </a:solidFill>
+              <a:defRPr b="0" i="0" sz="1400" u="none" cap="none" strike="noStrike">
+                <a:solidFill>
+                  <a:schemeClr val="dk2"/>
+                </a:solidFill>
+                <a:latin typeface="Arial"/>
+                <a:ea typeface="Arial"/>
+                <a:cs typeface="Arial"/>
+                <a:sym typeface="Arial"/>
               </a:defRPr>
             </a:lvl4pPr>
-            <a:lvl5pPr indent="-317500" lvl="4" marL="2286000">
+            <a:lvl5pPr indent="-317500" lvl="4" marL="2286000" marR="0" rtl="0" algn="l">
               <a:lnSpc>
                 <a:spcPct val="115000"/>
               </a:lnSpc>
@@ -4513,14 +7476,19 @@
                 <a:schemeClr val="dk2"/>
               </a:buClr>
               <a:buSzPts val="1400"/>
+              <a:buFont typeface="Arial"/>
               <a:buChar char="○"/>
-              <a:defRPr>
-                <a:solidFill>
-                  <a:schemeClr val="dk2"/>
-                </a:solidFill>
+              <a:defRPr b="0" i="0" sz="1400" u="none" cap="none" strike="noStrike">
+                <a:solidFill>
+                  <a:schemeClr val="dk2"/>
+                </a:solidFill>
+                <a:latin typeface="Arial"/>
+                <a:ea typeface="Arial"/>
+                <a:cs typeface="Arial"/>
+                <a:sym typeface="Arial"/>
               </a:defRPr>
             </a:lvl5pPr>
-            <a:lvl6pPr indent="-317500" lvl="5" marL="2743200">
+            <a:lvl6pPr indent="-317500" lvl="5" marL="2743200" marR="0" rtl="0" algn="l">
               <a:lnSpc>
                 <a:spcPct val="115000"/>
               </a:lnSpc>
@@ -4534,14 +7502,19 @@
                 <a:schemeClr val="dk2"/>
               </a:buClr>
               <a:buSzPts val="1400"/>
+              <a:buFont typeface="Arial"/>
               <a:buChar char="■"/>
-              <a:defRPr>
-                <a:solidFill>
-                  <a:schemeClr val="dk2"/>
-                </a:solidFill>
+              <a:defRPr b="0" i="0" sz="1400" u="none" cap="none" strike="noStrike">
+                <a:solidFill>
+                  <a:schemeClr val="dk2"/>
+                </a:solidFill>
+                <a:latin typeface="Arial"/>
+                <a:ea typeface="Arial"/>
+                <a:cs typeface="Arial"/>
+                <a:sym typeface="Arial"/>
               </a:defRPr>
             </a:lvl6pPr>
-            <a:lvl7pPr indent="-317500" lvl="6" marL="3200400">
+            <a:lvl7pPr indent="-317500" lvl="6" marL="3200400" marR="0" rtl="0" algn="l">
               <a:lnSpc>
                 <a:spcPct val="115000"/>
               </a:lnSpc>
@@ -4555,14 +7528,19 @@
                 <a:schemeClr val="dk2"/>
               </a:buClr>
               <a:buSzPts val="1400"/>
+              <a:buFont typeface="Arial"/>
               <a:buChar char="●"/>
-              <a:defRPr>
-                <a:solidFill>
-                  <a:schemeClr val="dk2"/>
-                </a:solidFill>
+              <a:defRPr b="0" i="0" sz="1400" u="none" cap="none" strike="noStrike">
+                <a:solidFill>
+                  <a:schemeClr val="dk2"/>
+                </a:solidFill>
+                <a:latin typeface="Arial"/>
+                <a:ea typeface="Arial"/>
+                <a:cs typeface="Arial"/>
+                <a:sym typeface="Arial"/>
               </a:defRPr>
             </a:lvl7pPr>
-            <a:lvl8pPr indent="-317500" lvl="7" marL="3657600">
+            <a:lvl8pPr indent="-317500" lvl="7" marL="3657600" marR="0" rtl="0" algn="l">
               <a:lnSpc>
                 <a:spcPct val="115000"/>
               </a:lnSpc>
@@ -4576,14 +7554,19 @@
                 <a:schemeClr val="dk2"/>
               </a:buClr>
               <a:buSzPts val="1400"/>
+              <a:buFont typeface="Arial"/>
               <a:buChar char="○"/>
-              <a:defRPr>
-                <a:solidFill>
-                  <a:schemeClr val="dk2"/>
-                </a:solidFill>
+              <a:defRPr b="0" i="0" sz="1400" u="none" cap="none" strike="noStrike">
+                <a:solidFill>
+                  <a:schemeClr val="dk2"/>
+                </a:solidFill>
+                <a:latin typeface="Arial"/>
+                <a:ea typeface="Arial"/>
+                <a:cs typeface="Arial"/>
+                <a:sym typeface="Arial"/>
               </a:defRPr>
             </a:lvl8pPr>
-            <a:lvl9pPr indent="-317500" lvl="8" marL="4114800">
+            <a:lvl9pPr indent="-317500" lvl="8" marL="4114800" marR="0" rtl="0" algn="l">
               <a:lnSpc>
                 <a:spcPct val="115000"/>
               </a:lnSpc>
@@ -4597,11 +7580,16 @@
                 <a:schemeClr val="dk2"/>
               </a:buClr>
               <a:buSzPts val="1400"/>
+              <a:buFont typeface="Arial"/>
               <a:buChar char="■"/>
-              <a:defRPr>
-                <a:solidFill>
-                  <a:schemeClr val="dk2"/>
-                </a:solidFill>
+              <a:defRPr b="0" i="0" sz="1400" u="none" cap="none" strike="noStrike">
+                <a:solidFill>
+                  <a:schemeClr val="dk2"/>
+                </a:solidFill>
+                <a:latin typeface="Arial"/>
+                <a:ea typeface="Arial"/>
+                <a:cs typeface="Arial"/>
+                <a:sym typeface="Arial"/>
               </a:defRPr>
             </a:lvl9pPr>
           </a:lstStyle>
@@ -4610,7 +7598,7 @@
       </p:sp>
       <p:sp>
         <p:nvSpPr>
-          <p:cNvPr id="8" name="Google Shape;8;p1"/>
+          <p:cNvPr id="8" name="Google Shape;8;p2"/>
           <p:cNvSpPr txBox="1"/>
           <p:nvPr>
             <p:ph idx="12" type="sldNum"/>
@@ -4634,76 +7622,238 @@
             <a:normAutofit/>
           </a:bodyPr>
           <a:lstStyle>
-            <a:lvl1pPr lvl="0" algn="r">
-              <a:buNone/>
-              <a:defRPr sz="1000">
-                <a:solidFill>
-                  <a:schemeClr val="dk2"/>
-                </a:solidFill>
+            <a:lvl1pPr indent="0" lvl="0" marL="0" marR="0" rtl="0" algn="r">
+              <a:lnSpc>
+                <a:spcPct val="100000"/>
+              </a:lnSpc>
+              <a:spcBef>
+                <a:spcPts val="0"/>
+              </a:spcBef>
+              <a:spcAft>
+                <a:spcPts val="0"/>
+              </a:spcAft>
+              <a:buClr>
+                <a:srgbClr val="000000"/>
+              </a:buClr>
+              <a:buSzPts val="1000"/>
+              <a:buFont typeface="Arial"/>
+              <a:buNone/>
+              <a:defRPr b="0" i="0" sz="1000" u="none" cap="none" strike="noStrike">
+                <a:solidFill>
+                  <a:schemeClr val="dk2"/>
+                </a:solidFill>
+                <a:latin typeface="Arial"/>
+                <a:ea typeface="Arial"/>
+                <a:cs typeface="Arial"/>
+                <a:sym typeface="Arial"/>
               </a:defRPr>
             </a:lvl1pPr>
-            <a:lvl2pPr lvl="1" algn="r">
-              <a:buNone/>
-              <a:defRPr sz="1000">
-                <a:solidFill>
-                  <a:schemeClr val="dk2"/>
-                </a:solidFill>
+            <a:lvl2pPr indent="0" lvl="1" marL="0" marR="0" rtl="0" algn="r">
+              <a:lnSpc>
+                <a:spcPct val="100000"/>
+              </a:lnSpc>
+              <a:spcBef>
+                <a:spcPts val="0"/>
+              </a:spcBef>
+              <a:spcAft>
+                <a:spcPts val="0"/>
+              </a:spcAft>
+              <a:buClr>
+                <a:srgbClr val="000000"/>
+              </a:buClr>
+              <a:buSzPts val="1000"/>
+              <a:buFont typeface="Arial"/>
+              <a:buNone/>
+              <a:defRPr b="0" i="0" sz="1000" u="none" cap="none" strike="noStrike">
+                <a:solidFill>
+                  <a:schemeClr val="dk2"/>
+                </a:solidFill>
+                <a:latin typeface="Arial"/>
+                <a:ea typeface="Arial"/>
+                <a:cs typeface="Arial"/>
+                <a:sym typeface="Arial"/>
               </a:defRPr>
             </a:lvl2pPr>
-            <a:lvl3pPr lvl="2" algn="r">
-              <a:buNone/>
-              <a:defRPr sz="1000">
-                <a:solidFill>
-                  <a:schemeClr val="dk2"/>
-                </a:solidFill>
+            <a:lvl3pPr indent="0" lvl="2" marL="0" marR="0" rtl="0" algn="r">
+              <a:lnSpc>
+                <a:spcPct val="100000"/>
+              </a:lnSpc>
+              <a:spcBef>
+                <a:spcPts val="0"/>
+              </a:spcBef>
+              <a:spcAft>
+                <a:spcPts val="0"/>
+              </a:spcAft>
+              <a:buClr>
+                <a:srgbClr val="000000"/>
+              </a:buClr>
+              <a:buSzPts val="1000"/>
+              <a:buFont typeface="Arial"/>
+              <a:buNone/>
+              <a:defRPr b="0" i="0" sz="1000" u="none" cap="none" strike="noStrike">
+                <a:solidFill>
+                  <a:schemeClr val="dk2"/>
+                </a:solidFill>
+                <a:latin typeface="Arial"/>
+                <a:ea typeface="Arial"/>
+                <a:cs typeface="Arial"/>
+                <a:sym typeface="Arial"/>
               </a:defRPr>
             </a:lvl3pPr>
-            <a:lvl4pPr lvl="3" algn="r">
-              <a:buNone/>
-              <a:defRPr sz="1000">
-                <a:solidFill>
-                  <a:schemeClr val="dk2"/>
-                </a:solidFill>
+            <a:lvl4pPr indent="0" lvl="3" marL="0" marR="0" rtl="0" algn="r">
+              <a:lnSpc>
+                <a:spcPct val="100000"/>
+              </a:lnSpc>
+              <a:spcBef>
+                <a:spcPts val="0"/>
+              </a:spcBef>
+              <a:spcAft>
+                <a:spcPts val="0"/>
+              </a:spcAft>
+              <a:buClr>
+                <a:srgbClr val="000000"/>
+              </a:buClr>
+              <a:buSzPts val="1000"/>
+              <a:buFont typeface="Arial"/>
+              <a:buNone/>
+              <a:defRPr b="0" i="0" sz="1000" u="none" cap="none" strike="noStrike">
+                <a:solidFill>
+                  <a:schemeClr val="dk2"/>
+                </a:solidFill>
+                <a:latin typeface="Arial"/>
+                <a:ea typeface="Arial"/>
+                <a:cs typeface="Arial"/>
+                <a:sym typeface="Arial"/>
               </a:defRPr>
             </a:lvl4pPr>
-            <a:lvl5pPr lvl="4" algn="r">
-              <a:buNone/>
-              <a:defRPr sz="1000">
-                <a:solidFill>
-                  <a:schemeClr val="dk2"/>
-                </a:solidFill>
+            <a:lvl5pPr indent="0" lvl="4" marL="0" marR="0" rtl="0" algn="r">
+              <a:lnSpc>
+                <a:spcPct val="100000"/>
+              </a:lnSpc>
+              <a:spcBef>
+                <a:spcPts val="0"/>
+              </a:spcBef>
+              <a:spcAft>
+                <a:spcPts val="0"/>
+              </a:spcAft>
+              <a:buClr>
+                <a:srgbClr val="000000"/>
+              </a:buClr>
+              <a:buSzPts val="1000"/>
+              <a:buFont typeface="Arial"/>
+              <a:buNone/>
+              <a:defRPr b="0" i="0" sz="1000" u="none" cap="none" strike="noStrike">
+                <a:solidFill>
+                  <a:schemeClr val="dk2"/>
+                </a:solidFill>
+                <a:latin typeface="Arial"/>
+                <a:ea typeface="Arial"/>
+                <a:cs typeface="Arial"/>
+                <a:sym typeface="Arial"/>
               </a:defRPr>
             </a:lvl5pPr>
-            <a:lvl6pPr lvl="5" algn="r">
-              <a:buNone/>
-              <a:defRPr sz="1000">
-                <a:solidFill>
-                  <a:schemeClr val="dk2"/>
-                </a:solidFill>
+            <a:lvl6pPr indent="0" lvl="5" marL="0" marR="0" rtl="0" algn="r">
+              <a:lnSpc>
+                <a:spcPct val="100000"/>
+              </a:lnSpc>
+              <a:spcBef>
+                <a:spcPts val="0"/>
+              </a:spcBef>
+              <a:spcAft>
+                <a:spcPts val="0"/>
+              </a:spcAft>
+              <a:buClr>
+                <a:srgbClr val="000000"/>
+              </a:buClr>
+              <a:buSzPts val="1000"/>
+              <a:buFont typeface="Arial"/>
+              <a:buNone/>
+              <a:defRPr b="0" i="0" sz="1000" u="none" cap="none" strike="noStrike">
+                <a:solidFill>
+                  <a:schemeClr val="dk2"/>
+                </a:solidFill>
+                <a:latin typeface="Arial"/>
+                <a:ea typeface="Arial"/>
+                <a:cs typeface="Arial"/>
+                <a:sym typeface="Arial"/>
               </a:defRPr>
             </a:lvl6pPr>
-            <a:lvl7pPr lvl="6" algn="r">
-              <a:buNone/>
-              <a:defRPr sz="1000">
-                <a:solidFill>
-                  <a:schemeClr val="dk2"/>
-                </a:solidFill>
+            <a:lvl7pPr indent="0" lvl="6" marL="0" marR="0" rtl="0" algn="r">
+              <a:lnSpc>
+                <a:spcPct val="100000"/>
+              </a:lnSpc>
+              <a:spcBef>
+                <a:spcPts val="0"/>
+              </a:spcBef>
+              <a:spcAft>
+                <a:spcPts val="0"/>
+              </a:spcAft>
+              <a:buClr>
+                <a:srgbClr val="000000"/>
+              </a:buClr>
+              <a:buSzPts val="1000"/>
+              <a:buFont typeface="Arial"/>
+              <a:buNone/>
+              <a:defRPr b="0" i="0" sz="1000" u="none" cap="none" strike="noStrike">
+                <a:solidFill>
+                  <a:schemeClr val="dk2"/>
+                </a:solidFill>
+                <a:latin typeface="Arial"/>
+                <a:ea typeface="Arial"/>
+                <a:cs typeface="Arial"/>
+                <a:sym typeface="Arial"/>
               </a:defRPr>
             </a:lvl7pPr>
-            <a:lvl8pPr lvl="7" algn="r">
-              <a:buNone/>
-              <a:defRPr sz="1000">
-                <a:solidFill>
-                  <a:schemeClr val="dk2"/>
-                </a:solidFill>
+            <a:lvl8pPr indent="0" lvl="7" marL="0" marR="0" rtl="0" algn="r">
+              <a:lnSpc>
+                <a:spcPct val="100000"/>
+              </a:lnSpc>
+              <a:spcBef>
+                <a:spcPts val="0"/>
+              </a:spcBef>
+              <a:spcAft>
+                <a:spcPts val="0"/>
+              </a:spcAft>
+              <a:buClr>
+                <a:srgbClr val="000000"/>
+              </a:buClr>
+              <a:buSzPts val="1000"/>
+              <a:buFont typeface="Arial"/>
+              <a:buNone/>
+              <a:defRPr b="0" i="0" sz="1000" u="none" cap="none" strike="noStrike">
+                <a:solidFill>
+                  <a:schemeClr val="dk2"/>
+                </a:solidFill>
+                <a:latin typeface="Arial"/>
+                <a:ea typeface="Arial"/>
+                <a:cs typeface="Arial"/>
+                <a:sym typeface="Arial"/>
               </a:defRPr>
             </a:lvl8pPr>
-            <a:lvl9pPr lvl="8" algn="r">
-              <a:buNone/>
-              <a:defRPr sz="1000">
-                <a:solidFill>
-                  <a:schemeClr val="dk2"/>
-                </a:solidFill>
+            <a:lvl9pPr indent="0" lvl="8" marL="0" marR="0" rtl="0" algn="r">
+              <a:lnSpc>
+                <a:spcPct val="100000"/>
+              </a:lnSpc>
+              <a:spcBef>
+                <a:spcPts val="0"/>
+              </a:spcBef>
+              <a:spcAft>
+                <a:spcPts val="0"/>
+              </a:spcAft>
+              <a:buClr>
+                <a:srgbClr val="000000"/>
+              </a:buClr>
+              <a:buSzPts val="1000"/>
+              <a:buFont typeface="Arial"/>
+              <a:buNone/>
+              <a:defRPr b="0" i="0" sz="1000" u="none" cap="none" strike="noStrike">
+                <a:solidFill>
+                  <a:schemeClr val="dk2"/>
+                </a:solidFill>
+                <a:latin typeface="Arial"/>
+                <a:ea typeface="Arial"/>
+                <a:cs typeface="Arial"/>
+                <a:sym typeface="Arial"/>
               </a:defRPr>
             </a:lvl9pPr>
           </a:lstStyle>
@@ -4729,17 +7879,17 @@
   </p:cSld>
   <p:clrMap accent1="accent1" accent2="accent2" accent3="accent3" accent4="accent4" accent5="accent5" accent6="accent6" bg1="lt1" bg2="dk2" tx1="dk1" tx2="lt2" folHlink="folHlink" hlink="hlink"/>
   <p:sldLayoutIdLst>
-    <p:sldLayoutId id="2147483648" r:id="rId1"/>
-    <p:sldLayoutId id="2147483649" r:id="rId2"/>
-    <p:sldLayoutId id="2147483650" r:id="rId3"/>
-    <p:sldLayoutId id="2147483651" r:id="rId4"/>
-    <p:sldLayoutId id="2147483652" r:id="rId5"/>
-    <p:sldLayoutId id="2147483653" r:id="rId6"/>
-    <p:sldLayoutId id="2147483654" r:id="rId7"/>
-    <p:sldLayoutId id="2147483655" r:id="rId8"/>
-    <p:sldLayoutId id="2147483656" r:id="rId9"/>
-    <p:sldLayoutId id="2147483657" r:id="rId10"/>
-    <p:sldLayoutId id="2147483658" r:id="rId11"/>
+    <p:sldLayoutId id="2147483649" r:id="rId1"/>
+    <p:sldLayoutId id="2147483650" r:id="rId2"/>
+    <p:sldLayoutId id="2147483651" r:id="rId3"/>
+    <p:sldLayoutId id="2147483652" r:id="rId4"/>
+    <p:sldLayoutId id="2147483653" r:id="rId5"/>
+    <p:sldLayoutId id="2147483654" r:id="rId6"/>
+    <p:sldLayoutId id="2147483655" r:id="rId7"/>
+    <p:sldLayoutId id="2147483656" r:id="rId8"/>
+    <p:sldLayoutId id="2147483657" r:id="rId9"/>
+    <p:sldLayoutId id="2147483658" r:id="rId10"/>
+    <p:sldLayoutId id="2147483659" r:id="rId11"/>
   </p:sldLayoutIdLst>
   <p:hf dt="0" ftr="0" hdr="0" sldNum="0"/>
   <p:txStyles>
@@ -5453,7 +8603,7 @@
       </p:grpSpPr>
       <p:sp>
         <p:nvSpPr>
-          <p:cNvPr id="54" name="Google Shape;54;p13"/>
+          <p:cNvPr id="54" name="Google Shape;54;p1"/>
           <p:cNvSpPr txBox="1"/>
           <p:nvPr>
             <p:ph type="ctrTitle"/>
@@ -5467,6 +8617,10 @@
           <a:prstGeom prst="rect">
             <a:avLst/>
           </a:prstGeom>
+          <a:noFill/>
+          <a:ln>
+            <a:noFill/>
+          </a:ln>
         </p:spPr>
         <p:txBody>
           <a:bodyPr anchorCtr="0" anchor="b" bIns="91425" lIns="91425" spcFirstLastPara="1" rIns="91425" wrap="square" tIns="91425">
@@ -5475,12 +8629,16 @@
           <a:lstStyle/>
           <a:p>
             <a:pPr indent="0" lvl="0" marL="0" rtl="0" algn="ctr">
-              <a:spcBef>
-                <a:spcPts val="0"/>
-              </a:spcBef>
-              <a:spcAft>
-                <a:spcPts val="0"/>
-              </a:spcAft>
+              <a:lnSpc>
+                <a:spcPct val="100000"/>
+              </a:lnSpc>
+              <a:spcBef>
+                <a:spcPts val="0"/>
+              </a:spcBef>
+              <a:spcAft>
+                <a:spcPts val="0"/>
+              </a:spcAft>
+              <a:buSzPct val="111111"/>
               <a:buNone/>
             </a:pPr>
             <a:r>
@@ -5493,7 +8651,7 @@
       </p:sp>
       <p:sp>
         <p:nvSpPr>
-          <p:cNvPr id="55" name="Google Shape;55;p13"/>
+          <p:cNvPr id="55" name="Google Shape;55;p1"/>
           <p:cNvSpPr txBox="1"/>
           <p:nvPr>
             <p:ph idx="1" type="subTitle"/>
@@ -5507,6 +8665,10 @@
           <a:prstGeom prst="rect">
             <a:avLst/>
           </a:prstGeom>
+          <a:noFill/>
+          <a:ln>
+            <a:noFill/>
+          </a:ln>
         </p:spPr>
         <p:txBody>
           <a:bodyPr anchorCtr="0" anchor="t" bIns="91425" lIns="91425" spcFirstLastPara="1" rIns="91425" wrap="square" tIns="91425">
@@ -5515,12 +8677,16 @@
           <a:lstStyle/>
           <a:p>
             <a:pPr indent="0" lvl="0" marL="0" rtl="0" algn="ctr">
-              <a:spcBef>
-                <a:spcPts val="0"/>
-              </a:spcBef>
-              <a:spcAft>
-                <a:spcPts val="0"/>
-              </a:spcAft>
+              <a:lnSpc>
+                <a:spcPct val="100000"/>
+              </a:lnSpc>
+              <a:spcBef>
+                <a:spcPts val="0"/>
+              </a:spcBef>
+              <a:spcAft>
+                <a:spcPts val="0"/>
+              </a:spcAft>
+              <a:buSzPts val="2800"/>
               <a:buNone/>
             </a:pPr>
             <a:r>
@@ -5531,6 +8697,138 @@
           </a:p>
         </p:txBody>
       </p:sp>
+      <p:sp>
+        <p:nvSpPr>
+          <p:cNvPr id="56" name="Google Shape;56;p1"/>
+          <p:cNvSpPr/>
+          <p:nvPr/>
+        </p:nvSpPr>
+        <p:spPr>
+          <a:xfrm>
+            <a:off x="1269375" y="2237900"/>
+            <a:ext cx="704400" cy="704400"/>
+          </a:xfrm>
+          <a:prstGeom prst="rect">
+            <a:avLst/>
+          </a:prstGeom>
+          <a:solidFill>
+            <a:schemeClr val="lt2"/>
+          </a:solidFill>
+          <a:ln cap="flat" cmpd="sng" w="9525">
+            <a:solidFill>
+              <a:schemeClr val="dk2"/>
+            </a:solidFill>
+            <a:prstDash val="solid"/>
+            <a:round/>
+            <a:headEnd len="sm" w="sm" type="none"/>
+            <a:tailEnd len="sm" w="sm" type="none"/>
+          </a:ln>
+        </p:spPr>
+        <p:txBody>
+          <a:bodyPr anchorCtr="0" anchor="ctr" bIns="91425" lIns="91425" spcFirstLastPara="1" rIns="91425" wrap="square" tIns="91425">
+            <a:noAutofit/>
+          </a:bodyPr>
+          <a:lstStyle/>
+          <a:p>
+            <a:pPr indent="0" lvl="0" marL="0" rtl="0" algn="ctr">
+              <a:spcBef>
+                <a:spcPts val="0"/>
+              </a:spcBef>
+              <a:spcAft>
+                <a:spcPts val="0"/>
+              </a:spcAft>
+              <a:buNone/>
+            </a:pPr>
+            <a:r>
+              <a:rPr lang="ja"/>
+              <a:t>test1</a:t>
+            </a:r>
+            <a:endParaRPr/>
+          </a:p>
+        </p:txBody>
+      </p:sp>
+      <p:sp>
+        <p:nvSpPr>
+          <p:cNvPr id="57" name="Google Shape;57;p1"/>
+          <p:cNvSpPr/>
+          <p:nvPr/>
+        </p:nvSpPr>
+        <p:spPr>
+          <a:xfrm>
+            <a:off x="2890925" y="2391975"/>
+            <a:ext cx="704400" cy="352200"/>
+          </a:xfrm>
+          <a:prstGeom prst="rightArrow">
+            <a:avLst>
+              <a:gd fmla="val 50000" name="adj1"/>
+              <a:gd fmla="val 50000" name="adj2"/>
+            </a:avLst>
+          </a:prstGeom>
+          <a:solidFill>
+            <a:schemeClr val="lt2"/>
+          </a:solidFill>
+          <a:ln cap="flat" cmpd="sng" w="9525">
+            <a:solidFill>
+              <a:schemeClr val="dk2"/>
+            </a:solidFill>
+            <a:prstDash val="solid"/>
+            <a:round/>
+            <a:headEnd len="sm" w="sm" type="none"/>
+            <a:tailEnd len="sm" w="sm" type="none"/>
+          </a:ln>
+        </p:spPr>
+        <p:txBody>
+          <a:bodyPr anchorCtr="0" anchor="ctr" bIns="91425" lIns="91425" spcFirstLastPara="1" rIns="91425" wrap="square" tIns="91425">
+            <a:noAutofit/>
+          </a:bodyPr>
+          <a:lstStyle/>
+          <a:p>
+            <a:pPr indent="0" lvl="0" marL="0" rtl="0" algn="ctr">
+              <a:spcBef>
+                <a:spcPts val="0"/>
+              </a:spcBef>
+              <a:spcAft>
+                <a:spcPts val="0"/>
+              </a:spcAft>
+              <a:buNone/>
+            </a:pPr>
+            <a:r>
+              <a:rPr lang="ja"/>
+              <a:t>test2</a:t>
+            </a:r>
+            <a:endParaRPr/>
+          </a:p>
+        </p:txBody>
+      </p:sp>
+      <p:cxnSp>
+        <p:nvCxnSpPr>
+          <p:cNvPr id="58" name="Google Shape;58;p1"/>
+          <p:cNvCxnSpPr>
+            <a:stCxn id="56" idx="3"/>
+            <a:endCxn id="57" idx="1"/>
+          </p:cNvCxnSpPr>
+          <p:nvPr/>
+        </p:nvCxnSpPr>
+        <p:spPr>
+          <a:xfrm flipH="1" rot="10800000">
+            <a:off x="1973775" y="2568200"/>
+            <a:ext cx="917100" cy="21900"/>
+          </a:xfrm>
+          <a:prstGeom prst="straightConnector1">
+            <a:avLst/>
+          </a:prstGeom>
+          <a:noFill/>
+          <a:ln cap="flat" cmpd="sng" w="9525">
+            <a:solidFill>
+              <a:schemeClr val="dk2"/>
+            </a:solidFill>
+            <a:prstDash val="solid"/>
+            <a:round/>
+            <a:headEnd len="med" w="med" type="none"/>
+            <a:tailEnd len="med" w="med" type="none"/>
+          </a:ln>
+        </p:spPr>
+      </p:cxnSp>
     </p:spTree>
   </p:cSld>
   <p:clrMapOvr>

--- a/tests/docs/sample.pptx
+++ b/tests/docs/sample.pptx
@@ -257,7 +257,7 @@
       </p15:sldGuideLst>
     </p:ext>
     <p:ext uri="GoogleSlidesCustomDataVersion2">
-      <go:slidesCustomData xmlns:go="http://customooxmlschemas.google.com/" r:id="rId7" roundtripDataSignature="AMtx7mgAtXFM9VxZpldAfkhVmlfCo+dFZw=="/>
+      <go:slidesCustomData xmlns:go="http://customooxmlschemas.google.com/" r:id="rId7" roundtripDataSignature="AMtx7mhbGw+oJMG2/li9n7mvYOywkXbLyQ=="/>
     </p:ext>
   </p:extLst>
 </p:presentation>
@@ -8730,20 +8730,44 @@
           </a:bodyPr>
           <a:lstStyle/>
           <a:p>
-            <a:pPr indent="0" lvl="0" marL="0" rtl="0" algn="ctr">
-              <a:spcBef>
-                <a:spcPts val="0"/>
-              </a:spcBef>
-              <a:spcAft>
-                <a:spcPts val="0"/>
-              </a:spcAft>
+            <a:pPr indent="0" lvl="0" marL="0" marR="0" rtl="0" algn="ctr">
+              <a:lnSpc>
+                <a:spcPct val="100000"/>
+              </a:lnSpc>
+              <a:spcBef>
+                <a:spcPts val="0"/>
+              </a:spcBef>
+              <a:spcAft>
+                <a:spcPts val="0"/>
+              </a:spcAft>
+              <a:buClr>
+                <a:srgbClr val="000000"/>
+              </a:buClr>
+              <a:buSzPts val="1400"/>
+              <a:buFont typeface="Arial"/>
               <a:buNone/>
             </a:pPr>
             <a:r>
-              <a:rPr lang="ja"/>
+              <a:rPr b="0" i="0" lang="ja" sz="1400" u="none" cap="none" strike="noStrike">
+                <a:solidFill>
+                  <a:srgbClr val="000000"/>
+                </a:solidFill>
+                <a:latin typeface="Arial"/>
+                <a:ea typeface="Arial"/>
+                <a:cs typeface="Arial"/>
+                <a:sym typeface="Arial"/>
+              </a:rPr>
               <a:t>test1</a:t>
             </a:r>
-            <a:endParaRPr/>
+            <a:endParaRPr b="0" i="0" sz="1400" u="none" cap="none" strike="noStrike">
+              <a:solidFill>
+                <a:srgbClr val="000000"/>
+              </a:solidFill>
+              <a:latin typeface="Arial"/>
+              <a:ea typeface="Arial"/>
+              <a:cs typeface="Arial"/>
+              <a:sym typeface="Arial"/>
+            </a:endParaRPr>
           </a:p>
         </p:txBody>
       </p:sp>
@@ -8783,20 +8807,44 @@
           </a:bodyPr>
           <a:lstStyle/>
           <a:p>
-            <a:pPr indent="0" lvl="0" marL="0" rtl="0" algn="ctr">
-              <a:spcBef>
-                <a:spcPts val="0"/>
-              </a:spcBef>
-              <a:spcAft>
-                <a:spcPts val="0"/>
-              </a:spcAft>
+            <a:pPr indent="0" lvl="0" marL="0" marR="0" rtl="0" algn="ctr">
+              <a:lnSpc>
+                <a:spcPct val="100000"/>
+              </a:lnSpc>
+              <a:spcBef>
+                <a:spcPts val="0"/>
+              </a:spcBef>
+              <a:spcAft>
+                <a:spcPts val="0"/>
+              </a:spcAft>
+              <a:buClr>
+                <a:srgbClr val="000000"/>
+              </a:buClr>
+              <a:buSzPts val="1400"/>
+              <a:buFont typeface="Arial"/>
               <a:buNone/>
             </a:pPr>
             <a:r>
-              <a:rPr lang="ja"/>
+              <a:rPr b="0" i="0" lang="ja" sz="1400" u="none" cap="none" strike="noStrike">
+                <a:solidFill>
+                  <a:srgbClr val="000000"/>
+                </a:solidFill>
+                <a:latin typeface="Arial"/>
+                <a:ea typeface="Arial"/>
+                <a:cs typeface="Arial"/>
+                <a:sym typeface="Arial"/>
+              </a:rPr>
               <a:t>test2</a:t>
             </a:r>
-            <a:endParaRPr/>
+            <a:endParaRPr b="0" i="0" sz="1400" u="none" cap="none" strike="noStrike">
+              <a:solidFill>
+                <a:srgbClr val="000000"/>
+              </a:solidFill>
+              <a:latin typeface="Arial"/>
+              <a:ea typeface="Arial"/>
+              <a:cs typeface="Arial"/>
+              <a:sym typeface="Arial"/>
+            </a:endParaRPr>
           </a:p>
         </p:txBody>
       </p:sp>
@@ -8824,11 +8872,39 @@
             </a:solidFill>
             <a:prstDash val="solid"/>
             <a:round/>
-            <a:headEnd len="med" w="med" type="none"/>
-            <a:tailEnd len="med" w="med" type="none"/>
+            <a:headEnd len="sm" w="sm" type="none"/>
+            <a:tailEnd len="sm" w="sm" type="none"/>
           </a:ln>
         </p:spPr>
       </p:cxnSp>
+      <p:pic>
+        <p:nvPicPr>
+          <p:cNvPr id="59" name="Google Shape;59;p1" title="102408484.png"/>
+          <p:cNvPicPr preferRelativeResize="0"/>
+          <p:nvPr/>
+        </p:nvPicPr>
+        <p:blipFill>
+          <a:blip r:embed="rId3">
+            <a:alphaModFix/>
+          </a:blip>
+          <a:stretch>
+            <a:fillRect/>
+          </a:stretch>
+        </p:blipFill>
+        <p:spPr>
+          <a:xfrm>
+            <a:off x="5161850" y="2271725"/>
+            <a:ext cx="1133625" cy="1133625"/>
+          </a:xfrm>
+          <a:prstGeom prst="rect">
+            <a:avLst/>
+          </a:prstGeom>
+          <a:noFill/>
+          <a:ln>
+            <a:noFill/>
+          </a:ln>
+        </p:spPr>
+      </p:pic>
     </p:spTree>
   </p:cSld>
   <p:clrMapOvr>
@@ -8838,6 +8914,285 @@
 </file>
 
 <file path=ppt/theme/theme1.xml><?xml version="1.0" encoding="utf-8"?>
+<a:theme xmlns:a="http://schemas.openxmlformats.org/drawingml/2006/main" xmlns:r="http://schemas.openxmlformats.org/officeDocument/2006/relationships">
+  <a:themeElements>
+    <a:clrScheme name="Default">
+      <a:dk1>
+        <a:srgbClr val="000000"/>
+      </a:dk1>
+      <a:lt1>
+        <a:srgbClr val="FFFFFF"/>
+      </a:lt1>
+      <a:dk2>
+        <a:srgbClr val="158158"/>
+      </a:dk2>
+      <a:lt2>
+        <a:srgbClr val="F3F3F3"/>
+      </a:lt2>
+      <a:accent1>
+        <a:srgbClr val="058DC7"/>
+      </a:accent1>
+      <a:accent2>
+        <a:srgbClr val="50B432"/>
+      </a:accent2>
+      <a:accent3>
+        <a:srgbClr val="ED561B"/>
+      </a:accent3>
+      <a:accent4>
+        <a:srgbClr val="EDEF00"/>
+      </a:accent4>
+      <a:accent5>
+        <a:srgbClr val="24CBE5"/>
+      </a:accent5>
+      <a:accent6>
+        <a:srgbClr val="64E572"/>
+      </a:accent6>
+      <a:hlink>
+        <a:srgbClr val="2200CC"/>
+      </a:hlink>
+      <a:folHlink>
+        <a:srgbClr val="551A8B"/>
+      </a:folHlink>
+    </a:clrScheme>
+    <a:fontScheme name="Office">
+      <a:majorFont>
+        <a:latin typeface="Arial"/>
+        <a:ea typeface=""/>
+        <a:cs typeface=""/>
+        <a:font script="Jpan" typeface="ＭＳ Ｐゴシック"/>
+        <a:font script="Hang" typeface="맑은 고딕"/>
+        <a:font script="Hans" typeface="宋体"/>
+        <a:font script="Hant" typeface="新細明體"/>
+        <a:font script="Arab" typeface="Times New Roman"/>
+        <a:font script="Hebr" typeface="Times New Roman"/>
+        <a:font script="Thai" typeface="Angsana New"/>
+        <a:font script="Ethi" typeface="Nyala"/>
+        <a:font script="Beng" typeface="Vrinda"/>
+        <a:font script="Gujr" typeface="Shruti"/>
+        <a:font script="Khmr" typeface="MoolBoran"/>
+        <a:font script="Knda" typeface="Tunga"/>
+        <a:font script="Guru" typeface="Raavi"/>
+        <a:font script="Cans" typeface="Euphemia"/>
+        <a:font script="Cher" typeface="Plantagenet Cherokee"/>
+        <a:font script="Yiii" typeface="Microsoft Yi Baiti"/>
+        <a:font script="Tibt" typeface="Microsoft Himalaya"/>
+        <a:font script="Thaa" typeface="MV Boli"/>
+        <a:font script="Deva" typeface="Mangal"/>
+        <a:font script="Telu" typeface="Gautami"/>
+        <a:font script="Taml" typeface="Latha"/>
+        <a:font script="Syrc" typeface="Estrangelo Edessa"/>
+        <a:font script="Orya" typeface="Kalinga"/>
+        <a:font script="Mlym" typeface="Kartika"/>
+        <a:font script="Laoo" typeface="DokChampa"/>
+        <a:font script="Sinh" typeface="Iskoola Pota"/>
+        <a:font script="Mong" typeface="Mongolian Baiti"/>
+        <a:font script="Viet" typeface="Times New Roman"/>
+        <a:font script="Uigh" typeface="Microsoft Uighur"/>
+        <a:font script="Geor" typeface="Sylfaen"/>
+      </a:majorFont>
+      <a:minorFont>
+        <a:latin typeface="Arial"/>
+        <a:ea typeface=""/>
+        <a:cs typeface=""/>
+        <a:font script="Jpan" typeface="ＭＳ Ｐゴシック"/>
+        <a:font script="Hang" typeface="맑은 고딕"/>
+        <a:font script="Hans" typeface="宋体"/>
+        <a:font script="Hant" typeface="新細明體"/>
+        <a:font script="Arab" typeface="Arial"/>
+        <a:font script="Hebr" typeface="Arial"/>
+        <a:font script="Thai" typeface="Cordia New"/>
+        <a:font script="Ethi" typeface="Nyala"/>
+        <a:font script="Beng" typeface="Vrinda"/>
+        <a:font script="Gujr" typeface="Shruti"/>
+        <a:font script="Khmr" typeface="DaunPenh"/>
+        <a:font script="Knda" typeface="Tunga"/>
+        <a:font script="Guru" typeface="Raavi"/>
+        <a:font script="Cans" typeface="Euphemia"/>
+        <a:font script="Cher" typeface="Plantagenet Cherokee"/>
+        <a:font script="Yiii" typeface="Microsoft Yi Baiti"/>
+        <a:font script="Tibt" typeface="Microsoft Himalaya"/>
+        <a:font script="Thaa" typeface="MV Boli"/>
+        <a:font script="Deva" typeface="Mangal"/>
+        <a:font script="Telu" typeface="Gautami"/>
+        <a:font script="Taml" typeface="Latha"/>
+        <a:font script="Syrc" typeface="Estrangelo Edessa"/>
+        <a:font script="Orya" typeface="Kalinga"/>
+        <a:font script="Mlym" typeface="Kartika"/>
+        <a:font script="Laoo" typeface="DokChampa"/>
+        <a:font script="Sinh" typeface="Iskoola Pota"/>
+        <a:font script="Mong" typeface="Mongolian Baiti"/>
+        <a:font script="Viet" typeface="Arial"/>
+        <a:font script="Uigh" typeface="Microsoft Uighur"/>
+        <a:font script="Geor" typeface="Sylfaen"/>
+      </a:minorFont>
+    </a:fontScheme>
+    <a:fmtScheme name="Office">
+      <a:fillStyleLst>
+        <a:solidFill>
+          <a:schemeClr val="phClr"/>
+        </a:solidFill>
+        <a:gradFill rotWithShape="1">
+          <a:gsLst>
+            <a:gs pos="0">
+              <a:schemeClr val="phClr">
+                <a:tint val="50000"/>
+                <a:satMod val="300000"/>
+              </a:schemeClr>
+            </a:gs>
+            <a:gs pos="35000">
+              <a:schemeClr val="phClr">
+                <a:tint val="37000"/>
+                <a:satMod val="300000"/>
+              </a:schemeClr>
+            </a:gs>
+            <a:gs pos="100000">
+              <a:schemeClr val="phClr">
+                <a:tint val="15000"/>
+                <a:satMod val="350000"/>
+              </a:schemeClr>
+            </a:gs>
+          </a:gsLst>
+          <a:lin ang="16200000" scaled="1"/>
+        </a:gradFill>
+        <a:gradFill rotWithShape="1">
+          <a:gsLst>
+            <a:gs pos="0">
+              <a:schemeClr val="phClr">
+                <a:tint val="100000"/>
+                <a:shade val="100000"/>
+                <a:satMod val="130000"/>
+              </a:schemeClr>
+            </a:gs>
+            <a:gs pos="100000">
+              <a:schemeClr val="phClr">
+                <a:tint val="50000"/>
+                <a:shade val="100000"/>
+                <a:satMod val="350000"/>
+              </a:schemeClr>
+            </a:gs>
+          </a:gsLst>
+          <a:lin ang="16200000" scaled="0"/>
+        </a:gradFill>
+      </a:fillStyleLst>
+      <a:lnStyleLst>
+        <a:ln w="9525" cap="flat" cmpd="sng" algn="ctr">
+          <a:solidFill>
+            <a:schemeClr val="phClr">
+              <a:shade val="95000"/>
+              <a:satMod val="105000"/>
+            </a:schemeClr>
+          </a:solidFill>
+          <a:prstDash val="solid"/>
+        </a:ln>
+        <a:ln w="25400" cap="flat" cmpd="sng" algn="ctr">
+          <a:solidFill>
+            <a:schemeClr val="phClr"/>
+          </a:solidFill>
+          <a:prstDash val="solid"/>
+        </a:ln>
+        <a:ln w="38100" cap="flat" cmpd="sng" algn="ctr">
+          <a:solidFill>
+            <a:schemeClr val="phClr"/>
+          </a:solidFill>
+          <a:prstDash val="solid"/>
+        </a:ln>
+      </a:lnStyleLst>
+      <a:effectStyleLst>
+        <a:effectStyle>
+          <a:effectLst>
+            <a:outerShdw blurRad="40000" dist="20000" dir="5400000" rotWithShape="0">
+              <a:srgbClr val="000000">
+                <a:alpha val="38000"/>
+              </a:srgbClr>
+            </a:outerShdw>
+          </a:effectLst>
+        </a:effectStyle>
+        <a:effectStyle>
+          <a:effectLst>
+            <a:outerShdw blurRad="40000" dist="23000" dir="5400000" rotWithShape="0">
+              <a:srgbClr val="000000">
+                <a:alpha val="35000"/>
+              </a:srgbClr>
+            </a:outerShdw>
+          </a:effectLst>
+        </a:effectStyle>
+        <a:effectStyle>
+          <a:effectLst>
+            <a:outerShdw blurRad="40000" dist="23000" dir="5400000" rotWithShape="0">
+              <a:srgbClr val="000000">
+                <a:alpha val="35000"/>
+              </a:srgbClr>
+            </a:outerShdw>
+          </a:effectLst>
+          <a:scene3d>
+            <a:camera prst="orthographicFront">
+              <a:rot lat="0" lon="0" rev="0"/>
+            </a:camera>
+            <a:lightRig rig="threePt" dir="t">
+              <a:rot lat="0" lon="0" rev="1200000"/>
+            </a:lightRig>
+          </a:scene3d>
+          <a:sp3d>
+            <a:bevelT w="63500" h="25400"/>
+          </a:sp3d>
+        </a:effectStyle>
+      </a:effectStyleLst>
+      <a:bgFillStyleLst>
+        <a:solidFill>
+          <a:schemeClr val="phClr"/>
+        </a:solidFill>
+        <a:gradFill rotWithShape="1">
+          <a:gsLst>
+            <a:gs pos="0">
+              <a:schemeClr val="phClr">
+                <a:tint val="40000"/>
+                <a:satMod val="350000"/>
+              </a:schemeClr>
+            </a:gs>
+            <a:gs pos="40000">
+              <a:schemeClr val="phClr">
+                <a:tint val="45000"/>
+                <a:shade val="99000"/>
+                <a:satMod val="350000"/>
+              </a:schemeClr>
+            </a:gs>
+            <a:gs pos="100000">
+              <a:schemeClr val="phClr">
+                <a:shade val="20000"/>
+                <a:satMod val="255000"/>
+              </a:schemeClr>
+            </a:gs>
+          </a:gsLst>
+          <a:path path="circle">
+            <a:fillToRect l="50000" t="-80000" r="50000" b="180000"/>
+          </a:path>
+        </a:gradFill>
+        <a:gradFill rotWithShape="1">
+          <a:gsLst>
+            <a:gs pos="0">
+              <a:schemeClr val="phClr">
+                <a:tint val="80000"/>
+                <a:satMod val="300000"/>
+              </a:schemeClr>
+            </a:gs>
+            <a:gs pos="100000">
+              <a:schemeClr val="phClr">
+                <a:shade val="30000"/>
+                <a:satMod val="200000"/>
+              </a:schemeClr>
+            </a:gs>
+          </a:gsLst>
+          <a:path path="circle">
+            <a:fillToRect l="50000" t="50000" r="50000" b="50000"/>
+          </a:path>
+        </a:gradFill>
+      </a:bgFillStyleLst>
+    </a:fmtScheme>
+  </a:themeElements>
+</a:theme>
+</file>
+
+<file path=ppt/theme/theme2.xml><?xml version="1.0" encoding="utf-8"?>
 <a:theme xmlns:a="http://schemas.openxmlformats.org/drawingml/2006/main" xmlns:r="http://schemas.openxmlformats.org/officeDocument/2006/relationships" name="Simple Light">
   <a:themeElements>
     <a:clrScheme name="Simple Light">
@@ -9114,283 +9469,4 @@
     </a:fmtScheme>
   </a:themeElements>
 </a:theme>
-</file>
-
-<file path=ppt/theme/theme2.xml><?xml version="1.0" encoding="utf-8"?>
-<a:theme xmlns:a="http://schemas.openxmlformats.org/drawingml/2006/main" xmlns:r="http://schemas.openxmlformats.org/officeDocument/2006/relationships">
-  <a:themeElements>
-    <a:clrScheme name="Default">
-      <a:dk1>
-        <a:srgbClr val="000000"/>
-      </a:dk1>
-      <a:lt1>
-        <a:srgbClr val="FFFFFF"/>
-      </a:lt1>
-      <a:dk2>
-        <a:srgbClr val="158158"/>
-      </a:dk2>
-      <a:lt2>
-        <a:srgbClr val="F3F3F3"/>
-      </a:lt2>
-      <a:accent1>
-        <a:srgbClr val="058DC7"/>
-      </a:accent1>
-      <a:accent2>
-        <a:srgbClr val="50B432"/>
-      </a:accent2>
-      <a:accent3>
-        <a:srgbClr val="ED561B"/>
-      </a:accent3>
-      <a:accent4>
-        <a:srgbClr val="EDEF00"/>
-      </a:accent4>
-      <a:accent5>
-        <a:srgbClr val="24CBE5"/>
-      </a:accent5>
-      <a:accent6>
-        <a:srgbClr val="64E572"/>
-      </a:accent6>
-      <a:hlink>
-        <a:srgbClr val="2200CC"/>
-      </a:hlink>
-      <a:folHlink>
-        <a:srgbClr val="551A8B"/>
-      </a:folHlink>
-    </a:clrScheme>
-    <a:fontScheme name="Office">
-      <a:majorFont>
-        <a:latin typeface="Arial"/>
-        <a:ea typeface=""/>
-        <a:cs typeface=""/>
-        <a:font script="Jpan" typeface="ＭＳ Ｐゴシック"/>
-        <a:font script="Hang" typeface="맑은 고딕"/>
-        <a:font script="Hans" typeface="宋体"/>
-        <a:font script="Hant" typeface="新細明體"/>
-        <a:font script="Arab" typeface="Times New Roman"/>
-        <a:font script="Hebr" typeface="Times New Roman"/>
-        <a:font script="Thai" typeface="Angsana New"/>
-        <a:font script="Ethi" typeface="Nyala"/>
-        <a:font script="Beng" typeface="Vrinda"/>
-        <a:font script="Gujr" typeface="Shruti"/>
-        <a:font script="Khmr" typeface="MoolBoran"/>
-        <a:font script="Knda" typeface="Tunga"/>
-        <a:font script="Guru" typeface="Raavi"/>
-        <a:font script="Cans" typeface="Euphemia"/>
-        <a:font script="Cher" typeface="Plantagenet Cherokee"/>
-        <a:font script="Yiii" typeface="Microsoft Yi Baiti"/>
-        <a:font script="Tibt" typeface="Microsoft Himalaya"/>
-        <a:font script="Thaa" typeface="MV Boli"/>
-        <a:font script="Deva" typeface="Mangal"/>
-        <a:font script="Telu" typeface="Gautami"/>
-        <a:font script="Taml" typeface="Latha"/>
-        <a:font script="Syrc" typeface="Estrangelo Edessa"/>
-        <a:font script="Orya" typeface="Kalinga"/>
-        <a:font script="Mlym" typeface="Kartika"/>
-        <a:font script="Laoo" typeface="DokChampa"/>
-        <a:font script="Sinh" typeface="Iskoola Pota"/>
-        <a:font script="Mong" typeface="Mongolian Baiti"/>
-        <a:font script="Viet" typeface="Times New Roman"/>
-        <a:font script="Uigh" typeface="Microsoft Uighur"/>
-        <a:font script="Geor" typeface="Sylfaen"/>
-      </a:majorFont>
-      <a:minorFont>
-        <a:latin typeface="Arial"/>
-        <a:ea typeface=""/>
-        <a:cs typeface=""/>
-        <a:font script="Jpan" typeface="ＭＳ Ｐゴシック"/>
-        <a:font script="Hang" typeface="맑은 고딕"/>
-        <a:font script="Hans" typeface="宋体"/>
-        <a:font script="Hant" typeface="新細明體"/>
-        <a:font script="Arab" typeface="Arial"/>
-        <a:font script="Hebr" typeface="Arial"/>
-        <a:font script="Thai" typeface="Cordia New"/>
-        <a:font script="Ethi" typeface="Nyala"/>
-        <a:font script="Beng" typeface="Vrinda"/>
-        <a:font script="Gujr" typeface="Shruti"/>
-        <a:font script="Khmr" typeface="DaunPenh"/>
-        <a:font script="Knda" typeface="Tunga"/>
-        <a:font script="Guru" typeface="Raavi"/>
-        <a:font script="Cans" typeface="Euphemia"/>
-        <a:font script="Cher" typeface="Plantagenet Cherokee"/>
-        <a:font script="Yiii" typeface="Microsoft Yi Baiti"/>
-        <a:font script="Tibt" typeface="Microsoft Himalaya"/>
-        <a:font script="Thaa" typeface="MV Boli"/>
-        <a:font script="Deva" typeface="Mangal"/>
-        <a:font script="Telu" typeface="Gautami"/>
-        <a:font script="Taml" typeface="Latha"/>
-        <a:font script="Syrc" typeface="Estrangelo Edessa"/>
-        <a:font script="Orya" typeface="Kalinga"/>
-        <a:font script="Mlym" typeface="Kartika"/>
-        <a:font script="Laoo" typeface="DokChampa"/>
-        <a:font script="Sinh" typeface="Iskoola Pota"/>
-        <a:font script="Mong" typeface="Mongolian Baiti"/>
-        <a:font script="Viet" typeface="Arial"/>
-        <a:font script="Uigh" typeface="Microsoft Uighur"/>
-        <a:font script="Geor" typeface="Sylfaen"/>
-      </a:minorFont>
-    </a:fontScheme>
-    <a:fmtScheme name="Office">
-      <a:fillStyleLst>
-        <a:solidFill>
-          <a:schemeClr val="phClr"/>
-        </a:solidFill>
-        <a:gradFill rotWithShape="1">
-          <a:gsLst>
-            <a:gs pos="0">
-              <a:schemeClr val="phClr">
-                <a:tint val="50000"/>
-                <a:satMod val="300000"/>
-              </a:schemeClr>
-            </a:gs>
-            <a:gs pos="35000">
-              <a:schemeClr val="phClr">
-                <a:tint val="37000"/>
-                <a:satMod val="300000"/>
-              </a:schemeClr>
-            </a:gs>
-            <a:gs pos="100000">
-              <a:schemeClr val="phClr">
-                <a:tint val="15000"/>
-                <a:satMod val="350000"/>
-              </a:schemeClr>
-            </a:gs>
-          </a:gsLst>
-          <a:lin ang="16200000" scaled="1"/>
-        </a:gradFill>
-        <a:gradFill rotWithShape="1">
-          <a:gsLst>
-            <a:gs pos="0">
-              <a:schemeClr val="phClr">
-                <a:tint val="100000"/>
-                <a:shade val="100000"/>
-                <a:satMod val="130000"/>
-              </a:schemeClr>
-            </a:gs>
-            <a:gs pos="100000">
-              <a:schemeClr val="phClr">
-                <a:tint val="50000"/>
-                <a:shade val="100000"/>
-                <a:satMod val="350000"/>
-              </a:schemeClr>
-            </a:gs>
-          </a:gsLst>
-          <a:lin ang="16200000" scaled="0"/>
-        </a:gradFill>
-      </a:fillStyleLst>
-      <a:lnStyleLst>
-        <a:ln w="9525" cap="flat" cmpd="sng" algn="ctr">
-          <a:solidFill>
-            <a:schemeClr val="phClr">
-              <a:shade val="95000"/>
-              <a:satMod val="105000"/>
-            </a:schemeClr>
-          </a:solidFill>
-          <a:prstDash val="solid"/>
-        </a:ln>
-        <a:ln w="25400" cap="flat" cmpd="sng" algn="ctr">
-          <a:solidFill>
-            <a:schemeClr val="phClr"/>
-          </a:solidFill>
-          <a:prstDash val="solid"/>
-        </a:ln>
-        <a:ln w="38100" cap="flat" cmpd="sng" algn="ctr">
-          <a:solidFill>
-            <a:schemeClr val="phClr"/>
-          </a:solidFill>
-          <a:prstDash val="solid"/>
-        </a:ln>
-      </a:lnStyleLst>
-      <a:effectStyleLst>
-        <a:effectStyle>
-          <a:effectLst>
-            <a:outerShdw blurRad="40000" dist="20000" dir="5400000" rotWithShape="0">
-              <a:srgbClr val="000000">
-                <a:alpha val="38000"/>
-              </a:srgbClr>
-            </a:outerShdw>
-          </a:effectLst>
-        </a:effectStyle>
-        <a:effectStyle>
-          <a:effectLst>
-            <a:outerShdw blurRad="40000" dist="23000" dir="5400000" rotWithShape="0">
-              <a:srgbClr val="000000">
-                <a:alpha val="35000"/>
-              </a:srgbClr>
-            </a:outerShdw>
-          </a:effectLst>
-        </a:effectStyle>
-        <a:effectStyle>
-          <a:effectLst>
-            <a:outerShdw blurRad="40000" dist="23000" dir="5400000" rotWithShape="0">
-              <a:srgbClr val="000000">
-                <a:alpha val="35000"/>
-              </a:srgbClr>
-            </a:outerShdw>
-          </a:effectLst>
-          <a:scene3d>
-            <a:camera prst="orthographicFront">
-              <a:rot lat="0" lon="0" rev="0"/>
-            </a:camera>
-            <a:lightRig rig="threePt" dir="t">
-              <a:rot lat="0" lon="0" rev="1200000"/>
-            </a:lightRig>
-          </a:scene3d>
-          <a:sp3d>
-            <a:bevelT w="63500" h="25400"/>
-          </a:sp3d>
-        </a:effectStyle>
-      </a:effectStyleLst>
-      <a:bgFillStyleLst>
-        <a:solidFill>
-          <a:schemeClr val="phClr"/>
-        </a:solidFill>
-        <a:gradFill rotWithShape="1">
-          <a:gsLst>
-            <a:gs pos="0">
-              <a:schemeClr val="phClr">
-                <a:tint val="40000"/>
-                <a:satMod val="350000"/>
-              </a:schemeClr>
-            </a:gs>
-            <a:gs pos="40000">
-              <a:schemeClr val="phClr">
-                <a:tint val="45000"/>
-                <a:shade val="99000"/>
-                <a:satMod val="350000"/>
-              </a:schemeClr>
-            </a:gs>
-            <a:gs pos="100000">
-              <a:schemeClr val="phClr">
-                <a:shade val="20000"/>
-                <a:satMod val="255000"/>
-              </a:schemeClr>
-            </a:gs>
-          </a:gsLst>
-          <a:path path="circle">
-            <a:fillToRect l="50000" t="-80000" r="50000" b="180000"/>
-          </a:path>
-        </a:gradFill>
-        <a:gradFill rotWithShape="1">
-          <a:gsLst>
-            <a:gs pos="0">
-              <a:schemeClr val="phClr">
-                <a:tint val="80000"/>
-                <a:satMod val="300000"/>
-              </a:schemeClr>
-            </a:gs>
-            <a:gs pos="100000">
-              <a:schemeClr val="phClr">
-                <a:shade val="30000"/>
-                <a:satMod val="200000"/>
-              </a:schemeClr>
-            </a:gs>
-          </a:gsLst>
-          <a:path path="circle">
-            <a:fillToRect l="50000" t="50000" r="50000" b="50000"/>
-          </a:path>
-        </a:gradFill>
-      </a:bgFillStyleLst>
-    </a:fmtScheme>
-  </a:themeElements>
-</a:theme>
 </file>
--- a/tests/docs/sample.pptx
+++ b/tests/docs/sample.pptx
@@ -2,7 +2,7 @@
 <file path=ppt/presentation.xml><?xml version="1.0" encoding="utf-8"?>
 <p:presentation xmlns:a="http://schemas.openxmlformats.org/drawingml/2006/main" xmlns:r="http://schemas.openxmlformats.org/officeDocument/2006/relationships" xmlns:mc="http://schemas.openxmlformats.org/markup-compatibility/2006" xmlns:mv="urn:schemas-microsoft-com:mac:vml" xmlns:p="http://schemas.openxmlformats.org/presentationml/2006/main" xmlns:c="http://schemas.openxmlformats.org/drawingml/2006/chart" xmlns:dgm="http://schemas.openxmlformats.org/drawingml/2006/diagram" xmlns:o="urn:schemas-microsoft-com:office:office" xmlns:v="urn:schemas-microsoft-com:vml" xmlns:pvml="urn:schemas-microsoft-com:office:powerpoint" xmlns:com="http://schemas.openxmlformats.org/drawingml/2006/compatibility" xmlns:p14="http://schemas.microsoft.com/office/powerpoint/2010/main" xmlns:p15="http://schemas.microsoft.com/office/powerpoint/2012/main" xmlns:ahyp="http://schemas.microsoft.com/office/drawing/2018/hyperlinkcolor" autoCompressPictures="0" strictFirstAndLastChars="0" saveSubsetFonts="1">
   <p:sldMasterIdLst>
-    <p:sldMasterId id="2147483659" r:id="rId4"/>
+    <p:sldMasterId id="2147483648" r:id="rId4"/>
   </p:sldMasterIdLst>
   <p:notesMasterIdLst>
     <p:notesMasterId r:id="rId5"/>
@@ -256,6 +256,9 @@
         </p15:guide>
       </p15:sldGuideLst>
     </p:ext>
+    <p:ext uri="GoogleSlidesCustomDataVersion2">
+      <go:slidesCustomData xmlns:go="http://customooxmlschemas.google.com/" r:id="rId7" roundtripDataSignature="AMtx7mhbGw+oJMG2/li9n7mvYOywkXbLyQ=="/>
+    </p:ext>
   </p:extLst>
 </p:presentation>
 </file>
@@ -348,104 +351,239 @@
             <a:noAutofit/>
           </a:bodyPr>
           <a:lstStyle>
-            <a:lvl1pPr indent="-298450" lvl="0" marL="457200">
-              <a:spcBef>
-                <a:spcPts val="0"/>
-              </a:spcBef>
-              <a:spcAft>
-                <a:spcPts val="0"/>
-              </a:spcAft>
+            <a:lvl1pPr indent="-298450" lvl="0" marL="457200" marR="0" rtl="0" algn="l">
+              <a:lnSpc>
+                <a:spcPct val="100000"/>
+              </a:lnSpc>
+              <a:spcBef>
+                <a:spcPts val="0"/>
+              </a:spcBef>
+              <a:spcAft>
+                <a:spcPts val="0"/>
+              </a:spcAft>
+              <a:buClr>
+                <a:srgbClr val="000000"/>
+              </a:buClr>
               <a:buSzPts val="1100"/>
+              <a:buFont typeface="Arial"/>
               <a:buChar char="●"/>
-              <a:defRPr sz="1100"/>
+              <a:defRPr b="0" i="0" sz="1100" u="none" cap="none" strike="noStrike">
+                <a:solidFill>
+                  <a:srgbClr val="000000"/>
+                </a:solidFill>
+                <a:latin typeface="Arial"/>
+                <a:ea typeface="Arial"/>
+                <a:cs typeface="Arial"/>
+                <a:sym typeface="Arial"/>
+              </a:defRPr>
             </a:lvl1pPr>
-            <a:lvl2pPr indent="-298450" lvl="1" marL="914400">
-              <a:spcBef>
-                <a:spcPts val="0"/>
-              </a:spcBef>
-              <a:spcAft>
-                <a:spcPts val="0"/>
-              </a:spcAft>
+            <a:lvl2pPr indent="-298450" lvl="1" marL="914400" marR="0" rtl="0" algn="l">
+              <a:lnSpc>
+                <a:spcPct val="100000"/>
+              </a:lnSpc>
+              <a:spcBef>
+                <a:spcPts val="0"/>
+              </a:spcBef>
+              <a:spcAft>
+                <a:spcPts val="0"/>
+              </a:spcAft>
+              <a:buClr>
+                <a:srgbClr val="000000"/>
+              </a:buClr>
               <a:buSzPts val="1100"/>
+              <a:buFont typeface="Arial"/>
               <a:buChar char="○"/>
-              <a:defRPr sz="1100"/>
+              <a:defRPr b="0" i="0" sz="1100" u="none" cap="none" strike="noStrike">
+                <a:solidFill>
+                  <a:srgbClr val="000000"/>
+                </a:solidFill>
+                <a:latin typeface="Arial"/>
+                <a:ea typeface="Arial"/>
+                <a:cs typeface="Arial"/>
+                <a:sym typeface="Arial"/>
+              </a:defRPr>
             </a:lvl2pPr>
-            <a:lvl3pPr indent="-298450" lvl="2" marL="1371600">
-              <a:spcBef>
-                <a:spcPts val="0"/>
-              </a:spcBef>
-              <a:spcAft>
-                <a:spcPts val="0"/>
-              </a:spcAft>
+            <a:lvl3pPr indent="-298450" lvl="2" marL="1371600" marR="0" rtl="0" algn="l">
+              <a:lnSpc>
+                <a:spcPct val="100000"/>
+              </a:lnSpc>
+              <a:spcBef>
+                <a:spcPts val="0"/>
+              </a:spcBef>
+              <a:spcAft>
+                <a:spcPts val="0"/>
+              </a:spcAft>
+              <a:buClr>
+                <a:srgbClr val="000000"/>
+              </a:buClr>
               <a:buSzPts val="1100"/>
+              <a:buFont typeface="Arial"/>
               <a:buChar char="■"/>
-              <a:defRPr sz="1100"/>
+              <a:defRPr b="0" i="0" sz="1100" u="none" cap="none" strike="noStrike">
+                <a:solidFill>
+                  <a:srgbClr val="000000"/>
+                </a:solidFill>
+                <a:latin typeface="Arial"/>
+                <a:ea typeface="Arial"/>
+                <a:cs typeface="Arial"/>
+                <a:sym typeface="Arial"/>
+              </a:defRPr>
             </a:lvl3pPr>
-            <a:lvl4pPr indent="-298450" lvl="3" marL="1828800">
-              <a:spcBef>
-                <a:spcPts val="0"/>
-              </a:spcBef>
-              <a:spcAft>
-                <a:spcPts val="0"/>
-              </a:spcAft>
+            <a:lvl4pPr indent="-298450" lvl="3" marL="1828800" marR="0" rtl="0" algn="l">
+              <a:lnSpc>
+                <a:spcPct val="100000"/>
+              </a:lnSpc>
+              <a:spcBef>
+                <a:spcPts val="0"/>
+              </a:spcBef>
+              <a:spcAft>
+                <a:spcPts val="0"/>
+              </a:spcAft>
+              <a:buClr>
+                <a:srgbClr val="000000"/>
+              </a:buClr>
               <a:buSzPts val="1100"/>
+              <a:buFont typeface="Arial"/>
               <a:buChar char="●"/>
-              <a:defRPr sz="1100"/>
+              <a:defRPr b="0" i="0" sz="1100" u="none" cap="none" strike="noStrike">
+                <a:solidFill>
+                  <a:srgbClr val="000000"/>
+                </a:solidFill>
+                <a:latin typeface="Arial"/>
+                <a:ea typeface="Arial"/>
+                <a:cs typeface="Arial"/>
+                <a:sym typeface="Arial"/>
+              </a:defRPr>
             </a:lvl4pPr>
-            <a:lvl5pPr indent="-298450" lvl="4" marL="2286000">
-              <a:spcBef>
-                <a:spcPts val="0"/>
-              </a:spcBef>
-              <a:spcAft>
-                <a:spcPts val="0"/>
-              </a:spcAft>
+            <a:lvl5pPr indent="-298450" lvl="4" marL="2286000" marR="0" rtl="0" algn="l">
+              <a:lnSpc>
+                <a:spcPct val="100000"/>
+              </a:lnSpc>
+              <a:spcBef>
+                <a:spcPts val="0"/>
+              </a:spcBef>
+              <a:spcAft>
+                <a:spcPts val="0"/>
+              </a:spcAft>
+              <a:buClr>
+                <a:srgbClr val="000000"/>
+              </a:buClr>
               <a:buSzPts val="1100"/>
+              <a:buFont typeface="Arial"/>
               <a:buChar char="○"/>
-              <a:defRPr sz="1100"/>
+              <a:defRPr b="0" i="0" sz="1100" u="none" cap="none" strike="noStrike">
+                <a:solidFill>
+                  <a:srgbClr val="000000"/>
+                </a:solidFill>
+                <a:latin typeface="Arial"/>
+                <a:ea typeface="Arial"/>
+                <a:cs typeface="Arial"/>
+                <a:sym typeface="Arial"/>
+              </a:defRPr>
             </a:lvl5pPr>
-            <a:lvl6pPr indent="-298450" lvl="5" marL="2743200">
-              <a:spcBef>
-                <a:spcPts val="0"/>
-              </a:spcBef>
-              <a:spcAft>
-                <a:spcPts val="0"/>
-              </a:spcAft>
+            <a:lvl6pPr indent="-298450" lvl="5" marL="2743200" marR="0" rtl="0" algn="l">
+              <a:lnSpc>
+                <a:spcPct val="100000"/>
+              </a:lnSpc>
+              <a:spcBef>
+                <a:spcPts val="0"/>
+              </a:spcBef>
+              <a:spcAft>
+                <a:spcPts val="0"/>
+              </a:spcAft>
+              <a:buClr>
+                <a:srgbClr val="000000"/>
+              </a:buClr>
               <a:buSzPts val="1100"/>
+              <a:buFont typeface="Arial"/>
               <a:buChar char="■"/>
-              <a:defRPr sz="1100"/>
+              <a:defRPr b="0" i="0" sz="1100" u="none" cap="none" strike="noStrike">
+                <a:solidFill>
+                  <a:srgbClr val="000000"/>
+                </a:solidFill>
+                <a:latin typeface="Arial"/>
+                <a:ea typeface="Arial"/>
+                <a:cs typeface="Arial"/>
+                <a:sym typeface="Arial"/>
+              </a:defRPr>
             </a:lvl6pPr>
-            <a:lvl7pPr indent="-298450" lvl="6" marL="3200400">
-              <a:spcBef>
-                <a:spcPts val="0"/>
-              </a:spcBef>
-              <a:spcAft>
-                <a:spcPts val="0"/>
-              </a:spcAft>
+            <a:lvl7pPr indent="-298450" lvl="6" marL="3200400" marR="0" rtl="0" algn="l">
+              <a:lnSpc>
+                <a:spcPct val="100000"/>
+              </a:lnSpc>
+              <a:spcBef>
+                <a:spcPts val="0"/>
+              </a:spcBef>
+              <a:spcAft>
+                <a:spcPts val="0"/>
+              </a:spcAft>
+              <a:buClr>
+                <a:srgbClr val="000000"/>
+              </a:buClr>
               <a:buSzPts val="1100"/>
+              <a:buFont typeface="Arial"/>
               <a:buChar char="●"/>
-              <a:defRPr sz="1100"/>
+              <a:defRPr b="0" i="0" sz="1100" u="none" cap="none" strike="noStrike">
+                <a:solidFill>
+                  <a:srgbClr val="000000"/>
+                </a:solidFill>
+                <a:latin typeface="Arial"/>
+                <a:ea typeface="Arial"/>
+                <a:cs typeface="Arial"/>
+                <a:sym typeface="Arial"/>
+              </a:defRPr>
             </a:lvl7pPr>
-            <a:lvl8pPr indent="-298450" lvl="7" marL="3657600">
-              <a:spcBef>
-                <a:spcPts val="0"/>
-              </a:spcBef>
-              <a:spcAft>
-                <a:spcPts val="0"/>
-              </a:spcAft>
+            <a:lvl8pPr indent="-298450" lvl="7" marL="3657600" marR="0" rtl="0" algn="l">
+              <a:lnSpc>
+                <a:spcPct val="100000"/>
+              </a:lnSpc>
+              <a:spcBef>
+                <a:spcPts val="0"/>
+              </a:spcBef>
+              <a:spcAft>
+                <a:spcPts val="0"/>
+              </a:spcAft>
+              <a:buClr>
+                <a:srgbClr val="000000"/>
+              </a:buClr>
               <a:buSzPts val="1100"/>
+              <a:buFont typeface="Arial"/>
               <a:buChar char="○"/>
-              <a:defRPr sz="1100"/>
+              <a:defRPr b="0" i="0" sz="1100" u="none" cap="none" strike="noStrike">
+                <a:solidFill>
+                  <a:srgbClr val="000000"/>
+                </a:solidFill>
+                <a:latin typeface="Arial"/>
+                <a:ea typeface="Arial"/>
+                <a:cs typeface="Arial"/>
+                <a:sym typeface="Arial"/>
+              </a:defRPr>
             </a:lvl8pPr>
-            <a:lvl9pPr indent="-298450" lvl="8" marL="4114800">
-              <a:spcBef>
-                <a:spcPts val="0"/>
-              </a:spcBef>
-              <a:spcAft>
-                <a:spcPts val="0"/>
-              </a:spcAft>
+            <a:lvl9pPr indent="-298450" lvl="8" marL="4114800" marR="0" rtl="0" algn="l">
+              <a:lnSpc>
+                <a:spcPct val="100000"/>
+              </a:lnSpc>
+              <a:spcBef>
+                <a:spcPts val="0"/>
+              </a:spcBef>
+              <a:spcAft>
+                <a:spcPts val="0"/>
+              </a:spcAft>
+              <a:buClr>
+                <a:srgbClr val="000000"/>
+              </a:buClr>
               <a:buSzPts val="1100"/>
+              <a:buFont typeface="Arial"/>
               <a:buChar char="■"/>
-              <a:defRPr sz="1100"/>
+              <a:defRPr b="0" i="0" sz="1100" u="none" cap="none" strike="noStrike">
+                <a:solidFill>
+                  <a:srgbClr val="000000"/>
+                </a:solidFill>
+                <a:latin typeface="Arial"/>
+                <a:ea typeface="Arial"/>
+                <a:cs typeface="Arial"/>
+                <a:sym typeface="Arial"/>
+              </a:defRPr>
             </a:lvl9pPr>
           </a:lstStyle>
           <a:p/>
@@ -705,7 +843,7 @@
       </p:grpSpPr>
       <p:sp>
         <p:nvSpPr>
-          <p:cNvPr id="51" name="Google Shape;51;p:notes"/>
+          <p:cNvPr id="51" name="Google Shape;51;p1:notes"/>
           <p:cNvSpPr/>
           <p:nvPr>
             <p:ph idx="2" type="sldImg"/>
@@ -736,11 +874,21 @@
               </a:path>
             </a:pathLst>
           </a:custGeom>
+          <a:noFill/>
+          <a:ln cap="flat" cmpd="sng" w="9525">
+            <a:solidFill>
+              <a:srgbClr val="000000"/>
+            </a:solidFill>
+            <a:prstDash val="solid"/>
+            <a:round/>
+            <a:headEnd len="sm" w="sm" type="none"/>
+            <a:tailEnd len="sm" w="sm" type="none"/>
+          </a:ln>
         </p:spPr>
       </p:sp>
       <p:sp>
         <p:nvSpPr>
-          <p:cNvPr id="52" name="Google Shape;52;p:notes"/>
+          <p:cNvPr id="52" name="Google Shape;52;p1:notes"/>
           <p:cNvSpPr txBox="1"/>
           <p:nvPr>
             <p:ph idx="1" type="body"/>
@@ -754,6 +902,10 @@
           <a:prstGeom prst="rect">
             <a:avLst/>
           </a:prstGeom>
+          <a:noFill/>
+          <a:ln>
+            <a:noFill/>
+          </a:ln>
         </p:spPr>
         <p:txBody>
           <a:bodyPr anchorCtr="0" anchor="t" bIns="91425" lIns="91425" spcFirstLastPara="1" rIns="91425" wrap="square" tIns="91425">
@@ -762,12 +914,16 @@
           <a:lstStyle/>
           <a:p>
             <a:pPr indent="0" lvl="0" marL="0" rtl="0" algn="l">
-              <a:spcBef>
-                <a:spcPts val="0"/>
-              </a:spcBef>
-              <a:spcAft>
-                <a:spcPts val="0"/>
-              </a:spcAft>
+              <a:lnSpc>
+                <a:spcPct val="100000"/>
+              </a:lnSpc>
+              <a:spcBef>
+                <a:spcPts val="0"/>
+              </a:spcBef>
+              <a:spcAft>
+                <a:spcPts val="0"/>
+              </a:spcAft>
+              <a:buSzPts val="1100"/>
               <a:buNone/>
             </a:pPr>
             <a:r>
@@ -804,7 +960,7 @@
       </p:grpSpPr>
       <p:sp>
         <p:nvSpPr>
-          <p:cNvPr id="10" name="Google Shape;10;p2"/>
+          <p:cNvPr id="10" name="Google Shape;10;p3"/>
           <p:cNvSpPr txBox="1"/>
           <p:nvPr>
             <p:ph type="ctrTitle"/>
@@ -818,6 +974,10 @@
           <a:prstGeom prst="rect">
             <a:avLst/>
           </a:prstGeom>
+          <a:noFill/>
+          <a:ln>
+            <a:noFill/>
+          </a:ln>
         </p:spPr>
         <p:txBody>
           <a:bodyPr anchorCtr="0" anchor="b" bIns="91425" lIns="91425" spcFirstLastPara="1" rIns="91425" wrap="square" tIns="91425">
@@ -825,6 +985,9 @@
           </a:bodyPr>
           <a:lstStyle>
             <a:lvl1pPr lvl="0" algn="ctr">
+              <a:lnSpc>
+                <a:spcPct val="100000"/>
+              </a:lnSpc>
               <a:spcBef>
                 <a:spcPts val="0"/>
               </a:spcBef>
@@ -836,6 +999,9 @@
               <a:defRPr sz="5200"/>
             </a:lvl1pPr>
             <a:lvl2pPr lvl="1" algn="ctr">
+              <a:lnSpc>
+                <a:spcPct val="100000"/>
+              </a:lnSpc>
               <a:spcBef>
                 <a:spcPts val="0"/>
               </a:spcBef>
@@ -847,6 +1013,9 @@
               <a:defRPr sz="5200"/>
             </a:lvl2pPr>
             <a:lvl3pPr lvl="2" algn="ctr">
+              <a:lnSpc>
+                <a:spcPct val="100000"/>
+              </a:lnSpc>
               <a:spcBef>
                 <a:spcPts val="0"/>
               </a:spcBef>
@@ -858,6 +1027,9 @@
               <a:defRPr sz="5200"/>
             </a:lvl3pPr>
             <a:lvl4pPr lvl="3" algn="ctr">
+              <a:lnSpc>
+                <a:spcPct val="100000"/>
+              </a:lnSpc>
               <a:spcBef>
                 <a:spcPts val="0"/>
               </a:spcBef>
@@ -869,6 +1041,9 @@
               <a:defRPr sz="5200"/>
             </a:lvl4pPr>
             <a:lvl5pPr lvl="4" algn="ctr">
+              <a:lnSpc>
+                <a:spcPct val="100000"/>
+              </a:lnSpc>
               <a:spcBef>
                 <a:spcPts val="0"/>
               </a:spcBef>
@@ -880,6 +1055,9 @@
               <a:defRPr sz="5200"/>
             </a:lvl5pPr>
             <a:lvl6pPr lvl="5" algn="ctr">
+              <a:lnSpc>
+                <a:spcPct val="100000"/>
+              </a:lnSpc>
               <a:spcBef>
                 <a:spcPts val="0"/>
               </a:spcBef>
@@ -891,6 +1069,9 @@
               <a:defRPr sz="5200"/>
             </a:lvl6pPr>
             <a:lvl7pPr lvl="6" algn="ctr">
+              <a:lnSpc>
+                <a:spcPct val="100000"/>
+              </a:lnSpc>
               <a:spcBef>
                 <a:spcPts val="0"/>
               </a:spcBef>
@@ -902,6 +1083,9 @@
               <a:defRPr sz="5200"/>
             </a:lvl7pPr>
             <a:lvl8pPr lvl="7" algn="ctr">
+              <a:lnSpc>
+                <a:spcPct val="100000"/>
+              </a:lnSpc>
               <a:spcBef>
                 <a:spcPts val="0"/>
               </a:spcBef>
@@ -913,6 +1097,9 @@
               <a:defRPr sz="5200"/>
             </a:lvl8pPr>
             <a:lvl9pPr lvl="8" algn="ctr">
+              <a:lnSpc>
+                <a:spcPct val="100000"/>
+              </a:lnSpc>
               <a:spcBef>
                 <a:spcPts val="0"/>
               </a:spcBef>
@@ -929,7 +1116,7 @@
       </p:sp>
       <p:sp>
         <p:nvSpPr>
-          <p:cNvPr id="11" name="Google Shape;11;p2"/>
+          <p:cNvPr id="11" name="Google Shape;11;p3"/>
           <p:cNvSpPr txBox="1"/>
           <p:nvPr>
             <p:ph idx="1" type="subTitle"/>
@@ -943,6 +1130,10 @@
           <a:prstGeom prst="rect">
             <a:avLst/>
           </a:prstGeom>
+          <a:noFill/>
+          <a:ln>
+            <a:noFill/>
+          </a:ln>
         </p:spPr>
         <p:txBody>
           <a:bodyPr anchorCtr="0" anchor="t" bIns="91425" lIns="91425" spcFirstLastPara="1" rIns="91425" wrap="square" tIns="91425">
@@ -1081,7 +1272,7 @@
       </p:sp>
       <p:sp>
         <p:nvSpPr>
-          <p:cNvPr id="12" name="Google Shape;12;p2"/>
+          <p:cNvPr id="12" name="Google Shape;12;p3"/>
           <p:cNvSpPr txBox="1"/>
           <p:nvPr>
             <p:ph idx="12" type="sldNum"/>
@@ -1095,47 +1286,249 @@
           <a:prstGeom prst="rect">
             <a:avLst/>
           </a:prstGeom>
+          <a:noFill/>
+          <a:ln>
+            <a:noFill/>
+          </a:ln>
         </p:spPr>
         <p:txBody>
           <a:bodyPr anchorCtr="0" anchor="ctr" bIns="91425" lIns="91425" spcFirstLastPara="1" rIns="91425" wrap="square" tIns="91425">
             <a:normAutofit/>
           </a:bodyPr>
           <a:lstStyle>
-            <a:lvl1pPr lvl="0">
-              <a:buNone/>
-              <a:defRPr/>
+            <a:lvl1pPr indent="0" lvl="0" marL="0" marR="0" algn="r">
+              <a:lnSpc>
+                <a:spcPct val="100000"/>
+              </a:lnSpc>
+              <a:spcBef>
+                <a:spcPts val="0"/>
+              </a:spcBef>
+              <a:spcAft>
+                <a:spcPts val="0"/>
+              </a:spcAft>
+              <a:buClr>
+                <a:srgbClr val="000000"/>
+              </a:buClr>
+              <a:buSzPts val="1000"/>
+              <a:buFont typeface="Arial"/>
+              <a:buNone/>
+              <a:defRPr b="0" i="0" sz="1000" u="none" cap="none" strike="noStrike">
+                <a:solidFill>
+                  <a:schemeClr val="dk2"/>
+                </a:solidFill>
+                <a:latin typeface="Arial"/>
+                <a:ea typeface="Arial"/>
+                <a:cs typeface="Arial"/>
+                <a:sym typeface="Arial"/>
+              </a:defRPr>
             </a:lvl1pPr>
-            <a:lvl2pPr lvl="1">
-              <a:buNone/>
-              <a:defRPr/>
+            <a:lvl2pPr indent="0" lvl="1" marL="0" marR="0" algn="r">
+              <a:lnSpc>
+                <a:spcPct val="100000"/>
+              </a:lnSpc>
+              <a:spcBef>
+                <a:spcPts val="0"/>
+              </a:spcBef>
+              <a:spcAft>
+                <a:spcPts val="0"/>
+              </a:spcAft>
+              <a:buClr>
+                <a:srgbClr val="000000"/>
+              </a:buClr>
+              <a:buSzPts val="1000"/>
+              <a:buFont typeface="Arial"/>
+              <a:buNone/>
+              <a:defRPr b="0" i="0" sz="1000" u="none" cap="none" strike="noStrike">
+                <a:solidFill>
+                  <a:schemeClr val="dk2"/>
+                </a:solidFill>
+                <a:latin typeface="Arial"/>
+                <a:ea typeface="Arial"/>
+                <a:cs typeface="Arial"/>
+                <a:sym typeface="Arial"/>
+              </a:defRPr>
             </a:lvl2pPr>
-            <a:lvl3pPr lvl="2">
-              <a:buNone/>
-              <a:defRPr/>
+            <a:lvl3pPr indent="0" lvl="2" marL="0" marR="0" algn="r">
+              <a:lnSpc>
+                <a:spcPct val="100000"/>
+              </a:lnSpc>
+              <a:spcBef>
+                <a:spcPts val="0"/>
+              </a:spcBef>
+              <a:spcAft>
+                <a:spcPts val="0"/>
+              </a:spcAft>
+              <a:buClr>
+                <a:srgbClr val="000000"/>
+              </a:buClr>
+              <a:buSzPts val="1000"/>
+              <a:buFont typeface="Arial"/>
+              <a:buNone/>
+              <a:defRPr b="0" i="0" sz="1000" u="none" cap="none" strike="noStrike">
+                <a:solidFill>
+                  <a:schemeClr val="dk2"/>
+                </a:solidFill>
+                <a:latin typeface="Arial"/>
+                <a:ea typeface="Arial"/>
+                <a:cs typeface="Arial"/>
+                <a:sym typeface="Arial"/>
+              </a:defRPr>
             </a:lvl3pPr>
-            <a:lvl4pPr lvl="3">
-              <a:buNone/>
-              <a:defRPr/>
+            <a:lvl4pPr indent="0" lvl="3" marL="0" marR="0" algn="r">
+              <a:lnSpc>
+                <a:spcPct val="100000"/>
+              </a:lnSpc>
+              <a:spcBef>
+                <a:spcPts val="0"/>
+              </a:spcBef>
+              <a:spcAft>
+                <a:spcPts val="0"/>
+              </a:spcAft>
+              <a:buClr>
+                <a:srgbClr val="000000"/>
+              </a:buClr>
+              <a:buSzPts val="1000"/>
+              <a:buFont typeface="Arial"/>
+              <a:buNone/>
+              <a:defRPr b="0" i="0" sz="1000" u="none" cap="none" strike="noStrike">
+                <a:solidFill>
+                  <a:schemeClr val="dk2"/>
+                </a:solidFill>
+                <a:latin typeface="Arial"/>
+                <a:ea typeface="Arial"/>
+                <a:cs typeface="Arial"/>
+                <a:sym typeface="Arial"/>
+              </a:defRPr>
             </a:lvl4pPr>
-            <a:lvl5pPr lvl="4">
-              <a:buNone/>
-              <a:defRPr/>
+            <a:lvl5pPr indent="0" lvl="4" marL="0" marR="0" algn="r">
+              <a:lnSpc>
+                <a:spcPct val="100000"/>
+              </a:lnSpc>
+              <a:spcBef>
+                <a:spcPts val="0"/>
+              </a:spcBef>
+              <a:spcAft>
+                <a:spcPts val="0"/>
+              </a:spcAft>
+              <a:buClr>
+                <a:srgbClr val="000000"/>
+              </a:buClr>
+              <a:buSzPts val="1000"/>
+              <a:buFont typeface="Arial"/>
+              <a:buNone/>
+              <a:defRPr b="0" i="0" sz="1000" u="none" cap="none" strike="noStrike">
+                <a:solidFill>
+                  <a:schemeClr val="dk2"/>
+                </a:solidFill>
+                <a:latin typeface="Arial"/>
+                <a:ea typeface="Arial"/>
+                <a:cs typeface="Arial"/>
+                <a:sym typeface="Arial"/>
+              </a:defRPr>
             </a:lvl5pPr>
-            <a:lvl6pPr lvl="5">
-              <a:buNone/>
-              <a:defRPr/>
+            <a:lvl6pPr indent="0" lvl="5" marL="0" marR="0" algn="r">
+              <a:lnSpc>
+                <a:spcPct val="100000"/>
+              </a:lnSpc>
+              <a:spcBef>
+                <a:spcPts val="0"/>
+              </a:spcBef>
+              <a:spcAft>
+                <a:spcPts val="0"/>
+              </a:spcAft>
+              <a:buClr>
+                <a:srgbClr val="000000"/>
+              </a:buClr>
+              <a:buSzPts val="1000"/>
+              <a:buFont typeface="Arial"/>
+              <a:buNone/>
+              <a:defRPr b="0" i="0" sz="1000" u="none" cap="none" strike="noStrike">
+                <a:solidFill>
+                  <a:schemeClr val="dk2"/>
+                </a:solidFill>
+                <a:latin typeface="Arial"/>
+                <a:ea typeface="Arial"/>
+                <a:cs typeface="Arial"/>
+                <a:sym typeface="Arial"/>
+              </a:defRPr>
             </a:lvl6pPr>
-            <a:lvl7pPr lvl="6">
-              <a:buNone/>
-              <a:defRPr/>
+            <a:lvl7pPr indent="0" lvl="6" marL="0" marR="0" algn="r">
+              <a:lnSpc>
+                <a:spcPct val="100000"/>
+              </a:lnSpc>
+              <a:spcBef>
+                <a:spcPts val="0"/>
+              </a:spcBef>
+              <a:spcAft>
+                <a:spcPts val="0"/>
+              </a:spcAft>
+              <a:buClr>
+                <a:srgbClr val="000000"/>
+              </a:buClr>
+              <a:buSzPts val="1000"/>
+              <a:buFont typeface="Arial"/>
+              <a:buNone/>
+              <a:defRPr b="0" i="0" sz="1000" u="none" cap="none" strike="noStrike">
+                <a:solidFill>
+                  <a:schemeClr val="dk2"/>
+                </a:solidFill>
+                <a:latin typeface="Arial"/>
+                <a:ea typeface="Arial"/>
+                <a:cs typeface="Arial"/>
+                <a:sym typeface="Arial"/>
+              </a:defRPr>
             </a:lvl7pPr>
-            <a:lvl8pPr lvl="7">
-              <a:buNone/>
-              <a:defRPr/>
+            <a:lvl8pPr indent="0" lvl="7" marL="0" marR="0" algn="r">
+              <a:lnSpc>
+                <a:spcPct val="100000"/>
+              </a:lnSpc>
+              <a:spcBef>
+                <a:spcPts val="0"/>
+              </a:spcBef>
+              <a:spcAft>
+                <a:spcPts val="0"/>
+              </a:spcAft>
+              <a:buClr>
+                <a:srgbClr val="000000"/>
+              </a:buClr>
+              <a:buSzPts val="1000"/>
+              <a:buFont typeface="Arial"/>
+              <a:buNone/>
+              <a:defRPr b="0" i="0" sz="1000" u="none" cap="none" strike="noStrike">
+                <a:solidFill>
+                  <a:schemeClr val="dk2"/>
+                </a:solidFill>
+                <a:latin typeface="Arial"/>
+                <a:ea typeface="Arial"/>
+                <a:cs typeface="Arial"/>
+                <a:sym typeface="Arial"/>
+              </a:defRPr>
             </a:lvl8pPr>
-            <a:lvl9pPr lvl="8">
-              <a:buNone/>
-              <a:defRPr/>
+            <a:lvl9pPr indent="0" lvl="8" marL="0" marR="0" algn="r">
+              <a:lnSpc>
+                <a:spcPct val="100000"/>
+              </a:lnSpc>
+              <a:spcBef>
+                <a:spcPts val="0"/>
+              </a:spcBef>
+              <a:spcAft>
+                <a:spcPts val="0"/>
+              </a:spcAft>
+              <a:buClr>
+                <a:srgbClr val="000000"/>
+              </a:buClr>
+              <a:buSzPts val="1000"/>
+              <a:buFont typeface="Arial"/>
+              <a:buNone/>
+              <a:defRPr b="0" i="0" sz="1000" u="none" cap="none" strike="noStrike">
+                <a:solidFill>
+                  <a:schemeClr val="dk2"/>
+                </a:solidFill>
+                <a:latin typeface="Arial"/>
+                <a:ea typeface="Arial"/>
+                <a:cs typeface="Arial"/>
+                <a:sym typeface="Arial"/>
+              </a:defRPr>
             </a:lvl9pPr>
           </a:lstStyle>
           <a:p>
@@ -1183,7 +1576,7 @@
       </p:grpSpPr>
       <p:sp>
         <p:nvSpPr>
-          <p:cNvPr id="45" name="Google Shape;45;p11"/>
+          <p:cNvPr id="45" name="Google Shape;45;p12"/>
           <p:cNvSpPr txBox="1"/>
           <p:nvPr>
             <p:ph hasCustomPrompt="1" type="title"/>
@@ -1197,6 +1590,10 @@
           <a:prstGeom prst="rect">
             <a:avLst/>
           </a:prstGeom>
+          <a:noFill/>
+          <a:ln>
+            <a:noFill/>
+          </a:ln>
         </p:spPr>
         <p:txBody>
           <a:bodyPr anchorCtr="0" anchor="b" bIns="91425" lIns="91425" spcFirstLastPara="1" rIns="91425" wrap="square" tIns="91425">
@@ -1204,6 +1601,9 @@
           </a:bodyPr>
           <a:lstStyle>
             <a:lvl1pPr lvl="0" algn="ctr">
+              <a:lnSpc>
+                <a:spcPct val="100000"/>
+              </a:lnSpc>
               <a:spcBef>
                 <a:spcPts val="0"/>
               </a:spcBef>
@@ -1215,6 +1615,9 @@
               <a:defRPr sz="12000"/>
             </a:lvl1pPr>
             <a:lvl2pPr lvl="1" algn="ctr">
+              <a:lnSpc>
+                <a:spcPct val="100000"/>
+              </a:lnSpc>
               <a:spcBef>
                 <a:spcPts val="0"/>
               </a:spcBef>
@@ -1226,6 +1629,9 @@
               <a:defRPr sz="12000"/>
             </a:lvl2pPr>
             <a:lvl3pPr lvl="2" algn="ctr">
+              <a:lnSpc>
+                <a:spcPct val="100000"/>
+              </a:lnSpc>
               <a:spcBef>
                 <a:spcPts val="0"/>
               </a:spcBef>
@@ -1237,6 +1643,9 @@
               <a:defRPr sz="12000"/>
             </a:lvl3pPr>
             <a:lvl4pPr lvl="3" algn="ctr">
+              <a:lnSpc>
+                <a:spcPct val="100000"/>
+              </a:lnSpc>
               <a:spcBef>
                 <a:spcPts val="0"/>
               </a:spcBef>
@@ -1248,6 +1657,9 @@
               <a:defRPr sz="12000"/>
             </a:lvl4pPr>
             <a:lvl5pPr lvl="4" algn="ctr">
+              <a:lnSpc>
+                <a:spcPct val="100000"/>
+              </a:lnSpc>
               <a:spcBef>
                 <a:spcPts val="0"/>
               </a:spcBef>
@@ -1259,6 +1671,9 @@
               <a:defRPr sz="12000"/>
             </a:lvl5pPr>
             <a:lvl6pPr lvl="5" algn="ctr">
+              <a:lnSpc>
+                <a:spcPct val="100000"/>
+              </a:lnSpc>
               <a:spcBef>
                 <a:spcPts val="0"/>
               </a:spcBef>
@@ -1270,6 +1685,9 @@
               <a:defRPr sz="12000"/>
             </a:lvl6pPr>
             <a:lvl7pPr lvl="6" algn="ctr">
+              <a:lnSpc>
+                <a:spcPct val="100000"/>
+              </a:lnSpc>
               <a:spcBef>
                 <a:spcPts val="0"/>
               </a:spcBef>
@@ -1281,6 +1699,9 @@
               <a:defRPr sz="12000"/>
             </a:lvl7pPr>
             <a:lvl8pPr lvl="7" algn="ctr">
+              <a:lnSpc>
+                <a:spcPct val="100000"/>
+              </a:lnSpc>
               <a:spcBef>
                 <a:spcPts val="0"/>
               </a:spcBef>
@@ -1292,6 +1713,9 @@
               <a:defRPr sz="12000"/>
             </a:lvl8pPr>
             <a:lvl9pPr lvl="8" algn="ctr">
+              <a:lnSpc>
+                <a:spcPct val="100000"/>
+              </a:lnSpc>
               <a:spcBef>
                 <a:spcPts val="0"/>
               </a:spcBef>
@@ -1312,7 +1736,7 @@
       </p:sp>
       <p:sp>
         <p:nvSpPr>
-          <p:cNvPr id="46" name="Google Shape;46;p11"/>
+          <p:cNvPr id="46" name="Google Shape;46;p12"/>
           <p:cNvSpPr txBox="1"/>
           <p:nvPr>
             <p:ph idx="1" type="body"/>
@@ -1326,6 +1750,10 @@
           <a:prstGeom prst="rect">
             <a:avLst/>
           </a:prstGeom>
+          <a:noFill/>
+          <a:ln>
+            <a:noFill/>
+          </a:ln>
         </p:spPr>
         <p:txBody>
           <a:bodyPr anchorCtr="0" anchor="t" bIns="91425" lIns="91425" spcFirstLastPara="1" rIns="91425" wrap="square" tIns="91425">
@@ -1333,6 +1761,9 @@
           </a:bodyPr>
           <a:lstStyle>
             <a:lvl1pPr indent="-342900" lvl="0" marL="457200" algn="ctr">
+              <a:lnSpc>
+                <a:spcPct val="115000"/>
+              </a:lnSpc>
               <a:spcBef>
                 <a:spcPts val="0"/>
               </a:spcBef>
@@ -1344,6 +1775,9 @@
               <a:defRPr/>
             </a:lvl1pPr>
             <a:lvl2pPr indent="-317500" lvl="1" marL="914400" algn="ctr">
+              <a:lnSpc>
+                <a:spcPct val="115000"/>
+              </a:lnSpc>
               <a:spcBef>
                 <a:spcPts val="0"/>
               </a:spcBef>
@@ -1355,6 +1789,9 @@
               <a:defRPr/>
             </a:lvl2pPr>
             <a:lvl3pPr indent="-317500" lvl="2" marL="1371600" algn="ctr">
+              <a:lnSpc>
+                <a:spcPct val="115000"/>
+              </a:lnSpc>
               <a:spcBef>
                 <a:spcPts val="0"/>
               </a:spcBef>
@@ -1366,6 +1803,9 @@
               <a:defRPr/>
             </a:lvl3pPr>
             <a:lvl4pPr indent="-317500" lvl="3" marL="1828800" algn="ctr">
+              <a:lnSpc>
+                <a:spcPct val="115000"/>
+              </a:lnSpc>
               <a:spcBef>
                 <a:spcPts val="0"/>
               </a:spcBef>
@@ -1377,6 +1817,9 @@
               <a:defRPr/>
             </a:lvl4pPr>
             <a:lvl5pPr indent="-317500" lvl="4" marL="2286000" algn="ctr">
+              <a:lnSpc>
+                <a:spcPct val="115000"/>
+              </a:lnSpc>
               <a:spcBef>
                 <a:spcPts val="0"/>
               </a:spcBef>
@@ -1388,6 +1831,9 @@
               <a:defRPr/>
             </a:lvl5pPr>
             <a:lvl6pPr indent="-317500" lvl="5" marL="2743200" algn="ctr">
+              <a:lnSpc>
+                <a:spcPct val="115000"/>
+              </a:lnSpc>
               <a:spcBef>
                 <a:spcPts val="0"/>
               </a:spcBef>
@@ -1399,6 +1845,9 @@
               <a:defRPr/>
             </a:lvl6pPr>
             <a:lvl7pPr indent="-317500" lvl="6" marL="3200400" algn="ctr">
+              <a:lnSpc>
+                <a:spcPct val="115000"/>
+              </a:lnSpc>
               <a:spcBef>
                 <a:spcPts val="0"/>
               </a:spcBef>
@@ -1410,6 +1859,9 @@
               <a:defRPr/>
             </a:lvl7pPr>
             <a:lvl8pPr indent="-317500" lvl="7" marL="3657600" algn="ctr">
+              <a:lnSpc>
+                <a:spcPct val="115000"/>
+              </a:lnSpc>
               <a:spcBef>
                 <a:spcPts val="0"/>
               </a:spcBef>
@@ -1421,6 +1873,9 @@
               <a:defRPr/>
             </a:lvl8pPr>
             <a:lvl9pPr indent="-317500" lvl="8" marL="4114800" algn="ctr">
+              <a:lnSpc>
+                <a:spcPct val="115000"/>
+              </a:lnSpc>
               <a:spcBef>
                 <a:spcPts val="0"/>
               </a:spcBef>
@@ -1437,7 +1892,7 @@
       </p:sp>
       <p:sp>
         <p:nvSpPr>
-          <p:cNvPr id="47" name="Google Shape;47;p11"/>
+          <p:cNvPr id="47" name="Google Shape;47;p12"/>
           <p:cNvSpPr txBox="1"/>
           <p:nvPr>
             <p:ph idx="12" type="sldNum"/>
@@ -1451,47 +1906,249 @@
           <a:prstGeom prst="rect">
             <a:avLst/>
           </a:prstGeom>
+          <a:noFill/>
+          <a:ln>
+            <a:noFill/>
+          </a:ln>
         </p:spPr>
         <p:txBody>
           <a:bodyPr anchorCtr="0" anchor="ctr" bIns="91425" lIns="91425" spcFirstLastPara="1" rIns="91425" wrap="square" tIns="91425">
             <a:normAutofit/>
           </a:bodyPr>
           <a:lstStyle>
-            <a:lvl1pPr lvl="0">
-              <a:buNone/>
-              <a:defRPr/>
+            <a:lvl1pPr indent="0" lvl="0" marL="0" marR="0" algn="r">
+              <a:lnSpc>
+                <a:spcPct val="100000"/>
+              </a:lnSpc>
+              <a:spcBef>
+                <a:spcPts val="0"/>
+              </a:spcBef>
+              <a:spcAft>
+                <a:spcPts val="0"/>
+              </a:spcAft>
+              <a:buClr>
+                <a:srgbClr val="000000"/>
+              </a:buClr>
+              <a:buSzPts val="1000"/>
+              <a:buFont typeface="Arial"/>
+              <a:buNone/>
+              <a:defRPr b="0" i="0" sz="1000" u="none" cap="none" strike="noStrike">
+                <a:solidFill>
+                  <a:schemeClr val="dk2"/>
+                </a:solidFill>
+                <a:latin typeface="Arial"/>
+                <a:ea typeface="Arial"/>
+                <a:cs typeface="Arial"/>
+                <a:sym typeface="Arial"/>
+              </a:defRPr>
             </a:lvl1pPr>
-            <a:lvl2pPr lvl="1">
-              <a:buNone/>
-              <a:defRPr/>
+            <a:lvl2pPr indent="0" lvl="1" marL="0" marR="0" algn="r">
+              <a:lnSpc>
+                <a:spcPct val="100000"/>
+              </a:lnSpc>
+              <a:spcBef>
+                <a:spcPts val="0"/>
+              </a:spcBef>
+              <a:spcAft>
+                <a:spcPts val="0"/>
+              </a:spcAft>
+              <a:buClr>
+                <a:srgbClr val="000000"/>
+              </a:buClr>
+              <a:buSzPts val="1000"/>
+              <a:buFont typeface="Arial"/>
+              <a:buNone/>
+              <a:defRPr b="0" i="0" sz="1000" u="none" cap="none" strike="noStrike">
+                <a:solidFill>
+                  <a:schemeClr val="dk2"/>
+                </a:solidFill>
+                <a:latin typeface="Arial"/>
+                <a:ea typeface="Arial"/>
+                <a:cs typeface="Arial"/>
+                <a:sym typeface="Arial"/>
+              </a:defRPr>
             </a:lvl2pPr>
-            <a:lvl3pPr lvl="2">
-              <a:buNone/>
-              <a:defRPr/>
+            <a:lvl3pPr indent="0" lvl="2" marL="0" marR="0" algn="r">
+              <a:lnSpc>
+                <a:spcPct val="100000"/>
+              </a:lnSpc>
+              <a:spcBef>
+                <a:spcPts val="0"/>
+              </a:spcBef>
+              <a:spcAft>
+                <a:spcPts val="0"/>
+              </a:spcAft>
+              <a:buClr>
+                <a:srgbClr val="000000"/>
+              </a:buClr>
+              <a:buSzPts val="1000"/>
+              <a:buFont typeface="Arial"/>
+              <a:buNone/>
+              <a:defRPr b="0" i="0" sz="1000" u="none" cap="none" strike="noStrike">
+                <a:solidFill>
+                  <a:schemeClr val="dk2"/>
+                </a:solidFill>
+                <a:latin typeface="Arial"/>
+                <a:ea typeface="Arial"/>
+                <a:cs typeface="Arial"/>
+                <a:sym typeface="Arial"/>
+              </a:defRPr>
             </a:lvl3pPr>
-            <a:lvl4pPr lvl="3">
-              <a:buNone/>
-              <a:defRPr/>
+            <a:lvl4pPr indent="0" lvl="3" marL="0" marR="0" algn="r">
+              <a:lnSpc>
+                <a:spcPct val="100000"/>
+              </a:lnSpc>
+              <a:spcBef>
+                <a:spcPts val="0"/>
+              </a:spcBef>
+              <a:spcAft>
+                <a:spcPts val="0"/>
+              </a:spcAft>
+              <a:buClr>
+                <a:srgbClr val="000000"/>
+              </a:buClr>
+              <a:buSzPts val="1000"/>
+              <a:buFont typeface="Arial"/>
+              <a:buNone/>
+              <a:defRPr b="0" i="0" sz="1000" u="none" cap="none" strike="noStrike">
+                <a:solidFill>
+                  <a:schemeClr val="dk2"/>
+                </a:solidFill>
+                <a:latin typeface="Arial"/>
+                <a:ea typeface="Arial"/>
+                <a:cs typeface="Arial"/>
+                <a:sym typeface="Arial"/>
+              </a:defRPr>
             </a:lvl4pPr>
-            <a:lvl5pPr lvl="4">
-              <a:buNone/>
-              <a:defRPr/>
+            <a:lvl5pPr indent="0" lvl="4" marL="0" marR="0" algn="r">
+              <a:lnSpc>
+                <a:spcPct val="100000"/>
+              </a:lnSpc>
+              <a:spcBef>
+                <a:spcPts val="0"/>
+              </a:spcBef>
+              <a:spcAft>
+                <a:spcPts val="0"/>
+              </a:spcAft>
+              <a:buClr>
+                <a:srgbClr val="000000"/>
+              </a:buClr>
+              <a:buSzPts val="1000"/>
+              <a:buFont typeface="Arial"/>
+              <a:buNone/>
+              <a:defRPr b="0" i="0" sz="1000" u="none" cap="none" strike="noStrike">
+                <a:solidFill>
+                  <a:schemeClr val="dk2"/>
+                </a:solidFill>
+                <a:latin typeface="Arial"/>
+                <a:ea typeface="Arial"/>
+                <a:cs typeface="Arial"/>
+                <a:sym typeface="Arial"/>
+              </a:defRPr>
             </a:lvl5pPr>
-            <a:lvl6pPr lvl="5">
-              <a:buNone/>
-              <a:defRPr/>
+            <a:lvl6pPr indent="0" lvl="5" marL="0" marR="0" algn="r">
+              <a:lnSpc>
+                <a:spcPct val="100000"/>
+              </a:lnSpc>
+              <a:spcBef>
+                <a:spcPts val="0"/>
+              </a:spcBef>
+              <a:spcAft>
+                <a:spcPts val="0"/>
+              </a:spcAft>
+              <a:buClr>
+                <a:srgbClr val="000000"/>
+              </a:buClr>
+              <a:buSzPts val="1000"/>
+              <a:buFont typeface="Arial"/>
+              <a:buNone/>
+              <a:defRPr b="0" i="0" sz="1000" u="none" cap="none" strike="noStrike">
+                <a:solidFill>
+                  <a:schemeClr val="dk2"/>
+                </a:solidFill>
+                <a:latin typeface="Arial"/>
+                <a:ea typeface="Arial"/>
+                <a:cs typeface="Arial"/>
+                <a:sym typeface="Arial"/>
+              </a:defRPr>
             </a:lvl6pPr>
-            <a:lvl7pPr lvl="6">
-              <a:buNone/>
-              <a:defRPr/>
+            <a:lvl7pPr indent="0" lvl="6" marL="0" marR="0" algn="r">
+              <a:lnSpc>
+                <a:spcPct val="100000"/>
+              </a:lnSpc>
+              <a:spcBef>
+                <a:spcPts val="0"/>
+              </a:spcBef>
+              <a:spcAft>
+                <a:spcPts val="0"/>
+              </a:spcAft>
+              <a:buClr>
+                <a:srgbClr val="000000"/>
+              </a:buClr>
+              <a:buSzPts val="1000"/>
+              <a:buFont typeface="Arial"/>
+              <a:buNone/>
+              <a:defRPr b="0" i="0" sz="1000" u="none" cap="none" strike="noStrike">
+                <a:solidFill>
+                  <a:schemeClr val="dk2"/>
+                </a:solidFill>
+                <a:latin typeface="Arial"/>
+                <a:ea typeface="Arial"/>
+                <a:cs typeface="Arial"/>
+                <a:sym typeface="Arial"/>
+              </a:defRPr>
             </a:lvl7pPr>
-            <a:lvl8pPr lvl="7">
-              <a:buNone/>
-              <a:defRPr/>
+            <a:lvl8pPr indent="0" lvl="7" marL="0" marR="0" algn="r">
+              <a:lnSpc>
+                <a:spcPct val="100000"/>
+              </a:lnSpc>
+              <a:spcBef>
+                <a:spcPts val="0"/>
+              </a:spcBef>
+              <a:spcAft>
+                <a:spcPts val="0"/>
+              </a:spcAft>
+              <a:buClr>
+                <a:srgbClr val="000000"/>
+              </a:buClr>
+              <a:buSzPts val="1000"/>
+              <a:buFont typeface="Arial"/>
+              <a:buNone/>
+              <a:defRPr b="0" i="0" sz="1000" u="none" cap="none" strike="noStrike">
+                <a:solidFill>
+                  <a:schemeClr val="dk2"/>
+                </a:solidFill>
+                <a:latin typeface="Arial"/>
+                <a:ea typeface="Arial"/>
+                <a:cs typeface="Arial"/>
+                <a:sym typeface="Arial"/>
+              </a:defRPr>
             </a:lvl8pPr>
-            <a:lvl9pPr lvl="8">
-              <a:buNone/>
-              <a:defRPr/>
+            <a:lvl9pPr indent="0" lvl="8" marL="0" marR="0" algn="r">
+              <a:lnSpc>
+                <a:spcPct val="100000"/>
+              </a:lnSpc>
+              <a:spcBef>
+                <a:spcPts val="0"/>
+              </a:spcBef>
+              <a:spcAft>
+                <a:spcPts val="0"/>
+              </a:spcAft>
+              <a:buClr>
+                <a:srgbClr val="000000"/>
+              </a:buClr>
+              <a:buSzPts val="1000"/>
+              <a:buFont typeface="Arial"/>
+              <a:buNone/>
+              <a:defRPr b="0" i="0" sz="1000" u="none" cap="none" strike="noStrike">
+                <a:solidFill>
+                  <a:schemeClr val="dk2"/>
+                </a:solidFill>
+                <a:latin typeface="Arial"/>
+                <a:ea typeface="Arial"/>
+                <a:cs typeface="Arial"/>
+                <a:sym typeface="Arial"/>
+              </a:defRPr>
             </a:lvl9pPr>
           </a:lstStyle>
           <a:p>
@@ -1539,7 +2196,7 @@
       </p:grpSpPr>
       <p:sp>
         <p:nvSpPr>
-          <p:cNvPr id="49" name="Google Shape;49;p12"/>
+          <p:cNvPr id="49" name="Google Shape;49;p13"/>
           <p:cNvSpPr txBox="1"/>
           <p:nvPr>
             <p:ph idx="12" type="sldNum"/>
@@ -1553,47 +2210,249 @@
           <a:prstGeom prst="rect">
             <a:avLst/>
           </a:prstGeom>
+          <a:noFill/>
+          <a:ln>
+            <a:noFill/>
+          </a:ln>
         </p:spPr>
         <p:txBody>
           <a:bodyPr anchorCtr="0" anchor="ctr" bIns="91425" lIns="91425" spcFirstLastPara="1" rIns="91425" wrap="square" tIns="91425">
             <a:normAutofit/>
           </a:bodyPr>
           <a:lstStyle>
-            <a:lvl1pPr lvl="0">
-              <a:buNone/>
-              <a:defRPr/>
+            <a:lvl1pPr indent="0" lvl="0" marL="0" marR="0" algn="r">
+              <a:lnSpc>
+                <a:spcPct val="100000"/>
+              </a:lnSpc>
+              <a:spcBef>
+                <a:spcPts val="0"/>
+              </a:spcBef>
+              <a:spcAft>
+                <a:spcPts val="0"/>
+              </a:spcAft>
+              <a:buClr>
+                <a:srgbClr val="000000"/>
+              </a:buClr>
+              <a:buSzPts val="1000"/>
+              <a:buFont typeface="Arial"/>
+              <a:buNone/>
+              <a:defRPr b="0" i="0" sz="1000" u="none" cap="none" strike="noStrike">
+                <a:solidFill>
+                  <a:schemeClr val="dk2"/>
+                </a:solidFill>
+                <a:latin typeface="Arial"/>
+                <a:ea typeface="Arial"/>
+                <a:cs typeface="Arial"/>
+                <a:sym typeface="Arial"/>
+              </a:defRPr>
             </a:lvl1pPr>
-            <a:lvl2pPr lvl="1">
-              <a:buNone/>
-              <a:defRPr/>
+            <a:lvl2pPr indent="0" lvl="1" marL="0" marR="0" algn="r">
+              <a:lnSpc>
+                <a:spcPct val="100000"/>
+              </a:lnSpc>
+              <a:spcBef>
+                <a:spcPts val="0"/>
+              </a:spcBef>
+              <a:spcAft>
+                <a:spcPts val="0"/>
+              </a:spcAft>
+              <a:buClr>
+                <a:srgbClr val="000000"/>
+              </a:buClr>
+              <a:buSzPts val="1000"/>
+              <a:buFont typeface="Arial"/>
+              <a:buNone/>
+              <a:defRPr b="0" i="0" sz="1000" u="none" cap="none" strike="noStrike">
+                <a:solidFill>
+                  <a:schemeClr val="dk2"/>
+                </a:solidFill>
+                <a:latin typeface="Arial"/>
+                <a:ea typeface="Arial"/>
+                <a:cs typeface="Arial"/>
+                <a:sym typeface="Arial"/>
+              </a:defRPr>
             </a:lvl2pPr>
-            <a:lvl3pPr lvl="2">
-              <a:buNone/>
-              <a:defRPr/>
+            <a:lvl3pPr indent="0" lvl="2" marL="0" marR="0" algn="r">
+              <a:lnSpc>
+                <a:spcPct val="100000"/>
+              </a:lnSpc>
+              <a:spcBef>
+                <a:spcPts val="0"/>
+              </a:spcBef>
+              <a:spcAft>
+                <a:spcPts val="0"/>
+              </a:spcAft>
+              <a:buClr>
+                <a:srgbClr val="000000"/>
+              </a:buClr>
+              <a:buSzPts val="1000"/>
+              <a:buFont typeface="Arial"/>
+              <a:buNone/>
+              <a:defRPr b="0" i="0" sz="1000" u="none" cap="none" strike="noStrike">
+                <a:solidFill>
+                  <a:schemeClr val="dk2"/>
+                </a:solidFill>
+                <a:latin typeface="Arial"/>
+                <a:ea typeface="Arial"/>
+                <a:cs typeface="Arial"/>
+                <a:sym typeface="Arial"/>
+              </a:defRPr>
             </a:lvl3pPr>
-            <a:lvl4pPr lvl="3">
-              <a:buNone/>
-              <a:defRPr/>
+            <a:lvl4pPr indent="0" lvl="3" marL="0" marR="0" algn="r">
+              <a:lnSpc>
+                <a:spcPct val="100000"/>
+              </a:lnSpc>
+              <a:spcBef>
+                <a:spcPts val="0"/>
+              </a:spcBef>
+              <a:spcAft>
+                <a:spcPts val="0"/>
+              </a:spcAft>
+              <a:buClr>
+                <a:srgbClr val="000000"/>
+              </a:buClr>
+              <a:buSzPts val="1000"/>
+              <a:buFont typeface="Arial"/>
+              <a:buNone/>
+              <a:defRPr b="0" i="0" sz="1000" u="none" cap="none" strike="noStrike">
+                <a:solidFill>
+                  <a:schemeClr val="dk2"/>
+                </a:solidFill>
+                <a:latin typeface="Arial"/>
+                <a:ea typeface="Arial"/>
+                <a:cs typeface="Arial"/>
+                <a:sym typeface="Arial"/>
+              </a:defRPr>
             </a:lvl4pPr>
-            <a:lvl5pPr lvl="4">
-              <a:buNone/>
-              <a:defRPr/>
+            <a:lvl5pPr indent="0" lvl="4" marL="0" marR="0" algn="r">
+              <a:lnSpc>
+                <a:spcPct val="100000"/>
+              </a:lnSpc>
+              <a:spcBef>
+                <a:spcPts val="0"/>
+              </a:spcBef>
+              <a:spcAft>
+                <a:spcPts val="0"/>
+              </a:spcAft>
+              <a:buClr>
+                <a:srgbClr val="000000"/>
+              </a:buClr>
+              <a:buSzPts val="1000"/>
+              <a:buFont typeface="Arial"/>
+              <a:buNone/>
+              <a:defRPr b="0" i="0" sz="1000" u="none" cap="none" strike="noStrike">
+                <a:solidFill>
+                  <a:schemeClr val="dk2"/>
+                </a:solidFill>
+                <a:latin typeface="Arial"/>
+                <a:ea typeface="Arial"/>
+                <a:cs typeface="Arial"/>
+                <a:sym typeface="Arial"/>
+              </a:defRPr>
             </a:lvl5pPr>
-            <a:lvl6pPr lvl="5">
-              <a:buNone/>
-              <a:defRPr/>
+            <a:lvl6pPr indent="0" lvl="5" marL="0" marR="0" algn="r">
+              <a:lnSpc>
+                <a:spcPct val="100000"/>
+              </a:lnSpc>
+              <a:spcBef>
+                <a:spcPts val="0"/>
+              </a:spcBef>
+              <a:spcAft>
+                <a:spcPts val="0"/>
+              </a:spcAft>
+              <a:buClr>
+                <a:srgbClr val="000000"/>
+              </a:buClr>
+              <a:buSzPts val="1000"/>
+              <a:buFont typeface="Arial"/>
+              <a:buNone/>
+              <a:defRPr b="0" i="0" sz="1000" u="none" cap="none" strike="noStrike">
+                <a:solidFill>
+                  <a:schemeClr val="dk2"/>
+                </a:solidFill>
+                <a:latin typeface="Arial"/>
+                <a:ea typeface="Arial"/>
+                <a:cs typeface="Arial"/>
+                <a:sym typeface="Arial"/>
+              </a:defRPr>
             </a:lvl6pPr>
-            <a:lvl7pPr lvl="6">
-              <a:buNone/>
-              <a:defRPr/>
+            <a:lvl7pPr indent="0" lvl="6" marL="0" marR="0" algn="r">
+              <a:lnSpc>
+                <a:spcPct val="100000"/>
+              </a:lnSpc>
+              <a:spcBef>
+                <a:spcPts val="0"/>
+              </a:spcBef>
+              <a:spcAft>
+                <a:spcPts val="0"/>
+              </a:spcAft>
+              <a:buClr>
+                <a:srgbClr val="000000"/>
+              </a:buClr>
+              <a:buSzPts val="1000"/>
+              <a:buFont typeface="Arial"/>
+              <a:buNone/>
+              <a:defRPr b="0" i="0" sz="1000" u="none" cap="none" strike="noStrike">
+                <a:solidFill>
+                  <a:schemeClr val="dk2"/>
+                </a:solidFill>
+                <a:latin typeface="Arial"/>
+                <a:ea typeface="Arial"/>
+                <a:cs typeface="Arial"/>
+                <a:sym typeface="Arial"/>
+              </a:defRPr>
             </a:lvl7pPr>
-            <a:lvl8pPr lvl="7">
-              <a:buNone/>
-              <a:defRPr/>
+            <a:lvl8pPr indent="0" lvl="7" marL="0" marR="0" algn="r">
+              <a:lnSpc>
+                <a:spcPct val="100000"/>
+              </a:lnSpc>
+              <a:spcBef>
+                <a:spcPts val="0"/>
+              </a:spcBef>
+              <a:spcAft>
+                <a:spcPts val="0"/>
+              </a:spcAft>
+              <a:buClr>
+                <a:srgbClr val="000000"/>
+              </a:buClr>
+              <a:buSzPts val="1000"/>
+              <a:buFont typeface="Arial"/>
+              <a:buNone/>
+              <a:defRPr b="0" i="0" sz="1000" u="none" cap="none" strike="noStrike">
+                <a:solidFill>
+                  <a:schemeClr val="dk2"/>
+                </a:solidFill>
+                <a:latin typeface="Arial"/>
+                <a:ea typeface="Arial"/>
+                <a:cs typeface="Arial"/>
+                <a:sym typeface="Arial"/>
+              </a:defRPr>
             </a:lvl8pPr>
-            <a:lvl9pPr lvl="8">
-              <a:buNone/>
-              <a:defRPr/>
+            <a:lvl9pPr indent="0" lvl="8" marL="0" marR="0" algn="r">
+              <a:lnSpc>
+                <a:spcPct val="100000"/>
+              </a:lnSpc>
+              <a:spcBef>
+                <a:spcPts val="0"/>
+              </a:spcBef>
+              <a:spcAft>
+                <a:spcPts val="0"/>
+              </a:spcAft>
+              <a:buClr>
+                <a:srgbClr val="000000"/>
+              </a:buClr>
+              <a:buSzPts val="1000"/>
+              <a:buFont typeface="Arial"/>
+              <a:buNone/>
+              <a:defRPr b="0" i="0" sz="1000" u="none" cap="none" strike="noStrike">
+                <a:solidFill>
+                  <a:schemeClr val="dk2"/>
+                </a:solidFill>
+                <a:latin typeface="Arial"/>
+                <a:ea typeface="Arial"/>
+                <a:cs typeface="Arial"/>
+                <a:sym typeface="Arial"/>
+              </a:defRPr>
             </a:lvl9pPr>
           </a:lstStyle>
           <a:p>
@@ -1641,7 +2500,7 @@
       </p:grpSpPr>
       <p:sp>
         <p:nvSpPr>
-          <p:cNvPr id="14" name="Google Shape;14;p3"/>
+          <p:cNvPr id="14" name="Google Shape;14;p4"/>
           <p:cNvSpPr txBox="1"/>
           <p:nvPr>
             <p:ph type="title"/>
@@ -1655,6 +2514,10 @@
           <a:prstGeom prst="rect">
             <a:avLst/>
           </a:prstGeom>
+          <a:noFill/>
+          <a:ln>
+            <a:noFill/>
+          </a:ln>
         </p:spPr>
         <p:txBody>
           <a:bodyPr anchorCtr="0" anchor="ctr" bIns="91425" lIns="91425" spcFirstLastPara="1" rIns="91425" wrap="square" tIns="91425">
@@ -1662,6 +2525,9 @@
           </a:bodyPr>
           <a:lstStyle>
             <a:lvl1pPr lvl="0" algn="ctr">
+              <a:lnSpc>
+                <a:spcPct val="100000"/>
+              </a:lnSpc>
               <a:spcBef>
                 <a:spcPts val="0"/>
               </a:spcBef>
@@ -1673,6 +2539,9 @@
               <a:defRPr sz="3600"/>
             </a:lvl1pPr>
             <a:lvl2pPr lvl="1" algn="ctr">
+              <a:lnSpc>
+                <a:spcPct val="100000"/>
+              </a:lnSpc>
               <a:spcBef>
                 <a:spcPts val="0"/>
               </a:spcBef>
@@ -1684,6 +2553,9 @@
               <a:defRPr sz="3600"/>
             </a:lvl2pPr>
             <a:lvl3pPr lvl="2" algn="ctr">
+              <a:lnSpc>
+                <a:spcPct val="100000"/>
+              </a:lnSpc>
               <a:spcBef>
                 <a:spcPts val="0"/>
               </a:spcBef>
@@ -1695,6 +2567,9 @@
               <a:defRPr sz="3600"/>
             </a:lvl3pPr>
             <a:lvl4pPr lvl="3" algn="ctr">
+              <a:lnSpc>
+                <a:spcPct val="100000"/>
+              </a:lnSpc>
               <a:spcBef>
                 <a:spcPts val="0"/>
               </a:spcBef>
@@ -1706,6 +2581,9 @@
               <a:defRPr sz="3600"/>
             </a:lvl4pPr>
             <a:lvl5pPr lvl="4" algn="ctr">
+              <a:lnSpc>
+                <a:spcPct val="100000"/>
+              </a:lnSpc>
               <a:spcBef>
                 <a:spcPts val="0"/>
               </a:spcBef>
@@ -1717,6 +2595,9 @@
               <a:defRPr sz="3600"/>
             </a:lvl5pPr>
             <a:lvl6pPr lvl="5" algn="ctr">
+              <a:lnSpc>
+                <a:spcPct val="100000"/>
+              </a:lnSpc>
               <a:spcBef>
                 <a:spcPts val="0"/>
               </a:spcBef>
@@ -1728,6 +2609,9 @@
               <a:defRPr sz="3600"/>
             </a:lvl6pPr>
             <a:lvl7pPr lvl="6" algn="ctr">
+              <a:lnSpc>
+                <a:spcPct val="100000"/>
+              </a:lnSpc>
               <a:spcBef>
                 <a:spcPts val="0"/>
               </a:spcBef>
@@ -1739,6 +2623,9 @@
               <a:defRPr sz="3600"/>
             </a:lvl7pPr>
             <a:lvl8pPr lvl="7" algn="ctr">
+              <a:lnSpc>
+                <a:spcPct val="100000"/>
+              </a:lnSpc>
               <a:spcBef>
                 <a:spcPts val="0"/>
               </a:spcBef>
@@ -1750,6 +2637,9 @@
               <a:defRPr sz="3600"/>
             </a:lvl8pPr>
             <a:lvl9pPr lvl="8" algn="ctr">
+              <a:lnSpc>
+                <a:spcPct val="100000"/>
+              </a:lnSpc>
               <a:spcBef>
                 <a:spcPts val="0"/>
               </a:spcBef>
@@ -1766,7 +2656,7 @@
       </p:sp>
       <p:sp>
         <p:nvSpPr>
-          <p:cNvPr id="15" name="Google Shape;15;p3"/>
+          <p:cNvPr id="15" name="Google Shape;15;p4"/>
           <p:cNvSpPr txBox="1"/>
           <p:nvPr>
             <p:ph idx="12" type="sldNum"/>
@@ -1780,47 +2670,249 @@
           <a:prstGeom prst="rect">
             <a:avLst/>
           </a:prstGeom>
+          <a:noFill/>
+          <a:ln>
+            <a:noFill/>
+          </a:ln>
         </p:spPr>
         <p:txBody>
           <a:bodyPr anchorCtr="0" anchor="ctr" bIns="91425" lIns="91425" spcFirstLastPara="1" rIns="91425" wrap="square" tIns="91425">
             <a:normAutofit/>
           </a:bodyPr>
           <a:lstStyle>
-            <a:lvl1pPr lvl="0">
-              <a:buNone/>
-              <a:defRPr/>
+            <a:lvl1pPr indent="0" lvl="0" marL="0" marR="0" algn="r">
+              <a:lnSpc>
+                <a:spcPct val="100000"/>
+              </a:lnSpc>
+              <a:spcBef>
+                <a:spcPts val="0"/>
+              </a:spcBef>
+              <a:spcAft>
+                <a:spcPts val="0"/>
+              </a:spcAft>
+              <a:buClr>
+                <a:srgbClr val="000000"/>
+              </a:buClr>
+              <a:buSzPts val="1000"/>
+              <a:buFont typeface="Arial"/>
+              <a:buNone/>
+              <a:defRPr b="0" i="0" sz="1000" u="none" cap="none" strike="noStrike">
+                <a:solidFill>
+                  <a:schemeClr val="dk2"/>
+                </a:solidFill>
+                <a:latin typeface="Arial"/>
+                <a:ea typeface="Arial"/>
+                <a:cs typeface="Arial"/>
+                <a:sym typeface="Arial"/>
+              </a:defRPr>
             </a:lvl1pPr>
-            <a:lvl2pPr lvl="1">
-              <a:buNone/>
-              <a:defRPr/>
+            <a:lvl2pPr indent="0" lvl="1" marL="0" marR="0" algn="r">
+              <a:lnSpc>
+                <a:spcPct val="100000"/>
+              </a:lnSpc>
+              <a:spcBef>
+                <a:spcPts val="0"/>
+              </a:spcBef>
+              <a:spcAft>
+                <a:spcPts val="0"/>
+              </a:spcAft>
+              <a:buClr>
+                <a:srgbClr val="000000"/>
+              </a:buClr>
+              <a:buSzPts val="1000"/>
+              <a:buFont typeface="Arial"/>
+              <a:buNone/>
+              <a:defRPr b="0" i="0" sz="1000" u="none" cap="none" strike="noStrike">
+                <a:solidFill>
+                  <a:schemeClr val="dk2"/>
+                </a:solidFill>
+                <a:latin typeface="Arial"/>
+                <a:ea typeface="Arial"/>
+                <a:cs typeface="Arial"/>
+                <a:sym typeface="Arial"/>
+              </a:defRPr>
             </a:lvl2pPr>
-            <a:lvl3pPr lvl="2">
-              <a:buNone/>
-              <a:defRPr/>
+            <a:lvl3pPr indent="0" lvl="2" marL="0" marR="0" algn="r">
+              <a:lnSpc>
+                <a:spcPct val="100000"/>
+              </a:lnSpc>
+              <a:spcBef>
+                <a:spcPts val="0"/>
+              </a:spcBef>
+              <a:spcAft>
+                <a:spcPts val="0"/>
+              </a:spcAft>
+              <a:buClr>
+                <a:srgbClr val="000000"/>
+              </a:buClr>
+              <a:buSzPts val="1000"/>
+              <a:buFont typeface="Arial"/>
+              <a:buNone/>
+              <a:defRPr b="0" i="0" sz="1000" u="none" cap="none" strike="noStrike">
+                <a:solidFill>
+                  <a:schemeClr val="dk2"/>
+                </a:solidFill>
+                <a:latin typeface="Arial"/>
+                <a:ea typeface="Arial"/>
+                <a:cs typeface="Arial"/>
+                <a:sym typeface="Arial"/>
+              </a:defRPr>
             </a:lvl3pPr>
-            <a:lvl4pPr lvl="3">
-              <a:buNone/>
-              <a:defRPr/>
+            <a:lvl4pPr indent="0" lvl="3" marL="0" marR="0" algn="r">
+              <a:lnSpc>
+                <a:spcPct val="100000"/>
+              </a:lnSpc>
+              <a:spcBef>
+                <a:spcPts val="0"/>
+              </a:spcBef>
+              <a:spcAft>
+                <a:spcPts val="0"/>
+              </a:spcAft>
+              <a:buClr>
+                <a:srgbClr val="000000"/>
+              </a:buClr>
+              <a:buSzPts val="1000"/>
+              <a:buFont typeface="Arial"/>
+              <a:buNone/>
+              <a:defRPr b="0" i="0" sz="1000" u="none" cap="none" strike="noStrike">
+                <a:solidFill>
+                  <a:schemeClr val="dk2"/>
+                </a:solidFill>
+                <a:latin typeface="Arial"/>
+                <a:ea typeface="Arial"/>
+                <a:cs typeface="Arial"/>
+                <a:sym typeface="Arial"/>
+              </a:defRPr>
             </a:lvl4pPr>
-            <a:lvl5pPr lvl="4">
-              <a:buNone/>
-              <a:defRPr/>
+            <a:lvl5pPr indent="0" lvl="4" marL="0" marR="0" algn="r">
+              <a:lnSpc>
+                <a:spcPct val="100000"/>
+              </a:lnSpc>
+              <a:spcBef>
+                <a:spcPts val="0"/>
+              </a:spcBef>
+              <a:spcAft>
+                <a:spcPts val="0"/>
+              </a:spcAft>
+              <a:buClr>
+                <a:srgbClr val="000000"/>
+              </a:buClr>
+              <a:buSzPts val="1000"/>
+              <a:buFont typeface="Arial"/>
+              <a:buNone/>
+              <a:defRPr b="0" i="0" sz="1000" u="none" cap="none" strike="noStrike">
+                <a:solidFill>
+                  <a:schemeClr val="dk2"/>
+                </a:solidFill>
+                <a:latin typeface="Arial"/>
+                <a:ea typeface="Arial"/>
+                <a:cs typeface="Arial"/>
+                <a:sym typeface="Arial"/>
+              </a:defRPr>
             </a:lvl5pPr>
-            <a:lvl6pPr lvl="5">
-              <a:buNone/>
-              <a:defRPr/>
+            <a:lvl6pPr indent="0" lvl="5" marL="0" marR="0" algn="r">
+              <a:lnSpc>
+                <a:spcPct val="100000"/>
+              </a:lnSpc>
+              <a:spcBef>
+                <a:spcPts val="0"/>
+              </a:spcBef>
+              <a:spcAft>
+                <a:spcPts val="0"/>
+              </a:spcAft>
+              <a:buClr>
+                <a:srgbClr val="000000"/>
+              </a:buClr>
+              <a:buSzPts val="1000"/>
+              <a:buFont typeface="Arial"/>
+              <a:buNone/>
+              <a:defRPr b="0" i="0" sz="1000" u="none" cap="none" strike="noStrike">
+                <a:solidFill>
+                  <a:schemeClr val="dk2"/>
+                </a:solidFill>
+                <a:latin typeface="Arial"/>
+                <a:ea typeface="Arial"/>
+                <a:cs typeface="Arial"/>
+                <a:sym typeface="Arial"/>
+              </a:defRPr>
             </a:lvl6pPr>
-            <a:lvl7pPr lvl="6">
-              <a:buNone/>
-              <a:defRPr/>
+            <a:lvl7pPr indent="0" lvl="6" marL="0" marR="0" algn="r">
+              <a:lnSpc>
+                <a:spcPct val="100000"/>
+              </a:lnSpc>
+              <a:spcBef>
+                <a:spcPts val="0"/>
+              </a:spcBef>
+              <a:spcAft>
+                <a:spcPts val="0"/>
+              </a:spcAft>
+              <a:buClr>
+                <a:srgbClr val="000000"/>
+              </a:buClr>
+              <a:buSzPts val="1000"/>
+              <a:buFont typeface="Arial"/>
+              <a:buNone/>
+              <a:defRPr b="0" i="0" sz="1000" u="none" cap="none" strike="noStrike">
+                <a:solidFill>
+                  <a:schemeClr val="dk2"/>
+                </a:solidFill>
+                <a:latin typeface="Arial"/>
+                <a:ea typeface="Arial"/>
+                <a:cs typeface="Arial"/>
+                <a:sym typeface="Arial"/>
+              </a:defRPr>
             </a:lvl7pPr>
-            <a:lvl8pPr lvl="7">
-              <a:buNone/>
-              <a:defRPr/>
+            <a:lvl8pPr indent="0" lvl="7" marL="0" marR="0" algn="r">
+              <a:lnSpc>
+                <a:spcPct val="100000"/>
+              </a:lnSpc>
+              <a:spcBef>
+                <a:spcPts val="0"/>
+              </a:spcBef>
+              <a:spcAft>
+                <a:spcPts val="0"/>
+              </a:spcAft>
+              <a:buClr>
+                <a:srgbClr val="000000"/>
+              </a:buClr>
+              <a:buSzPts val="1000"/>
+              <a:buFont typeface="Arial"/>
+              <a:buNone/>
+              <a:defRPr b="0" i="0" sz="1000" u="none" cap="none" strike="noStrike">
+                <a:solidFill>
+                  <a:schemeClr val="dk2"/>
+                </a:solidFill>
+                <a:latin typeface="Arial"/>
+                <a:ea typeface="Arial"/>
+                <a:cs typeface="Arial"/>
+                <a:sym typeface="Arial"/>
+              </a:defRPr>
             </a:lvl8pPr>
-            <a:lvl9pPr lvl="8">
-              <a:buNone/>
-              <a:defRPr/>
+            <a:lvl9pPr indent="0" lvl="8" marL="0" marR="0" algn="r">
+              <a:lnSpc>
+                <a:spcPct val="100000"/>
+              </a:lnSpc>
+              <a:spcBef>
+                <a:spcPts val="0"/>
+              </a:spcBef>
+              <a:spcAft>
+                <a:spcPts val="0"/>
+              </a:spcAft>
+              <a:buClr>
+                <a:srgbClr val="000000"/>
+              </a:buClr>
+              <a:buSzPts val="1000"/>
+              <a:buFont typeface="Arial"/>
+              <a:buNone/>
+              <a:defRPr b="0" i="0" sz="1000" u="none" cap="none" strike="noStrike">
+                <a:solidFill>
+                  <a:schemeClr val="dk2"/>
+                </a:solidFill>
+                <a:latin typeface="Arial"/>
+                <a:ea typeface="Arial"/>
+                <a:cs typeface="Arial"/>
+                <a:sym typeface="Arial"/>
+              </a:defRPr>
             </a:lvl9pPr>
           </a:lstStyle>
           <a:p>
@@ -1868,7 +2960,7 @@
       </p:grpSpPr>
       <p:sp>
         <p:nvSpPr>
-          <p:cNvPr id="17" name="Google Shape;17;p4"/>
+          <p:cNvPr id="17" name="Google Shape;17;p5"/>
           <p:cNvSpPr txBox="1"/>
           <p:nvPr>
             <p:ph type="title"/>
@@ -1882,13 +2974,20 @@
           <a:prstGeom prst="rect">
             <a:avLst/>
           </a:prstGeom>
+          <a:noFill/>
+          <a:ln>
+            <a:noFill/>
+          </a:ln>
         </p:spPr>
         <p:txBody>
           <a:bodyPr anchorCtr="0" anchor="t" bIns="91425" lIns="91425" spcFirstLastPara="1" rIns="91425" wrap="square" tIns="91425">
             <a:normAutofit/>
           </a:bodyPr>
           <a:lstStyle>
-            <a:lvl1pPr lvl="0">
+            <a:lvl1pPr lvl="0" algn="l">
+              <a:lnSpc>
+                <a:spcPct val="100000"/>
+              </a:lnSpc>
               <a:spcBef>
                 <a:spcPts val="0"/>
               </a:spcBef>
@@ -1899,7 +2998,10 @@
               <a:buNone/>
               <a:defRPr/>
             </a:lvl1pPr>
-            <a:lvl2pPr lvl="1">
+            <a:lvl2pPr lvl="1" algn="l">
+              <a:lnSpc>
+                <a:spcPct val="100000"/>
+              </a:lnSpc>
               <a:spcBef>
                 <a:spcPts val="0"/>
               </a:spcBef>
@@ -1910,7 +3012,10 @@
               <a:buNone/>
               <a:defRPr/>
             </a:lvl2pPr>
-            <a:lvl3pPr lvl="2">
+            <a:lvl3pPr lvl="2" algn="l">
+              <a:lnSpc>
+                <a:spcPct val="100000"/>
+              </a:lnSpc>
               <a:spcBef>
                 <a:spcPts val="0"/>
               </a:spcBef>
@@ -1921,7 +3026,10 @@
               <a:buNone/>
               <a:defRPr/>
             </a:lvl3pPr>
-            <a:lvl4pPr lvl="3">
+            <a:lvl4pPr lvl="3" algn="l">
+              <a:lnSpc>
+                <a:spcPct val="100000"/>
+              </a:lnSpc>
               <a:spcBef>
                 <a:spcPts val="0"/>
               </a:spcBef>
@@ -1932,7 +3040,10 @@
               <a:buNone/>
               <a:defRPr/>
             </a:lvl4pPr>
-            <a:lvl5pPr lvl="4">
+            <a:lvl5pPr lvl="4" algn="l">
+              <a:lnSpc>
+                <a:spcPct val="100000"/>
+              </a:lnSpc>
               <a:spcBef>
                 <a:spcPts val="0"/>
               </a:spcBef>
@@ -1943,7 +3054,10 @@
               <a:buNone/>
               <a:defRPr/>
             </a:lvl5pPr>
-            <a:lvl6pPr lvl="5">
+            <a:lvl6pPr lvl="5" algn="l">
+              <a:lnSpc>
+                <a:spcPct val="100000"/>
+              </a:lnSpc>
               <a:spcBef>
                 <a:spcPts val="0"/>
               </a:spcBef>
@@ -1954,7 +3068,10 @@
               <a:buNone/>
               <a:defRPr/>
             </a:lvl6pPr>
-            <a:lvl7pPr lvl="6">
+            <a:lvl7pPr lvl="6" algn="l">
+              <a:lnSpc>
+                <a:spcPct val="100000"/>
+              </a:lnSpc>
               <a:spcBef>
                 <a:spcPts val="0"/>
               </a:spcBef>
@@ -1965,7 +3082,10 @@
               <a:buNone/>
               <a:defRPr/>
             </a:lvl7pPr>
-            <a:lvl8pPr lvl="7">
+            <a:lvl8pPr lvl="7" algn="l">
+              <a:lnSpc>
+                <a:spcPct val="100000"/>
+              </a:lnSpc>
               <a:spcBef>
                 <a:spcPts val="0"/>
               </a:spcBef>
@@ -1976,7 +3096,10 @@
               <a:buNone/>
               <a:defRPr/>
             </a:lvl8pPr>
-            <a:lvl9pPr lvl="8">
+            <a:lvl9pPr lvl="8" algn="l">
+              <a:lnSpc>
+                <a:spcPct val="100000"/>
+              </a:lnSpc>
               <a:spcBef>
                 <a:spcPts val="0"/>
               </a:spcBef>
@@ -1993,7 +3116,7 @@
       </p:sp>
       <p:sp>
         <p:nvSpPr>
-          <p:cNvPr id="18" name="Google Shape;18;p4"/>
+          <p:cNvPr id="18" name="Google Shape;18;p5"/>
           <p:cNvSpPr txBox="1"/>
           <p:nvPr>
             <p:ph idx="1" type="body"/>
@@ -2007,13 +3130,20 @@
           <a:prstGeom prst="rect">
             <a:avLst/>
           </a:prstGeom>
+          <a:noFill/>
+          <a:ln>
+            <a:noFill/>
+          </a:ln>
         </p:spPr>
         <p:txBody>
           <a:bodyPr anchorCtr="0" anchor="t" bIns="91425" lIns="91425" spcFirstLastPara="1" rIns="91425" wrap="square" tIns="91425">
             <a:normAutofit/>
           </a:bodyPr>
           <a:lstStyle>
-            <a:lvl1pPr indent="-342900" lvl="0" marL="457200">
+            <a:lvl1pPr indent="-342900" lvl="0" marL="457200" algn="l">
+              <a:lnSpc>
+                <a:spcPct val="115000"/>
+              </a:lnSpc>
               <a:spcBef>
                 <a:spcPts val="0"/>
               </a:spcBef>
@@ -2024,7 +3154,10 @@
               <a:buChar char="●"/>
               <a:defRPr/>
             </a:lvl1pPr>
-            <a:lvl2pPr indent="-317500" lvl="1" marL="914400">
+            <a:lvl2pPr indent="-317500" lvl="1" marL="914400" algn="l">
+              <a:lnSpc>
+                <a:spcPct val="115000"/>
+              </a:lnSpc>
               <a:spcBef>
                 <a:spcPts val="0"/>
               </a:spcBef>
@@ -2035,7 +3168,10 @@
               <a:buChar char="○"/>
               <a:defRPr/>
             </a:lvl2pPr>
-            <a:lvl3pPr indent="-317500" lvl="2" marL="1371600">
+            <a:lvl3pPr indent="-317500" lvl="2" marL="1371600" algn="l">
+              <a:lnSpc>
+                <a:spcPct val="115000"/>
+              </a:lnSpc>
               <a:spcBef>
                 <a:spcPts val="0"/>
               </a:spcBef>
@@ -2046,7 +3182,10 @@
               <a:buChar char="■"/>
               <a:defRPr/>
             </a:lvl3pPr>
-            <a:lvl4pPr indent="-317500" lvl="3" marL="1828800">
+            <a:lvl4pPr indent="-317500" lvl="3" marL="1828800" algn="l">
+              <a:lnSpc>
+                <a:spcPct val="115000"/>
+              </a:lnSpc>
               <a:spcBef>
                 <a:spcPts val="0"/>
               </a:spcBef>
@@ -2057,7 +3196,10 @@
               <a:buChar char="●"/>
               <a:defRPr/>
             </a:lvl4pPr>
-            <a:lvl5pPr indent="-317500" lvl="4" marL="2286000">
+            <a:lvl5pPr indent="-317500" lvl="4" marL="2286000" algn="l">
+              <a:lnSpc>
+                <a:spcPct val="115000"/>
+              </a:lnSpc>
               <a:spcBef>
                 <a:spcPts val="0"/>
               </a:spcBef>
@@ -2068,7 +3210,10 @@
               <a:buChar char="○"/>
               <a:defRPr/>
             </a:lvl5pPr>
-            <a:lvl6pPr indent="-317500" lvl="5" marL="2743200">
+            <a:lvl6pPr indent="-317500" lvl="5" marL="2743200" algn="l">
+              <a:lnSpc>
+                <a:spcPct val="115000"/>
+              </a:lnSpc>
               <a:spcBef>
                 <a:spcPts val="0"/>
               </a:spcBef>
@@ -2079,7 +3224,10 @@
               <a:buChar char="■"/>
               <a:defRPr/>
             </a:lvl6pPr>
-            <a:lvl7pPr indent="-317500" lvl="6" marL="3200400">
+            <a:lvl7pPr indent="-317500" lvl="6" marL="3200400" algn="l">
+              <a:lnSpc>
+                <a:spcPct val="115000"/>
+              </a:lnSpc>
               <a:spcBef>
                 <a:spcPts val="0"/>
               </a:spcBef>
@@ -2090,7 +3238,10 @@
               <a:buChar char="●"/>
               <a:defRPr/>
             </a:lvl7pPr>
-            <a:lvl8pPr indent="-317500" lvl="7" marL="3657600">
+            <a:lvl8pPr indent="-317500" lvl="7" marL="3657600" algn="l">
+              <a:lnSpc>
+                <a:spcPct val="115000"/>
+              </a:lnSpc>
               <a:spcBef>
                 <a:spcPts val="0"/>
               </a:spcBef>
@@ -2101,7 +3252,10 @@
               <a:buChar char="○"/>
               <a:defRPr/>
             </a:lvl8pPr>
-            <a:lvl9pPr indent="-317500" lvl="8" marL="4114800">
+            <a:lvl9pPr indent="-317500" lvl="8" marL="4114800" algn="l">
+              <a:lnSpc>
+                <a:spcPct val="115000"/>
+              </a:lnSpc>
               <a:spcBef>
                 <a:spcPts val="0"/>
               </a:spcBef>
@@ -2118,7 +3272,7 @@
       </p:sp>
       <p:sp>
         <p:nvSpPr>
-          <p:cNvPr id="19" name="Google Shape;19;p4"/>
+          <p:cNvPr id="19" name="Google Shape;19;p5"/>
           <p:cNvSpPr txBox="1"/>
           <p:nvPr>
             <p:ph idx="12" type="sldNum"/>
@@ -2132,47 +3286,249 @@
           <a:prstGeom prst="rect">
             <a:avLst/>
           </a:prstGeom>
+          <a:noFill/>
+          <a:ln>
+            <a:noFill/>
+          </a:ln>
         </p:spPr>
         <p:txBody>
           <a:bodyPr anchorCtr="0" anchor="ctr" bIns="91425" lIns="91425" spcFirstLastPara="1" rIns="91425" wrap="square" tIns="91425">
             <a:normAutofit/>
           </a:bodyPr>
           <a:lstStyle>
-            <a:lvl1pPr lvl="0">
-              <a:buNone/>
-              <a:defRPr/>
+            <a:lvl1pPr indent="0" lvl="0" marL="0" marR="0" algn="r">
+              <a:lnSpc>
+                <a:spcPct val="100000"/>
+              </a:lnSpc>
+              <a:spcBef>
+                <a:spcPts val="0"/>
+              </a:spcBef>
+              <a:spcAft>
+                <a:spcPts val="0"/>
+              </a:spcAft>
+              <a:buClr>
+                <a:srgbClr val="000000"/>
+              </a:buClr>
+              <a:buSzPts val="1000"/>
+              <a:buFont typeface="Arial"/>
+              <a:buNone/>
+              <a:defRPr b="0" i="0" sz="1000" u="none" cap="none" strike="noStrike">
+                <a:solidFill>
+                  <a:schemeClr val="dk2"/>
+                </a:solidFill>
+                <a:latin typeface="Arial"/>
+                <a:ea typeface="Arial"/>
+                <a:cs typeface="Arial"/>
+                <a:sym typeface="Arial"/>
+              </a:defRPr>
             </a:lvl1pPr>
-            <a:lvl2pPr lvl="1">
-              <a:buNone/>
-              <a:defRPr/>
+            <a:lvl2pPr indent="0" lvl="1" marL="0" marR="0" algn="r">
+              <a:lnSpc>
+                <a:spcPct val="100000"/>
+              </a:lnSpc>
+              <a:spcBef>
+                <a:spcPts val="0"/>
+              </a:spcBef>
+              <a:spcAft>
+                <a:spcPts val="0"/>
+              </a:spcAft>
+              <a:buClr>
+                <a:srgbClr val="000000"/>
+              </a:buClr>
+              <a:buSzPts val="1000"/>
+              <a:buFont typeface="Arial"/>
+              <a:buNone/>
+              <a:defRPr b="0" i="0" sz="1000" u="none" cap="none" strike="noStrike">
+                <a:solidFill>
+                  <a:schemeClr val="dk2"/>
+                </a:solidFill>
+                <a:latin typeface="Arial"/>
+                <a:ea typeface="Arial"/>
+                <a:cs typeface="Arial"/>
+                <a:sym typeface="Arial"/>
+              </a:defRPr>
             </a:lvl2pPr>
-            <a:lvl3pPr lvl="2">
-              <a:buNone/>
-              <a:defRPr/>
+            <a:lvl3pPr indent="0" lvl="2" marL="0" marR="0" algn="r">
+              <a:lnSpc>
+                <a:spcPct val="100000"/>
+              </a:lnSpc>
+              <a:spcBef>
+                <a:spcPts val="0"/>
+              </a:spcBef>
+              <a:spcAft>
+                <a:spcPts val="0"/>
+              </a:spcAft>
+              <a:buClr>
+                <a:srgbClr val="000000"/>
+              </a:buClr>
+              <a:buSzPts val="1000"/>
+              <a:buFont typeface="Arial"/>
+              <a:buNone/>
+              <a:defRPr b="0" i="0" sz="1000" u="none" cap="none" strike="noStrike">
+                <a:solidFill>
+                  <a:schemeClr val="dk2"/>
+                </a:solidFill>
+                <a:latin typeface="Arial"/>
+                <a:ea typeface="Arial"/>
+                <a:cs typeface="Arial"/>
+                <a:sym typeface="Arial"/>
+              </a:defRPr>
             </a:lvl3pPr>
-            <a:lvl4pPr lvl="3">
-              <a:buNone/>
-              <a:defRPr/>
+            <a:lvl4pPr indent="0" lvl="3" marL="0" marR="0" algn="r">
+              <a:lnSpc>
+                <a:spcPct val="100000"/>
+              </a:lnSpc>
+              <a:spcBef>
+                <a:spcPts val="0"/>
+              </a:spcBef>
+              <a:spcAft>
+                <a:spcPts val="0"/>
+              </a:spcAft>
+              <a:buClr>
+                <a:srgbClr val="000000"/>
+              </a:buClr>
+              <a:buSzPts val="1000"/>
+              <a:buFont typeface="Arial"/>
+              <a:buNone/>
+              <a:defRPr b="0" i="0" sz="1000" u="none" cap="none" strike="noStrike">
+                <a:solidFill>
+                  <a:schemeClr val="dk2"/>
+                </a:solidFill>
+                <a:latin typeface="Arial"/>
+                <a:ea typeface="Arial"/>
+                <a:cs typeface="Arial"/>
+                <a:sym typeface="Arial"/>
+              </a:defRPr>
             </a:lvl4pPr>
-            <a:lvl5pPr lvl="4">
-              <a:buNone/>
-              <a:defRPr/>
+            <a:lvl5pPr indent="0" lvl="4" marL="0" marR="0" algn="r">
+              <a:lnSpc>
+                <a:spcPct val="100000"/>
+              </a:lnSpc>
+              <a:spcBef>
+                <a:spcPts val="0"/>
+              </a:spcBef>
+              <a:spcAft>
+                <a:spcPts val="0"/>
+              </a:spcAft>
+              <a:buClr>
+                <a:srgbClr val="000000"/>
+              </a:buClr>
+              <a:buSzPts val="1000"/>
+              <a:buFont typeface="Arial"/>
+              <a:buNone/>
+              <a:defRPr b="0" i="0" sz="1000" u="none" cap="none" strike="noStrike">
+                <a:solidFill>
+                  <a:schemeClr val="dk2"/>
+                </a:solidFill>
+                <a:latin typeface="Arial"/>
+                <a:ea typeface="Arial"/>
+                <a:cs typeface="Arial"/>
+                <a:sym typeface="Arial"/>
+              </a:defRPr>
             </a:lvl5pPr>
-            <a:lvl6pPr lvl="5">
-              <a:buNone/>
-              <a:defRPr/>
+            <a:lvl6pPr indent="0" lvl="5" marL="0" marR="0" algn="r">
+              <a:lnSpc>
+                <a:spcPct val="100000"/>
+              </a:lnSpc>
+              <a:spcBef>
+                <a:spcPts val="0"/>
+              </a:spcBef>
+              <a:spcAft>
+                <a:spcPts val="0"/>
+              </a:spcAft>
+              <a:buClr>
+                <a:srgbClr val="000000"/>
+              </a:buClr>
+              <a:buSzPts val="1000"/>
+              <a:buFont typeface="Arial"/>
+              <a:buNone/>
+              <a:defRPr b="0" i="0" sz="1000" u="none" cap="none" strike="noStrike">
+                <a:solidFill>
+                  <a:schemeClr val="dk2"/>
+                </a:solidFill>
+                <a:latin typeface="Arial"/>
+                <a:ea typeface="Arial"/>
+                <a:cs typeface="Arial"/>
+                <a:sym typeface="Arial"/>
+              </a:defRPr>
             </a:lvl6pPr>
-            <a:lvl7pPr lvl="6">
-              <a:buNone/>
-              <a:defRPr/>
+            <a:lvl7pPr indent="0" lvl="6" marL="0" marR="0" algn="r">
+              <a:lnSpc>
+                <a:spcPct val="100000"/>
+              </a:lnSpc>
+              <a:spcBef>
+                <a:spcPts val="0"/>
+              </a:spcBef>
+              <a:spcAft>
+                <a:spcPts val="0"/>
+              </a:spcAft>
+              <a:buClr>
+                <a:srgbClr val="000000"/>
+              </a:buClr>
+              <a:buSzPts val="1000"/>
+              <a:buFont typeface="Arial"/>
+              <a:buNone/>
+              <a:defRPr b="0" i="0" sz="1000" u="none" cap="none" strike="noStrike">
+                <a:solidFill>
+                  <a:schemeClr val="dk2"/>
+                </a:solidFill>
+                <a:latin typeface="Arial"/>
+                <a:ea typeface="Arial"/>
+                <a:cs typeface="Arial"/>
+                <a:sym typeface="Arial"/>
+              </a:defRPr>
             </a:lvl7pPr>
-            <a:lvl8pPr lvl="7">
-              <a:buNone/>
-              <a:defRPr/>
+            <a:lvl8pPr indent="0" lvl="7" marL="0" marR="0" algn="r">
+              <a:lnSpc>
+                <a:spcPct val="100000"/>
+              </a:lnSpc>
+              <a:spcBef>
+                <a:spcPts val="0"/>
+              </a:spcBef>
+              <a:spcAft>
+                <a:spcPts val="0"/>
+              </a:spcAft>
+              <a:buClr>
+                <a:srgbClr val="000000"/>
+              </a:buClr>
+              <a:buSzPts val="1000"/>
+              <a:buFont typeface="Arial"/>
+              <a:buNone/>
+              <a:defRPr b="0" i="0" sz="1000" u="none" cap="none" strike="noStrike">
+                <a:solidFill>
+                  <a:schemeClr val="dk2"/>
+                </a:solidFill>
+                <a:latin typeface="Arial"/>
+                <a:ea typeface="Arial"/>
+                <a:cs typeface="Arial"/>
+                <a:sym typeface="Arial"/>
+              </a:defRPr>
             </a:lvl8pPr>
-            <a:lvl9pPr lvl="8">
-              <a:buNone/>
-              <a:defRPr/>
+            <a:lvl9pPr indent="0" lvl="8" marL="0" marR="0" algn="r">
+              <a:lnSpc>
+                <a:spcPct val="100000"/>
+              </a:lnSpc>
+              <a:spcBef>
+                <a:spcPts val="0"/>
+              </a:spcBef>
+              <a:spcAft>
+                <a:spcPts val="0"/>
+              </a:spcAft>
+              <a:buClr>
+                <a:srgbClr val="000000"/>
+              </a:buClr>
+              <a:buSzPts val="1000"/>
+              <a:buFont typeface="Arial"/>
+              <a:buNone/>
+              <a:defRPr b="0" i="0" sz="1000" u="none" cap="none" strike="noStrike">
+                <a:solidFill>
+                  <a:schemeClr val="dk2"/>
+                </a:solidFill>
+                <a:latin typeface="Arial"/>
+                <a:ea typeface="Arial"/>
+                <a:cs typeface="Arial"/>
+                <a:sym typeface="Arial"/>
+              </a:defRPr>
             </a:lvl9pPr>
           </a:lstStyle>
           <a:p>
@@ -2220,7 +3576,7 @@
       </p:grpSpPr>
       <p:sp>
         <p:nvSpPr>
-          <p:cNvPr id="21" name="Google Shape;21;p5"/>
+          <p:cNvPr id="21" name="Google Shape;21;p6"/>
           <p:cNvSpPr txBox="1"/>
           <p:nvPr>
             <p:ph type="title"/>
@@ -2234,13 +3590,20 @@
           <a:prstGeom prst="rect">
             <a:avLst/>
           </a:prstGeom>
+          <a:noFill/>
+          <a:ln>
+            <a:noFill/>
+          </a:ln>
         </p:spPr>
         <p:txBody>
           <a:bodyPr anchorCtr="0" anchor="t" bIns="91425" lIns="91425" spcFirstLastPara="1" rIns="91425" wrap="square" tIns="91425">
             <a:normAutofit/>
           </a:bodyPr>
           <a:lstStyle>
-            <a:lvl1pPr lvl="0">
+            <a:lvl1pPr lvl="0" algn="l">
+              <a:lnSpc>
+                <a:spcPct val="100000"/>
+              </a:lnSpc>
               <a:spcBef>
                 <a:spcPts val="0"/>
               </a:spcBef>
@@ -2251,7 +3614,10 @@
               <a:buNone/>
               <a:defRPr/>
             </a:lvl1pPr>
-            <a:lvl2pPr lvl="1">
+            <a:lvl2pPr lvl="1" algn="l">
+              <a:lnSpc>
+                <a:spcPct val="100000"/>
+              </a:lnSpc>
               <a:spcBef>
                 <a:spcPts val="0"/>
               </a:spcBef>
@@ -2262,7 +3628,10 @@
               <a:buNone/>
               <a:defRPr/>
             </a:lvl2pPr>
-            <a:lvl3pPr lvl="2">
+            <a:lvl3pPr lvl="2" algn="l">
+              <a:lnSpc>
+                <a:spcPct val="100000"/>
+              </a:lnSpc>
               <a:spcBef>
                 <a:spcPts val="0"/>
               </a:spcBef>
@@ -2273,7 +3642,10 @@
               <a:buNone/>
               <a:defRPr/>
             </a:lvl3pPr>
-            <a:lvl4pPr lvl="3">
+            <a:lvl4pPr lvl="3" algn="l">
+              <a:lnSpc>
+                <a:spcPct val="100000"/>
+              </a:lnSpc>
               <a:spcBef>
                 <a:spcPts val="0"/>
               </a:spcBef>
@@ -2284,7 +3656,10 @@
               <a:buNone/>
               <a:defRPr/>
             </a:lvl4pPr>
-            <a:lvl5pPr lvl="4">
+            <a:lvl5pPr lvl="4" algn="l">
+              <a:lnSpc>
+                <a:spcPct val="100000"/>
+              </a:lnSpc>
               <a:spcBef>
                 <a:spcPts val="0"/>
               </a:spcBef>
@@ -2295,7 +3670,10 @@
               <a:buNone/>
               <a:defRPr/>
             </a:lvl5pPr>
-            <a:lvl6pPr lvl="5">
+            <a:lvl6pPr lvl="5" algn="l">
+              <a:lnSpc>
+                <a:spcPct val="100000"/>
+              </a:lnSpc>
               <a:spcBef>
                 <a:spcPts val="0"/>
               </a:spcBef>
@@ -2306,7 +3684,10 @@
               <a:buNone/>
               <a:defRPr/>
             </a:lvl6pPr>
-            <a:lvl7pPr lvl="6">
+            <a:lvl7pPr lvl="6" algn="l">
+              <a:lnSpc>
+                <a:spcPct val="100000"/>
+              </a:lnSpc>
               <a:spcBef>
                 <a:spcPts val="0"/>
               </a:spcBef>
@@ -2317,7 +3698,10 @@
               <a:buNone/>
               <a:defRPr/>
             </a:lvl7pPr>
-            <a:lvl8pPr lvl="7">
+            <a:lvl8pPr lvl="7" algn="l">
+              <a:lnSpc>
+                <a:spcPct val="100000"/>
+              </a:lnSpc>
               <a:spcBef>
                 <a:spcPts val="0"/>
               </a:spcBef>
@@ -2328,7 +3712,10 @@
               <a:buNone/>
               <a:defRPr/>
             </a:lvl8pPr>
-            <a:lvl9pPr lvl="8">
+            <a:lvl9pPr lvl="8" algn="l">
+              <a:lnSpc>
+                <a:spcPct val="100000"/>
+              </a:lnSpc>
               <a:spcBef>
                 <a:spcPts val="0"/>
               </a:spcBef>
@@ -2345,7 +3732,7 @@
       </p:sp>
       <p:sp>
         <p:nvSpPr>
-          <p:cNvPr id="22" name="Google Shape;22;p5"/>
+          <p:cNvPr id="22" name="Google Shape;22;p6"/>
           <p:cNvSpPr txBox="1"/>
           <p:nvPr>
             <p:ph idx="1" type="body"/>
@@ -2359,13 +3746,20 @@
           <a:prstGeom prst="rect">
             <a:avLst/>
           </a:prstGeom>
+          <a:noFill/>
+          <a:ln>
+            <a:noFill/>
+          </a:ln>
         </p:spPr>
         <p:txBody>
           <a:bodyPr anchorCtr="0" anchor="t" bIns="91425" lIns="91425" spcFirstLastPara="1" rIns="91425" wrap="square" tIns="91425">
             <a:normAutofit/>
           </a:bodyPr>
           <a:lstStyle>
-            <a:lvl1pPr indent="-317500" lvl="0" marL="457200">
+            <a:lvl1pPr indent="-317500" lvl="0" marL="457200" algn="l">
+              <a:lnSpc>
+                <a:spcPct val="115000"/>
+              </a:lnSpc>
               <a:spcBef>
                 <a:spcPts val="0"/>
               </a:spcBef>
@@ -2376,7 +3770,10 @@
               <a:buChar char="●"/>
               <a:defRPr sz="1400"/>
             </a:lvl1pPr>
-            <a:lvl2pPr indent="-304800" lvl="1" marL="914400">
+            <a:lvl2pPr indent="-304800" lvl="1" marL="914400" algn="l">
+              <a:lnSpc>
+                <a:spcPct val="115000"/>
+              </a:lnSpc>
               <a:spcBef>
                 <a:spcPts val="0"/>
               </a:spcBef>
@@ -2387,7 +3784,10 @@
               <a:buChar char="○"/>
               <a:defRPr sz="1200"/>
             </a:lvl2pPr>
-            <a:lvl3pPr indent="-304800" lvl="2" marL="1371600">
+            <a:lvl3pPr indent="-304800" lvl="2" marL="1371600" algn="l">
+              <a:lnSpc>
+                <a:spcPct val="115000"/>
+              </a:lnSpc>
               <a:spcBef>
                 <a:spcPts val="0"/>
               </a:spcBef>
@@ -2398,7 +3798,10 @@
               <a:buChar char="■"/>
               <a:defRPr sz="1200"/>
             </a:lvl3pPr>
-            <a:lvl4pPr indent="-304800" lvl="3" marL="1828800">
+            <a:lvl4pPr indent="-304800" lvl="3" marL="1828800" algn="l">
+              <a:lnSpc>
+                <a:spcPct val="115000"/>
+              </a:lnSpc>
               <a:spcBef>
                 <a:spcPts val="0"/>
               </a:spcBef>
@@ -2409,7 +3812,10 @@
               <a:buChar char="●"/>
               <a:defRPr sz="1200"/>
             </a:lvl4pPr>
-            <a:lvl5pPr indent="-304800" lvl="4" marL="2286000">
+            <a:lvl5pPr indent="-304800" lvl="4" marL="2286000" algn="l">
+              <a:lnSpc>
+                <a:spcPct val="115000"/>
+              </a:lnSpc>
               <a:spcBef>
                 <a:spcPts val="0"/>
               </a:spcBef>
@@ -2420,7 +3826,10 @@
               <a:buChar char="○"/>
               <a:defRPr sz="1200"/>
             </a:lvl5pPr>
-            <a:lvl6pPr indent="-304800" lvl="5" marL="2743200">
+            <a:lvl6pPr indent="-304800" lvl="5" marL="2743200" algn="l">
+              <a:lnSpc>
+                <a:spcPct val="115000"/>
+              </a:lnSpc>
               <a:spcBef>
                 <a:spcPts val="0"/>
               </a:spcBef>
@@ -2431,7 +3840,10 @@
               <a:buChar char="■"/>
               <a:defRPr sz="1200"/>
             </a:lvl6pPr>
-            <a:lvl7pPr indent="-304800" lvl="6" marL="3200400">
+            <a:lvl7pPr indent="-304800" lvl="6" marL="3200400" algn="l">
+              <a:lnSpc>
+                <a:spcPct val="115000"/>
+              </a:lnSpc>
               <a:spcBef>
                 <a:spcPts val="0"/>
               </a:spcBef>
@@ -2442,7 +3854,10 @@
               <a:buChar char="●"/>
               <a:defRPr sz="1200"/>
             </a:lvl7pPr>
-            <a:lvl8pPr indent="-304800" lvl="7" marL="3657600">
+            <a:lvl8pPr indent="-304800" lvl="7" marL="3657600" algn="l">
+              <a:lnSpc>
+                <a:spcPct val="115000"/>
+              </a:lnSpc>
               <a:spcBef>
                 <a:spcPts val="0"/>
               </a:spcBef>
@@ -2453,7 +3868,10 @@
               <a:buChar char="○"/>
               <a:defRPr sz="1200"/>
             </a:lvl8pPr>
-            <a:lvl9pPr indent="-304800" lvl="8" marL="4114800">
+            <a:lvl9pPr indent="-304800" lvl="8" marL="4114800" algn="l">
+              <a:lnSpc>
+                <a:spcPct val="115000"/>
+              </a:lnSpc>
               <a:spcBef>
                 <a:spcPts val="0"/>
               </a:spcBef>
@@ -2470,7 +3888,7 @@
       </p:sp>
       <p:sp>
         <p:nvSpPr>
-          <p:cNvPr id="23" name="Google Shape;23;p5"/>
+          <p:cNvPr id="23" name="Google Shape;23;p6"/>
           <p:cNvSpPr txBox="1"/>
           <p:nvPr>
             <p:ph idx="2" type="body"/>
@@ -2484,13 +3902,20 @@
           <a:prstGeom prst="rect">
             <a:avLst/>
           </a:prstGeom>
+          <a:noFill/>
+          <a:ln>
+            <a:noFill/>
+          </a:ln>
         </p:spPr>
         <p:txBody>
           <a:bodyPr anchorCtr="0" anchor="t" bIns="91425" lIns="91425" spcFirstLastPara="1" rIns="91425" wrap="square" tIns="91425">
             <a:normAutofit/>
           </a:bodyPr>
           <a:lstStyle>
-            <a:lvl1pPr indent="-317500" lvl="0" marL="457200">
+            <a:lvl1pPr indent="-317500" lvl="0" marL="457200" algn="l">
+              <a:lnSpc>
+                <a:spcPct val="115000"/>
+              </a:lnSpc>
               <a:spcBef>
                 <a:spcPts val="0"/>
               </a:spcBef>
@@ -2501,7 +3926,10 @@
               <a:buChar char="●"/>
               <a:defRPr sz="1400"/>
             </a:lvl1pPr>
-            <a:lvl2pPr indent="-304800" lvl="1" marL="914400">
+            <a:lvl2pPr indent="-304800" lvl="1" marL="914400" algn="l">
+              <a:lnSpc>
+                <a:spcPct val="115000"/>
+              </a:lnSpc>
               <a:spcBef>
                 <a:spcPts val="0"/>
               </a:spcBef>
@@ -2512,7 +3940,10 @@
               <a:buChar char="○"/>
               <a:defRPr sz="1200"/>
             </a:lvl2pPr>
-            <a:lvl3pPr indent="-304800" lvl="2" marL="1371600">
+            <a:lvl3pPr indent="-304800" lvl="2" marL="1371600" algn="l">
+              <a:lnSpc>
+                <a:spcPct val="115000"/>
+              </a:lnSpc>
               <a:spcBef>
                 <a:spcPts val="0"/>
               </a:spcBef>
@@ -2523,7 +3954,10 @@
               <a:buChar char="■"/>
               <a:defRPr sz="1200"/>
             </a:lvl3pPr>
-            <a:lvl4pPr indent="-304800" lvl="3" marL="1828800">
+            <a:lvl4pPr indent="-304800" lvl="3" marL="1828800" algn="l">
+              <a:lnSpc>
+                <a:spcPct val="115000"/>
+              </a:lnSpc>
               <a:spcBef>
                 <a:spcPts val="0"/>
               </a:spcBef>
@@ -2534,7 +3968,10 @@
               <a:buChar char="●"/>
               <a:defRPr sz="1200"/>
             </a:lvl4pPr>
-            <a:lvl5pPr indent="-304800" lvl="4" marL="2286000">
+            <a:lvl5pPr indent="-304800" lvl="4" marL="2286000" algn="l">
+              <a:lnSpc>
+                <a:spcPct val="115000"/>
+              </a:lnSpc>
               <a:spcBef>
                 <a:spcPts val="0"/>
               </a:spcBef>
@@ -2545,7 +3982,10 @@
               <a:buChar char="○"/>
               <a:defRPr sz="1200"/>
             </a:lvl5pPr>
-            <a:lvl6pPr indent="-304800" lvl="5" marL="2743200">
+            <a:lvl6pPr indent="-304800" lvl="5" marL="2743200" algn="l">
+              <a:lnSpc>
+                <a:spcPct val="115000"/>
+              </a:lnSpc>
               <a:spcBef>
                 <a:spcPts val="0"/>
               </a:spcBef>
@@ -2556,7 +3996,10 @@
               <a:buChar char="■"/>
               <a:defRPr sz="1200"/>
             </a:lvl6pPr>
-            <a:lvl7pPr indent="-304800" lvl="6" marL="3200400">
+            <a:lvl7pPr indent="-304800" lvl="6" marL="3200400" algn="l">
+              <a:lnSpc>
+                <a:spcPct val="115000"/>
+              </a:lnSpc>
               <a:spcBef>
                 <a:spcPts val="0"/>
               </a:spcBef>
@@ -2567,7 +4010,10 @@
               <a:buChar char="●"/>
               <a:defRPr sz="1200"/>
             </a:lvl7pPr>
-            <a:lvl8pPr indent="-304800" lvl="7" marL="3657600">
+            <a:lvl8pPr indent="-304800" lvl="7" marL="3657600" algn="l">
+              <a:lnSpc>
+                <a:spcPct val="115000"/>
+              </a:lnSpc>
               <a:spcBef>
                 <a:spcPts val="0"/>
               </a:spcBef>
@@ -2578,7 +4024,10 @@
               <a:buChar char="○"/>
               <a:defRPr sz="1200"/>
             </a:lvl8pPr>
-            <a:lvl9pPr indent="-304800" lvl="8" marL="4114800">
+            <a:lvl9pPr indent="-304800" lvl="8" marL="4114800" algn="l">
+              <a:lnSpc>
+                <a:spcPct val="115000"/>
+              </a:lnSpc>
               <a:spcBef>
                 <a:spcPts val="0"/>
               </a:spcBef>
@@ -2595,7 +4044,7 @@
       </p:sp>
       <p:sp>
         <p:nvSpPr>
-          <p:cNvPr id="24" name="Google Shape;24;p5"/>
+          <p:cNvPr id="24" name="Google Shape;24;p6"/>
           <p:cNvSpPr txBox="1"/>
           <p:nvPr>
             <p:ph idx="12" type="sldNum"/>
@@ -2609,47 +4058,249 @@
           <a:prstGeom prst="rect">
             <a:avLst/>
           </a:prstGeom>
+          <a:noFill/>
+          <a:ln>
+            <a:noFill/>
+          </a:ln>
         </p:spPr>
         <p:txBody>
           <a:bodyPr anchorCtr="0" anchor="ctr" bIns="91425" lIns="91425" spcFirstLastPara="1" rIns="91425" wrap="square" tIns="91425">
             <a:normAutofit/>
           </a:bodyPr>
           <a:lstStyle>
-            <a:lvl1pPr lvl="0">
-              <a:buNone/>
-              <a:defRPr/>
+            <a:lvl1pPr indent="0" lvl="0" marL="0" marR="0" algn="r">
+              <a:lnSpc>
+                <a:spcPct val="100000"/>
+              </a:lnSpc>
+              <a:spcBef>
+                <a:spcPts val="0"/>
+              </a:spcBef>
+              <a:spcAft>
+                <a:spcPts val="0"/>
+              </a:spcAft>
+              <a:buClr>
+                <a:srgbClr val="000000"/>
+              </a:buClr>
+              <a:buSzPts val="1000"/>
+              <a:buFont typeface="Arial"/>
+              <a:buNone/>
+              <a:defRPr b="0" i="0" sz="1000" u="none" cap="none" strike="noStrike">
+                <a:solidFill>
+                  <a:schemeClr val="dk2"/>
+                </a:solidFill>
+                <a:latin typeface="Arial"/>
+                <a:ea typeface="Arial"/>
+                <a:cs typeface="Arial"/>
+                <a:sym typeface="Arial"/>
+              </a:defRPr>
             </a:lvl1pPr>
-            <a:lvl2pPr lvl="1">
-              <a:buNone/>
-              <a:defRPr/>
+            <a:lvl2pPr indent="0" lvl="1" marL="0" marR="0" algn="r">
+              <a:lnSpc>
+                <a:spcPct val="100000"/>
+              </a:lnSpc>
+              <a:spcBef>
+                <a:spcPts val="0"/>
+              </a:spcBef>
+              <a:spcAft>
+                <a:spcPts val="0"/>
+              </a:spcAft>
+              <a:buClr>
+                <a:srgbClr val="000000"/>
+              </a:buClr>
+              <a:buSzPts val="1000"/>
+              <a:buFont typeface="Arial"/>
+              <a:buNone/>
+              <a:defRPr b="0" i="0" sz="1000" u="none" cap="none" strike="noStrike">
+                <a:solidFill>
+                  <a:schemeClr val="dk2"/>
+                </a:solidFill>
+                <a:latin typeface="Arial"/>
+                <a:ea typeface="Arial"/>
+                <a:cs typeface="Arial"/>
+                <a:sym typeface="Arial"/>
+              </a:defRPr>
             </a:lvl2pPr>
-            <a:lvl3pPr lvl="2">
-              <a:buNone/>
-              <a:defRPr/>
+            <a:lvl3pPr indent="0" lvl="2" marL="0" marR="0" algn="r">
+              <a:lnSpc>
+                <a:spcPct val="100000"/>
+              </a:lnSpc>
+              <a:spcBef>
+                <a:spcPts val="0"/>
+              </a:spcBef>
+              <a:spcAft>
+                <a:spcPts val="0"/>
+              </a:spcAft>
+              <a:buClr>
+                <a:srgbClr val="000000"/>
+              </a:buClr>
+              <a:buSzPts val="1000"/>
+              <a:buFont typeface="Arial"/>
+              <a:buNone/>
+              <a:defRPr b="0" i="0" sz="1000" u="none" cap="none" strike="noStrike">
+                <a:solidFill>
+                  <a:schemeClr val="dk2"/>
+                </a:solidFill>
+                <a:latin typeface="Arial"/>
+                <a:ea typeface="Arial"/>
+                <a:cs typeface="Arial"/>
+                <a:sym typeface="Arial"/>
+              </a:defRPr>
             </a:lvl3pPr>
-            <a:lvl4pPr lvl="3">
-              <a:buNone/>
-              <a:defRPr/>
+            <a:lvl4pPr indent="0" lvl="3" marL="0" marR="0" algn="r">
+              <a:lnSpc>
+                <a:spcPct val="100000"/>
+              </a:lnSpc>
+              <a:spcBef>
+                <a:spcPts val="0"/>
+              </a:spcBef>
+              <a:spcAft>
+                <a:spcPts val="0"/>
+              </a:spcAft>
+              <a:buClr>
+                <a:srgbClr val="000000"/>
+              </a:buClr>
+              <a:buSzPts val="1000"/>
+              <a:buFont typeface="Arial"/>
+              <a:buNone/>
+              <a:defRPr b="0" i="0" sz="1000" u="none" cap="none" strike="noStrike">
+                <a:solidFill>
+                  <a:schemeClr val="dk2"/>
+                </a:solidFill>
+                <a:latin typeface="Arial"/>
+                <a:ea typeface="Arial"/>
+                <a:cs typeface="Arial"/>
+                <a:sym typeface="Arial"/>
+              </a:defRPr>
             </a:lvl4pPr>
-            <a:lvl5pPr lvl="4">
-              <a:buNone/>
-              <a:defRPr/>
+            <a:lvl5pPr indent="0" lvl="4" marL="0" marR="0" algn="r">
+              <a:lnSpc>
+                <a:spcPct val="100000"/>
+              </a:lnSpc>
+              <a:spcBef>
+                <a:spcPts val="0"/>
+              </a:spcBef>
+              <a:spcAft>
+                <a:spcPts val="0"/>
+              </a:spcAft>
+              <a:buClr>
+                <a:srgbClr val="000000"/>
+              </a:buClr>
+              <a:buSzPts val="1000"/>
+              <a:buFont typeface="Arial"/>
+              <a:buNone/>
+              <a:defRPr b="0" i="0" sz="1000" u="none" cap="none" strike="noStrike">
+                <a:solidFill>
+                  <a:schemeClr val="dk2"/>
+                </a:solidFill>
+                <a:latin typeface="Arial"/>
+                <a:ea typeface="Arial"/>
+                <a:cs typeface="Arial"/>
+                <a:sym typeface="Arial"/>
+              </a:defRPr>
             </a:lvl5pPr>
-            <a:lvl6pPr lvl="5">
-              <a:buNone/>
-              <a:defRPr/>
+            <a:lvl6pPr indent="0" lvl="5" marL="0" marR="0" algn="r">
+              <a:lnSpc>
+                <a:spcPct val="100000"/>
+              </a:lnSpc>
+              <a:spcBef>
+                <a:spcPts val="0"/>
+              </a:spcBef>
+              <a:spcAft>
+                <a:spcPts val="0"/>
+              </a:spcAft>
+              <a:buClr>
+                <a:srgbClr val="000000"/>
+              </a:buClr>
+              <a:buSzPts val="1000"/>
+              <a:buFont typeface="Arial"/>
+              <a:buNone/>
+              <a:defRPr b="0" i="0" sz="1000" u="none" cap="none" strike="noStrike">
+                <a:solidFill>
+                  <a:schemeClr val="dk2"/>
+                </a:solidFill>
+                <a:latin typeface="Arial"/>
+                <a:ea typeface="Arial"/>
+                <a:cs typeface="Arial"/>
+                <a:sym typeface="Arial"/>
+              </a:defRPr>
             </a:lvl6pPr>
-            <a:lvl7pPr lvl="6">
-              <a:buNone/>
-              <a:defRPr/>
+            <a:lvl7pPr indent="0" lvl="6" marL="0" marR="0" algn="r">
+              <a:lnSpc>
+                <a:spcPct val="100000"/>
+              </a:lnSpc>
+              <a:spcBef>
+                <a:spcPts val="0"/>
+              </a:spcBef>
+              <a:spcAft>
+                <a:spcPts val="0"/>
+              </a:spcAft>
+              <a:buClr>
+                <a:srgbClr val="000000"/>
+              </a:buClr>
+              <a:buSzPts val="1000"/>
+              <a:buFont typeface="Arial"/>
+              <a:buNone/>
+              <a:defRPr b="0" i="0" sz="1000" u="none" cap="none" strike="noStrike">
+                <a:solidFill>
+                  <a:schemeClr val="dk2"/>
+                </a:solidFill>
+                <a:latin typeface="Arial"/>
+                <a:ea typeface="Arial"/>
+                <a:cs typeface="Arial"/>
+                <a:sym typeface="Arial"/>
+              </a:defRPr>
             </a:lvl7pPr>
-            <a:lvl8pPr lvl="7">
-              <a:buNone/>
-              <a:defRPr/>
+            <a:lvl8pPr indent="0" lvl="7" marL="0" marR="0" algn="r">
+              <a:lnSpc>
+                <a:spcPct val="100000"/>
+              </a:lnSpc>
+              <a:spcBef>
+                <a:spcPts val="0"/>
+              </a:spcBef>
+              <a:spcAft>
+                <a:spcPts val="0"/>
+              </a:spcAft>
+              <a:buClr>
+                <a:srgbClr val="000000"/>
+              </a:buClr>
+              <a:buSzPts val="1000"/>
+              <a:buFont typeface="Arial"/>
+              <a:buNone/>
+              <a:defRPr b="0" i="0" sz="1000" u="none" cap="none" strike="noStrike">
+                <a:solidFill>
+                  <a:schemeClr val="dk2"/>
+                </a:solidFill>
+                <a:latin typeface="Arial"/>
+                <a:ea typeface="Arial"/>
+                <a:cs typeface="Arial"/>
+                <a:sym typeface="Arial"/>
+              </a:defRPr>
             </a:lvl8pPr>
-            <a:lvl9pPr lvl="8">
-              <a:buNone/>
-              <a:defRPr/>
+            <a:lvl9pPr indent="0" lvl="8" marL="0" marR="0" algn="r">
+              <a:lnSpc>
+                <a:spcPct val="100000"/>
+              </a:lnSpc>
+              <a:spcBef>
+                <a:spcPts val="0"/>
+              </a:spcBef>
+              <a:spcAft>
+                <a:spcPts val="0"/>
+              </a:spcAft>
+              <a:buClr>
+                <a:srgbClr val="000000"/>
+              </a:buClr>
+              <a:buSzPts val="1000"/>
+              <a:buFont typeface="Arial"/>
+              <a:buNone/>
+              <a:defRPr b="0" i="0" sz="1000" u="none" cap="none" strike="noStrike">
+                <a:solidFill>
+                  <a:schemeClr val="dk2"/>
+                </a:solidFill>
+                <a:latin typeface="Arial"/>
+                <a:ea typeface="Arial"/>
+                <a:cs typeface="Arial"/>
+                <a:sym typeface="Arial"/>
+              </a:defRPr>
             </a:lvl9pPr>
           </a:lstStyle>
           <a:p>
@@ -2697,7 +4348,7 @@
       </p:grpSpPr>
       <p:sp>
         <p:nvSpPr>
-          <p:cNvPr id="26" name="Google Shape;26;p6"/>
+          <p:cNvPr id="26" name="Google Shape;26;p7"/>
           <p:cNvSpPr txBox="1"/>
           <p:nvPr>
             <p:ph type="title"/>
@@ -2711,13 +4362,20 @@
           <a:prstGeom prst="rect">
             <a:avLst/>
           </a:prstGeom>
+          <a:noFill/>
+          <a:ln>
+            <a:noFill/>
+          </a:ln>
         </p:spPr>
         <p:txBody>
           <a:bodyPr anchorCtr="0" anchor="t" bIns="91425" lIns="91425" spcFirstLastPara="1" rIns="91425" wrap="square" tIns="91425">
             <a:normAutofit/>
           </a:bodyPr>
           <a:lstStyle>
-            <a:lvl1pPr lvl="0">
+            <a:lvl1pPr lvl="0" algn="l">
+              <a:lnSpc>
+                <a:spcPct val="100000"/>
+              </a:lnSpc>
               <a:spcBef>
                 <a:spcPts val="0"/>
               </a:spcBef>
@@ -2728,7 +4386,10 @@
               <a:buNone/>
               <a:defRPr/>
             </a:lvl1pPr>
-            <a:lvl2pPr lvl="1">
+            <a:lvl2pPr lvl="1" algn="l">
+              <a:lnSpc>
+                <a:spcPct val="100000"/>
+              </a:lnSpc>
               <a:spcBef>
                 <a:spcPts val="0"/>
               </a:spcBef>
@@ -2739,7 +4400,10 @@
               <a:buNone/>
               <a:defRPr/>
             </a:lvl2pPr>
-            <a:lvl3pPr lvl="2">
+            <a:lvl3pPr lvl="2" algn="l">
+              <a:lnSpc>
+                <a:spcPct val="100000"/>
+              </a:lnSpc>
               <a:spcBef>
                 <a:spcPts val="0"/>
               </a:spcBef>
@@ -2750,7 +4414,10 @@
               <a:buNone/>
               <a:defRPr/>
             </a:lvl3pPr>
-            <a:lvl4pPr lvl="3">
+            <a:lvl4pPr lvl="3" algn="l">
+              <a:lnSpc>
+                <a:spcPct val="100000"/>
+              </a:lnSpc>
               <a:spcBef>
                 <a:spcPts val="0"/>
               </a:spcBef>
@@ -2761,7 +4428,10 @@
               <a:buNone/>
               <a:defRPr/>
             </a:lvl4pPr>
-            <a:lvl5pPr lvl="4">
+            <a:lvl5pPr lvl="4" algn="l">
+              <a:lnSpc>
+                <a:spcPct val="100000"/>
+              </a:lnSpc>
               <a:spcBef>
                 <a:spcPts val="0"/>
               </a:spcBef>
@@ -2772,7 +4442,10 @@
               <a:buNone/>
               <a:defRPr/>
             </a:lvl5pPr>
-            <a:lvl6pPr lvl="5">
+            <a:lvl6pPr lvl="5" algn="l">
+              <a:lnSpc>
+                <a:spcPct val="100000"/>
+              </a:lnSpc>
               <a:spcBef>
                 <a:spcPts val="0"/>
               </a:spcBef>
@@ -2783,7 +4456,10 @@
               <a:buNone/>
               <a:defRPr/>
             </a:lvl6pPr>
-            <a:lvl7pPr lvl="6">
+            <a:lvl7pPr lvl="6" algn="l">
+              <a:lnSpc>
+                <a:spcPct val="100000"/>
+              </a:lnSpc>
               <a:spcBef>
                 <a:spcPts val="0"/>
               </a:spcBef>
@@ -2794,7 +4470,10 @@
               <a:buNone/>
               <a:defRPr/>
             </a:lvl7pPr>
-            <a:lvl8pPr lvl="7">
+            <a:lvl8pPr lvl="7" algn="l">
+              <a:lnSpc>
+                <a:spcPct val="100000"/>
+              </a:lnSpc>
               <a:spcBef>
                 <a:spcPts val="0"/>
               </a:spcBef>
@@ -2805,7 +4484,10 @@
               <a:buNone/>
               <a:defRPr/>
             </a:lvl8pPr>
-            <a:lvl9pPr lvl="8">
+            <a:lvl9pPr lvl="8" algn="l">
+              <a:lnSpc>
+                <a:spcPct val="100000"/>
+              </a:lnSpc>
               <a:spcBef>
                 <a:spcPts val="0"/>
               </a:spcBef>
@@ -2822,7 +4504,7 @@
       </p:sp>
       <p:sp>
         <p:nvSpPr>
-          <p:cNvPr id="27" name="Google Shape;27;p6"/>
+          <p:cNvPr id="27" name="Google Shape;27;p7"/>
           <p:cNvSpPr txBox="1"/>
           <p:nvPr>
             <p:ph idx="12" type="sldNum"/>
@@ -2836,47 +4518,249 @@
           <a:prstGeom prst="rect">
             <a:avLst/>
           </a:prstGeom>
+          <a:noFill/>
+          <a:ln>
+            <a:noFill/>
+          </a:ln>
         </p:spPr>
         <p:txBody>
           <a:bodyPr anchorCtr="0" anchor="ctr" bIns="91425" lIns="91425" spcFirstLastPara="1" rIns="91425" wrap="square" tIns="91425">
             <a:normAutofit/>
           </a:bodyPr>
           <a:lstStyle>
-            <a:lvl1pPr lvl="0">
-              <a:buNone/>
-              <a:defRPr/>
+            <a:lvl1pPr indent="0" lvl="0" marL="0" marR="0" algn="r">
+              <a:lnSpc>
+                <a:spcPct val="100000"/>
+              </a:lnSpc>
+              <a:spcBef>
+                <a:spcPts val="0"/>
+              </a:spcBef>
+              <a:spcAft>
+                <a:spcPts val="0"/>
+              </a:spcAft>
+              <a:buClr>
+                <a:srgbClr val="000000"/>
+              </a:buClr>
+              <a:buSzPts val="1000"/>
+              <a:buFont typeface="Arial"/>
+              <a:buNone/>
+              <a:defRPr b="0" i="0" sz="1000" u="none" cap="none" strike="noStrike">
+                <a:solidFill>
+                  <a:schemeClr val="dk2"/>
+                </a:solidFill>
+                <a:latin typeface="Arial"/>
+                <a:ea typeface="Arial"/>
+                <a:cs typeface="Arial"/>
+                <a:sym typeface="Arial"/>
+              </a:defRPr>
             </a:lvl1pPr>
-            <a:lvl2pPr lvl="1">
-              <a:buNone/>
-              <a:defRPr/>
+            <a:lvl2pPr indent="0" lvl="1" marL="0" marR="0" algn="r">
+              <a:lnSpc>
+                <a:spcPct val="100000"/>
+              </a:lnSpc>
+              <a:spcBef>
+                <a:spcPts val="0"/>
+              </a:spcBef>
+              <a:spcAft>
+                <a:spcPts val="0"/>
+              </a:spcAft>
+              <a:buClr>
+                <a:srgbClr val="000000"/>
+              </a:buClr>
+              <a:buSzPts val="1000"/>
+              <a:buFont typeface="Arial"/>
+              <a:buNone/>
+              <a:defRPr b="0" i="0" sz="1000" u="none" cap="none" strike="noStrike">
+                <a:solidFill>
+                  <a:schemeClr val="dk2"/>
+                </a:solidFill>
+                <a:latin typeface="Arial"/>
+                <a:ea typeface="Arial"/>
+                <a:cs typeface="Arial"/>
+                <a:sym typeface="Arial"/>
+              </a:defRPr>
             </a:lvl2pPr>
-            <a:lvl3pPr lvl="2">
-              <a:buNone/>
-              <a:defRPr/>
+            <a:lvl3pPr indent="0" lvl="2" marL="0" marR="0" algn="r">
+              <a:lnSpc>
+                <a:spcPct val="100000"/>
+              </a:lnSpc>
+              <a:spcBef>
+                <a:spcPts val="0"/>
+              </a:spcBef>
+              <a:spcAft>
+                <a:spcPts val="0"/>
+              </a:spcAft>
+              <a:buClr>
+                <a:srgbClr val="000000"/>
+              </a:buClr>
+              <a:buSzPts val="1000"/>
+              <a:buFont typeface="Arial"/>
+              <a:buNone/>
+              <a:defRPr b="0" i="0" sz="1000" u="none" cap="none" strike="noStrike">
+                <a:solidFill>
+                  <a:schemeClr val="dk2"/>
+                </a:solidFill>
+                <a:latin typeface="Arial"/>
+                <a:ea typeface="Arial"/>
+                <a:cs typeface="Arial"/>
+                <a:sym typeface="Arial"/>
+              </a:defRPr>
             </a:lvl3pPr>
-            <a:lvl4pPr lvl="3">
-              <a:buNone/>
-              <a:defRPr/>
+            <a:lvl4pPr indent="0" lvl="3" marL="0" marR="0" algn="r">
+              <a:lnSpc>
+                <a:spcPct val="100000"/>
+              </a:lnSpc>
+              <a:spcBef>
+                <a:spcPts val="0"/>
+              </a:spcBef>
+              <a:spcAft>
+                <a:spcPts val="0"/>
+              </a:spcAft>
+              <a:buClr>
+                <a:srgbClr val="000000"/>
+              </a:buClr>
+              <a:buSzPts val="1000"/>
+              <a:buFont typeface="Arial"/>
+              <a:buNone/>
+              <a:defRPr b="0" i="0" sz="1000" u="none" cap="none" strike="noStrike">
+                <a:solidFill>
+                  <a:schemeClr val="dk2"/>
+                </a:solidFill>
+                <a:latin typeface="Arial"/>
+                <a:ea typeface="Arial"/>
+                <a:cs typeface="Arial"/>
+                <a:sym typeface="Arial"/>
+              </a:defRPr>
             </a:lvl4pPr>
-            <a:lvl5pPr lvl="4">
-              <a:buNone/>
-              <a:defRPr/>
+            <a:lvl5pPr indent="0" lvl="4" marL="0" marR="0" algn="r">
+              <a:lnSpc>
+                <a:spcPct val="100000"/>
+              </a:lnSpc>
+              <a:spcBef>
+                <a:spcPts val="0"/>
+              </a:spcBef>
+              <a:spcAft>
+                <a:spcPts val="0"/>
+              </a:spcAft>
+              <a:buClr>
+                <a:srgbClr val="000000"/>
+              </a:buClr>
+              <a:buSzPts val="1000"/>
+              <a:buFont typeface="Arial"/>
+              <a:buNone/>
+              <a:defRPr b="0" i="0" sz="1000" u="none" cap="none" strike="noStrike">
+                <a:solidFill>
+                  <a:schemeClr val="dk2"/>
+                </a:solidFill>
+                <a:latin typeface="Arial"/>
+                <a:ea typeface="Arial"/>
+                <a:cs typeface="Arial"/>
+                <a:sym typeface="Arial"/>
+              </a:defRPr>
             </a:lvl5pPr>
-            <a:lvl6pPr lvl="5">
-              <a:buNone/>
-              <a:defRPr/>
+            <a:lvl6pPr indent="0" lvl="5" marL="0" marR="0" algn="r">
+              <a:lnSpc>
+                <a:spcPct val="100000"/>
+              </a:lnSpc>
+              <a:spcBef>
+                <a:spcPts val="0"/>
+              </a:spcBef>
+              <a:spcAft>
+                <a:spcPts val="0"/>
+              </a:spcAft>
+              <a:buClr>
+                <a:srgbClr val="000000"/>
+              </a:buClr>
+              <a:buSzPts val="1000"/>
+              <a:buFont typeface="Arial"/>
+              <a:buNone/>
+              <a:defRPr b="0" i="0" sz="1000" u="none" cap="none" strike="noStrike">
+                <a:solidFill>
+                  <a:schemeClr val="dk2"/>
+                </a:solidFill>
+                <a:latin typeface="Arial"/>
+                <a:ea typeface="Arial"/>
+                <a:cs typeface="Arial"/>
+                <a:sym typeface="Arial"/>
+              </a:defRPr>
             </a:lvl6pPr>
-            <a:lvl7pPr lvl="6">
-              <a:buNone/>
-              <a:defRPr/>
+            <a:lvl7pPr indent="0" lvl="6" marL="0" marR="0" algn="r">
+              <a:lnSpc>
+                <a:spcPct val="100000"/>
+              </a:lnSpc>
+              <a:spcBef>
+                <a:spcPts val="0"/>
+              </a:spcBef>
+              <a:spcAft>
+                <a:spcPts val="0"/>
+              </a:spcAft>
+              <a:buClr>
+                <a:srgbClr val="000000"/>
+              </a:buClr>
+              <a:buSzPts val="1000"/>
+              <a:buFont typeface="Arial"/>
+              <a:buNone/>
+              <a:defRPr b="0" i="0" sz="1000" u="none" cap="none" strike="noStrike">
+                <a:solidFill>
+                  <a:schemeClr val="dk2"/>
+                </a:solidFill>
+                <a:latin typeface="Arial"/>
+                <a:ea typeface="Arial"/>
+                <a:cs typeface="Arial"/>
+                <a:sym typeface="Arial"/>
+              </a:defRPr>
             </a:lvl7pPr>
-            <a:lvl8pPr lvl="7">
-              <a:buNone/>
-              <a:defRPr/>
+            <a:lvl8pPr indent="0" lvl="7" marL="0" marR="0" algn="r">
+              <a:lnSpc>
+                <a:spcPct val="100000"/>
+              </a:lnSpc>
+              <a:spcBef>
+                <a:spcPts val="0"/>
+              </a:spcBef>
+              <a:spcAft>
+                <a:spcPts val="0"/>
+              </a:spcAft>
+              <a:buClr>
+                <a:srgbClr val="000000"/>
+              </a:buClr>
+              <a:buSzPts val="1000"/>
+              <a:buFont typeface="Arial"/>
+              <a:buNone/>
+              <a:defRPr b="0" i="0" sz="1000" u="none" cap="none" strike="noStrike">
+                <a:solidFill>
+                  <a:schemeClr val="dk2"/>
+                </a:solidFill>
+                <a:latin typeface="Arial"/>
+                <a:ea typeface="Arial"/>
+                <a:cs typeface="Arial"/>
+                <a:sym typeface="Arial"/>
+              </a:defRPr>
             </a:lvl8pPr>
-            <a:lvl9pPr lvl="8">
-              <a:buNone/>
-              <a:defRPr/>
+            <a:lvl9pPr indent="0" lvl="8" marL="0" marR="0" algn="r">
+              <a:lnSpc>
+                <a:spcPct val="100000"/>
+              </a:lnSpc>
+              <a:spcBef>
+                <a:spcPts val="0"/>
+              </a:spcBef>
+              <a:spcAft>
+                <a:spcPts val="0"/>
+              </a:spcAft>
+              <a:buClr>
+                <a:srgbClr val="000000"/>
+              </a:buClr>
+              <a:buSzPts val="1000"/>
+              <a:buFont typeface="Arial"/>
+              <a:buNone/>
+              <a:defRPr b="0" i="0" sz="1000" u="none" cap="none" strike="noStrike">
+                <a:solidFill>
+                  <a:schemeClr val="dk2"/>
+                </a:solidFill>
+                <a:latin typeface="Arial"/>
+                <a:ea typeface="Arial"/>
+                <a:cs typeface="Arial"/>
+                <a:sym typeface="Arial"/>
+              </a:defRPr>
             </a:lvl9pPr>
           </a:lstStyle>
           <a:p>
@@ -2924,7 +4808,7 @@
       </p:grpSpPr>
       <p:sp>
         <p:nvSpPr>
-          <p:cNvPr id="29" name="Google Shape;29;p7"/>
+          <p:cNvPr id="29" name="Google Shape;29;p8"/>
           <p:cNvSpPr txBox="1"/>
           <p:nvPr>
             <p:ph type="title"/>
@@ -2938,13 +4822,20 @@
           <a:prstGeom prst="rect">
             <a:avLst/>
           </a:prstGeom>
+          <a:noFill/>
+          <a:ln>
+            <a:noFill/>
+          </a:ln>
         </p:spPr>
         <p:txBody>
           <a:bodyPr anchorCtr="0" anchor="b" bIns="91425" lIns="91425" spcFirstLastPara="1" rIns="91425" wrap="square" tIns="91425">
             <a:normAutofit/>
           </a:bodyPr>
           <a:lstStyle>
-            <a:lvl1pPr lvl="0">
+            <a:lvl1pPr lvl="0" algn="l">
+              <a:lnSpc>
+                <a:spcPct val="100000"/>
+              </a:lnSpc>
               <a:spcBef>
                 <a:spcPts val="0"/>
               </a:spcBef>
@@ -2955,7 +4846,10 @@
               <a:buNone/>
               <a:defRPr sz="2400"/>
             </a:lvl1pPr>
-            <a:lvl2pPr lvl="1">
+            <a:lvl2pPr lvl="1" algn="l">
+              <a:lnSpc>
+                <a:spcPct val="100000"/>
+              </a:lnSpc>
               <a:spcBef>
                 <a:spcPts val="0"/>
               </a:spcBef>
@@ -2966,7 +4860,10 @@
               <a:buNone/>
               <a:defRPr sz="2400"/>
             </a:lvl2pPr>
-            <a:lvl3pPr lvl="2">
+            <a:lvl3pPr lvl="2" algn="l">
+              <a:lnSpc>
+                <a:spcPct val="100000"/>
+              </a:lnSpc>
               <a:spcBef>
                 <a:spcPts val="0"/>
               </a:spcBef>
@@ -2977,7 +4874,10 @@
               <a:buNone/>
               <a:defRPr sz="2400"/>
             </a:lvl3pPr>
-            <a:lvl4pPr lvl="3">
+            <a:lvl4pPr lvl="3" algn="l">
+              <a:lnSpc>
+                <a:spcPct val="100000"/>
+              </a:lnSpc>
               <a:spcBef>
                 <a:spcPts val="0"/>
               </a:spcBef>
@@ -2988,7 +4888,10 @@
               <a:buNone/>
               <a:defRPr sz="2400"/>
             </a:lvl4pPr>
-            <a:lvl5pPr lvl="4">
+            <a:lvl5pPr lvl="4" algn="l">
+              <a:lnSpc>
+                <a:spcPct val="100000"/>
+              </a:lnSpc>
               <a:spcBef>
                 <a:spcPts val="0"/>
               </a:spcBef>
@@ -2999,7 +4902,10 @@
               <a:buNone/>
               <a:defRPr sz="2400"/>
             </a:lvl5pPr>
-            <a:lvl6pPr lvl="5">
+            <a:lvl6pPr lvl="5" algn="l">
+              <a:lnSpc>
+                <a:spcPct val="100000"/>
+              </a:lnSpc>
               <a:spcBef>
                 <a:spcPts val="0"/>
               </a:spcBef>
@@ -3010,7 +4916,10 @@
               <a:buNone/>
               <a:defRPr sz="2400"/>
             </a:lvl6pPr>
-            <a:lvl7pPr lvl="6">
+            <a:lvl7pPr lvl="6" algn="l">
+              <a:lnSpc>
+                <a:spcPct val="100000"/>
+              </a:lnSpc>
               <a:spcBef>
                 <a:spcPts val="0"/>
               </a:spcBef>
@@ -3021,7 +4930,10 @@
               <a:buNone/>
               <a:defRPr sz="2400"/>
             </a:lvl7pPr>
-            <a:lvl8pPr lvl="7">
+            <a:lvl8pPr lvl="7" algn="l">
+              <a:lnSpc>
+                <a:spcPct val="100000"/>
+              </a:lnSpc>
               <a:spcBef>
                 <a:spcPts val="0"/>
               </a:spcBef>
@@ -3032,7 +4944,10 @@
               <a:buNone/>
               <a:defRPr sz="2400"/>
             </a:lvl8pPr>
-            <a:lvl9pPr lvl="8">
+            <a:lvl9pPr lvl="8" algn="l">
+              <a:lnSpc>
+                <a:spcPct val="100000"/>
+              </a:lnSpc>
               <a:spcBef>
                 <a:spcPts val="0"/>
               </a:spcBef>
@@ -3049,7 +4964,7 @@
       </p:sp>
       <p:sp>
         <p:nvSpPr>
-          <p:cNvPr id="30" name="Google Shape;30;p7"/>
+          <p:cNvPr id="30" name="Google Shape;30;p8"/>
           <p:cNvSpPr txBox="1"/>
           <p:nvPr>
             <p:ph idx="1" type="body"/>
@@ -3063,13 +4978,20 @@
           <a:prstGeom prst="rect">
             <a:avLst/>
           </a:prstGeom>
+          <a:noFill/>
+          <a:ln>
+            <a:noFill/>
+          </a:ln>
         </p:spPr>
         <p:txBody>
           <a:bodyPr anchorCtr="0" anchor="t" bIns="91425" lIns="91425" spcFirstLastPara="1" rIns="91425" wrap="square" tIns="91425">
             <a:normAutofit/>
           </a:bodyPr>
           <a:lstStyle>
-            <a:lvl1pPr indent="-304800" lvl="0" marL="457200">
+            <a:lvl1pPr indent="-304800" lvl="0" marL="457200" algn="l">
+              <a:lnSpc>
+                <a:spcPct val="115000"/>
+              </a:lnSpc>
               <a:spcBef>
                 <a:spcPts val="0"/>
               </a:spcBef>
@@ -3080,7 +5002,10 @@
               <a:buChar char="●"/>
               <a:defRPr sz="1200"/>
             </a:lvl1pPr>
-            <a:lvl2pPr indent="-304800" lvl="1" marL="914400">
+            <a:lvl2pPr indent="-304800" lvl="1" marL="914400" algn="l">
+              <a:lnSpc>
+                <a:spcPct val="115000"/>
+              </a:lnSpc>
               <a:spcBef>
                 <a:spcPts val="0"/>
               </a:spcBef>
@@ -3091,7 +5016,10 @@
               <a:buChar char="○"/>
               <a:defRPr sz="1200"/>
             </a:lvl2pPr>
-            <a:lvl3pPr indent="-304800" lvl="2" marL="1371600">
+            <a:lvl3pPr indent="-304800" lvl="2" marL="1371600" algn="l">
+              <a:lnSpc>
+                <a:spcPct val="115000"/>
+              </a:lnSpc>
               <a:spcBef>
                 <a:spcPts val="0"/>
               </a:spcBef>
@@ -3102,7 +5030,10 @@
               <a:buChar char="■"/>
               <a:defRPr sz="1200"/>
             </a:lvl3pPr>
-            <a:lvl4pPr indent="-304800" lvl="3" marL="1828800">
+            <a:lvl4pPr indent="-304800" lvl="3" marL="1828800" algn="l">
+              <a:lnSpc>
+                <a:spcPct val="115000"/>
+              </a:lnSpc>
               <a:spcBef>
                 <a:spcPts val="0"/>
               </a:spcBef>
@@ -3113,7 +5044,10 @@
               <a:buChar char="●"/>
               <a:defRPr sz="1200"/>
             </a:lvl4pPr>
-            <a:lvl5pPr indent="-304800" lvl="4" marL="2286000">
+            <a:lvl5pPr indent="-304800" lvl="4" marL="2286000" algn="l">
+              <a:lnSpc>
+                <a:spcPct val="115000"/>
+              </a:lnSpc>
               <a:spcBef>
                 <a:spcPts val="0"/>
               </a:spcBef>
@@ -3124,7 +5058,10 @@
               <a:buChar char="○"/>
               <a:defRPr sz="1200"/>
             </a:lvl5pPr>
-            <a:lvl6pPr indent="-304800" lvl="5" marL="2743200">
+            <a:lvl6pPr indent="-304800" lvl="5" marL="2743200" algn="l">
+              <a:lnSpc>
+                <a:spcPct val="115000"/>
+              </a:lnSpc>
               <a:spcBef>
                 <a:spcPts val="0"/>
               </a:spcBef>
@@ -3135,7 +5072,10 @@
               <a:buChar char="■"/>
               <a:defRPr sz="1200"/>
             </a:lvl6pPr>
-            <a:lvl7pPr indent="-304800" lvl="6" marL="3200400">
+            <a:lvl7pPr indent="-304800" lvl="6" marL="3200400" algn="l">
+              <a:lnSpc>
+                <a:spcPct val="115000"/>
+              </a:lnSpc>
               <a:spcBef>
                 <a:spcPts val="0"/>
               </a:spcBef>
@@ -3146,7 +5086,10 @@
               <a:buChar char="●"/>
               <a:defRPr sz="1200"/>
             </a:lvl7pPr>
-            <a:lvl8pPr indent="-304800" lvl="7" marL="3657600">
+            <a:lvl8pPr indent="-304800" lvl="7" marL="3657600" algn="l">
+              <a:lnSpc>
+                <a:spcPct val="115000"/>
+              </a:lnSpc>
               <a:spcBef>
                 <a:spcPts val="0"/>
               </a:spcBef>
@@ -3157,7 +5100,10 @@
               <a:buChar char="○"/>
               <a:defRPr sz="1200"/>
             </a:lvl8pPr>
-            <a:lvl9pPr indent="-304800" lvl="8" marL="4114800">
+            <a:lvl9pPr indent="-304800" lvl="8" marL="4114800" algn="l">
+              <a:lnSpc>
+                <a:spcPct val="115000"/>
+              </a:lnSpc>
               <a:spcBef>
                 <a:spcPts val="0"/>
               </a:spcBef>
@@ -3174,7 +5120,7 @@
       </p:sp>
       <p:sp>
         <p:nvSpPr>
-          <p:cNvPr id="31" name="Google Shape;31;p7"/>
+          <p:cNvPr id="31" name="Google Shape;31;p8"/>
           <p:cNvSpPr txBox="1"/>
           <p:nvPr>
             <p:ph idx="12" type="sldNum"/>
@@ -3188,47 +5134,249 @@
           <a:prstGeom prst="rect">
             <a:avLst/>
           </a:prstGeom>
+          <a:noFill/>
+          <a:ln>
+            <a:noFill/>
+          </a:ln>
         </p:spPr>
         <p:txBody>
           <a:bodyPr anchorCtr="0" anchor="ctr" bIns="91425" lIns="91425" spcFirstLastPara="1" rIns="91425" wrap="square" tIns="91425">
             <a:normAutofit/>
           </a:bodyPr>
           <a:lstStyle>
-            <a:lvl1pPr lvl="0">
-              <a:buNone/>
-              <a:defRPr/>
+            <a:lvl1pPr indent="0" lvl="0" marL="0" marR="0" algn="r">
+              <a:lnSpc>
+                <a:spcPct val="100000"/>
+              </a:lnSpc>
+              <a:spcBef>
+                <a:spcPts val="0"/>
+              </a:spcBef>
+              <a:spcAft>
+                <a:spcPts val="0"/>
+              </a:spcAft>
+              <a:buClr>
+                <a:srgbClr val="000000"/>
+              </a:buClr>
+              <a:buSzPts val="1000"/>
+              <a:buFont typeface="Arial"/>
+              <a:buNone/>
+              <a:defRPr b="0" i="0" sz="1000" u="none" cap="none" strike="noStrike">
+                <a:solidFill>
+                  <a:schemeClr val="dk2"/>
+                </a:solidFill>
+                <a:latin typeface="Arial"/>
+                <a:ea typeface="Arial"/>
+                <a:cs typeface="Arial"/>
+                <a:sym typeface="Arial"/>
+              </a:defRPr>
             </a:lvl1pPr>
-            <a:lvl2pPr lvl="1">
-              <a:buNone/>
-              <a:defRPr/>
+            <a:lvl2pPr indent="0" lvl="1" marL="0" marR="0" algn="r">
+              <a:lnSpc>
+                <a:spcPct val="100000"/>
+              </a:lnSpc>
+              <a:spcBef>
+                <a:spcPts val="0"/>
+              </a:spcBef>
+              <a:spcAft>
+                <a:spcPts val="0"/>
+              </a:spcAft>
+              <a:buClr>
+                <a:srgbClr val="000000"/>
+              </a:buClr>
+              <a:buSzPts val="1000"/>
+              <a:buFont typeface="Arial"/>
+              <a:buNone/>
+              <a:defRPr b="0" i="0" sz="1000" u="none" cap="none" strike="noStrike">
+                <a:solidFill>
+                  <a:schemeClr val="dk2"/>
+                </a:solidFill>
+                <a:latin typeface="Arial"/>
+                <a:ea typeface="Arial"/>
+                <a:cs typeface="Arial"/>
+                <a:sym typeface="Arial"/>
+              </a:defRPr>
             </a:lvl2pPr>
-            <a:lvl3pPr lvl="2">
-              <a:buNone/>
-              <a:defRPr/>
+            <a:lvl3pPr indent="0" lvl="2" marL="0" marR="0" algn="r">
+              <a:lnSpc>
+                <a:spcPct val="100000"/>
+              </a:lnSpc>
+              <a:spcBef>
+                <a:spcPts val="0"/>
+              </a:spcBef>
+              <a:spcAft>
+                <a:spcPts val="0"/>
+              </a:spcAft>
+              <a:buClr>
+                <a:srgbClr val="000000"/>
+              </a:buClr>
+              <a:buSzPts val="1000"/>
+              <a:buFont typeface="Arial"/>
+              <a:buNone/>
+              <a:defRPr b="0" i="0" sz="1000" u="none" cap="none" strike="noStrike">
+                <a:solidFill>
+                  <a:schemeClr val="dk2"/>
+                </a:solidFill>
+                <a:latin typeface="Arial"/>
+                <a:ea typeface="Arial"/>
+                <a:cs typeface="Arial"/>
+                <a:sym typeface="Arial"/>
+              </a:defRPr>
             </a:lvl3pPr>
-            <a:lvl4pPr lvl="3">
-              <a:buNone/>
-              <a:defRPr/>
+            <a:lvl4pPr indent="0" lvl="3" marL="0" marR="0" algn="r">
+              <a:lnSpc>
+                <a:spcPct val="100000"/>
+              </a:lnSpc>
+              <a:spcBef>
+                <a:spcPts val="0"/>
+              </a:spcBef>
+              <a:spcAft>
+                <a:spcPts val="0"/>
+              </a:spcAft>
+              <a:buClr>
+                <a:srgbClr val="000000"/>
+              </a:buClr>
+              <a:buSzPts val="1000"/>
+              <a:buFont typeface="Arial"/>
+              <a:buNone/>
+              <a:defRPr b="0" i="0" sz="1000" u="none" cap="none" strike="noStrike">
+                <a:solidFill>
+                  <a:schemeClr val="dk2"/>
+                </a:solidFill>
+                <a:latin typeface="Arial"/>
+                <a:ea typeface="Arial"/>
+                <a:cs typeface="Arial"/>
+                <a:sym typeface="Arial"/>
+              </a:defRPr>
             </a:lvl4pPr>
-            <a:lvl5pPr lvl="4">
-              <a:buNone/>
-              <a:defRPr/>
+            <a:lvl5pPr indent="0" lvl="4" marL="0" marR="0" algn="r">
+              <a:lnSpc>
+                <a:spcPct val="100000"/>
+              </a:lnSpc>
+              <a:spcBef>
+                <a:spcPts val="0"/>
+              </a:spcBef>
+              <a:spcAft>
+                <a:spcPts val="0"/>
+              </a:spcAft>
+              <a:buClr>
+                <a:srgbClr val="000000"/>
+              </a:buClr>
+              <a:buSzPts val="1000"/>
+              <a:buFont typeface="Arial"/>
+              <a:buNone/>
+              <a:defRPr b="0" i="0" sz="1000" u="none" cap="none" strike="noStrike">
+                <a:solidFill>
+                  <a:schemeClr val="dk2"/>
+                </a:solidFill>
+                <a:latin typeface="Arial"/>
+                <a:ea typeface="Arial"/>
+                <a:cs typeface="Arial"/>
+                <a:sym typeface="Arial"/>
+              </a:defRPr>
             </a:lvl5pPr>
-            <a:lvl6pPr lvl="5">
-              <a:buNone/>
-              <a:defRPr/>
+            <a:lvl6pPr indent="0" lvl="5" marL="0" marR="0" algn="r">
+              <a:lnSpc>
+                <a:spcPct val="100000"/>
+              </a:lnSpc>
+              <a:spcBef>
+                <a:spcPts val="0"/>
+              </a:spcBef>
+              <a:spcAft>
+                <a:spcPts val="0"/>
+              </a:spcAft>
+              <a:buClr>
+                <a:srgbClr val="000000"/>
+              </a:buClr>
+              <a:buSzPts val="1000"/>
+              <a:buFont typeface="Arial"/>
+              <a:buNone/>
+              <a:defRPr b="0" i="0" sz="1000" u="none" cap="none" strike="noStrike">
+                <a:solidFill>
+                  <a:schemeClr val="dk2"/>
+                </a:solidFill>
+                <a:latin typeface="Arial"/>
+                <a:ea typeface="Arial"/>
+                <a:cs typeface="Arial"/>
+                <a:sym typeface="Arial"/>
+              </a:defRPr>
             </a:lvl6pPr>
-            <a:lvl7pPr lvl="6">
-              <a:buNone/>
-              <a:defRPr/>
+            <a:lvl7pPr indent="0" lvl="6" marL="0" marR="0" algn="r">
+              <a:lnSpc>
+                <a:spcPct val="100000"/>
+              </a:lnSpc>
+              <a:spcBef>
+                <a:spcPts val="0"/>
+              </a:spcBef>
+              <a:spcAft>
+                <a:spcPts val="0"/>
+              </a:spcAft>
+              <a:buClr>
+                <a:srgbClr val="000000"/>
+              </a:buClr>
+              <a:buSzPts val="1000"/>
+              <a:buFont typeface="Arial"/>
+              <a:buNone/>
+              <a:defRPr b="0" i="0" sz="1000" u="none" cap="none" strike="noStrike">
+                <a:solidFill>
+                  <a:schemeClr val="dk2"/>
+                </a:solidFill>
+                <a:latin typeface="Arial"/>
+                <a:ea typeface="Arial"/>
+                <a:cs typeface="Arial"/>
+                <a:sym typeface="Arial"/>
+              </a:defRPr>
             </a:lvl7pPr>
-            <a:lvl8pPr lvl="7">
-              <a:buNone/>
-              <a:defRPr/>
+            <a:lvl8pPr indent="0" lvl="7" marL="0" marR="0" algn="r">
+              <a:lnSpc>
+                <a:spcPct val="100000"/>
+              </a:lnSpc>
+              <a:spcBef>
+                <a:spcPts val="0"/>
+              </a:spcBef>
+              <a:spcAft>
+                <a:spcPts val="0"/>
+              </a:spcAft>
+              <a:buClr>
+                <a:srgbClr val="000000"/>
+              </a:buClr>
+              <a:buSzPts val="1000"/>
+              <a:buFont typeface="Arial"/>
+              <a:buNone/>
+              <a:defRPr b="0" i="0" sz="1000" u="none" cap="none" strike="noStrike">
+                <a:solidFill>
+                  <a:schemeClr val="dk2"/>
+                </a:solidFill>
+                <a:latin typeface="Arial"/>
+                <a:ea typeface="Arial"/>
+                <a:cs typeface="Arial"/>
+                <a:sym typeface="Arial"/>
+              </a:defRPr>
             </a:lvl8pPr>
-            <a:lvl9pPr lvl="8">
-              <a:buNone/>
-              <a:defRPr/>
+            <a:lvl9pPr indent="0" lvl="8" marL="0" marR="0" algn="r">
+              <a:lnSpc>
+                <a:spcPct val="100000"/>
+              </a:lnSpc>
+              <a:spcBef>
+                <a:spcPts val="0"/>
+              </a:spcBef>
+              <a:spcAft>
+                <a:spcPts val="0"/>
+              </a:spcAft>
+              <a:buClr>
+                <a:srgbClr val="000000"/>
+              </a:buClr>
+              <a:buSzPts val="1000"/>
+              <a:buFont typeface="Arial"/>
+              <a:buNone/>
+              <a:defRPr b="0" i="0" sz="1000" u="none" cap="none" strike="noStrike">
+                <a:solidFill>
+                  <a:schemeClr val="dk2"/>
+                </a:solidFill>
+                <a:latin typeface="Arial"/>
+                <a:ea typeface="Arial"/>
+                <a:cs typeface="Arial"/>
+                <a:sym typeface="Arial"/>
+              </a:defRPr>
             </a:lvl9pPr>
           </a:lstStyle>
           <a:p>
@@ -3276,7 +5424,7 @@
       </p:grpSpPr>
       <p:sp>
         <p:nvSpPr>
-          <p:cNvPr id="33" name="Google Shape;33;p8"/>
+          <p:cNvPr id="33" name="Google Shape;33;p9"/>
           <p:cNvSpPr txBox="1"/>
           <p:nvPr>
             <p:ph type="title"/>
@@ -3290,13 +5438,20 @@
           <a:prstGeom prst="rect">
             <a:avLst/>
           </a:prstGeom>
+          <a:noFill/>
+          <a:ln>
+            <a:noFill/>
+          </a:ln>
         </p:spPr>
         <p:txBody>
           <a:bodyPr anchorCtr="0" anchor="ctr" bIns="91425" lIns="91425" spcFirstLastPara="1" rIns="91425" wrap="square" tIns="91425">
             <a:normAutofit/>
           </a:bodyPr>
           <a:lstStyle>
-            <a:lvl1pPr lvl="0">
+            <a:lvl1pPr lvl="0" algn="l">
+              <a:lnSpc>
+                <a:spcPct val="100000"/>
+              </a:lnSpc>
               <a:spcBef>
                 <a:spcPts val="0"/>
               </a:spcBef>
@@ -3307,7 +5462,10 @@
               <a:buNone/>
               <a:defRPr sz="4800"/>
             </a:lvl1pPr>
-            <a:lvl2pPr lvl="1">
+            <a:lvl2pPr lvl="1" algn="l">
+              <a:lnSpc>
+                <a:spcPct val="100000"/>
+              </a:lnSpc>
               <a:spcBef>
                 <a:spcPts val="0"/>
               </a:spcBef>
@@ -3318,7 +5476,10 @@
               <a:buNone/>
               <a:defRPr sz="4800"/>
             </a:lvl2pPr>
-            <a:lvl3pPr lvl="2">
+            <a:lvl3pPr lvl="2" algn="l">
+              <a:lnSpc>
+                <a:spcPct val="100000"/>
+              </a:lnSpc>
               <a:spcBef>
                 <a:spcPts val="0"/>
               </a:spcBef>
@@ -3329,7 +5490,10 @@
               <a:buNone/>
               <a:defRPr sz="4800"/>
             </a:lvl3pPr>
-            <a:lvl4pPr lvl="3">
+            <a:lvl4pPr lvl="3" algn="l">
+              <a:lnSpc>
+                <a:spcPct val="100000"/>
+              </a:lnSpc>
               <a:spcBef>
                 <a:spcPts val="0"/>
               </a:spcBef>
@@ -3340,7 +5504,10 @@
               <a:buNone/>
               <a:defRPr sz="4800"/>
             </a:lvl4pPr>
-            <a:lvl5pPr lvl="4">
+            <a:lvl5pPr lvl="4" algn="l">
+              <a:lnSpc>
+                <a:spcPct val="100000"/>
+              </a:lnSpc>
               <a:spcBef>
                 <a:spcPts val="0"/>
               </a:spcBef>
@@ -3351,7 +5518,10 @@
               <a:buNone/>
               <a:defRPr sz="4800"/>
             </a:lvl5pPr>
-            <a:lvl6pPr lvl="5">
+            <a:lvl6pPr lvl="5" algn="l">
+              <a:lnSpc>
+                <a:spcPct val="100000"/>
+              </a:lnSpc>
               <a:spcBef>
                 <a:spcPts val="0"/>
               </a:spcBef>
@@ -3362,7 +5532,10 @@
               <a:buNone/>
               <a:defRPr sz="4800"/>
             </a:lvl6pPr>
-            <a:lvl7pPr lvl="6">
+            <a:lvl7pPr lvl="6" algn="l">
+              <a:lnSpc>
+                <a:spcPct val="100000"/>
+              </a:lnSpc>
               <a:spcBef>
                 <a:spcPts val="0"/>
               </a:spcBef>
@@ -3373,7 +5546,10 @@
               <a:buNone/>
               <a:defRPr sz="4800"/>
             </a:lvl7pPr>
-            <a:lvl8pPr lvl="7">
+            <a:lvl8pPr lvl="7" algn="l">
+              <a:lnSpc>
+                <a:spcPct val="100000"/>
+              </a:lnSpc>
               <a:spcBef>
                 <a:spcPts val="0"/>
               </a:spcBef>
@@ -3384,7 +5560,10 @@
               <a:buNone/>
               <a:defRPr sz="4800"/>
             </a:lvl8pPr>
-            <a:lvl9pPr lvl="8">
+            <a:lvl9pPr lvl="8" algn="l">
+              <a:lnSpc>
+                <a:spcPct val="100000"/>
+              </a:lnSpc>
               <a:spcBef>
                 <a:spcPts val="0"/>
               </a:spcBef>
@@ -3401,7 +5580,7 @@
       </p:sp>
       <p:sp>
         <p:nvSpPr>
-          <p:cNvPr id="34" name="Google Shape;34;p8"/>
+          <p:cNvPr id="34" name="Google Shape;34;p9"/>
           <p:cNvSpPr txBox="1"/>
           <p:nvPr>
             <p:ph idx="12" type="sldNum"/>
@@ -3415,47 +5594,249 @@
           <a:prstGeom prst="rect">
             <a:avLst/>
           </a:prstGeom>
+          <a:noFill/>
+          <a:ln>
+            <a:noFill/>
+          </a:ln>
         </p:spPr>
         <p:txBody>
           <a:bodyPr anchorCtr="0" anchor="ctr" bIns="91425" lIns="91425" spcFirstLastPara="1" rIns="91425" wrap="square" tIns="91425">
             <a:normAutofit/>
           </a:bodyPr>
           <a:lstStyle>
-            <a:lvl1pPr lvl="0">
-              <a:buNone/>
-              <a:defRPr/>
+            <a:lvl1pPr indent="0" lvl="0" marL="0" marR="0" algn="r">
+              <a:lnSpc>
+                <a:spcPct val="100000"/>
+              </a:lnSpc>
+              <a:spcBef>
+                <a:spcPts val="0"/>
+              </a:spcBef>
+              <a:spcAft>
+                <a:spcPts val="0"/>
+              </a:spcAft>
+              <a:buClr>
+                <a:srgbClr val="000000"/>
+              </a:buClr>
+              <a:buSzPts val="1000"/>
+              <a:buFont typeface="Arial"/>
+              <a:buNone/>
+              <a:defRPr b="0" i="0" sz="1000" u="none" cap="none" strike="noStrike">
+                <a:solidFill>
+                  <a:schemeClr val="dk2"/>
+                </a:solidFill>
+                <a:latin typeface="Arial"/>
+                <a:ea typeface="Arial"/>
+                <a:cs typeface="Arial"/>
+                <a:sym typeface="Arial"/>
+              </a:defRPr>
             </a:lvl1pPr>
-            <a:lvl2pPr lvl="1">
-              <a:buNone/>
-              <a:defRPr/>
+            <a:lvl2pPr indent="0" lvl="1" marL="0" marR="0" algn="r">
+              <a:lnSpc>
+                <a:spcPct val="100000"/>
+              </a:lnSpc>
+              <a:spcBef>
+                <a:spcPts val="0"/>
+              </a:spcBef>
+              <a:spcAft>
+                <a:spcPts val="0"/>
+              </a:spcAft>
+              <a:buClr>
+                <a:srgbClr val="000000"/>
+              </a:buClr>
+              <a:buSzPts val="1000"/>
+              <a:buFont typeface="Arial"/>
+              <a:buNone/>
+              <a:defRPr b="0" i="0" sz="1000" u="none" cap="none" strike="noStrike">
+                <a:solidFill>
+                  <a:schemeClr val="dk2"/>
+                </a:solidFill>
+                <a:latin typeface="Arial"/>
+                <a:ea typeface="Arial"/>
+                <a:cs typeface="Arial"/>
+                <a:sym typeface="Arial"/>
+              </a:defRPr>
             </a:lvl2pPr>
-            <a:lvl3pPr lvl="2">
-              <a:buNone/>
-              <a:defRPr/>
+            <a:lvl3pPr indent="0" lvl="2" marL="0" marR="0" algn="r">
+              <a:lnSpc>
+                <a:spcPct val="100000"/>
+              </a:lnSpc>
+              <a:spcBef>
+                <a:spcPts val="0"/>
+              </a:spcBef>
+              <a:spcAft>
+                <a:spcPts val="0"/>
+              </a:spcAft>
+              <a:buClr>
+                <a:srgbClr val="000000"/>
+              </a:buClr>
+              <a:buSzPts val="1000"/>
+              <a:buFont typeface="Arial"/>
+              <a:buNone/>
+              <a:defRPr b="0" i="0" sz="1000" u="none" cap="none" strike="noStrike">
+                <a:solidFill>
+                  <a:schemeClr val="dk2"/>
+                </a:solidFill>
+                <a:latin typeface="Arial"/>
+                <a:ea typeface="Arial"/>
+                <a:cs typeface="Arial"/>
+                <a:sym typeface="Arial"/>
+              </a:defRPr>
             </a:lvl3pPr>
-            <a:lvl4pPr lvl="3">
-              <a:buNone/>
-              <a:defRPr/>
+            <a:lvl4pPr indent="0" lvl="3" marL="0" marR="0" algn="r">
+              <a:lnSpc>
+                <a:spcPct val="100000"/>
+              </a:lnSpc>
+              <a:spcBef>
+                <a:spcPts val="0"/>
+              </a:spcBef>
+              <a:spcAft>
+                <a:spcPts val="0"/>
+              </a:spcAft>
+              <a:buClr>
+                <a:srgbClr val="000000"/>
+              </a:buClr>
+              <a:buSzPts val="1000"/>
+              <a:buFont typeface="Arial"/>
+              <a:buNone/>
+              <a:defRPr b="0" i="0" sz="1000" u="none" cap="none" strike="noStrike">
+                <a:solidFill>
+                  <a:schemeClr val="dk2"/>
+                </a:solidFill>
+                <a:latin typeface="Arial"/>
+                <a:ea typeface="Arial"/>
+                <a:cs typeface="Arial"/>
+                <a:sym typeface="Arial"/>
+              </a:defRPr>
             </a:lvl4pPr>
-            <a:lvl5pPr lvl="4">
-              <a:buNone/>
-              <a:defRPr/>
+            <a:lvl5pPr indent="0" lvl="4" marL="0" marR="0" algn="r">
+              <a:lnSpc>
+                <a:spcPct val="100000"/>
+              </a:lnSpc>
+              <a:spcBef>
+                <a:spcPts val="0"/>
+              </a:spcBef>
+              <a:spcAft>
+                <a:spcPts val="0"/>
+              </a:spcAft>
+              <a:buClr>
+                <a:srgbClr val="000000"/>
+              </a:buClr>
+              <a:buSzPts val="1000"/>
+              <a:buFont typeface="Arial"/>
+              <a:buNone/>
+              <a:defRPr b="0" i="0" sz="1000" u="none" cap="none" strike="noStrike">
+                <a:solidFill>
+                  <a:schemeClr val="dk2"/>
+                </a:solidFill>
+                <a:latin typeface="Arial"/>
+                <a:ea typeface="Arial"/>
+                <a:cs typeface="Arial"/>
+                <a:sym typeface="Arial"/>
+              </a:defRPr>
             </a:lvl5pPr>
-            <a:lvl6pPr lvl="5">
-              <a:buNone/>
-              <a:defRPr/>
+            <a:lvl6pPr indent="0" lvl="5" marL="0" marR="0" algn="r">
+              <a:lnSpc>
+                <a:spcPct val="100000"/>
+              </a:lnSpc>
+              <a:spcBef>
+                <a:spcPts val="0"/>
+              </a:spcBef>
+              <a:spcAft>
+                <a:spcPts val="0"/>
+              </a:spcAft>
+              <a:buClr>
+                <a:srgbClr val="000000"/>
+              </a:buClr>
+              <a:buSzPts val="1000"/>
+              <a:buFont typeface="Arial"/>
+              <a:buNone/>
+              <a:defRPr b="0" i="0" sz="1000" u="none" cap="none" strike="noStrike">
+                <a:solidFill>
+                  <a:schemeClr val="dk2"/>
+                </a:solidFill>
+                <a:latin typeface="Arial"/>
+                <a:ea typeface="Arial"/>
+                <a:cs typeface="Arial"/>
+                <a:sym typeface="Arial"/>
+              </a:defRPr>
             </a:lvl6pPr>
-            <a:lvl7pPr lvl="6">
-              <a:buNone/>
-              <a:defRPr/>
+            <a:lvl7pPr indent="0" lvl="6" marL="0" marR="0" algn="r">
+              <a:lnSpc>
+                <a:spcPct val="100000"/>
+              </a:lnSpc>
+              <a:spcBef>
+                <a:spcPts val="0"/>
+              </a:spcBef>
+              <a:spcAft>
+                <a:spcPts val="0"/>
+              </a:spcAft>
+              <a:buClr>
+                <a:srgbClr val="000000"/>
+              </a:buClr>
+              <a:buSzPts val="1000"/>
+              <a:buFont typeface="Arial"/>
+              <a:buNone/>
+              <a:defRPr b="0" i="0" sz="1000" u="none" cap="none" strike="noStrike">
+                <a:solidFill>
+                  <a:schemeClr val="dk2"/>
+                </a:solidFill>
+                <a:latin typeface="Arial"/>
+                <a:ea typeface="Arial"/>
+                <a:cs typeface="Arial"/>
+                <a:sym typeface="Arial"/>
+              </a:defRPr>
             </a:lvl7pPr>
-            <a:lvl8pPr lvl="7">
-              <a:buNone/>
-              <a:defRPr/>
+            <a:lvl8pPr indent="0" lvl="7" marL="0" marR="0" algn="r">
+              <a:lnSpc>
+                <a:spcPct val="100000"/>
+              </a:lnSpc>
+              <a:spcBef>
+                <a:spcPts val="0"/>
+              </a:spcBef>
+              <a:spcAft>
+                <a:spcPts val="0"/>
+              </a:spcAft>
+              <a:buClr>
+                <a:srgbClr val="000000"/>
+              </a:buClr>
+              <a:buSzPts val="1000"/>
+              <a:buFont typeface="Arial"/>
+              <a:buNone/>
+              <a:defRPr b="0" i="0" sz="1000" u="none" cap="none" strike="noStrike">
+                <a:solidFill>
+                  <a:schemeClr val="dk2"/>
+                </a:solidFill>
+                <a:latin typeface="Arial"/>
+                <a:ea typeface="Arial"/>
+                <a:cs typeface="Arial"/>
+                <a:sym typeface="Arial"/>
+              </a:defRPr>
             </a:lvl8pPr>
-            <a:lvl9pPr lvl="8">
-              <a:buNone/>
-              <a:defRPr/>
+            <a:lvl9pPr indent="0" lvl="8" marL="0" marR="0" algn="r">
+              <a:lnSpc>
+                <a:spcPct val="100000"/>
+              </a:lnSpc>
+              <a:spcBef>
+                <a:spcPts val="0"/>
+              </a:spcBef>
+              <a:spcAft>
+                <a:spcPts val="0"/>
+              </a:spcAft>
+              <a:buClr>
+                <a:srgbClr val="000000"/>
+              </a:buClr>
+              <a:buSzPts val="1000"/>
+              <a:buFont typeface="Arial"/>
+              <a:buNone/>
+              <a:defRPr b="0" i="0" sz="1000" u="none" cap="none" strike="noStrike">
+                <a:solidFill>
+                  <a:schemeClr val="dk2"/>
+                </a:solidFill>
+                <a:latin typeface="Arial"/>
+                <a:ea typeface="Arial"/>
+                <a:cs typeface="Arial"/>
+                <a:sym typeface="Arial"/>
+              </a:defRPr>
             </a:lvl9pPr>
           </a:lstStyle>
           <a:p>
@@ -3503,7 +5884,7 @@
       </p:grpSpPr>
       <p:sp>
         <p:nvSpPr>
-          <p:cNvPr id="36" name="Google Shape;36;p9"/>
+          <p:cNvPr id="36" name="Google Shape;36;p10"/>
           <p:cNvSpPr/>
           <p:nvPr/>
         </p:nvSpPr>
@@ -3528,25 +5909,41 @@
           </a:bodyPr>
           <a:lstStyle/>
           <a:p>
-            <a:pPr indent="0" lvl="0" marL="0" rtl="0" algn="l">
-              <a:spcBef>
-                <a:spcPts val="0"/>
-              </a:spcBef>
-              <a:spcAft>
-                <a:spcPts val="0"/>
-              </a:spcAft>
+            <a:pPr indent="0" lvl="0" marL="0" marR="0" rtl="0" algn="l">
+              <a:lnSpc>
+                <a:spcPct val="100000"/>
+              </a:lnSpc>
+              <a:spcBef>
+                <a:spcPts val="0"/>
+              </a:spcBef>
+              <a:spcAft>
+                <a:spcPts val="0"/>
+              </a:spcAft>
+              <a:buClr>
+                <a:srgbClr val="000000"/>
+              </a:buClr>
+              <a:buSzPts val="1400"/>
+              <a:buFont typeface="Arial"/>
               <a:buNone/>
             </a:pPr>
             <a:r>
               <a:t/>
             </a:r>
-            <a:endParaRPr/>
+            <a:endParaRPr b="0" i="0" sz="1400" u="none" cap="none" strike="noStrike">
+              <a:solidFill>
+                <a:srgbClr val="000000"/>
+              </a:solidFill>
+              <a:latin typeface="Arial"/>
+              <a:ea typeface="Arial"/>
+              <a:cs typeface="Arial"/>
+              <a:sym typeface="Arial"/>
+            </a:endParaRPr>
           </a:p>
         </p:txBody>
       </p:sp>
       <p:sp>
         <p:nvSpPr>
-          <p:cNvPr id="37" name="Google Shape;37;p9"/>
+          <p:cNvPr id="37" name="Google Shape;37;p10"/>
           <p:cNvSpPr txBox="1"/>
           <p:nvPr>
             <p:ph type="title"/>
@@ -3560,6 +5957,10 @@
           <a:prstGeom prst="rect">
             <a:avLst/>
           </a:prstGeom>
+          <a:noFill/>
+          <a:ln>
+            <a:noFill/>
+          </a:ln>
         </p:spPr>
         <p:txBody>
           <a:bodyPr anchorCtr="0" anchor="b" bIns="91425" lIns="91425" spcFirstLastPara="1" rIns="91425" wrap="square" tIns="91425">
@@ -3567,6 +5968,9 @@
           </a:bodyPr>
           <a:lstStyle>
             <a:lvl1pPr lvl="0" algn="ctr">
+              <a:lnSpc>
+                <a:spcPct val="100000"/>
+              </a:lnSpc>
               <a:spcBef>
                 <a:spcPts val="0"/>
               </a:spcBef>
@@ -3578,6 +5982,9 @@
               <a:defRPr sz="4200"/>
             </a:lvl1pPr>
             <a:lvl2pPr lvl="1" algn="ctr">
+              <a:lnSpc>
+                <a:spcPct val="100000"/>
+              </a:lnSpc>
               <a:spcBef>
                 <a:spcPts val="0"/>
               </a:spcBef>
@@ -3589,6 +5996,9 @@
               <a:defRPr sz="4200"/>
             </a:lvl2pPr>
             <a:lvl3pPr lvl="2" algn="ctr">
+              <a:lnSpc>
+                <a:spcPct val="100000"/>
+              </a:lnSpc>
               <a:spcBef>
                 <a:spcPts val="0"/>
               </a:spcBef>
@@ -3600,6 +6010,9 @@
               <a:defRPr sz="4200"/>
             </a:lvl3pPr>
             <a:lvl4pPr lvl="3" algn="ctr">
+              <a:lnSpc>
+                <a:spcPct val="100000"/>
+              </a:lnSpc>
               <a:spcBef>
                 <a:spcPts val="0"/>
               </a:spcBef>
@@ -3611,6 +6024,9 @@
               <a:defRPr sz="4200"/>
             </a:lvl4pPr>
             <a:lvl5pPr lvl="4" algn="ctr">
+              <a:lnSpc>
+                <a:spcPct val="100000"/>
+              </a:lnSpc>
               <a:spcBef>
                 <a:spcPts val="0"/>
               </a:spcBef>
@@ -3622,6 +6038,9 @@
               <a:defRPr sz="4200"/>
             </a:lvl5pPr>
             <a:lvl6pPr lvl="5" algn="ctr">
+              <a:lnSpc>
+                <a:spcPct val="100000"/>
+              </a:lnSpc>
               <a:spcBef>
                 <a:spcPts val="0"/>
               </a:spcBef>
@@ -3633,6 +6052,9 @@
               <a:defRPr sz="4200"/>
             </a:lvl6pPr>
             <a:lvl7pPr lvl="6" algn="ctr">
+              <a:lnSpc>
+                <a:spcPct val="100000"/>
+              </a:lnSpc>
               <a:spcBef>
                 <a:spcPts val="0"/>
               </a:spcBef>
@@ -3644,6 +6066,9 @@
               <a:defRPr sz="4200"/>
             </a:lvl7pPr>
             <a:lvl8pPr lvl="7" algn="ctr">
+              <a:lnSpc>
+                <a:spcPct val="100000"/>
+              </a:lnSpc>
               <a:spcBef>
                 <a:spcPts val="0"/>
               </a:spcBef>
@@ -3655,6 +6080,9 @@
               <a:defRPr sz="4200"/>
             </a:lvl8pPr>
             <a:lvl9pPr lvl="8" algn="ctr">
+              <a:lnSpc>
+                <a:spcPct val="100000"/>
+              </a:lnSpc>
               <a:spcBef>
                 <a:spcPts val="0"/>
               </a:spcBef>
@@ -3671,7 +6099,7 @@
       </p:sp>
       <p:sp>
         <p:nvSpPr>
-          <p:cNvPr id="38" name="Google Shape;38;p9"/>
+          <p:cNvPr id="38" name="Google Shape;38;p10"/>
           <p:cNvSpPr txBox="1"/>
           <p:nvPr>
             <p:ph idx="1" type="subTitle"/>
@@ -3685,6 +6113,10 @@
           <a:prstGeom prst="rect">
             <a:avLst/>
           </a:prstGeom>
+          <a:noFill/>
+          <a:ln>
+            <a:noFill/>
+          </a:ln>
         </p:spPr>
         <p:txBody>
           <a:bodyPr anchorCtr="0" anchor="t" bIns="91425" lIns="91425" spcFirstLastPara="1" rIns="91425" wrap="square" tIns="91425">
@@ -3823,7 +6255,7 @@
       </p:sp>
       <p:sp>
         <p:nvSpPr>
-          <p:cNvPr id="39" name="Google Shape;39;p9"/>
+          <p:cNvPr id="39" name="Google Shape;39;p10"/>
           <p:cNvSpPr txBox="1"/>
           <p:nvPr>
             <p:ph idx="2" type="body"/>
@@ -3837,13 +6269,20 @@
           <a:prstGeom prst="rect">
             <a:avLst/>
           </a:prstGeom>
+          <a:noFill/>
+          <a:ln>
+            <a:noFill/>
+          </a:ln>
         </p:spPr>
         <p:txBody>
           <a:bodyPr anchorCtr="0" anchor="ctr" bIns="91425" lIns="91425" spcFirstLastPara="1" rIns="91425" wrap="square" tIns="91425">
             <a:normAutofit/>
           </a:bodyPr>
           <a:lstStyle>
-            <a:lvl1pPr indent="-342900" lvl="0" marL="457200">
+            <a:lvl1pPr indent="-342900" lvl="0" marL="457200" algn="l">
+              <a:lnSpc>
+                <a:spcPct val="115000"/>
+              </a:lnSpc>
               <a:spcBef>
                 <a:spcPts val="0"/>
               </a:spcBef>
@@ -3854,7 +6293,10 @@
               <a:buChar char="●"/>
               <a:defRPr/>
             </a:lvl1pPr>
-            <a:lvl2pPr indent="-317500" lvl="1" marL="914400">
+            <a:lvl2pPr indent="-317500" lvl="1" marL="914400" algn="l">
+              <a:lnSpc>
+                <a:spcPct val="115000"/>
+              </a:lnSpc>
               <a:spcBef>
                 <a:spcPts val="0"/>
               </a:spcBef>
@@ -3865,7 +6307,10 @@
               <a:buChar char="○"/>
               <a:defRPr/>
             </a:lvl2pPr>
-            <a:lvl3pPr indent="-317500" lvl="2" marL="1371600">
+            <a:lvl3pPr indent="-317500" lvl="2" marL="1371600" algn="l">
+              <a:lnSpc>
+                <a:spcPct val="115000"/>
+              </a:lnSpc>
               <a:spcBef>
                 <a:spcPts val="0"/>
               </a:spcBef>
@@ -3876,7 +6321,10 @@
               <a:buChar char="■"/>
               <a:defRPr/>
             </a:lvl3pPr>
-            <a:lvl4pPr indent="-317500" lvl="3" marL="1828800">
+            <a:lvl4pPr indent="-317500" lvl="3" marL="1828800" algn="l">
+              <a:lnSpc>
+                <a:spcPct val="115000"/>
+              </a:lnSpc>
               <a:spcBef>
                 <a:spcPts val="0"/>
               </a:spcBef>
@@ -3887,7 +6335,10 @@
               <a:buChar char="●"/>
               <a:defRPr/>
             </a:lvl4pPr>
-            <a:lvl5pPr indent="-317500" lvl="4" marL="2286000">
+            <a:lvl5pPr indent="-317500" lvl="4" marL="2286000" algn="l">
+              <a:lnSpc>
+                <a:spcPct val="115000"/>
+              </a:lnSpc>
               <a:spcBef>
                 <a:spcPts val="0"/>
               </a:spcBef>
@@ -3898,7 +6349,10 @@
               <a:buChar char="○"/>
               <a:defRPr/>
             </a:lvl5pPr>
-            <a:lvl6pPr indent="-317500" lvl="5" marL="2743200">
+            <a:lvl6pPr indent="-317500" lvl="5" marL="2743200" algn="l">
+              <a:lnSpc>
+                <a:spcPct val="115000"/>
+              </a:lnSpc>
               <a:spcBef>
                 <a:spcPts val="0"/>
               </a:spcBef>
@@ -3909,7 +6363,10 @@
               <a:buChar char="■"/>
               <a:defRPr/>
             </a:lvl6pPr>
-            <a:lvl7pPr indent="-317500" lvl="6" marL="3200400">
+            <a:lvl7pPr indent="-317500" lvl="6" marL="3200400" algn="l">
+              <a:lnSpc>
+                <a:spcPct val="115000"/>
+              </a:lnSpc>
               <a:spcBef>
                 <a:spcPts val="0"/>
               </a:spcBef>
@@ -3920,7 +6377,10 @@
               <a:buChar char="●"/>
               <a:defRPr/>
             </a:lvl7pPr>
-            <a:lvl8pPr indent="-317500" lvl="7" marL="3657600">
+            <a:lvl8pPr indent="-317500" lvl="7" marL="3657600" algn="l">
+              <a:lnSpc>
+                <a:spcPct val="115000"/>
+              </a:lnSpc>
               <a:spcBef>
                 <a:spcPts val="0"/>
               </a:spcBef>
@@ -3931,7 +6391,10 @@
               <a:buChar char="○"/>
               <a:defRPr/>
             </a:lvl8pPr>
-            <a:lvl9pPr indent="-317500" lvl="8" marL="4114800">
+            <a:lvl9pPr indent="-317500" lvl="8" marL="4114800" algn="l">
+              <a:lnSpc>
+                <a:spcPct val="115000"/>
+              </a:lnSpc>
               <a:spcBef>
                 <a:spcPts val="0"/>
               </a:spcBef>
@@ -3948,7 +6411,7 @@
       </p:sp>
       <p:sp>
         <p:nvSpPr>
-          <p:cNvPr id="40" name="Google Shape;40;p9"/>
+          <p:cNvPr id="40" name="Google Shape;40;p10"/>
           <p:cNvSpPr txBox="1"/>
           <p:nvPr>
             <p:ph idx="12" type="sldNum"/>
@@ -3962,47 +6425,249 @@
           <a:prstGeom prst="rect">
             <a:avLst/>
           </a:prstGeom>
+          <a:noFill/>
+          <a:ln>
+            <a:noFill/>
+          </a:ln>
         </p:spPr>
         <p:txBody>
           <a:bodyPr anchorCtr="0" anchor="ctr" bIns="91425" lIns="91425" spcFirstLastPara="1" rIns="91425" wrap="square" tIns="91425">
             <a:normAutofit/>
           </a:bodyPr>
           <a:lstStyle>
-            <a:lvl1pPr lvl="0">
-              <a:buNone/>
-              <a:defRPr/>
+            <a:lvl1pPr indent="0" lvl="0" marL="0" marR="0" algn="r">
+              <a:lnSpc>
+                <a:spcPct val="100000"/>
+              </a:lnSpc>
+              <a:spcBef>
+                <a:spcPts val="0"/>
+              </a:spcBef>
+              <a:spcAft>
+                <a:spcPts val="0"/>
+              </a:spcAft>
+              <a:buClr>
+                <a:srgbClr val="000000"/>
+              </a:buClr>
+              <a:buSzPts val="1000"/>
+              <a:buFont typeface="Arial"/>
+              <a:buNone/>
+              <a:defRPr b="0" i="0" sz="1000" u="none" cap="none" strike="noStrike">
+                <a:solidFill>
+                  <a:schemeClr val="dk2"/>
+                </a:solidFill>
+                <a:latin typeface="Arial"/>
+                <a:ea typeface="Arial"/>
+                <a:cs typeface="Arial"/>
+                <a:sym typeface="Arial"/>
+              </a:defRPr>
             </a:lvl1pPr>
-            <a:lvl2pPr lvl="1">
-              <a:buNone/>
-              <a:defRPr/>
+            <a:lvl2pPr indent="0" lvl="1" marL="0" marR="0" algn="r">
+              <a:lnSpc>
+                <a:spcPct val="100000"/>
+              </a:lnSpc>
+              <a:spcBef>
+                <a:spcPts val="0"/>
+              </a:spcBef>
+              <a:spcAft>
+                <a:spcPts val="0"/>
+              </a:spcAft>
+              <a:buClr>
+                <a:srgbClr val="000000"/>
+              </a:buClr>
+              <a:buSzPts val="1000"/>
+              <a:buFont typeface="Arial"/>
+              <a:buNone/>
+              <a:defRPr b="0" i="0" sz="1000" u="none" cap="none" strike="noStrike">
+                <a:solidFill>
+                  <a:schemeClr val="dk2"/>
+                </a:solidFill>
+                <a:latin typeface="Arial"/>
+                <a:ea typeface="Arial"/>
+                <a:cs typeface="Arial"/>
+                <a:sym typeface="Arial"/>
+              </a:defRPr>
             </a:lvl2pPr>
-            <a:lvl3pPr lvl="2">
-              <a:buNone/>
-              <a:defRPr/>
+            <a:lvl3pPr indent="0" lvl="2" marL="0" marR="0" algn="r">
+              <a:lnSpc>
+                <a:spcPct val="100000"/>
+              </a:lnSpc>
+              <a:spcBef>
+                <a:spcPts val="0"/>
+              </a:spcBef>
+              <a:spcAft>
+                <a:spcPts val="0"/>
+              </a:spcAft>
+              <a:buClr>
+                <a:srgbClr val="000000"/>
+              </a:buClr>
+              <a:buSzPts val="1000"/>
+              <a:buFont typeface="Arial"/>
+              <a:buNone/>
+              <a:defRPr b="0" i="0" sz="1000" u="none" cap="none" strike="noStrike">
+                <a:solidFill>
+                  <a:schemeClr val="dk2"/>
+                </a:solidFill>
+                <a:latin typeface="Arial"/>
+                <a:ea typeface="Arial"/>
+                <a:cs typeface="Arial"/>
+                <a:sym typeface="Arial"/>
+              </a:defRPr>
             </a:lvl3pPr>
-            <a:lvl4pPr lvl="3">
-              <a:buNone/>
-              <a:defRPr/>
+            <a:lvl4pPr indent="0" lvl="3" marL="0" marR="0" algn="r">
+              <a:lnSpc>
+                <a:spcPct val="100000"/>
+              </a:lnSpc>
+              <a:spcBef>
+                <a:spcPts val="0"/>
+              </a:spcBef>
+              <a:spcAft>
+                <a:spcPts val="0"/>
+              </a:spcAft>
+              <a:buClr>
+                <a:srgbClr val="000000"/>
+              </a:buClr>
+              <a:buSzPts val="1000"/>
+              <a:buFont typeface="Arial"/>
+              <a:buNone/>
+              <a:defRPr b="0" i="0" sz="1000" u="none" cap="none" strike="noStrike">
+                <a:solidFill>
+                  <a:schemeClr val="dk2"/>
+                </a:solidFill>
+                <a:latin typeface="Arial"/>
+                <a:ea typeface="Arial"/>
+                <a:cs typeface="Arial"/>
+                <a:sym typeface="Arial"/>
+              </a:defRPr>
             </a:lvl4pPr>
-            <a:lvl5pPr lvl="4">
-              <a:buNone/>
-              <a:defRPr/>
+            <a:lvl5pPr indent="0" lvl="4" marL="0" marR="0" algn="r">
+              <a:lnSpc>
+                <a:spcPct val="100000"/>
+              </a:lnSpc>
+              <a:spcBef>
+                <a:spcPts val="0"/>
+              </a:spcBef>
+              <a:spcAft>
+                <a:spcPts val="0"/>
+              </a:spcAft>
+              <a:buClr>
+                <a:srgbClr val="000000"/>
+              </a:buClr>
+              <a:buSzPts val="1000"/>
+              <a:buFont typeface="Arial"/>
+              <a:buNone/>
+              <a:defRPr b="0" i="0" sz="1000" u="none" cap="none" strike="noStrike">
+                <a:solidFill>
+                  <a:schemeClr val="dk2"/>
+                </a:solidFill>
+                <a:latin typeface="Arial"/>
+                <a:ea typeface="Arial"/>
+                <a:cs typeface="Arial"/>
+                <a:sym typeface="Arial"/>
+              </a:defRPr>
             </a:lvl5pPr>
-            <a:lvl6pPr lvl="5">
-              <a:buNone/>
-              <a:defRPr/>
+            <a:lvl6pPr indent="0" lvl="5" marL="0" marR="0" algn="r">
+              <a:lnSpc>
+                <a:spcPct val="100000"/>
+              </a:lnSpc>
+              <a:spcBef>
+                <a:spcPts val="0"/>
+              </a:spcBef>
+              <a:spcAft>
+                <a:spcPts val="0"/>
+              </a:spcAft>
+              <a:buClr>
+                <a:srgbClr val="000000"/>
+              </a:buClr>
+              <a:buSzPts val="1000"/>
+              <a:buFont typeface="Arial"/>
+              <a:buNone/>
+              <a:defRPr b="0" i="0" sz="1000" u="none" cap="none" strike="noStrike">
+                <a:solidFill>
+                  <a:schemeClr val="dk2"/>
+                </a:solidFill>
+                <a:latin typeface="Arial"/>
+                <a:ea typeface="Arial"/>
+                <a:cs typeface="Arial"/>
+                <a:sym typeface="Arial"/>
+              </a:defRPr>
             </a:lvl6pPr>
-            <a:lvl7pPr lvl="6">
-              <a:buNone/>
-              <a:defRPr/>
+            <a:lvl7pPr indent="0" lvl="6" marL="0" marR="0" algn="r">
+              <a:lnSpc>
+                <a:spcPct val="100000"/>
+              </a:lnSpc>
+              <a:spcBef>
+                <a:spcPts val="0"/>
+              </a:spcBef>
+              <a:spcAft>
+                <a:spcPts val="0"/>
+              </a:spcAft>
+              <a:buClr>
+                <a:srgbClr val="000000"/>
+              </a:buClr>
+              <a:buSzPts val="1000"/>
+              <a:buFont typeface="Arial"/>
+              <a:buNone/>
+              <a:defRPr b="0" i="0" sz="1000" u="none" cap="none" strike="noStrike">
+                <a:solidFill>
+                  <a:schemeClr val="dk2"/>
+                </a:solidFill>
+                <a:latin typeface="Arial"/>
+                <a:ea typeface="Arial"/>
+                <a:cs typeface="Arial"/>
+                <a:sym typeface="Arial"/>
+              </a:defRPr>
             </a:lvl7pPr>
-            <a:lvl8pPr lvl="7">
-              <a:buNone/>
-              <a:defRPr/>
+            <a:lvl8pPr indent="0" lvl="7" marL="0" marR="0" algn="r">
+              <a:lnSpc>
+                <a:spcPct val="100000"/>
+              </a:lnSpc>
+              <a:spcBef>
+                <a:spcPts val="0"/>
+              </a:spcBef>
+              <a:spcAft>
+                <a:spcPts val="0"/>
+              </a:spcAft>
+              <a:buClr>
+                <a:srgbClr val="000000"/>
+              </a:buClr>
+              <a:buSzPts val="1000"/>
+              <a:buFont typeface="Arial"/>
+              <a:buNone/>
+              <a:defRPr b="0" i="0" sz="1000" u="none" cap="none" strike="noStrike">
+                <a:solidFill>
+                  <a:schemeClr val="dk2"/>
+                </a:solidFill>
+                <a:latin typeface="Arial"/>
+                <a:ea typeface="Arial"/>
+                <a:cs typeface="Arial"/>
+                <a:sym typeface="Arial"/>
+              </a:defRPr>
             </a:lvl8pPr>
-            <a:lvl9pPr lvl="8">
-              <a:buNone/>
-              <a:defRPr/>
+            <a:lvl9pPr indent="0" lvl="8" marL="0" marR="0" algn="r">
+              <a:lnSpc>
+                <a:spcPct val="100000"/>
+              </a:lnSpc>
+              <a:spcBef>
+                <a:spcPts val="0"/>
+              </a:spcBef>
+              <a:spcAft>
+                <a:spcPts val="0"/>
+              </a:spcAft>
+              <a:buClr>
+                <a:srgbClr val="000000"/>
+              </a:buClr>
+              <a:buSzPts val="1000"/>
+              <a:buFont typeface="Arial"/>
+              <a:buNone/>
+              <a:defRPr b="0" i="0" sz="1000" u="none" cap="none" strike="noStrike">
+                <a:solidFill>
+                  <a:schemeClr val="dk2"/>
+                </a:solidFill>
+                <a:latin typeface="Arial"/>
+                <a:ea typeface="Arial"/>
+                <a:cs typeface="Arial"/>
+                <a:sym typeface="Arial"/>
+              </a:defRPr>
             </a:lvl9pPr>
           </a:lstStyle>
           <a:p>
@@ -4050,7 +6715,7 @@
       </p:grpSpPr>
       <p:sp>
         <p:nvSpPr>
-          <p:cNvPr id="42" name="Google Shape;42;p10"/>
+          <p:cNvPr id="42" name="Google Shape;42;p11"/>
           <p:cNvSpPr txBox="1"/>
           <p:nvPr>
             <p:ph idx="1" type="body"/>
@@ -4064,13 +6729,17 @@
           <a:prstGeom prst="rect">
             <a:avLst/>
           </a:prstGeom>
+          <a:noFill/>
+          <a:ln>
+            <a:noFill/>
+          </a:ln>
         </p:spPr>
         <p:txBody>
           <a:bodyPr anchorCtr="0" anchor="ctr" bIns="91425" lIns="91425" spcFirstLastPara="1" rIns="91425" wrap="square" tIns="91425">
             <a:normAutofit/>
           </a:bodyPr>
           <a:lstStyle>
-            <a:lvl1pPr indent="-228600" lvl="0" marL="457200">
+            <a:lvl1pPr indent="-228600" lvl="0" marL="457200" algn="l">
               <a:lnSpc>
                 <a:spcPct val="100000"/>
               </a:lnSpc>
@@ -4090,7 +6759,7 @@
       </p:sp>
       <p:sp>
         <p:nvSpPr>
-          <p:cNvPr id="43" name="Google Shape;43;p10"/>
+          <p:cNvPr id="43" name="Google Shape;43;p11"/>
           <p:cNvSpPr txBox="1"/>
           <p:nvPr>
             <p:ph idx="12" type="sldNum"/>
@@ -4104,47 +6773,249 @@
           <a:prstGeom prst="rect">
             <a:avLst/>
           </a:prstGeom>
+          <a:noFill/>
+          <a:ln>
+            <a:noFill/>
+          </a:ln>
         </p:spPr>
         <p:txBody>
           <a:bodyPr anchorCtr="0" anchor="ctr" bIns="91425" lIns="91425" spcFirstLastPara="1" rIns="91425" wrap="square" tIns="91425">
             <a:normAutofit/>
           </a:bodyPr>
           <a:lstStyle>
-            <a:lvl1pPr lvl="0">
-              <a:buNone/>
-              <a:defRPr/>
+            <a:lvl1pPr indent="0" lvl="0" marL="0" marR="0" algn="r">
+              <a:lnSpc>
+                <a:spcPct val="100000"/>
+              </a:lnSpc>
+              <a:spcBef>
+                <a:spcPts val="0"/>
+              </a:spcBef>
+              <a:spcAft>
+                <a:spcPts val="0"/>
+              </a:spcAft>
+              <a:buClr>
+                <a:srgbClr val="000000"/>
+              </a:buClr>
+              <a:buSzPts val="1000"/>
+              <a:buFont typeface="Arial"/>
+              <a:buNone/>
+              <a:defRPr b="0" i="0" sz="1000" u="none" cap="none" strike="noStrike">
+                <a:solidFill>
+                  <a:schemeClr val="dk2"/>
+                </a:solidFill>
+                <a:latin typeface="Arial"/>
+                <a:ea typeface="Arial"/>
+                <a:cs typeface="Arial"/>
+                <a:sym typeface="Arial"/>
+              </a:defRPr>
             </a:lvl1pPr>
-            <a:lvl2pPr lvl="1">
-              <a:buNone/>
-              <a:defRPr/>
+            <a:lvl2pPr indent="0" lvl="1" marL="0" marR="0" algn="r">
+              <a:lnSpc>
+                <a:spcPct val="100000"/>
+              </a:lnSpc>
+              <a:spcBef>
+                <a:spcPts val="0"/>
+              </a:spcBef>
+              <a:spcAft>
+                <a:spcPts val="0"/>
+              </a:spcAft>
+              <a:buClr>
+                <a:srgbClr val="000000"/>
+              </a:buClr>
+              <a:buSzPts val="1000"/>
+              <a:buFont typeface="Arial"/>
+              <a:buNone/>
+              <a:defRPr b="0" i="0" sz="1000" u="none" cap="none" strike="noStrike">
+                <a:solidFill>
+                  <a:schemeClr val="dk2"/>
+                </a:solidFill>
+                <a:latin typeface="Arial"/>
+                <a:ea typeface="Arial"/>
+                <a:cs typeface="Arial"/>
+                <a:sym typeface="Arial"/>
+              </a:defRPr>
             </a:lvl2pPr>
-            <a:lvl3pPr lvl="2">
-              <a:buNone/>
-              <a:defRPr/>
+            <a:lvl3pPr indent="0" lvl="2" marL="0" marR="0" algn="r">
+              <a:lnSpc>
+                <a:spcPct val="100000"/>
+              </a:lnSpc>
+              <a:spcBef>
+                <a:spcPts val="0"/>
+              </a:spcBef>
+              <a:spcAft>
+                <a:spcPts val="0"/>
+              </a:spcAft>
+              <a:buClr>
+                <a:srgbClr val="000000"/>
+              </a:buClr>
+              <a:buSzPts val="1000"/>
+              <a:buFont typeface="Arial"/>
+              <a:buNone/>
+              <a:defRPr b="0" i="0" sz="1000" u="none" cap="none" strike="noStrike">
+                <a:solidFill>
+                  <a:schemeClr val="dk2"/>
+                </a:solidFill>
+                <a:latin typeface="Arial"/>
+                <a:ea typeface="Arial"/>
+                <a:cs typeface="Arial"/>
+                <a:sym typeface="Arial"/>
+              </a:defRPr>
             </a:lvl3pPr>
-            <a:lvl4pPr lvl="3">
-              <a:buNone/>
-              <a:defRPr/>
+            <a:lvl4pPr indent="0" lvl="3" marL="0" marR="0" algn="r">
+              <a:lnSpc>
+                <a:spcPct val="100000"/>
+              </a:lnSpc>
+              <a:spcBef>
+                <a:spcPts val="0"/>
+              </a:spcBef>
+              <a:spcAft>
+                <a:spcPts val="0"/>
+              </a:spcAft>
+              <a:buClr>
+                <a:srgbClr val="000000"/>
+              </a:buClr>
+              <a:buSzPts val="1000"/>
+              <a:buFont typeface="Arial"/>
+              <a:buNone/>
+              <a:defRPr b="0" i="0" sz="1000" u="none" cap="none" strike="noStrike">
+                <a:solidFill>
+                  <a:schemeClr val="dk2"/>
+                </a:solidFill>
+                <a:latin typeface="Arial"/>
+                <a:ea typeface="Arial"/>
+                <a:cs typeface="Arial"/>
+                <a:sym typeface="Arial"/>
+              </a:defRPr>
             </a:lvl4pPr>
-            <a:lvl5pPr lvl="4">
-              <a:buNone/>
-              <a:defRPr/>
+            <a:lvl5pPr indent="0" lvl="4" marL="0" marR="0" algn="r">
+              <a:lnSpc>
+                <a:spcPct val="100000"/>
+              </a:lnSpc>
+              <a:spcBef>
+                <a:spcPts val="0"/>
+              </a:spcBef>
+              <a:spcAft>
+                <a:spcPts val="0"/>
+              </a:spcAft>
+              <a:buClr>
+                <a:srgbClr val="000000"/>
+              </a:buClr>
+              <a:buSzPts val="1000"/>
+              <a:buFont typeface="Arial"/>
+              <a:buNone/>
+              <a:defRPr b="0" i="0" sz="1000" u="none" cap="none" strike="noStrike">
+                <a:solidFill>
+                  <a:schemeClr val="dk2"/>
+                </a:solidFill>
+                <a:latin typeface="Arial"/>
+                <a:ea typeface="Arial"/>
+                <a:cs typeface="Arial"/>
+                <a:sym typeface="Arial"/>
+              </a:defRPr>
             </a:lvl5pPr>
-            <a:lvl6pPr lvl="5">
-              <a:buNone/>
-              <a:defRPr/>
+            <a:lvl6pPr indent="0" lvl="5" marL="0" marR="0" algn="r">
+              <a:lnSpc>
+                <a:spcPct val="100000"/>
+              </a:lnSpc>
+              <a:spcBef>
+                <a:spcPts val="0"/>
+              </a:spcBef>
+              <a:spcAft>
+                <a:spcPts val="0"/>
+              </a:spcAft>
+              <a:buClr>
+                <a:srgbClr val="000000"/>
+              </a:buClr>
+              <a:buSzPts val="1000"/>
+              <a:buFont typeface="Arial"/>
+              <a:buNone/>
+              <a:defRPr b="0" i="0" sz="1000" u="none" cap="none" strike="noStrike">
+                <a:solidFill>
+                  <a:schemeClr val="dk2"/>
+                </a:solidFill>
+                <a:latin typeface="Arial"/>
+                <a:ea typeface="Arial"/>
+                <a:cs typeface="Arial"/>
+                <a:sym typeface="Arial"/>
+              </a:defRPr>
             </a:lvl6pPr>
-            <a:lvl7pPr lvl="6">
-              <a:buNone/>
-              <a:defRPr/>
+            <a:lvl7pPr indent="0" lvl="6" marL="0" marR="0" algn="r">
+              <a:lnSpc>
+                <a:spcPct val="100000"/>
+              </a:lnSpc>
+              <a:spcBef>
+                <a:spcPts val="0"/>
+              </a:spcBef>
+              <a:spcAft>
+                <a:spcPts val="0"/>
+              </a:spcAft>
+              <a:buClr>
+                <a:srgbClr val="000000"/>
+              </a:buClr>
+              <a:buSzPts val="1000"/>
+              <a:buFont typeface="Arial"/>
+              <a:buNone/>
+              <a:defRPr b="0" i="0" sz="1000" u="none" cap="none" strike="noStrike">
+                <a:solidFill>
+                  <a:schemeClr val="dk2"/>
+                </a:solidFill>
+                <a:latin typeface="Arial"/>
+                <a:ea typeface="Arial"/>
+                <a:cs typeface="Arial"/>
+                <a:sym typeface="Arial"/>
+              </a:defRPr>
             </a:lvl7pPr>
-            <a:lvl8pPr lvl="7">
-              <a:buNone/>
-              <a:defRPr/>
+            <a:lvl8pPr indent="0" lvl="7" marL="0" marR="0" algn="r">
+              <a:lnSpc>
+                <a:spcPct val="100000"/>
+              </a:lnSpc>
+              <a:spcBef>
+                <a:spcPts val="0"/>
+              </a:spcBef>
+              <a:spcAft>
+                <a:spcPts val="0"/>
+              </a:spcAft>
+              <a:buClr>
+                <a:srgbClr val="000000"/>
+              </a:buClr>
+              <a:buSzPts val="1000"/>
+              <a:buFont typeface="Arial"/>
+              <a:buNone/>
+              <a:defRPr b="0" i="0" sz="1000" u="none" cap="none" strike="noStrike">
+                <a:solidFill>
+                  <a:schemeClr val="dk2"/>
+                </a:solidFill>
+                <a:latin typeface="Arial"/>
+                <a:ea typeface="Arial"/>
+                <a:cs typeface="Arial"/>
+                <a:sym typeface="Arial"/>
+              </a:defRPr>
             </a:lvl8pPr>
-            <a:lvl9pPr lvl="8">
-              <a:buNone/>
-              <a:defRPr/>
+            <a:lvl9pPr indent="0" lvl="8" marL="0" marR="0" algn="r">
+              <a:lnSpc>
+                <a:spcPct val="100000"/>
+              </a:lnSpc>
+              <a:spcBef>
+                <a:spcPts val="0"/>
+              </a:spcBef>
+              <a:spcAft>
+                <a:spcPts val="0"/>
+              </a:spcAft>
+              <a:buClr>
+                <a:srgbClr val="000000"/>
+              </a:buClr>
+              <a:buSzPts val="1000"/>
+              <a:buFont typeface="Arial"/>
+              <a:buNone/>
+              <a:defRPr b="0" i="0" sz="1000" u="none" cap="none" strike="noStrike">
+                <a:solidFill>
+                  <a:schemeClr val="dk2"/>
+                </a:solidFill>
+                <a:latin typeface="Arial"/>
+                <a:ea typeface="Arial"/>
+                <a:cs typeface="Arial"/>
+                <a:sym typeface="Arial"/>
+              </a:defRPr>
             </a:lvl9pPr>
           </a:lstStyle>
           <a:p>
@@ -4199,7 +7070,7 @@
       </p:grpSpPr>
       <p:sp>
         <p:nvSpPr>
-          <p:cNvPr id="6" name="Google Shape;6;p1"/>
+          <p:cNvPr id="6" name="Google Shape;6;p2"/>
           <p:cNvSpPr txBox="1"/>
           <p:nvPr>
             <p:ph type="title"/>
@@ -4223,7 +7094,10 @@
             <a:normAutofit/>
           </a:bodyPr>
           <a:lstStyle>
-            <a:lvl1pPr lvl="0">
+            <a:lvl1pPr lvl="0" marR="0" rtl="0" algn="l">
+              <a:lnSpc>
+                <a:spcPct val="100000"/>
+              </a:lnSpc>
               <a:spcBef>
                 <a:spcPts val="0"/>
               </a:spcBef>
@@ -4234,14 +7108,22 @@
                 <a:schemeClr val="dk1"/>
               </a:buClr>
               <a:buSzPts val="2800"/>
-              <a:buNone/>
-              <a:defRPr sz="2800">
+              <a:buFont typeface="Arial"/>
+              <a:buNone/>
+              <a:defRPr b="0" i="0" sz="2800" u="none" cap="none" strike="noStrike">
                 <a:solidFill>
                   <a:schemeClr val="dk1"/>
                 </a:solidFill>
+                <a:latin typeface="Arial"/>
+                <a:ea typeface="Arial"/>
+                <a:cs typeface="Arial"/>
+                <a:sym typeface="Arial"/>
               </a:defRPr>
             </a:lvl1pPr>
-            <a:lvl2pPr lvl="1">
+            <a:lvl2pPr lvl="1" marR="0" rtl="0" algn="l">
+              <a:lnSpc>
+                <a:spcPct val="100000"/>
+              </a:lnSpc>
               <a:spcBef>
                 <a:spcPts val="0"/>
               </a:spcBef>
@@ -4252,14 +7134,22 @@
                 <a:schemeClr val="dk1"/>
               </a:buClr>
               <a:buSzPts val="2800"/>
-              <a:buNone/>
-              <a:defRPr sz="2800">
+              <a:buFont typeface="Arial"/>
+              <a:buNone/>
+              <a:defRPr b="0" i="0" sz="2800" u="none" cap="none" strike="noStrike">
                 <a:solidFill>
                   <a:schemeClr val="dk1"/>
                 </a:solidFill>
+                <a:latin typeface="Arial"/>
+                <a:ea typeface="Arial"/>
+                <a:cs typeface="Arial"/>
+                <a:sym typeface="Arial"/>
               </a:defRPr>
             </a:lvl2pPr>
-            <a:lvl3pPr lvl="2">
+            <a:lvl3pPr lvl="2" marR="0" rtl="0" algn="l">
+              <a:lnSpc>
+                <a:spcPct val="100000"/>
+              </a:lnSpc>
               <a:spcBef>
                 <a:spcPts val="0"/>
               </a:spcBef>
@@ -4270,14 +7160,22 @@
                 <a:schemeClr val="dk1"/>
               </a:buClr>
               <a:buSzPts val="2800"/>
-              <a:buNone/>
-              <a:defRPr sz="2800">
+              <a:buFont typeface="Arial"/>
+              <a:buNone/>
+              <a:defRPr b="0" i="0" sz="2800" u="none" cap="none" strike="noStrike">
                 <a:solidFill>
                   <a:schemeClr val="dk1"/>
                 </a:solidFill>
+                <a:latin typeface="Arial"/>
+                <a:ea typeface="Arial"/>
+                <a:cs typeface="Arial"/>
+                <a:sym typeface="Arial"/>
               </a:defRPr>
             </a:lvl3pPr>
-            <a:lvl4pPr lvl="3">
+            <a:lvl4pPr lvl="3" marR="0" rtl="0" algn="l">
+              <a:lnSpc>
+                <a:spcPct val="100000"/>
+              </a:lnSpc>
               <a:spcBef>
                 <a:spcPts val="0"/>
               </a:spcBef>
@@ -4288,14 +7186,22 @@
                 <a:schemeClr val="dk1"/>
               </a:buClr>
               <a:buSzPts val="2800"/>
-              <a:buNone/>
-              <a:defRPr sz="2800">
+              <a:buFont typeface="Arial"/>
+              <a:buNone/>
+              <a:defRPr b="0" i="0" sz="2800" u="none" cap="none" strike="noStrike">
                 <a:solidFill>
                   <a:schemeClr val="dk1"/>
                 </a:solidFill>
+                <a:latin typeface="Arial"/>
+                <a:ea typeface="Arial"/>
+                <a:cs typeface="Arial"/>
+                <a:sym typeface="Arial"/>
               </a:defRPr>
             </a:lvl4pPr>
-            <a:lvl5pPr lvl="4">
+            <a:lvl5pPr lvl="4" marR="0" rtl="0" algn="l">
+              <a:lnSpc>
+                <a:spcPct val="100000"/>
+              </a:lnSpc>
               <a:spcBef>
                 <a:spcPts val="0"/>
               </a:spcBef>
@@ -4306,14 +7212,22 @@
                 <a:schemeClr val="dk1"/>
               </a:buClr>
               <a:buSzPts val="2800"/>
-              <a:buNone/>
-              <a:defRPr sz="2800">
+              <a:buFont typeface="Arial"/>
+              <a:buNone/>
+              <a:defRPr b="0" i="0" sz="2800" u="none" cap="none" strike="noStrike">
                 <a:solidFill>
                   <a:schemeClr val="dk1"/>
                 </a:solidFill>
+                <a:latin typeface="Arial"/>
+                <a:ea typeface="Arial"/>
+                <a:cs typeface="Arial"/>
+                <a:sym typeface="Arial"/>
               </a:defRPr>
             </a:lvl5pPr>
-            <a:lvl6pPr lvl="5">
+            <a:lvl6pPr lvl="5" marR="0" rtl="0" algn="l">
+              <a:lnSpc>
+                <a:spcPct val="100000"/>
+              </a:lnSpc>
               <a:spcBef>
                 <a:spcPts val="0"/>
               </a:spcBef>
@@ -4324,14 +7238,22 @@
                 <a:schemeClr val="dk1"/>
               </a:buClr>
               <a:buSzPts val="2800"/>
-              <a:buNone/>
-              <a:defRPr sz="2800">
+              <a:buFont typeface="Arial"/>
+              <a:buNone/>
+              <a:defRPr b="0" i="0" sz="2800" u="none" cap="none" strike="noStrike">
                 <a:solidFill>
                   <a:schemeClr val="dk1"/>
                 </a:solidFill>
+                <a:latin typeface="Arial"/>
+                <a:ea typeface="Arial"/>
+                <a:cs typeface="Arial"/>
+                <a:sym typeface="Arial"/>
               </a:defRPr>
             </a:lvl6pPr>
-            <a:lvl7pPr lvl="6">
+            <a:lvl7pPr lvl="6" marR="0" rtl="0" algn="l">
+              <a:lnSpc>
+                <a:spcPct val="100000"/>
+              </a:lnSpc>
               <a:spcBef>
                 <a:spcPts val="0"/>
               </a:spcBef>
@@ -4342,14 +7264,22 @@
                 <a:schemeClr val="dk1"/>
               </a:buClr>
               <a:buSzPts val="2800"/>
-              <a:buNone/>
-              <a:defRPr sz="2800">
+              <a:buFont typeface="Arial"/>
+              <a:buNone/>
+              <a:defRPr b="0" i="0" sz="2800" u="none" cap="none" strike="noStrike">
                 <a:solidFill>
                   <a:schemeClr val="dk1"/>
                 </a:solidFill>
+                <a:latin typeface="Arial"/>
+                <a:ea typeface="Arial"/>
+                <a:cs typeface="Arial"/>
+                <a:sym typeface="Arial"/>
               </a:defRPr>
             </a:lvl7pPr>
-            <a:lvl8pPr lvl="7">
+            <a:lvl8pPr lvl="7" marR="0" rtl="0" algn="l">
+              <a:lnSpc>
+                <a:spcPct val="100000"/>
+              </a:lnSpc>
               <a:spcBef>
                 <a:spcPts val="0"/>
               </a:spcBef>
@@ -4360,14 +7290,22 @@
                 <a:schemeClr val="dk1"/>
               </a:buClr>
               <a:buSzPts val="2800"/>
-              <a:buNone/>
-              <a:defRPr sz="2800">
+              <a:buFont typeface="Arial"/>
+              <a:buNone/>
+              <a:defRPr b="0" i="0" sz="2800" u="none" cap="none" strike="noStrike">
                 <a:solidFill>
                   <a:schemeClr val="dk1"/>
                 </a:solidFill>
+                <a:latin typeface="Arial"/>
+                <a:ea typeface="Arial"/>
+                <a:cs typeface="Arial"/>
+                <a:sym typeface="Arial"/>
               </a:defRPr>
             </a:lvl8pPr>
-            <a:lvl9pPr lvl="8">
+            <a:lvl9pPr lvl="8" marR="0" rtl="0" algn="l">
+              <a:lnSpc>
+                <a:spcPct val="100000"/>
+              </a:lnSpc>
               <a:spcBef>
                 <a:spcPts val="0"/>
               </a:spcBef>
@@ -4378,11 +7316,16 @@
                 <a:schemeClr val="dk1"/>
               </a:buClr>
               <a:buSzPts val="2800"/>
-              <a:buNone/>
-              <a:defRPr sz="2800">
+              <a:buFont typeface="Arial"/>
+              <a:buNone/>
+              <a:defRPr b="0" i="0" sz="2800" u="none" cap="none" strike="noStrike">
                 <a:solidFill>
                   <a:schemeClr val="dk1"/>
                 </a:solidFill>
+                <a:latin typeface="Arial"/>
+                <a:ea typeface="Arial"/>
+                <a:cs typeface="Arial"/>
+                <a:sym typeface="Arial"/>
               </a:defRPr>
             </a:lvl9pPr>
           </a:lstStyle>
@@ -4391,7 +7334,7 @@
       </p:sp>
       <p:sp>
         <p:nvSpPr>
-          <p:cNvPr id="7" name="Google Shape;7;p1"/>
+          <p:cNvPr id="7" name="Google Shape;7;p2"/>
           <p:cNvSpPr txBox="1"/>
           <p:nvPr>
             <p:ph idx="1" type="body"/>
@@ -4415,7 +7358,7 @@
             <a:normAutofit/>
           </a:bodyPr>
           <a:lstStyle>
-            <a:lvl1pPr indent="-342900" lvl="0" marL="457200">
+            <a:lvl1pPr indent="-342900" lvl="0" marL="457200" marR="0" rtl="0" algn="l">
               <a:lnSpc>
                 <a:spcPct val="115000"/>
               </a:lnSpc>
@@ -4429,14 +7372,19 @@
                 <a:schemeClr val="dk2"/>
               </a:buClr>
               <a:buSzPts val="1800"/>
+              <a:buFont typeface="Arial"/>
               <a:buChar char="●"/>
-              <a:defRPr sz="1800">
-                <a:solidFill>
-                  <a:schemeClr val="dk2"/>
-                </a:solidFill>
+              <a:defRPr b="0" i="0" sz="1800" u="none" cap="none" strike="noStrike">
+                <a:solidFill>
+                  <a:schemeClr val="dk2"/>
+                </a:solidFill>
+                <a:latin typeface="Arial"/>
+                <a:ea typeface="Arial"/>
+                <a:cs typeface="Arial"/>
+                <a:sym typeface="Arial"/>
               </a:defRPr>
             </a:lvl1pPr>
-            <a:lvl2pPr indent="-317500" lvl="1" marL="914400">
+            <a:lvl2pPr indent="-317500" lvl="1" marL="914400" marR="0" rtl="0" algn="l">
               <a:lnSpc>
                 <a:spcPct val="115000"/>
               </a:lnSpc>
@@ -4450,14 +7398,19 @@
                 <a:schemeClr val="dk2"/>
               </a:buClr>
               <a:buSzPts val="1400"/>
+              <a:buFont typeface="Arial"/>
               <a:buChar char="○"/>
-              <a:defRPr>
-                <a:solidFill>
-                  <a:schemeClr val="dk2"/>
-                </a:solidFill>
+              <a:defRPr b="0" i="0" sz="1400" u="none" cap="none" strike="noStrike">
+                <a:solidFill>
+                  <a:schemeClr val="dk2"/>
+                </a:solidFill>
+                <a:latin typeface="Arial"/>
+                <a:ea typeface="Arial"/>
+                <a:cs typeface="Arial"/>
+                <a:sym typeface="Arial"/>
               </a:defRPr>
             </a:lvl2pPr>
-            <a:lvl3pPr indent="-317500" lvl="2" marL="1371600">
+            <a:lvl3pPr indent="-317500" lvl="2" marL="1371600" marR="0" rtl="0" algn="l">
               <a:lnSpc>
                 <a:spcPct val="115000"/>
               </a:lnSpc>
@@ -4471,14 +7424,19 @@
                 <a:schemeClr val="dk2"/>
               </a:buClr>
               <a:buSzPts val="1400"/>
+              <a:buFont typeface="Arial"/>
               <a:buChar char="■"/>
-              <a:defRPr>
-                <a:solidFill>
-                  <a:schemeClr val="dk2"/>
-                </a:solidFill>
+              <a:defRPr b="0" i="0" sz="1400" u="none" cap="none" strike="noStrike">
+                <a:solidFill>
+                  <a:schemeClr val="dk2"/>
+                </a:solidFill>
+                <a:latin typeface="Arial"/>
+                <a:ea typeface="Arial"/>
+                <a:cs typeface="Arial"/>
+                <a:sym typeface="Arial"/>
               </a:defRPr>
             </a:lvl3pPr>
-            <a:lvl4pPr indent="-317500" lvl="3" marL="1828800">
+            <a:lvl4pPr indent="-317500" lvl="3" marL="1828800" marR="0" rtl="0" algn="l">
               <a:lnSpc>
                 <a:spcPct val="115000"/>
               </a:lnSpc>
@@ -4492,14 +7450,19 @@
                 <a:schemeClr val="dk2"/>
               </a:buClr>
               <a:buSzPts val="1400"/>
+              <a:buFont typeface="Arial"/>
               <a:buChar char="●"/>
-              <a:defRPr>
-                <a:solidFill>
-                  <a:schemeClr val="dk2"/>
-                </a:solidFill>
+              <a:defRPr b="0" i="0" sz="1400" u="none" cap="none" strike="noStrike">
+                <a:solidFill>
+                  <a:schemeClr val="dk2"/>
+                </a:solidFill>
+                <a:latin typeface="Arial"/>
+                <a:ea typeface="Arial"/>
+                <a:cs typeface="Arial"/>
+                <a:sym typeface="Arial"/>
               </a:defRPr>
             </a:lvl4pPr>
-            <a:lvl5pPr indent="-317500" lvl="4" marL="2286000">
+            <a:lvl5pPr indent="-317500" lvl="4" marL="2286000" marR="0" rtl="0" algn="l">
               <a:lnSpc>
                 <a:spcPct val="115000"/>
               </a:lnSpc>
@@ -4513,14 +7476,19 @@
                 <a:schemeClr val="dk2"/>
               </a:buClr>
               <a:buSzPts val="1400"/>
+              <a:buFont typeface="Arial"/>
               <a:buChar char="○"/>
-              <a:defRPr>
-                <a:solidFill>
-                  <a:schemeClr val="dk2"/>
-                </a:solidFill>
+              <a:defRPr b="0" i="0" sz="1400" u="none" cap="none" strike="noStrike">
+                <a:solidFill>
+                  <a:schemeClr val="dk2"/>
+                </a:solidFill>
+                <a:latin typeface="Arial"/>
+                <a:ea typeface="Arial"/>
+                <a:cs typeface="Arial"/>
+                <a:sym typeface="Arial"/>
               </a:defRPr>
             </a:lvl5pPr>
-            <a:lvl6pPr indent="-317500" lvl="5" marL="2743200">
+            <a:lvl6pPr indent="-317500" lvl="5" marL="2743200" marR="0" rtl="0" algn="l">
               <a:lnSpc>
                 <a:spcPct val="115000"/>
               </a:lnSpc>
@@ -4534,14 +7502,19 @@
                 <a:schemeClr val="dk2"/>
               </a:buClr>
               <a:buSzPts val="1400"/>
+              <a:buFont typeface="Arial"/>
               <a:buChar char="■"/>
-              <a:defRPr>
-                <a:solidFill>
-                  <a:schemeClr val="dk2"/>
-                </a:solidFill>
+              <a:defRPr b="0" i="0" sz="1400" u="none" cap="none" strike="noStrike">
+                <a:solidFill>
+                  <a:schemeClr val="dk2"/>
+                </a:solidFill>
+                <a:latin typeface="Arial"/>
+                <a:ea typeface="Arial"/>
+                <a:cs typeface="Arial"/>
+                <a:sym typeface="Arial"/>
               </a:defRPr>
             </a:lvl6pPr>
-            <a:lvl7pPr indent="-317500" lvl="6" marL="3200400">
+            <a:lvl7pPr indent="-317500" lvl="6" marL="3200400" marR="0" rtl="0" algn="l">
               <a:lnSpc>
                 <a:spcPct val="115000"/>
               </a:lnSpc>
@@ -4555,14 +7528,19 @@
                 <a:schemeClr val="dk2"/>
               </a:buClr>
               <a:buSzPts val="1400"/>
+              <a:buFont typeface="Arial"/>
               <a:buChar char="●"/>
-              <a:defRPr>
-                <a:solidFill>
-                  <a:schemeClr val="dk2"/>
-                </a:solidFill>
+              <a:defRPr b="0" i="0" sz="1400" u="none" cap="none" strike="noStrike">
+                <a:solidFill>
+                  <a:schemeClr val="dk2"/>
+                </a:solidFill>
+                <a:latin typeface="Arial"/>
+                <a:ea typeface="Arial"/>
+                <a:cs typeface="Arial"/>
+                <a:sym typeface="Arial"/>
               </a:defRPr>
             </a:lvl7pPr>
-            <a:lvl8pPr indent="-317500" lvl="7" marL="3657600">
+            <a:lvl8pPr indent="-317500" lvl="7" marL="3657600" marR="0" rtl="0" algn="l">
               <a:lnSpc>
                 <a:spcPct val="115000"/>
               </a:lnSpc>
@@ -4576,14 +7554,19 @@
                 <a:schemeClr val="dk2"/>
               </a:buClr>
               <a:buSzPts val="1400"/>
+              <a:buFont typeface="Arial"/>
               <a:buChar char="○"/>
-              <a:defRPr>
-                <a:solidFill>
-                  <a:schemeClr val="dk2"/>
-                </a:solidFill>
+              <a:defRPr b="0" i="0" sz="1400" u="none" cap="none" strike="noStrike">
+                <a:solidFill>
+                  <a:schemeClr val="dk2"/>
+                </a:solidFill>
+                <a:latin typeface="Arial"/>
+                <a:ea typeface="Arial"/>
+                <a:cs typeface="Arial"/>
+                <a:sym typeface="Arial"/>
               </a:defRPr>
             </a:lvl8pPr>
-            <a:lvl9pPr indent="-317500" lvl="8" marL="4114800">
+            <a:lvl9pPr indent="-317500" lvl="8" marL="4114800" marR="0" rtl="0" algn="l">
               <a:lnSpc>
                 <a:spcPct val="115000"/>
               </a:lnSpc>
@@ -4597,11 +7580,16 @@
                 <a:schemeClr val="dk2"/>
               </a:buClr>
               <a:buSzPts val="1400"/>
+              <a:buFont typeface="Arial"/>
               <a:buChar char="■"/>
-              <a:defRPr>
-                <a:solidFill>
-                  <a:schemeClr val="dk2"/>
-                </a:solidFill>
+              <a:defRPr b="0" i="0" sz="1400" u="none" cap="none" strike="noStrike">
+                <a:solidFill>
+                  <a:schemeClr val="dk2"/>
+                </a:solidFill>
+                <a:latin typeface="Arial"/>
+                <a:ea typeface="Arial"/>
+                <a:cs typeface="Arial"/>
+                <a:sym typeface="Arial"/>
               </a:defRPr>
             </a:lvl9pPr>
           </a:lstStyle>
@@ -4610,7 +7598,7 @@
       </p:sp>
       <p:sp>
         <p:nvSpPr>
-          <p:cNvPr id="8" name="Google Shape;8;p1"/>
+          <p:cNvPr id="8" name="Google Shape;8;p2"/>
           <p:cNvSpPr txBox="1"/>
           <p:nvPr>
             <p:ph idx="12" type="sldNum"/>
@@ -4634,76 +7622,238 @@
             <a:normAutofit/>
           </a:bodyPr>
           <a:lstStyle>
-            <a:lvl1pPr lvl="0" algn="r">
-              <a:buNone/>
-              <a:defRPr sz="1000">
-                <a:solidFill>
-                  <a:schemeClr val="dk2"/>
-                </a:solidFill>
+            <a:lvl1pPr indent="0" lvl="0" marL="0" marR="0" rtl="0" algn="r">
+              <a:lnSpc>
+                <a:spcPct val="100000"/>
+              </a:lnSpc>
+              <a:spcBef>
+                <a:spcPts val="0"/>
+              </a:spcBef>
+              <a:spcAft>
+                <a:spcPts val="0"/>
+              </a:spcAft>
+              <a:buClr>
+                <a:srgbClr val="000000"/>
+              </a:buClr>
+              <a:buSzPts val="1000"/>
+              <a:buFont typeface="Arial"/>
+              <a:buNone/>
+              <a:defRPr b="0" i="0" sz="1000" u="none" cap="none" strike="noStrike">
+                <a:solidFill>
+                  <a:schemeClr val="dk2"/>
+                </a:solidFill>
+                <a:latin typeface="Arial"/>
+                <a:ea typeface="Arial"/>
+                <a:cs typeface="Arial"/>
+                <a:sym typeface="Arial"/>
               </a:defRPr>
             </a:lvl1pPr>
-            <a:lvl2pPr lvl="1" algn="r">
-              <a:buNone/>
-              <a:defRPr sz="1000">
-                <a:solidFill>
-                  <a:schemeClr val="dk2"/>
-                </a:solidFill>
+            <a:lvl2pPr indent="0" lvl="1" marL="0" marR="0" rtl="0" algn="r">
+              <a:lnSpc>
+                <a:spcPct val="100000"/>
+              </a:lnSpc>
+              <a:spcBef>
+                <a:spcPts val="0"/>
+              </a:spcBef>
+              <a:spcAft>
+                <a:spcPts val="0"/>
+              </a:spcAft>
+              <a:buClr>
+                <a:srgbClr val="000000"/>
+              </a:buClr>
+              <a:buSzPts val="1000"/>
+              <a:buFont typeface="Arial"/>
+              <a:buNone/>
+              <a:defRPr b="0" i="0" sz="1000" u="none" cap="none" strike="noStrike">
+                <a:solidFill>
+                  <a:schemeClr val="dk2"/>
+                </a:solidFill>
+                <a:latin typeface="Arial"/>
+                <a:ea typeface="Arial"/>
+                <a:cs typeface="Arial"/>
+                <a:sym typeface="Arial"/>
               </a:defRPr>
             </a:lvl2pPr>
-            <a:lvl3pPr lvl="2" algn="r">
-              <a:buNone/>
-              <a:defRPr sz="1000">
-                <a:solidFill>
-                  <a:schemeClr val="dk2"/>
-                </a:solidFill>
+            <a:lvl3pPr indent="0" lvl="2" marL="0" marR="0" rtl="0" algn="r">
+              <a:lnSpc>
+                <a:spcPct val="100000"/>
+              </a:lnSpc>
+              <a:spcBef>
+                <a:spcPts val="0"/>
+              </a:spcBef>
+              <a:spcAft>
+                <a:spcPts val="0"/>
+              </a:spcAft>
+              <a:buClr>
+                <a:srgbClr val="000000"/>
+              </a:buClr>
+              <a:buSzPts val="1000"/>
+              <a:buFont typeface="Arial"/>
+              <a:buNone/>
+              <a:defRPr b="0" i="0" sz="1000" u="none" cap="none" strike="noStrike">
+                <a:solidFill>
+                  <a:schemeClr val="dk2"/>
+                </a:solidFill>
+                <a:latin typeface="Arial"/>
+                <a:ea typeface="Arial"/>
+                <a:cs typeface="Arial"/>
+                <a:sym typeface="Arial"/>
               </a:defRPr>
             </a:lvl3pPr>
-            <a:lvl4pPr lvl="3" algn="r">
-              <a:buNone/>
-              <a:defRPr sz="1000">
-                <a:solidFill>
-                  <a:schemeClr val="dk2"/>
-                </a:solidFill>
+            <a:lvl4pPr indent="0" lvl="3" marL="0" marR="0" rtl="0" algn="r">
+              <a:lnSpc>
+                <a:spcPct val="100000"/>
+              </a:lnSpc>
+              <a:spcBef>
+                <a:spcPts val="0"/>
+              </a:spcBef>
+              <a:spcAft>
+                <a:spcPts val="0"/>
+              </a:spcAft>
+              <a:buClr>
+                <a:srgbClr val="000000"/>
+              </a:buClr>
+              <a:buSzPts val="1000"/>
+              <a:buFont typeface="Arial"/>
+              <a:buNone/>
+              <a:defRPr b="0" i="0" sz="1000" u="none" cap="none" strike="noStrike">
+                <a:solidFill>
+                  <a:schemeClr val="dk2"/>
+                </a:solidFill>
+                <a:latin typeface="Arial"/>
+                <a:ea typeface="Arial"/>
+                <a:cs typeface="Arial"/>
+                <a:sym typeface="Arial"/>
               </a:defRPr>
             </a:lvl4pPr>
-            <a:lvl5pPr lvl="4" algn="r">
-              <a:buNone/>
-              <a:defRPr sz="1000">
-                <a:solidFill>
-                  <a:schemeClr val="dk2"/>
-                </a:solidFill>
+            <a:lvl5pPr indent="0" lvl="4" marL="0" marR="0" rtl="0" algn="r">
+              <a:lnSpc>
+                <a:spcPct val="100000"/>
+              </a:lnSpc>
+              <a:spcBef>
+                <a:spcPts val="0"/>
+              </a:spcBef>
+              <a:spcAft>
+                <a:spcPts val="0"/>
+              </a:spcAft>
+              <a:buClr>
+                <a:srgbClr val="000000"/>
+              </a:buClr>
+              <a:buSzPts val="1000"/>
+              <a:buFont typeface="Arial"/>
+              <a:buNone/>
+              <a:defRPr b="0" i="0" sz="1000" u="none" cap="none" strike="noStrike">
+                <a:solidFill>
+                  <a:schemeClr val="dk2"/>
+                </a:solidFill>
+                <a:latin typeface="Arial"/>
+                <a:ea typeface="Arial"/>
+                <a:cs typeface="Arial"/>
+                <a:sym typeface="Arial"/>
               </a:defRPr>
             </a:lvl5pPr>
-            <a:lvl6pPr lvl="5" algn="r">
-              <a:buNone/>
-              <a:defRPr sz="1000">
-                <a:solidFill>
-                  <a:schemeClr val="dk2"/>
-                </a:solidFill>
+            <a:lvl6pPr indent="0" lvl="5" marL="0" marR="0" rtl="0" algn="r">
+              <a:lnSpc>
+                <a:spcPct val="100000"/>
+              </a:lnSpc>
+              <a:spcBef>
+                <a:spcPts val="0"/>
+              </a:spcBef>
+              <a:spcAft>
+                <a:spcPts val="0"/>
+              </a:spcAft>
+              <a:buClr>
+                <a:srgbClr val="000000"/>
+              </a:buClr>
+              <a:buSzPts val="1000"/>
+              <a:buFont typeface="Arial"/>
+              <a:buNone/>
+              <a:defRPr b="0" i="0" sz="1000" u="none" cap="none" strike="noStrike">
+                <a:solidFill>
+                  <a:schemeClr val="dk2"/>
+                </a:solidFill>
+                <a:latin typeface="Arial"/>
+                <a:ea typeface="Arial"/>
+                <a:cs typeface="Arial"/>
+                <a:sym typeface="Arial"/>
               </a:defRPr>
             </a:lvl6pPr>
-            <a:lvl7pPr lvl="6" algn="r">
-              <a:buNone/>
-              <a:defRPr sz="1000">
-                <a:solidFill>
-                  <a:schemeClr val="dk2"/>
-                </a:solidFill>
+            <a:lvl7pPr indent="0" lvl="6" marL="0" marR="0" rtl="0" algn="r">
+              <a:lnSpc>
+                <a:spcPct val="100000"/>
+              </a:lnSpc>
+              <a:spcBef>
+                <a:spcPts val="0"/>
+              </a:spcBef>
+              <a:spcAft>
+                <a:spcPts val="0"/>
+              </a:spcAft>
+              <a:buClr>
+                <a:srgbClr val="000000"/>
+              </a:buClr>
+              <a:buSzPts val="1000"/>
+              <a:buFont typeface="Arial"/>
+              <a:buNone/>
+              <a:defRPr b="0" i="0" sz="1000" u="none" cap="none" strike="noStrike">
+                <a:solidFill>
+                  <a:schemeClr val="dk2"/>
+                </a:solidFill>
+                <a:latin typeface="Arial"/>
+                <a:ea typeface="Arial"/>
+                <a:cs typeface="Arial"/>
+                <a:sym typeface="Arial"/>
               </a:defRPr>
             </a:lvl7pPr>
-            <a:lvl8pPr lvl="7" algn="r">
-              <a:buNone/>
-              <a:defRPr sz="1000">
-                <a:solidFill>
-                  <a:schemeClr val="dk2"/>
-                </a:solidFill>
+            <a:lvl8pPr indent="0" lvl="7" marL="0" marR="0" rtl="0" algn="r">
+              <a:lnSpc>
+                <a:spcPct val="100000"/>
+              </a:lnSpc>
+              <a:spcBef>
+                <a:spcPts val="0"/>
+              </a:spcBef>
+              <a:spcAft>
+                <a:spcPts val="0"/>
+              </a:spcAft>
+              <a:buClr>
+                <a:srgbClr val="000000"/>
+              </a:buClr>
+              <a:buSzPts val="1000"/>
+              <a:buFont typeface="Arial"/>
+              <a:buNone/>
+              <a:defRPr b="0" i="0" sz="1000" u="none" cap="none" strike="noStrike">
+                <a:solidFill>
+                  <a:schemeClr val="dk2"/>
+                </a:solidFill>
+                <a:latin typeface="Arial"/>
+                <a:ea typeface="Arial"/>
+                <a:cs typeface="Arial"/>
+                <a:sym typeface="Arial"/>
               </a:defRPr>
             </a:lvl8pPr>
-            <a:lvl9pPr lvl="8" algn="r">
-              <a:buNone/>
-              <a:defRPr sz="1000">
-                <a:solidFill>
-                  <a:schemeClr val="dk2"/>
-                </a:solidFill>
+            <a:lvl9pPr indent="0" lvl="8" marL="0" marR="0" rtl="0" algn="r">
+              <a:lnSpc>
+                <a:spcPct val="100000"/>
+              </a:lnSpc>
+              <a:spcBef>
+                <a:spcPts val="0"/>
+              </a:spcBef>
+              <a:spcAft>
+                <a:spcPts val="0"/>
+              </a:spcAft>
+              <a:buClr>
+                <a:srgbClr val="000000"/>
+              </a:buClr>
+              <a:buSzPts val="1000"/>
+              <a:buFont typeface="Arial"/>
+              <a:buNone/>
+              <a:defRPr b="0" i="0" sz="1000" u="none" cap="none" strike="noStrike">
+                <a:solidFill>
+                  <a:schemeClr val="dk2"/>
+                </a:solidFill>
+                <a:latin typeface="Arial"/>
+                <a:ea typeface="Arial"/>
+                <a:cs typeface="Arial"/>
+                <a:sym typeface="Arial"/>
               </a:defRPr>
             </a:lvl9pPr>
           </a:lstStyle>
@@ -4729,17 +7879,17 @@
   </p:cSld>
   <p:clrMap accent1="accent1" accent2="accent2" accent3="accent3" accent4="accent4" accent5="accent5" accent6="accent6" bg1="lt1" bg2="dk2" tx1="dk1" tx2="lt2" folHlink="folHlink" hlink="hlink"/>
   <p:sldLayoutIdLst>
-    <p:sldLayoutId id="2147483648" r:id="rId1"/>
-    <p:sldLayoutId id="2147483649" r:id="rId2"/>
-    <p:sldLayoutId id="2147483650" r:id="rId3"/>
-    <p:sldLayoutId id="2147483651" r:id="rId4"/>
-    <p:sldLayoutId id="2147483652" r:id="rId5"/>
-    <p:sldLayoutId id="2147483653" r:id="rId6"/>
-    <p:sldLayoutId id="2147483654" r:id="rId7"/>
-    <p:sldLayoutId id="2147483655" r:id="rId8"/>
-    <p:sldLayoutId id="2147483656" r:id="rId9"/>
-    <p:sldLayoutId id="2147483657" r:id="rId10"/>
-    <p:sldLayoutId id="2147483658" r:id="rId11"/>
+    <p:sldLayoutId id="2147483649" r:id="rId1"/>
+    <p:sldLayoutId id="2147483650" r:id="rId2"/>
+    <p:sldLayoutId id="2147483651" r:id="rId3"/>
+    <p:sldLayoutId id="2147483652" r:id="rId4"/>
+    <p:sldLayoutId id="2147483653" r:id="rId5"/>
+    <p:sldLayoutId id="2147483654" r:id="rId6"/>
+    <p:sldLayoutId id="2147483655" r:id="rId7"/>
+    <p:sldLayoutId id="2147483656" r:id="rId8"/>
+    <p:sldLayoutId id="2147483657" r:id="rId9"/>
+    <p:sldLayoutId id="2147483658" r:id="rId10"/>
+    <p:sldLayoutId id="2147483659" r:id="rId11"/>
   </p:sldLayoutIdLst>
   <p:hf dt="0" ftr="0" hdr="0" sldNum="0"/>
   <p:txStyles>
@@ -5453,7 +8603,7 @@
       </p:grpSpPr>
       <p:sp>
         <p:nvSpPr>
-          <p:cNvPr id="54" name="Google Shape;54;p13"/>
+          <p:cNvPr id="54" name="Google Shape;54;p1"/>
           <p:cNvSpPr txBox="1"/>
           <p:nvPr>
             <p:ph type="ctrTitle"/>
@@ -5467,6 +8617,10 @@
           <a:prstGeom prst="rect">
             <a:avLst/>
           </a:prstGeom>
+          <a:noFill/>
+          <a:ln>
+            <a:noFill/>
+          </a:ln>
         </p:spPr>
         <p:txBody>
           <a:bodyPr anchorCtr="0" anchor="b" bIns="91425" lIns="91425" spcFirstLastPara="1" rIns="91425" wrap="square" tIns="91425">
@@ -5475,12 +8629,16 @@
           <a:lstStyle/>
           <a:p>
             <a:pPr indent="0" lvl="0" marL="0" rtl="0" algn="ctr">
-              <a:spcBef>
-                <a:spcPts val="0"/>
-              </a:spcBef>
-              <a:spcAft>
-                <a:spcPts val="0"/>
-              </a:spcAft>
+              <a:lnSpc>
+                <a:spcPct val="100000"/>
+              </a:lnSpc>
+              <a:spcBef>
+                <a:spcPts val="0"/>
+              </a:spcBef>
+              <a:spcAft>
+                <a:spcPts val="0"/>
+              </a:spcAft>
+              <a:buSzPct val="111111"/>
               <a:buNone/>
             </a:pPr>
             <a:r>
@@ -5493,7 +8651,7 @@
       </p:sp>
       <p:sp>
         <p:nvSpPr>
-          <p:cNvPr id="55" name="Google Shape;55;p13"/>
+          <p:cNvPr id="55" name="Google Shape;55;p1"/>
           <p:cNvSpPr txBox="1"/>
           <p:nvPr>
             <p:ph idx="1" type="subTitle"/>
@@ -5507,6 +8665,10 @@
           <a:prstGeom prst="rect">
             <a:avLst/>
           </a:prstGeom>
+          <a:noFill/>
+          <a:ln>
+            <a:noFill/>
+          </a:ln>
         </p:spPr>
         <p:txBody>
           <a:bodyPr anchorCtr="0" anchor="t" bIns="91425" lIns="91425" spcFirstLastPara="1" rIns="91425" wrap="square" tIns="91425">
@@ -5515,12 +8677,16 @@
           <a:lstStyle/>
           <a:p>
             <a:pPr indent="0" lvl="0" marL="0" rtl="0" algn="ctr">
-              <a:spcBef>
-                <a:spcPts val="0"/>
-              </a:spcBef>
-              <a:spcAft>
-                <a:spcPts val="0"/>
-              </a:spcAft>
+              <a:lnSpc>
+                <a:spcPct val="100000"/>
+              </a:lnSpc>
+              <a:spcBef>
+                <a:spcPts val="0"/>
+              </a:spcBef>
+              <a:spcAft>
+                <a:spcPts val="0"/>
+              </a:spcAft>
+              <a:buSzPts val="2800"/>
               <a:buNone/>
             </a:pPr>
             <a:r>
@@ -5531,6 +8697,214 @@
           </a:p>
         </p:txBody>
       </p:sp>
+      <p:sp>
+        <p:nvSpPr>
+          <p:cNvPr id="56" name="Google Shape;56;p1"/>
+          <p:cNvSpPr/>
+          <p:nvPr/>
+        </p:nvSpPr>
+        <p:spPr>
+          <a:xfrm>
+            <a:off x="1269375" y="2237900"/>
+            <a:ext cx="704400" cy="704400"/>
+          </a:xfrm>
+          <a:prstGeom prst="rect">
+            <a:avLst/>
+          </a:prstGeom>
+          <a:solidFill>
+            <a:schemeClr val="lt2"/>
+          </a:solidFill>
+          <a:ln cap="flat" cmpd="sng" w="9525">
+            <a:solidFill>
+              <a:schemeClr val="dk2"/>
+            </a:solidFill>
+            <a:prstDash val="solid"/>
+            <a:round/>
+            <a:headEnd len="sm" w="sm" type="none"/>
+            <a:tailEnd len="sm" w="sm" type="none"/>
+          </a:ln>
+        </p:spPr>
+        <p:txBody>
+          <a:bodyPr anchorCtr="0" anchor="ctr" bIns="91425" lIns="91425" spcFirstLastPara="1" rIns="91425" wrap="square" tIns="91425">
+            <a:noAutofit/>
+          </a:bodyPr>
+          <a:lstStyle/>
+          <a:p>
+            <a:pPr indent="0" lvl="0" marL="0" marR="0" rtl="0" algn="ctr">
+              <a:lnSpc>
+                <a:spcPct val="100000"/>
+              </a:lnSpc>
+              <a:spcBef>
+                <a:spcPts val="0"/>
+              </a:spcBef>
+              <a:spcAft>
+                <a:spcPts val="0"/>
+              </a:spcAft>
+              <a:buClr>
+                <a:srgbClr val="000000"/>
+              </a:buClr>
+              <a:buSzPts val="1400"/>
+              <a:buFont typeface="Arial"/>
+              <a:buNone/>
+            </a:pPr>
+            <a:r>
+              <a:rPr b="0" i="0" lang="ja" sz="1400" u="none" cap="none" strike="noStrike">
+                <a:solidFill>
+                  <a:srgbClr val="000000"/>
+                </a:solidFill>
+                <a:latin typeface="Arial"/>
+                <a:ea typeface="Arial"/>
+                <a:cs typeface="Arial"/>
+                <a:sym typeface="Arial"/>
+              </a:rPr>
+              <a:t>test1</a:t>
+            </a:r>
+            <a:endParaRPr b="0" i="0" sz="1400" u="none" cap="none" strike="noStrike">
+              <a:solidFill>
+                <a:srgbClr val="000000"/>
+              </a:solidFill>
+              <a:latin typeface="Arial"/>
+              <a:ea typeface="Arial"/>
+              <a:cs typeface="Arial"/>
+              <a:sym typeface="Arial"/>
+            </a:endParaRPr>
+          </a:p>
+        </p:txBody>
+      </p:sp>
+      <p:sp>
+        <p:nvSpPr>
+          <p:cNvPr id="57" name="Google Shape;57;p1"/>
+          <p:cNvSpPr/>
+          <p:nvPr/>
+        </p:nvSpPr>
+        <p:spPr>
+          <a:xfrm>
+            <a:off x="2890925" y="2391975"/>
+            <a:ext cx="704400" cy="352200"/>
+          </a:xfrm>
+          <a:prstGeom prst="rightArrow">
+            <a:avLst>
+              <a:gd fmla="val 50000" name="adj1"/>
+              <a:gd fmla="val 50000" name="adj2"/>
+            </a:avLst>
+          </a:prstGeom>
+          <a:solidFill>
+            <a:schemeClr val="lt2"/>
+          </a:solidFill>
+          <a:ln cap="flat" cmpd="sng" w="9525">
+            <a:solidFill>
+              <a:schemeClr val="dk2"/>
+            </a:solidFill>
+            <a:prstDash val="solid"/>
+            <a:round/>
+            <a:headEnd len="sm" w="sm" type="none"/>
+            <a:tailEnd len="sm" w="sm" type="none"/>
+          </a:ln>
+        </p:spPr>
+        <p:txBody>
+          <a:bodyPr anchorCtr="0" anchor="ctr" bIns="91425" lIns="91425" spcFirstLastPara="1" rIns="91425" wrap="square" tIns="91425">
+            <a:noAutofit/>
+          </a:bodyPr>
+          <a:lstStyle/>
+          <a:p>
+            <a:pPr indent="0" lvl="0" marL="0" marR="0" rtl="0" algn="ctr">
+              <a:lnSpc>
+                <a:spcPct val="100000"/>
+              </a:lnSpc>
+              <a:spcBef>
+                <a:spcPts val="0"/>
+              </a:spcBef>
+              <a:spcAft>
+                <a:spcPts val="0"/>
+              </a:spcAft>
+              <a:buClr>
+                <a:srgbClr val="000000"/>
+              </a:buClr>
+              <a:buSzPts val="1400"/>
+              <a:buFont typeface="Arial"/>
+              <a:buNone/>
+            </a:pPr>
+            <a:r>
+              <a:rPr b="0" i="0" lang="ja" sz="1400" u="none" cap="none" strike="noStrike">
+                <a:solidFill>
+                  <a:srgbClr val="000000"/>
+                </a:solidFill>
+                <a:latin typeface="Arial"/>
+                <a:ea typeface="Arial"/>
+                <a:cs typeface="Arial"/>
+                <a:sym typeface="Arial"/>
+              </a:rPr>
+              <a:t>test2</a:t>
+            </a:r>
+            <a:endParaRPr b="0" i="0" sz="1400" u="none" cap="none" strike="noStrike">
+              <a:solidFill>
+                <a:srgbClr val="000000"/>
+              </a:solidFill>
+              <a:latin typeface="Arial"/>
+              <a:ea typeface="Arial"/>
+              <a:cs typeface="Arial"/>
+              <a:sym typeface="Arial"/>
+            </a:endParaRPr>
+          </a:p>
+        </p:txBody>
+      </p:sp>
+      <p:cxnSp>
+        <p:nvCxnSpPr>
+          <p:cNvPr id="58" name="Google Shape;58;p1"/>
+          <p:cNvCxnSpPr>
+            <a:stCxn id="56" idx="3"/>
+            <a:endCxn id="57" idx="1"/>
+          </p:cNvCxnSpPr>
+          <p:nvPr/>
+        </p:nvCxnSpPr>
+        <p:spPr>
+          <a:xfrm flipH="1" rot="10800000">
+            <a:off x="1973775" y="2568200"/>
+            <a:ext cx="917100" cy="21900"/>
+          </a:xfrm>
+          <a:prstGeom prst="straightConnector1">
+            <a:avLst/>
+          </a:prstGeom>
+          <a:noFill/>
+          <a:ln cap="flat" cmpd="sng" w="9525">
+            <a:solidFill>
+              <a:schemeClr val="dk2"/>
+            </a:solidFill>
+            <a:prstDash val="solid"/>
+            <a:round/>
+            <a:headEnd len="sm" w="sm" type="none"/>
+            <a:tailEnd len="sm" w="sm" type="none"/>
+          </a:ln>
+        </p:spPr>
+      </p:cxnSp>
+      <p:pic>
+        <p:nvPicPr>
+          <p:cNvPr id="59" name="Google Shape;59;p1" title="102408484.png"/>
+          <p:cNvPicPr preferRelativeResize="0"/>
+          <p:nvPr/>
+        </p:nvPicPr>
+        <p:blipFill>
+          <a:blip r:embed="rId3">
+            <a:alphaModFix/>
+          </a:blip>
+          <a:stretch>
+            <a:fillRect/>
+          </a:stretch>
+        </p:blipFill>
+        <p:spPr>
+          <a:xfrm>
+            <a:off x="5161850" y="2271725"/>
+            <a:ext cx="1133625" cy="1133625"/>
+          </a:xfrm>
+          <a:prstGeom prst="rect">
+            <a:avLst/>
+          </a:prstGeom>
+          <a:noFill/>
+          <a:ln>
+            <a:noFill/>
+          </a:ln>
+        </p:spPr>
+      </p:pic>
     </p:spTree>
   </p:cSld>
   <p:clrMapOvr>
@@ -5540,6 +8914,285 @@
 </file>
 
 <file path=ppt/theme/theme1.xml><?xml version="1.0" encoding="utf-8"?>
+<a:theme xmlns:a="http://schemas.openxmlformats.org/drawingml/2006/main" xmlns:r="http://schemas.openxmlformats.org/officeDocument/2006/relationships">
+  <a:themeElements>
+    <a:clrScheme name="Default">
+      <a:dk1>
+        <a:srgbClr val="000000"/>
+      </a:dk1>
+      <a:lt1>
+        <a:srgbClr val="FFFFFF"/>
+      </a:lt1>
+      <a:dk2>
+        <a:srgbClr val="158158"/>
+      </a:dk2>
+      <a:lt2>
+        <a:srgbClr val="F3F3F3"/>
+      </a:lt2>
+      <a:accent1>
+        <a:srgbClr val="058DC7"/>
+      </a:accent1>
+      <a:accent2>
+        <a:srgbClr val="50B432"/>
+      </a:accent2>
+      <a:accent3>
+        <a:srgbClr val="ED561B"/>
+      </a:accent3>
+      <a:accent4>
+        <a:srgbClr val="EDEF00"/>
+      </a:accent4>
+      <a:accent5>
+        <a:srgbClr val="24CBE5"/>
+      </a:accent5>
+      <a:accent6>
+        <a:srgbClr val="64E572"/>
+      </a:accent6>
+      <a:hlink>
+        <a:srgbClr val="2200CC"/>
+      </a:hlink>
+      <a:folHlink>
+        <a:srgbClr val="551A8B"/>
+      </a:folHlink>
+    </a:clrScheme>
+    <a:fontScheme name="Office">
+      <a:majorFont>
+        <a:latin typeface="Arial"/>
+        <a:ea typeface=""/>
+        <a:cs typeface=""/>
+        <a:font script="Jpan" typeface="ＭＳ Ｐゴシック"/>
+        <a:font script="Hang" typeface="맑은 고딕"/>
+        <a:font script="Hans" typeface="宋体"/>
+        <a:font script="Hant" typeface="新細明體"/>
+        <a:font script="Arab" typeface="Times New Roman"/>
+        <a:font script="Hebr" typeface="Times New Roman"/>
+        <a:font script="Thai" typeface="Angsana New"/>
+        <a:font script="Ethi" typeface="Nyala"/>
+        <a:font script="Beng" typeface="Vrinda"/>
+        <a:font script="Gujr" typeface="Shruti"/>
+        <a:font script="Khmr" typeface="MoolBoran"/>
+        <a:font script="Knda" typeface="Tunga"/>
+        <a:font script="Guru" typeface="Raavi"/>
+        <a:font script="Cans" typeface="Euphemia"/>
+        <a:font script="Cher" typeface="Plantagenet Cherokee"/>
+        <a:font script="Yiii" typeface="Microsoft Yi Baiti"/>
+        <a:font script="Tibt" typeface="Microsoft Himalaya"/>
+        <a:font script="Thaa" typeface="MV Boli"/>
+        <a:font script="Deva" typeface="Mangal"/>
+        <a:font script="Telu" typeface="Gautami"/>
+        <a:font script="Taml" typeface="Latha"/>
+        <a:font script="Syrc" typeface="Estrangelo Edessa"/>
+        <a:font script="Orya" typeface="Kalinga"/>
+        <a:font script="Mlym" typeface="Kartika"/>
+        <a:font script="Laoo" typeface="DokChampa"/>
+        <a:font script="Sinh" typeface="Iskoola Pota"/>
+        <a:font script="Mong" typeface="Mongolian Baiti"/>
+        <a:font script="Viet" typeface="Times New Roman"/>
+        <a:font script="Uigh" typeface="Microsoft Uighur"/>
+        <a:font script="Geor" typeface="Sylfaen"/>
+      </a:majorFont>
+      <a:minorFont>
+        <a:latin typeface="Arial"/>
+        <a:ea typeface=""/>
+        <a:cs typeface=""/>
+        <a:font script="Jpan" typeface="ＭＳ Ｐゴシック"/>
+        <a:font script="Hang" typeface="맑은 고딕"/>
+        <a:font script="Hans" typeface="宋体"/>
+        <a:font script="Hant" typeface="新細明體"/>
+        <a:font script="Arab" typeface="Arial"/>
+        <a:font script="Hebr" typeface="Arial"/>
+        <a:font script="Thai" typeface="Cordia New"/>
+        <a:font script="Ethi" typeface="Nyala"/>
+        <a:font script="Beng" typeface="Vrinda"/>
+        <a:font script="Gujr" typeface="Shruti"/>
+        <a:font script="Khmr" typeface="DaunPenh"/>
+        <a:font script="Knda" typeface="Tunga"/>
+        <a:font script="Guru" typeface="Raavi"/>
+        <a:font script="Cans" typeface="Euphemia"/>
+        <a:font script="Cher" typeface="Plantagenet Cherokee"/>
+        <a:font script="Yiii" typeface="Microsoft Yi Baiti"/>
+        <a:font script="Tibt" typeface="Microsoft Himalaya"/>
+        <a:font script="Thaa" typeface="MV Boli"/>
+        <a:font script="Deva" typeface="Mangal"/>
+        <a:font script="Telu" typeface="Gautami"/>
+        <a:font script="Taml" typeface="Latha"/>
+        <a:font script="Syrc" typeface="Estrangelo Edessa"/>
+        <a:font script="Orya" typeface="Kalinga"/>
+        <a:font script="Mlym" typeface="Kartika"/>
+        <a:font script="Laoo" typeface="DokChampa"/>
+        <a:font script="Sinh" typeface="Iskoola Pota"/>
+        <a:font script="Mong" typeface="Mongolian Baiti"/>
+        <a:font script="Viet" typeface="Arial"/>
+        <a:font script="Uigh" typeface="Microsoft Uighur"/>
+        <a:font script="Geor" typeface="Sylfaen"/>
+      </a:minorFont>
+    </a:fontScheme>
+    <a:fmtScheme name="Office">
+      <a:fillStyleLst>
+        <a:solidFill>
+          <a:schemeClr val="phClr"/>
+        </a:solidFill>
+        <a:gradFill rotWithShape="1">
+          <a:gsLst>
+            <a:gs pos="0">
+              <a:schemeClr val="phClr">
+                <a:tint val="50000"/>
+                <a:satMod val="300000"/>
+              </a:schemeClr>
+            </a:gs>
+            <a:gs pos="35000">
+              <a:schemeClr val="phClr">
+                <a:tint val="37000"/>
+                <a:satMod val="300000"/>
+              </a:schemeClr>
+            </a:gs>
+            <a:gs pos="100000">
+              <a:schemeClr val="phClr">
+                <a:tint val="15000"/>
+                <a:satMod val="350000"/>
+              </a:schemeClr>
+            </a:gs>
+          </a:gsLst>
+          <a:lin ang="16200000" scaled="1"/>
+        </a:gradFill>
+        <a:gradFill rotWithShape="1">
+          <a:gsLst>
+            <a:gs pos="0">
+              <a:schemeClr val="phClr">
+                <a:tint val="100000"/>
+                <a:shade val="100000"/>
+                <a:satMod val="130000"/>
+              </a:schemeClr>
+            </a:gs>
+            <a:gs pos="100000">
+              <a:schemeClr val="phClr">
+                <a:tint val="50000"/>
+                <a:shade val="100000"/>
+                <a:satMod val="350000"/>
+              </a:schemeClr>
+            </a:gs>
+          </a:gsLst>
+          <a:lin ang="16200000" scaled="0"/>
+        </a:gradFill>
+      </a:fillStyleLst>
+      <a:lnStyleLst>
+        <a:ln w="9525" cap="flat" cmpd="sng" algn="ctr">
+          <a:solidFill>
+            <a:schemeClr val="phClr">
+              <a:shade val="95000"/>
+              <a:satMod val="105000"/>
+            </a:schemeClr>
+          </a:solidFill>
+          <a:prstDash val="solid"/>
+        </a:ln>
+        <a:ln w="25400" cap="flat" cmpd="sng" algn="ctr">
+          <a:solidFill>
+            <a:schemeClr val="phClr"/>
+          </a:solidFill>
+          <a:prstDash val="solid"/>
+        </a:ln>
+        <a:ln w="38100" cap="flat" cmpd="sng" algn="ctr">
+          <a:solidFill>
+            <a:schemeClr val="phClr"/>
+          </a:solidFill>
+          <a:prstDash val="solid"/>
+        </a:ln>
+      </a:lnStyleLst>
+      <a:effectStyleLst>
+        <a:effectStyle>
+          <a:effectLst>
+            <a:outerShdw blurRad="40000" dist="20000" dir="5400000" rotWithShape="0">
+              <a:srgbClr val="000000">
+                <a:alpha val="38000"/>
+              </a:srgbClr>
+            </a:outerShdw>
+          </a:effectLst>
+        </a:effectStyle>
+        <a:effectStyle>
+          <a:effectLst>
+            <a:outerShdw blurRad="40000" dist="23000" dir="5400000" rotWithShape="0">
+              <a:srgbClr val="000000">
+                <a:alpha val="35000"/>
+              </a:srgbClr>
+            </a:outerShdw>
+          </a:effectLst>
+        </a:effectStyle>
+        <a:effectStyle>
+          <a:effectLst>
+            <a:outerShdw blurRad="40000" dist="23000" dir="5400000" rotWithShape="0">
+              <a:srgbClr val="000000">
+                <a:alpha val="35000"/>
+              </a:srgbClr>
+            </a:outerShdw>
+          </a:effectLst>
+          <a:scene3d>
+            <a:camera prst="orthographicFront">
+              <a:rot lat="0" lon="0" rev="0"/>
+            </a:camera>
+            <a:lightRig rig="threePt" dir="t">
+              <a:rot lat="0" lon="0" rev="1200000"/>
+            </a:lightRig>
+          </a:scene3d>
+          <a:sp3d>
+            <a:bevelT w="63500" h="25400"/>
+          </a:sp3d>
+        </a:effectStyle>
+      </a:effectStyleLst>
+      <a:bgFillStyleLst>
+        <a:solidFill>
+          <a:schemeClr val="phClr"/>
+        </a:solidFill>
+        <a:gradFill rotWithShape="1">
+          <a:gsLst>
+            <a:gs pos="0">
+              <a:schemeClr val="phClr">
+                <a:tint val="40000"/>
+                <a:satMod val="350000"/>
+              </a:schemeClr>
+            </a:gs>
+            <a:gs pos="40000">
+              <a:schemeClr val="phClr">
+                <a:tint val="45000"/>
+                <a:shade val="99000"/>
+                <a:satMod val="350000"/>
+              </a:schemeClr>
+            </a:gs>
+            <a:gs pos="100000">
+              <a:schemeClr val="phClr">
+                <a:shade val="20000"/>
+                <a:satMod val="255000"/>
+              </a:schemeClr>
+            </a:gs>
+          </a:gsLst>
+          <a:path path="circle">
+            <a:fillToRect l="50000" t="-80000" r="50000" b="180000"/>
+          </a:path>
+        </a:gradFill>
+        <a:gradFill rotWithShape="1">
+          <a:gsLst>
+            <a:gs pos="0">
+              <a:schemeClr val="phClr">
+                <a:tint val="80000"/>
+                <a:satMod val="300000"/>
+              </a:schemeClr>
+            </a:gs>
+            <a:gs pos="100000">
+              <a:schemeClr val="phClr">
+                <a:shade val="30000"/>
+                <a:satMod val="200000"/>
+              </a:schemeClr>
+            </a:gs>
+          </a:gsLst>
+          <a:path path="circle">
+            <a:fillToRect l="50000" t="50000" r="50000" b="50000"/>
+          </a:path>
+        </a:gradFill>
+      </a:bgFillStyleLst>
+    </a:fmtScheme>
+  </a:themeElements>
+</a:theme>
+</file>
+
+<file path=ppt/theme/theme2.xml><?xml version="1.0" encoding="utf-8"?>
 <a:theme xmlns:a="http://schemas.openxmlformats.org/drawingml/2006/main" xmlns:r="http://schemas.openxmlformats.org/officeDocument/2006/relationships" name="Simple Light">
   <a:themeElements>
     <a:clrScheme name="Simple Light">
@@ -5816,283 +9469,4 @@
     </a:fmtScheme>
   </a:themeElements>
 </a:theme>
-</file>
-
-<file path=ppt/theme/theme2.xml><?xml version="1.0" encoding="utf-8"?>
-<a:theme xmlns:a="http://schemas.openxmlformats.org/drawingml/2006/main" xmlns:r="http://schemas.openxmlformats.org/officeDocument/2006/relationships">
-  <a:themeElements>
-    <a:clrScheme name="Default">
-      <a:dk1>
-        <a:srgbClr val="000000"/>
-      </a:dk1>
-      <a:lt1>
-        <a:srgbClr val="FFFFFF"/>
-      </a:lt1>
-      <a:dk2>
-        <a:srgbClr val="158158"/>
-      </a:dk2>
-      <a:lt2>
-        <a:srgbClr val="F3F3F3"/>
-      </a:lt2>
-      <a:accent1>
-        <a:srgbClr val="058DC7"/>
-      </a:accent1>
-      <a:accent2>
-        <a:srgbClr val="50B432"/>
-      </a:accent2>
-      <a:accent3>
-        <a:srgbClr val="ED561B"/>
-      </a:accent3>
-      <a:accent4>
-        <a:srgbClr val="EDEF00"/>
-      </a:accent4>
-      <a:accent5>
-        <a:srgbClr val="24CBE5"/>
-      </a:accent5>
-      <a:accent6>
-        <a:srgbClr val="64E572"/>
-      </a:accent6>
-      <a:hlink>
-        <a:srgbClr val="2200CC"/>
-      </a:hlink>
-      <a:folHlink>
-        <a:srgbClr val="551A8B"/>
-      </a:folHlink>
-    </a:clrScheme>
-    <a:fontScheme name="Office">
-      <a:majorFont>
-        <a:latin typeface="Arial"/>
-        <a:ea typeface=""/>
-        <a:cs typeface=""/>
-        <a:font script="Jpan" typeface="ＭＳ Ｐゴシック"/>
-        <a:font script="Hang" typeface="맑은 고딕"/>
-        <a:font script="Hans" typeface="宋体"/>
-        <a:font script="Hant" typeface="新細明體"/>
-        <a:font script="Arab" typeface="Times New Roman"/>
-        <a:font script="Hebr" typeface="Times New Roman"/>
-        <a:font script="Thai" typeface="Angsana New"/>
-        <a:font script="Ethi" typeface="Nyala"/>
-        <a:font script="Beng" typeface="Vrinda"/>
-        <a:font script="Gujr" typeface="Shruti"/>
-        <a:font script="Khmr" typeface="MoolBoran"/>
-        <a:font script="Knda" typeface="Tunga"/>
-        <a:font script="Guru" typeface="Raavi"/>
-        <a:font script="Cans" typeface="Euphemia"/>
-        <a:font script="Cher" typeface="Plantagenet Cherokee"/>
-        <a:font script="Yiii" typeface="Microsoft Yi Baiti"/>
-        <a:font script="Tibt" typeface="Microsoft Himalaya"/>
-        <a:font script="Thaa" typeface="MV Boli"/>
-        <a:font script="Deva" typeface="Mangal"/>
-        <a:font script="Telu" typeface="Gautami"/>
-        <a:font script="Taml" typeface="Latha"/>
-        <a:font script="Syrc" typeface="Estrangelo Edessa"/>
-        <a:font script="Orya" typeface="Kalinga"/>
-        <a:font script="Mlym" typeface="Kartika"/>
-        <a:font script="Laoo" typeface="DokChampa"/>
-        <a:font script="Sinh" typeface="Iskoola Pota"/>
-        <a:font script="Mong" typeface="Mongolian Baiti"/>
-        <a:font script="Viet" typeface="Times New Roman"/>
-        <a:font script="Uigh" typeface="Microsoft Uighur"/>
-        <a:font script="Geor" typeface="Sylfaen"/>
-      </a:majorFont>
-      <a:minorFont>
-        <a:latin typeface="Arial"/>
-        <a:ea typeface=""/>
-        <a:cs typeface=""/>
-        <a:font script="Jpan" typeface="ＭＳ Ｐゴシック"/>
-        <a:font script="Hang" typeface="맑은 고딕"/>
-        <a:font script="Hans" typeface="宋体"/>
-        <a:font script="Hant" typeface="新細明體"/>
-        <a:font script="Arab" typeface="Arial"/>
-        <a:font script="Hebr" typeface="Arial"/>
-        <a:font script="Thai" typeface="Cordia New"/>
-        <a:font script="Ethi" typeface="Nyala"/>
-        <a:font script="Beng" typeface="Vrinda"/>
-        <a:font script="Gujr" typeface="Shruti"/>
-        <a:font script="Khmr" typeface="DaunPenh"/>
-        <a:font script="Knda" typeface="Tunga"/>
-        <a:font script="Guru" typeface="Raavi"/>
-        <a:font script="Cans" typeface="Euphemia"/>
-        <a:font script="Cher" typeface="Plantagenet Cherokee"/>
-        <a:font script="Yiii" typeface="Microsoft Yi Baiti"/>
-        <a:font script="Tibt" typeface="Microsoft Himalaya"/>
-        <a:font script="Thaa" typeface="MV Boli"/>
-        <a:font script="Deva" typeface="Mangal"/>
-        <a:font script="Telu" typeface="Gautami"/>
-        <a:font script="Taml" typeface="Latha"/>
-        <a:font script="Syrc" typeface="Estrangelo Edessa"/>
-        <a:font script="Orya" typeface="Kalinga"/>
-        <a:font script="Mlym" typeface="Kartika"/>
-        <a:font script="Laoo" typeface="DokChampa"/>
-        <a:font script="Sinh" typeface="Iskoola Pota"/>
-        <a:font script="Mong" typeface="Mongolian Baiti"/>
-        <a:font script="Viet" typeface="Arial"/>
-        <a:font script="Uigh" typeface="Microsoft Uighur"/>
-        <a:font script="Geor" typeface="Sylfaen"/>
-      </a:minorFont>
-    </a:fontScheme>
-    <a:fmtScheme name="Office">
-      <a:fillStyleLst>
-        <a:solidFill>
-          <a:schemeClr val="phClr"/>
-        </a:solidFill>
-        <a:gradFill rotWithShape="1">
-          <a:gsLst>
-            <a:gs pos="0">
-              <a:schemeClr val="phClr">
-                <a:tint val="50000"/>
-                <a:satMod val="300000"/>
-              </a:schemeClr>
-            </a:gs>
-            <a:gs pos="35000">
-              <a:schemeClr val="phClr">
-                <a:tint val="37000"/>
-                <a:satMod val="300000"/>
-              </a:schemeClr>
-            </a:gs>
-            <a:gs pos="100000">
-              <a:schemeClr val="phClr">
-                <a:tint val="15000"/>
-                <a:satMod val="350000"/>
-              </a:schemeClr>
-            </a:gs>
-          </a:gsLst>
-          <a:lin ang="16200000" scaled="1"/>
-        </a:gradFill>
-        <a:gradFill rotWithShape="1">
-          <a:gsLst>
-            <a:gs pos="0">
-              <a:schemeClr val="phClr">
-                <a:tint val="100000"/>
-                <a:shade val="100000"/>
-                <a:satMod val="130000"/>
-              </a:schemeClr>
-            </a:gs>
-            <a:gs pos="100000">
-              <a:schemeClr val="phClr">
-                <a:tint val="50000"/>
-                <a:shade val="100000"/>
-                <a:satMod val="350000"/>
-              </a:schemeClr>
-            </a:gs>
-          </a:gsLst>
-          <a:lin ang="16200000" scaled="0"/>
-        </a:gradFill>
-      </a:fillStyleLst>
-      <a:lnStyleLst>
-        <a:ln w="9525" cap="flat" cmpd="sng" algn="ctr">
-          <a:solidFill>
-            <a:schemeClr val="phClr">
-              <a:shade val="95000"/>
-              <a:satMod val="105000"/>
-            </a:schemeClr>
-          </a:solidFill>
-          <a:prstDash val="solid"/>
-        </a:ln>
-        <a:ln w="25400" cap="flat" cmpd="sng" algn="ctr">
-          <a:solidFill>
-            <a:schemeClr val="phClr"/>
-          </a:solidFill>
-          <a:prstDash val="solid"/>
-        </a:ln>
-        <a:ln w="38100" cap="flat" cmpd="sng" algn="ctr">
-          <a:solidFill>
-            <a:schemeClr val="phClr"/>
-          </a:solidFill>
-          <a:prstDash val="solid"/>
-        </a:ln>
-      </a:lnStyleLst>
-      <a:effectStyleLst>
-        <a:effectStyle>
-          <a:effectLst>
-            <a:outerShdw blurRad="40000" dist="20000" dir="5400000" rotWithShape="0">
-              <a:srgbClr val="000000">
-                <a:alpha val="38000"/>
-              </a:srgbClr>
-            </a:outerShdw>
-          </a:effectLst>
-        </a:effectStyle>
-        <a:effectStyle>
-          <a:effectLst>
-            <a:outerShdw blurRad="40000" dist="23000" dir="5400000" rotWithShape="0">
-              <a:srgbClr val="000000">
-                <a:alpha val="35000"/>
-              </a:srgbClr>
-            </a:outerShdw>
-          </a:effectLst>
-        </a:effectStyle>
-        <a:effectStyle>
-          <a:effectLst>
-            <a:outerShdw blurRad="40000" dist="23000" dir="5400000" rotWithShape="0">
-              <a:srgbClr val="000000">
-                <a:alpha val="35000"/>
-              </a:srgbClr>
-            </a:outerShdw>
-          </a:effectLst>
-          <a:scene3d>
-            <a:camera prst="orthographicFront">
-              <a:rot lat="0" lon="0" rev="0"/>
-            </a:camera>
-            <a:lightRig rig="threePt" dir="t">
-              <a:rot lat="0" lon="0" rev="1200000"/>
-            </a:lightRig>
-          </a:scene3d>
-          <a:sp3d>
-            <a:bevelT w="63500" h="25400"/>
-          </a:sp3d>
-        </a:effectStyle>
-      </a:effectStyleLst>
-      <a:bgFillStyleLst>
-        <a:solidFill>
-          <a:schemeClr val="phClr"/>
-        </a:solidFill>
-        <a:gradFill rotWithShape="1">
-          <a:gsLst>
-            <a:gs pos="0">
-              <a:schemeClr val="phClr">
-                <a:tint val="40000"/>
-                <a:satMod val="350000"/>
-              </a:schemeClr>
-            </a:gs>
-            <a:gs pos="40000">
-              <a:schemeClr val="phClr">
-                <a:tint val="45000"/>
-                <a:shade val="99000"/>
-                <a:satMod val="350000"/>
-              </a:schemeClr>
-            </a:gs>
-            <a:gs pos="100000">
-              <a:schemeClr val="phClr">
-                <a:shade val="20000"/>
-                <a:satMod val="255000"/>
-              </a:schemeClr>
-            </a:gs>
-          </a:gsLst>
-          <a:path path="circle">
-            <a:fillToRect l="50000" t="-80000" r="50000" b="180000"/>
-          </a:path>
-        </a:gradFill>
-        <a:gradFill rotWithShape="1">
-          <a:gsLst>
-            <a:gs pos="0">
-              <a:schemeClr val="phClr">
-                <a:tint val="80000"/>
-                <a:satMod val="300000"/>
-              </a:schemeClr>
-            </a:gs>
-            <a:gs pos="100000">
-              <a:schemeClr val="phClr">
-                <a:shade val="30000"/>
-                <a:satMod val="200000"/>
-              </a:schemeClr>
-            </a:gs>
-          </a:gsLst>
-          <a:path path="circle">
-            <a:fillToRect l="50000" t="50000" r="50000" b="50000"/>
-          </a:path>
-        </a:gradFill>
-      </a:bgFillStyleLst>
-    </a:fmtScheme>
-  </a:themeElements>
-</a:theme>
 </file>